--- a/oclc-elk.pptx
+++ b/oclc-elk.pptx
@@ -5,32 +5,39 @@
     <p:sldMasterId id="2147483648" r:id="rId1"/>
   </p:sldMasterIdLst>
   <p:notesMasterIdLst>
-    <p:notesMasterId r:id="rId25"/>
+    <p:notesMasterId r:id="rId32"/>
   </p:notesMasterIdLst>
   <p:sldIdLst>
     <p:sldId id="256" r:id="rId2"/>
-    <p:sldId id="288" r:id="rId3"/>
-    <p:sldId id="280" r:id="rId4"/>
-    <p:sldId id="281" r:id="rId5"/>
-    <p:sldId id="276" r:id="rId6"/>
-    <p:sldId id="258" r:id="rId7"/>
-    <p:sldId id="264" r:id="rId8"/>
-    <p:sldId id="265" r:id="rId9"/>
-    <p:sldId id="266" r:id="rId10"/>
-    <p:sldId id="260" r:id="rId11"/>
-    <p:sldId id="261" r:id="rId12"/>
-    <p:sldId id="262" r:id="rId13"/>
-    <p:sldId id="277" r:id="rId14"/>
-    <p:sldId id="278" r:id="rId15"/>
-    <p:sldId id="263" r:id="rId16"/>
-    <p:sldId id="257" r:id="rId17"/>
-    <p:sldId id="282" r:id="rId18"/>
-    <p:sldId id="279" r:id="rId19"/>
-    <p:sldId id="283" r:id="rId20"/>
-    <p:sldId id="285" r:id="rId21"/>
-    <p:sldId id="286" r:id="rId22"/>
-    <p:sldId id="284" r:id="rId23"/>
-    <p:sldId id="287" r:id="rId24"/>
+    <p:sldId id="280" r:id="rId3"/>
+    <p:sldId id="281" r:id="rId4"/>
+    <p:sldId id="258" r:id="rId5"/>
+    <p:sldId id="264" r:id="rId6"/>
+    <p:sldId id="297" r:id="rId7"/>
+    <p:sldId id="265" r:id="rId8"/>
+    <p:sldId id="289" r:id="rId9"/>
+    <p:sldId id="290" r:id="rId10"/>
+    <p:sldId id="291" r:id="rId11"/>
+    <p:sldId id="293" r:id="rId12"/>
+    <p:sldId id="260" r:id="rId13"/>
+    <p:sldId id="261" r:id="rId14"/>
+    <p:sldId id="262" r:id="rId15"/>
+    <p:sldId id="277" r:id="rId16"/>
+    <p:sldId id="278" r:id="rId17"/>
+    <p:sldId id="263" r:id="rId18"/>
+    <p:sldId id="257" r:id="rId19"/>
+    <p:sldId id="282" r:id="rId20"/>
+    <p:sldId id="294" r:id="rId21"/>
+    <p:sldId id="292" r:id="rId22"/>
+    <p:sldId id="295" r:id="rId23"/>
+    <p:sldId id="296" r:id="rId24"/>
+    <p:sldId id="279" r:id="rId25"/>
+    <p:sldId id="283" r:id="rId26"/>
+    <p:sldId id="285" r:id="rId27"/>
+    <p:sldId id="286" r:id="rId28"/>
+    <p:sldId id="284" r:id="rId29"/>
+    <p:sldId id="288" r:id="rId30"/>
+    <p:sldId id="287" r:id="rId31"/>
   </p:sldIdLst>
   <p:sldSz cx="9144000" cy="6858000" type="screen4x3"/>
   <p:notesSz cx="6858000" cy="9144000"/>
@@ -214,7 +221,7 @@
           <a:p>
             <a:fld id="{26AD1A27-936B-714C-A770-4CD7AA64F397}" type="datetimeFigureOut">
               <a:rPr lang="en-US" smtClean="0"/>
-              <a:t>12/30/14</a:t>
+              <a:t>1/1/15</a:t>
             </a:fld>
             <a:endParaRPr lang="en-US"/>
           </a:p>
@@ -527,20 +534,17 @@
           <a:lstStyle/>
           <a:p>
             <a:r>
-              <a:rPr lang="en-US" dirty="0" smtClean="0"/>
-              <a:t>Intro was choppy</a:t>
-            </a:r>
-            <a:r>
               <a:rPr lang="en-US" baseline="0" dirty="0" smtClean="0"/>
-              <a:t> – need to introduce myself and talk about why I am here – discuss all of the benefits we have received – especially increased exposure (shared interest across all groups – </a:t>
-            </a:r>
-            <a:r>
-              <a:rPr lang="en-US" baseline="0" dirty="0" err="1" smtClean="0"/>
-              <a:t>dev</a:t>
-            </a:r>
+              <a:t>Who here has to look at logs?</a:t>
+            </a:r>
+          </a:p>
+          <a:p>
+            <a:endParaRPr lang="en-US" baseline="0" dirty="0" smtClean="0"/>
+          </a:p>
+          <a:p>
             <a:r>
               <a:rPr lang="en-US" baseline="0" dirty="0" smtClean="0"/>
-              <a:t>, ops, product)</a:t>
+              <a:t>Who here enjoys it?</a:t>
             </a:r>
           </a:p>
           <a:p>
@@ -549,7 +553,7 @@
           <a:p>
             <a:r>
               <a:rPr lang="en-US" baseline="0" dirty="0" smtClean="0"/>
-              <a:t>15-20 minutes to assemble all logs you wanted to use to debug a problem -&gt; instantaneous to hone in on the exact problem.</a:t>
+              <a:t>I assume since you are at this talk, that means it is unpleasant.</a:t>
             </a:r>
           </a:p>
           <a:p>
@@ -558,223 +562,9 @@
           <a:p>
             <a:r>
               <a:rPr lang="en-US" baseline="0" dirty="0" smtClean="0"/>
-              <a:t>Real life OCLC examples – as part of the intro (or right after the architecture) talk about ops and </a:t>
-            </a:r>
-            <a:r>
-              <a:rPr lang="en-US" baseline="0" dirty="0" err="1" smtClean="0"/>
-              <a:t>dev</a:t>
-            </a:r>
-            <a:r>
-              <a:rPr lang="en-US" baseline="0" dirty="0" smtClean="0"/>
-              <a:t> sharing links</a:t>
-            </a:r>
-          </a:p>
-          <a:p>
+              <a:t>I’d like to tell you about where I work, and the issues we had, and then what we did to fix them.</a:t>
+            </a:r>
             <a:endParaRPr lang="en-US" baseline="0" dirty="0" smtClean="0"/>
-          </a:p>
-          <a:p>
-            <a:r>
-              <a:rPr lang="en-US" baseline="0" dirty="0" smtClean="0"/>
-              <a:t>In </a:t>
-            </a:r>
-            <a:r>
-              <a:rPr lang="en-US" baseline="0" dirty="0" err="1" smtClean="0"/>
-              <a:t>kibana</a:t>
-            </a:r>
-            <a:r>
-              <a:rPr lang="en-US" baseline="0" dirty="0" smtClean="0"/>
-              <a:t> – dragging across the graph, show how clicking on mag-glass creates filters, filters + queries</a:t>
-            </a:r>
-          </a:p>
-          <a:p>
-            <a:endParaRPr lang="en-US" baseline="0" dirty="0" smtClean="0"/>
-          </a:p>
-          <a:p>
-            <a:r>
-              <a:rPr lang="en-US" baseline="0" dirty="0" smtClean="0"/>
-              <a:t>Much more slowly describe how I am using the dashboards.</a:t>
-            </a:r>
-          </a:p>
-          <a:p>
-            <a:endParaRPr lang="en-US" baseline="0" dirty="0" smtClean="0"/>
-          </a:p>
-          <a:p>
-            <a:r>
-              <a:rPr lang="en-US" baseline="0" dirty="0" smtClean="0"/>
-              <a:t>Transition to </a:t>
-            </a:r>
-            <a:r>
-              <a:rPr lang="en-US" baseline="0" dirty="0" err="1" smtClean="0"/>
-              <a:t>json</a:t>
-            </a:r>
-            <a:r>
-              <a:rPr lang="en-US" baseline="0" dirty="0" smtClean="0"/>
-              <a:t> and code was abrupt</a:t>
-            </a:r>
-          </a:p>
-          <a:p>
-            <a:endParaRPr lang="en-US" baseline="0" dirty="0" smtClean="0"/>
-          </a:p>
-          <a:p>
-            <a:r>
-              <a:rPr lang="en-US" baseline="0" dirty="0" smtClean="0"/>
-              <a:t>When starting demo describe </a:t>
-            </a:r>
-            <a:r>
-              <a:rPr lang="en-US" baseline="0" dirty="0" err="1" smtClean="0"/>
-              <a:t>logstash</a:t>
-            </a:r>
-            <a:r>
-              <a:rPr lang="en-US" baseline="0" dirty="0" smtClean="0"/>
-              <a:t> and </a:t>
-            </a:r>
-            <a:r>
-              <a:rPr lang="en-US" baseline="0" dirty="0" err="1" smtClean="0"/>
-              <a:t>elasticsearch</a:t>
-            </a:r>
-            <a:r>
-              <a:rPr lang="en-US" baseline="0" dirty="0" smtClean="0"/>
-              <a:t> are running locally (with command line) and then show </a:t>
-            </a:r>
-            <a:r>
-              <a:rPr lang="en-US" baseline="0" dirty="0" err="1" smtClean="0"/>
-              <a:t>logstash</a:t>
-            </a:r>
-            <a:r>
-              <a:rPr lang="en-US" baseline="0" dirty="0" smtClean="0"/>
-              <a:t> </a:t>
-            </a:r>
-            <a:r>
-              <a:rPr lang="en-US" baseline="0" dirty="0" err="1" smtClean="0"/>
-              <a:t>config</a:t>
-            </a:r>
-            <a:r>
-              <a:rPr lang="en-US" baseline="0" dirty="0" smtClean="0"/>
-              <a:t> input and output before moving into </a:t>
-            </a:r>
-            <a:r>
-              <a:rPr lang="en-US" baseline="0" dirty="0" err="1" smtClean="0"/>
-              <a:t>kibana</a:t>
-            </a:r>
-            <a:r>
-              <a:rPr lang="en-US" baseline="0" dirty="0" smtClean="0"/>
-              <a:t>.</a:t>
-            </a:r>
-          </a:p>
-          <a:p>
-            <a:r>
-              <a:rPr lang="en-US" baseline="0" dirty="0" smtClean="0"/>
-              <a:t>Once in </a:t>
-            </a:r>
-            <a:r>
-              <a:rPr lang="en-US" baseline="0" dirty="0" err="1" smtClean="0"/>
-              <a:t>kibana</a:t>
-            </a:r>
-            <a:r>
-              <a:rPr lang="en-US" baseline="0" dirty="0" smtClean="0"/>
-              <a:t>, describe all the parts of the default dashboard.</a:t>
-            </a:r>
-          </a:p>
-          <a:p>
-            <a:endParaRPr lang="en-US" baseline="0" dirty="0" smtClean="0"/>
-          </a:p>
-          <a:p>
-            <a:r>
-              <a:rPr lang="en-US" baseline="0" dirty="0" err="1" smtClean="0"/>
-              <a:t>Kibana</a:t>
-            </a:r>
-            <a:r>
-              <a:rPr lang="en-US" baseline="0" dirty="0" smtClean="0"/>
-              <a:t> doesn’t know anything about your app or your logs</a:t>
-            </a:r>
-          </a:p>
-          <a:p>
-            <a:endParaRPr lang="en-US" baseline="0" dirty="0" smtClean="0"/>
-          </a:p>
-          <a:p>
-            <a:r>
-              <a:rPr lang="en-US" baseline="0" dirty="0" smtClean="0"/>
-              <a:t>Talk about all of the fields in the full event</a:t>
-            </a:r>
-          </a:p>
-          <a:p>
-            <a:endParaRPr lang="en-US" baseline="0" dirty="0" smtClean="0"/>
-          </a:p>
-          <a:p>
-            <a:r>
-              <a:rPr lang="en-US" baseline="0" dirty="0" smtClean="0"/>
-              <a:t>Request overview dashboard = access log centric</a:t>
-            </a:r>
-          </a:p>
-          <a:p>
-            <a:endParaRPr lang="en-US" baseline="0" dirty="0" smtClean="0"/>
-          </a:p>
-          <a:p>
-            <a:r>
-              <a:rPr lang="en-US" baseline="0" dirty="0" smtClean="0"/>
-              <a:t>Discuss </a:t>
-            </a:r>
-            <a:r>
-              <a:rPr lang="en-US" baseline="0" dirty="0" err="1" smtClean="0"/>
-              <a:t>logstash</a:t>
-            </a:r>
-            <a:r>
-              <a:rPr lang="en-US" baseline="0" dirty="0" smtClean="0"/>
-              <a:t> </a:t>
-            </a:r>
-            <a:r>
-              <a:rPr lang="en-US" baseline="0" dirty="0" err="1" smtClean="0"/>
-              <a:t>config</a:t>
-            </a:r>
-            <a:r>
-              <a:rPr lang="en-US" baseline="0" dirty="0" smtClean="0"/>
-              <a:t> and talk about running </a:t>
-            </a:r>
-            <a:r>
-              <a:rPr lang="en-US" baseline="0" dirty="0" err="1" smtClean="0"/>
-              <a:t>logstash</a:t>
-            </a:r>
-            <a:r>
-              <a:rPr lang="en-US" baseline="0" dirty="0" smtClean="0"/>
-              <a:t> and </a:t>
-            </a:r>
-            <a:r>
-              <a:rPr lang="en-US" baseline="0" dirty="0" err="1" smtClean="0"/>
-              <a:t>elasticsearch</a:t>
-            </a:r>
-            <a:r>
-              <a:rPr lang="en-US" baseline="0" dirty="0" smtClean="0"/>
-              <a:t> on laptop</a:t>
-            </a:r>
-          </a:p>
-          <a:p>
-            <a:endParaRPr lang="en-US" baseline="0" dirty="0" smtClean="0"/>
-          </a:p>
-          <a:p>
-            <a:r>
-              <a:rPr lang="en-US" baseline="0" dirty="0" smtClean="0"/>
-              <a:t>On the first dashboard describe each element of </a:t>
-            </a:r>
-            <a:r>
-              <a:rPr lang="en-US" baseline="0" dirty="0" err="1" smtClean="0"/>
-              <a:t>kibana</a:t>
-            </a:r>
-            <a:r>
-              <a:rPr lang="en-US" baseline="0" dirty="0" smtClean="0"/>
-              <a:t> – once I find the problem (either too long or a blow up) show the share link.</a:t>
-            </a:r>
-          </a:p>
-          <a:p>
-            <a:endParaRPr lang="en-US" baseline="0" dirty="0" smtClean="0"/>
-          </a:p>
-          <a:p>
-            <a:endParaRPr lang="en-US" baseline="0" dirty="0" smtClean="0"/>
-          </a:p>
-          <a:p>
-            <a:endParaRPr lang="en-US" baseline="0" dirty="0" smtClean="0"/>
-          </a:p>
-          <a:p>
-            <a:endParaRPr lang="en-US" dirty="0"/>
           </a:p>
         </p:txBody>
       </p:sp>
@@ -858,68 +648,31 @@
           <a:bodyPr/>
           <a:lstStyle/>
           <a:p>
-            <a:pPr marL="0" marR="0" indent="0" algn="l" defTabSz="457200" rtl="0" eaLnBrk="1" fontAlgn="auto" latinLnBrk="0" hangingPunct="1">
-              <a:lnSpc>
-                <a:spcPct val="100000"/>
-              </a:lnSpc>
-              <a:spcBef>
-                <a:spcPts val="0"/>
-              </a:spcBef>
-              <a:spcAft>
-                <a:spcPts val="0"/>
-              </a:spcAft>
-              <a:buClrTx/>
-              <a:buSzTx/>
-              <a:buFontTx/>
-              <a:buNone/>
-              <a:tabLst/>
-              <a:defRPr/>
-            </a:pPr>
-            <a:r>
-              <a:rPr lang="en-US" sz="1200" dirty="0" err="1" smtClean="0"/>
-              <a:t>Logstash</a:t>
-            </a:r>
-            <a:r>
-              <a:rPr lang="en-US" sz="1200" dirty="0" smtClean="0"/>
-              <a:t> is a project similar to Apache Flume if you are </a:t>
-            </a:r>
-            <a:r>
-              <a:rPr lang="en-US" sz="1200" dirty="0" err="1" smtClean="0"/>
-              <a:t>famailiar</a:t>
-            </a:r>
-            <a:r>
-              <a:rPr lang="en-US" sz="1200" dirty="0" smtClean="0"/>
-              <a:t> with that project.</a:t>
-            </a:r>
-          </a:p>
-          <a:p>
-            <a:pPr marL="0" marR="0" indent="0" algn="l" defTabSz="457200" rtl="0" eaLnBrk="1" fontAlgn="auto" latinLnBrk="0" hangingPunct="1">
-              <a:lnSpc>
-                <a:spcPct val="100000"/>
-              </a:lnSpc>
-              <a:spcBef>
-                <a:spcPts val="0"/>
-              </a:spcBef>
-              <a:spcAft>
-                <a:spcPts val="0"/>
-              </a:spcAft>
-              <a:buClrTx/>
-              <a:buSzTx/>
-              <a:buFontTx/>
-              <a:buNone/>
-              <a:tabLst/>
-              <a:defRPr/>
-            </a:pPr>
-            <a:r>
-              <a:rPr lang="en-US" sz="1200" dirty="0" err="1" smtClean="0"/>
-              <a:t>Logstash</a:t>
-            </a:r>
-            <a:r>
-              <a:rPr lang="en-US" sz="1200" dirty="0" smtClean="0"/>
-              <a:t> takes logs and other event data from your systems and move them into a central place.</a:t>
-            </a:r>
-          </a:p>
-          <a:p>
+            <a:r>
+              <a:rPr lang="en-US" dirty="0" smtClean="0"/>
+              <a:t>Using </a:t>
+            </a:r>
+            <a:r>
+              <a:rPr lang="en-US" dirty="0" err="1" smtClean="0"/>
+              <a:t>grep</a:t>
+            </a:r>
+            <a:r>
+              <a:rPr lang="en-US" dirty="0" smtClean="0"/>
+              <a:t> on those</a:t>
+            </a:r>
+            <a:r>
+              <a:rPr lang="en-US" baseline="0" dirty="0" smtClean="0"/>
+              <a:t> files + time proximity would allow us to try to discern problems.</a:t>
+            </a:r>
+          </a:p>
+          <a:p>
+            <a:endParaRPr lang="en-US" baseline="0" dirty="0" smtClean="0"/>
+          </a:p>
+          <a:p>
+            <a:r>
+              <a:rPr lang="en-US" baseline="0" dirty="0" smtClean="0"/>
+              <a:t>Is this familiar to anyone else?</a:t>
+            </a:r>
             <a:endParaRPr lang="en-US" dirty="0"/>
           </a:p>
         </p:txBody>
@@ -941,7 +694,7 @@
           <a:p>
             <a:fld id="{9EE0E4B5-1664-9E4D-908E-362B3D86519C}" type="slidenum">
               <a:rPr lang="en-US" smtClean="0"/>
-              <a:t>12</a:t>
+              <a:t>10</a:t>
             </a:fld>
             <a:endParaRPr lang="en-US"/>
           </a:p>
@@ -950,7 +703,7 @@
     </p:spTree>
     <p:extLst>
       <p:ext uri="{BB962C8B-B14F-4D97-AF65-F5344CB8AC3E}">
-        <p14:creationId xmlns:p14="http://schemas.microsoft.com/office/powerpoint/2010/main" val="3123481518"/>
+        <p14:creationId xmlns:p14="http://schemas.microsoft.com/office/powerpoint/2010/main" val="2766815481"/>
       </p:ext>
     </p:extLst>
   </p:cSld>
@@ -1004,161 +757,33 @@
           <a:bodyPr/>
           <a:lstStyle/>
           <a:p>
-            <a:pPr marL="0" marR="0" indent="0" algn="l" defTabSz="457200" rtl="0" eaLnBrk="1" fontAlgn="auto" latinLnBrk="0" hangingPunct="1">
-              <a:lnSpc>
-                <a:spcPct val="100000"/>
-              </a:lnSpc>
-              <a:spcBef>
-                <a:spcPts val="0"/>
-              </a:spcBef>
-              <a:spcAft>
-                <a:spcPts val="0"/>
-              </a:spcAft>
-              <a:buClrTx/>
-              <a:buSzTx/>
-              <a:buFontTx/>
-              <a:buNone/>
-              <a:tabLst/>
-              <a:defRPr/>
-            </a:pPr>
-            <a:r>
-              <a:rPr lang="en-US" sz="1200" dirty="0" err="1" smtClean="0"/>
-              <a:t>Logstash</a:t>
-            </a:r>
-            <a:r>
-              <a:rPr lang="en-US" sz="1200" dirty="0" smtClean="0"/>
-              <a:t> converts unstructured data into structured</a:t>
-            </a:r>
-            <a:r>
-              <a:rPr lang="en-US" sz="1200" baseline="0" dirty="0" smtClean="0"/>
-              <a:t> data</a:t>
-            </a:r>
-          </a:p>
-          <a:p>
-            <a:pPr marL="0" marR="0" indent="0" algn="l" defTabSz="457200" rtl="0" eaLnBrk="1" fontAlgn="auto" latinLnBrk="0" hangingPunct="1">
-              <a:lnSpc>
-                <a:spcPct val="100000"/>
-              </a:lnSpc>
-              <a:spcBef>
-                <a:spcPts val="0"/>
-              </a:spcBef>
-              <a:spcAft>
-                <a:spcPts val="0"/>
-              </a:spcAft>
-              <a:buClrTx/>
-              <a:buSzTx/>
-              <a:buFontTx/>
-              <a:buNone/>
-              <a:tabLst/>
-              <a:defRPr/>
-            </a:pPr>
-            <a:endParaRPr lang="en-US" sz="1200" baseline="0" dirty="0" smtClean="0"/>
-          </a:p>
-          <a:p>
-            <a:pPr marL="0" marR="0" indent="0" algn="l" defTabSz="457200" rtl="0" eaLnBrk="1" fontAlgn="auto" latinLnBrk="0" hangingPunct="1">
-              <a:lnSpc>
-                <a:spcPct val="100000"/>
-              </a:lnSpc>
-              <a:spcBef>
-                <a:spcPts val="0"/>
-              </a:spcBef>
-              <a:spcAft>
-                <a:spcPts val="0"/>
-              </a:spcAft>
-              <a:buClrTx/>
-              <a:buSzTx/>
-              <a:buFontTx/>
-              <a:buNone/>
-              <a:tabLst/>
-              <a:defRPr/>
-            </a:pPr>
-            <a:r>
-              <a:rPr lang="en-US" sz="1200" baseline="0" dirty="0" smtClean="0"/>
-              <a:t>Disparate date formats can be consolidated.</a:t>
-            </a:r>
-          </a:p>
-          <a:p>
-            <a:pPr marL="0" marR="0" indent="0" algn="l" defTabSz="457200" rtl="0" eaLnBrk="1" fontAlgn="auto" latinLnBrk="0" hangingPunct="1">
-              <a:lnSpc>
-                <a:spcPct val="100000"/>
-              </a:lnSpc>
-              <a:spcBef>
-                <a:spcPts val="0"/>
-              </a:spcBef>
-              <a:spcAft>
-                <a:spcPts val="0"/>
-              </a:spcAft>
-              <a:buClrTx/>
-              <a:buSzTx/>
-              <a:buFontTx/>
-              <a:buNone/>
-              <a:tabLst/>
-              <a:defRPr/>
-            </a:pPr>
-            <a:endParaRPr lang="en-US" sz="1200" baseline="0" dirty="0" smtClean="0"/>
-          </a:p>
-          <a:p>
-            <a:pPr marL="0" marR="0" indent="0" algn="l" defTabSz="457200" rtl="0" eaLnBrk="1" fontAlgn="auto" latinLnBrk="0" hangingPunct="1">
-              <a:lnSpc>
-                <a:spcPct val="100000"/>
-              </a:lnSpc>
-              <a:spcBef>
-                <a:spcPts val="0"/>
-              </a:spcBef>
-              <a:spcAft>
-                <a:spcPts val="0"/>
-              </a:spcAft>
-              <a:buClrTx/>
-              <a:buSzTx/>
-              <a:buFontTx/>
-              <a:buNone/>
-              <a:tabLst/>
-              <a:defRPr/>
-            </a:pPr>
-            <a:r>
-              <a:rPr lang="en-US" sz="1200" baseline="0" dirty="0" smtClean="0"/>
-              <a:t>Or unstructured data can be treated the same as structured.</a:t>
-            </a:r>
-          </a:p>
-          <a:p>
-            <a:pPr marL="0" marR="0" indent="0" algn="l" defTabSz="457200" rtl="0" eaLnBrk="1" fontAlgn="auto" latinLnBrk="0" hangingPunct="1">
-              <a:lnSpc>
-                <a:spcPct val="100000"/>
-              </a:lnSpc>
-              <a:spcBef>
-                <a:spcPts val="0"/>
-              </a:spcBef>
-              <a:spcAft>
-                <a:spcPts val="0"/>
-              </a:spcAft>
-              <a:buClrTx/>
-              <a:buSzTx/>
-              <a:buFontTx/>
-              <a:buNone/>
-              <a:tabLst/>
-              <a:defRPr/>
-            </a:pPr>
-            <a:endParaRPr lang="en-US" sz="1200" baseline="0" dirty="0" smtClean="0"/>
-          </a:p>
-          <a:p>
-            <a:pPr marL="0" marR="0" indent="0" algn="l" defTabSz="457200" rtl="0" eaLnBrk="1" fontAlgn="auto" latinLnBrk="0" hangingPunct="1">
-              <a:lnSpc>
-                <a:spcPct val="100000"/>
-              </a:lnSpc>
-              <a:spcBef>
-                <a:spcPts val="0"/>
-              </a:spcBef>
-              <a:spcAft>
-                <a:spcPts val="0"/>
-              </a:spcAft>
-              <a:buClrTx/>
-              <a:buSzTx/>
-              <a:buFontTx/>
-              <a:buNone/>
-              <a:tabLst/>
-              <a:defRPr/>
-            </a:pPr>
-            <a:endParaRPr lang="en-US" sz="1200" baseline="0" dirty="0" smtClean="0"/>
+            <a:r>
+              <a:rPr lang="en-US" dirty="0" smtClean="0"/>
+              <a:t>We</a:t>
+            </a:r>
+            <a:r>
+              <a:rPr lang="en-US" baseline="0" dirty="0" smtClean="0"/>
+              <a:t> wanted magic.  </a:t>
+            </a:r>
+          </a:p>
+          <a:p>
+            <a:endParaRPr lang="en-US" baseline="0" dirty="0" smtClean="0"/>
+          </a:p>
+          <a:p>
+            <a:r>
+              <a:rPr lang="en-US" baseline="0" dirty="0" smtClean="0"/>
+              <a:t>Instant access to the log events we care about.</a:t>
+            </a:r>
+          </a:p>
+          <a:p>
+            <a:endParaRPr lang="en-US" baseline="0" dirty="0" smtClean="0"/>
+          </a:p>
+          <a:p>
+            <a:r>
+              <a:rPr lang="en-US" baseline="0" dirty="0" smtClean="0"/>
+              <a:t>So we started with ELK</a:t>
+            </a:r>
+            <a:endParaRPr lang="en-US" dirty="0"/>
           </a:p>
         </p:txBody>
       </p:sp>
@@ -1179,7 +804,7 @@
           <a:p>
             <a:fld id="{9EE0E4B5-1664-9E4D-908E-362B3D86519C}" type="slidenum">
               <a:rPr lang="en-US" smtClean="0"/>
-              <a:t>13</a:t>
+              <a:t>11</a:t>
             </a:fld>
             <a:endParaRPr lang="en-US"/>
           </a:p>
@@ -1188,7 +813,7 @@
     </p:spTree>
     <p:extLst>
       <p:ext uri="{BB962C8B-B14F-4D97-AF65-F5344CB8AC3E}">
-        <p14:creationId xmlns:p14="http://schemas.microsoft.com/office/powerpoint/2010/main" val="3123481518"/>
+        <p14:creationId xmlns:p14="http://schemas.microsoft.com/office/powerpoint/2010/main" val="2766815481"/>
       </p:ext>
     </p:extLst>
   </p:cSld>
@@ -1242,6 +867,15 @@
           <a:bodyPr/>
           <a:lstStyle/>
           <a:p>
+            <a:r>
+              <a:rPr lang="en-US" dirty="0" smtClean="0"/>
+              <a:t>With ELK – </a:t>
+            </a:r>
+          </a:p>
+          <a:p>
+            <a:endParaRPr lang="en-US" dirty="0" smtClean="0"/>
+          </a:p>
+          <a:p>
             <a:pPr marL="0" marR="0" indent="0" algn="l" defTabSz="457200" rtl="0" eaLnBrk="1" fontAlgn="auto" latinLnBrk="0" hangingPunct="1">
               <a:lnSpc>
                 <a:spcPct val="100000"/>
@@ -1260,18 +894,9 @@
               <a:defRPr/>
             </a:pPr>
             <a:r>
-              <a:rPr lang="en-US" sz="1200" baseline="0" dirty="0" smtClean="0"/>
-              <a:t>Written in </a:t>
-            </a:r>
-            <a:r>
-              <a:rPr lang="en-US" sz="1200" baseline="0" dirty="0" err="1" smtClean="0"/>
-              <a:t>Jruby</a:t>
-            </a:r>
-            <a:r>
-              <a:rPr lang="en-US" sz="1200" baseline="0" dirty="0" smtClean="0"/>
-              <a:t> – entire java ecosystem available to you.</a:t>
-            </a:r>
-            <a:endParaRPr lang="en-US" sz="1200" dirty="0" smtClean="0"/>
+              <a:rPr lang="en-US" baseline="0" dirty="0" smtClean="0"/>
+              <a:t>15-20 minutes to assemble all logs you wanted to use to debug a problem -&gt; instantaneous to hone in on the exact problem.</a:t>
+            </a:r>
           </a:p>
           <a:p>
             <a:endParaRPr lang="en-US" dirty="0"/>
@@ -1295,7 +920,7 @@
           <a:p>
             <a:fld id="{9EE0E4B5-1664-9E4D-908E-362B3D86519C}" type="slidenum">
               <a:rPr lang="en-US" smtClean="0"/>
-              <a:t>14</a:t>
+              <a:t>12</a:t>
             </a:fld>
             <a:endParaRPr lang="en-US"/>
           </a:p>
@@ -1304,7 +929,7 @@
     </p:spTree>
     <p:extLst>
       <p:ext uri="{BB962C8B-B14F-4D97-AF65-F5344CB8AC3E}">
-        <p14:creationId xmlns:p14="http://schemas.microsoft.com/office/powerpoint/2010/main" val="3123481518"/>
+        <p14:creationId xmlns:p14="http://schemas.microsoft.com/office/powerpoint/2010/main" val="706010913"/>
       </p:ext>
     </p:extLst>
   </p:cSld>
@@ -1358,14 +983,146 @@
           <a:bodyPr/>
           <a:lstStyle/>
           <a:p>
+            <a:pPr marL="0" marR="0" indent="0" algn="l" defTabSz="457200" rtl="0" eaLnBrk="1" fontAlgn="auto" latinLnBrk="0" hangingPunct="1">
+              <a:lnSpc>
+                <a:spcPct val="100000"/>
+              </a:lnSpc>
+              <a:spcBef>
+                <a:spcPts val="0"/>
+              </a:spcBef>
+              <a:spcAft>
+                <a:spcPts val="0"/>
+              </a:spcAft>
+              <a:buClrTx/>
+              <a:buSzTx/>
+              <a:buFontTx/>
+              <a:buNone/>
+              <a:tabLst/>
+              <a:defRPr/>
+            </a:pPr>
             <a:r>
               <a:rPr lang="en-US" sz="1200" dirty="0" err="1" smtClean="0"/>
-              <a:t>Kibana</a:t>
+              <a:t>Elasticsearch</a:t>
             </a:r>
             <a:r>
               <a:rPr lang="en-US" sz="1200" dirty="0" smtClean="0"/>
-              <a:t> allows you to visualize logs and time-stamped data</a:t>
-            </a:r>
+              <a:t> is a flexible and powerful open source, distributed, real-time search and analytics engine.</a:t>
+            </a:r>
+          </a:p>
+          <a:p>
+            <a:pPr marL="0" marR="0" indent="0" algn="l" defTabSz="457200" rtl="0" eaLnBrk="1" fontAlgn="auto" latinLnBrk="0" hangingPunct="1">
+              <a:lnSpc>
+                <a:spcPct val="100000"/>
+              </a:lnSpc>
+              <a:spcBef>
+                <a:spcPts val="0"/>
+              </a:spcBef>
+              <a:spcAft>
+                <a:spcPts val="0"/>
+              </a:spcAft>
+              <a:buClrTx/>
+              <a:buSzTx/>
+              <a:buFontTx/>
+              <a:buNone/>
+              <a:tabLst/>
+              <a:defRPr/>
+            </a:pPr>
+            <a:endParaRPr lang="en-US" sz="1200" dirty="0" smtClean="0"/>
+          </a:p>
+          <a:p>
+            <a:pPr marL="0" marR="0" indent="0" algn="l" defTabSz="457200" rtl="0" eaLnBrk="1" fontAlgn="auto" latinLnBrk="0" hangingPunct="1">
+              <a:lnSpc>
+                <a:spcPct val="100000"/>
+              </a:lnSpc>
+              <a:spcBef>
+                <a:spcPts val="0"/>
+              </a:spcBef>
+              <a:spcAft>
+                <a:spcPts val="0"/>
+              </a:spcAft>
+              <a:buClrTx/>
+              <a:buSzTx/>
+              <a:buFontTx/>
+              <a:buNone/>
+              <a:tabLst/>
+              <a:defRPr/>
+            </a:pPr>
+            <a:r>
+              <a:rPr lang="en-US" sz="1200" dirty="0" smtClean="0"/>
+              <a:t>Built on top of Apache </a:t>
+            </a:r>
+            <a:r>
+              <a:rPr lang="en-US" sz="1200" dirty="0" err="1" smtClean="0"/>
+              <a:t>Lucene</a:t>
+            </a:r>
+            <a:r>
+              <a:rPr lang="en-US" sz="1200" dirty="0" smtClean="0"/>
+              <a:t>, it simplifies</a:t>
+            </a:r>
+            <a:r>
+              <a:rPr lang="en-US" sz="1200" baseline="0" dirty="0" smtClean="0"/>
+              <a:t> </a:t>
+            </a:r>
+            <a:r>
+              <a:rPr lang="en-US" sz="1200" baseline="0" dirty="0" err="1" smtClean="0"/>
+              <a:t>Lucene</a:t>
+            </a:r>
+            <a:r>
+              <a:rPr lang="en-US" sz="1200" baseline="0" dirty="0" smtClean="0"/>
+              <a:t> </a:t>
+            </a:r>
+            <a:r>
+              <a:rPr lang="en-US" sz="1200" baseline="0" dirty="0" err="1" smtClean="0"/>
+              <a:t>Apis</a:t>
+            </a:r>
+            <a:r>
+              <a:rPr lang="en-US" sz="1200" baseline="0" dirty="0" smtClean="0"/>
+              <a:t> and allows non-java languages to interact with the indexes.</a:t>
+            </a:r>
+            <a:endParaRPr lang="en-US" sz="1200" dirty="0" smtClean="0"/>
+          </a:p>
+          <a:p>
+            <a:pPr marL="0" marR="0" indent="0" algn="l" defTabSz="457200" rtl="0" eaLnBrk="1" fontAlgn="auto" latinLnBrk="0" hangingPunct="1">
+              <a:lnSpc>
+                <a:spcPct val="100000"/>
+              </a:lnSpc>
+              <a:spcBef>
+                <a:spcPts val="0"/>
+              </a:spcBef>
+              <a:spcAft>
+                <a:spcPts val="0"/>
+              </a:spcAft>
+              <a:buClrTx/>
+              <a:buSzTx/>
+              <a:buFontTx/>
+              <a:buNone/>
+              <a:tabLst/>
+              <a:defRPr/>
+            </a:pPr>
+            <a:endParaRPr lang="en-US" sz="1200" dirty="0" smtClean="0"/>
+          </a:p>
+          <a:p>
+            <a:pPr marL="0" marR="0" indent="0" algn="l" defTabSz="457200" rtl="0" eaLnBrk="1" fontAlgn="auto" latinLnBrk="0" hangingPunct="1">
+              <a:lnSpc>
+                <a:spcPct val="100000"/>
+              </a:lnSpc>
+              <a:spcBef>
+                <a:spcPts val="0"/>
+              </a:spcBef>
+              <a:spcAft>
+                <a:spcPts val="0"/>
+              </a:spcAft>
+              <a:buClrTx/>
+              <a:buSzTx/>
+              <a:buFontTx/>
+              <a:buNone/>
+              <a:tabLst/>
+              <a:defRPr/>
+            </a:pPr>
+            <a:endParaRPr lang="en-US" sz="1200" dirty="0" smtClean="0"/>
+          </a:p>
+          <a:p>
+            <a:endParaRPr lang="en-US" dirty="0"/>
           </a:p>
         </p:txBody>
       </p:sp>
@@ -1386,7 +1143,7 @@
           <a:p>
             <a:fld id="{9EE0E4B5-1664-9E4D-908E-362B3D86519C}" type="slidenum">
               <a:rPr lang="en-US" smtClean="0"/>
-              <a:t>15</a:t>
+              <a:t>13</a:t>
             </a:fld>
             <a:endParaRPr lang="en-US"/>
           </a:p>
@@ -1395,7 +1152,7 @@
     </p:spTree>
     <p:extLst>
       <p:ext uri="{BB962C8B-B14F-4D97-AF65-F5344CB8AC3E}">
-        <p14:creationId xmlns:p14="http://schemas.microsoft.com/office/powerpoint/2010/main" val="2483407008"/>
+        <p14:creationId xmlns:p14="http://schemas.microsoft.com/office/powerpoint/2010/main" val="1476457364"/>
       </p:ext>
     </p:extLst>
   </p:cSld>
@@ -1449,51 +1206,68 @@
           <a:bodyPr/>
           <a:lstStyle/>
           <a:p>
-            <a:r>
-              <a:rPr lang="en-US" dirty="0" smtClean="0"/>
-              <a:t>The stack is open-source</a:t>
-            </a:r>
-          </a:p>
-          <a:p>
-            <a:r>
-              <a:rPr lang="en-US" dirty="0" smtClean="0"/>
-              <a:t>Logging was lowest cost of entry</a:t>
-            </a:r>
-          </a:p>
-          <a:p>
-            <a:r>
-              <a:rPr lang="en-US" dirty="0" smtClean="0"/>
-              <a:t>This</a:t>
-            </a:r>
-            <a:r>
-              <a:rPr lang="en-US" baseline="0" dirty="0" smtClean="0"/>
-              <a:t> all happens out of process.</a:t>
-            </a:r>
-          </a:p>
-          <a:p>
-            <a:endParaRPr lang="en-US" baseline="0" dirty="0" smtClean="0"/>
-          </a:p>
-          <a:p>
-            <a:r>
-              <a:rPr lang="en-US" baseline="0" dirty="0" smtClean="0"/>
-              <a:t>Informed greatly by http://</a:t>
-            </a:r>
-            <a:r>
-              <a:rPr lang="en-US" baseline="0" dirty="0" err="1" smtClean="0"/>
-              <a:t>research.google.com</a:t>
-            </a:r>
-            <a:r>
-              <a:rPr lang="en-US" baseline="0" dirty="0" smtClean="0"/>
-              <a:t>/pubs/pub36356.html (dapper/</a:t>
-            </a:r>
-            <a:r>
-              <a:rPr lang="en-US" baseline="0" dirty="0" err="1" smtClean="0"/>
-              <a:t>zipkin</a:t>
-            </a:r>
-            <a:r>
-              <a:rPr lang="en-US" baseline="0" dirty="0" smtClean="0"/>
-              <a:t>)</a:t>
-            </a:r>
+            <a:pPr marL="0" marR="0" indent="0" algn="l" defTabSz="457200" rtl="0" eaLnBrk="1" fontAlgn="auto" latinLnBrk="0" hangingPunct="1">
+              <a:lnSpc>
+                <a:spcPct val="100000"/>
+              </a:lnSpc>
+              <a:spcBef>
+                <a:spcPts val="0"/>
+              </a:spcBef>
+              <a:spcAft>
+                <a:spcPts val="0"/>
+              </a:spcAft>
+              <a:buClrTx/>
+              <a:buSzTx/>
+              <a:buFontTx/>
+              <a:buNone/>
+              <a:tabLst/>
+              <a:defRPr/>
+            </a:pPr>
+            <a:r>
+              <a:rPr lang="en-US" sz="1200" dirty="0" err="1" smtClean="0"/>
+              <a:t>Logstash</a:t>
+            </a:r>
+            <a:r>
+              <a:rPr lang="en-US" sz="1200" dirty="0" smtClean="0"/>
+              <a:t> is a project similar to Apache Flume if you are </a:t>
+            </a:r>
+            <a:r>
+              <a:rPr lang="en-US" sz="1200" dirty="0" err="1" smtClean="0"/>
+              <a:t>famailiar</a:t>
+            </a:r>
+            <a:r>
+              <a:rPr lang="en-US" sz="1200" dirty="0" smtClean="0"/>
+              <a:t> with that project.</a:t>
+            </a:r>
+          </a:p>
+          <a:p>
+            <a:pPr marL="0" marR="0" indent="0" algn="l" defTabSz="457200" rtl="0" eaLnBrk="1" fontAlgn="auto" latinLnBrk="0" hangingPunct="1">
+              <a:lnSpc>
+                <a:spcPct val="100000"/>
+              </a:lnSpc>
+              <a:spcBef>
+                <a:spcPts val="0"/>
+              </a:spcBef>
+              <a:spcAft>
+                <a:spcPts val="0"/>
+              </a:spcAft>
+              <a:buClrTx/>
+              <a:buSzTx/>
+              <a:buFontTx/>
+              <a:buNone/>
+              <a:tabLst/>
+              <a:defRPr/>
+            </a:pPr>
+            <a:r>
+              <a:rPr lang="en-US" sz="1200" dirty="0" err="1" smtClean="0"/>
+              <a:t>Logstash</a:t>
+            </a:r>
+            <a:r>
+              <a:rPr lang="en-US" sz="1200" dirty="0" smtClean="0"/>
+              <a:t> takes logs and other event data from your systems and move them into a central place.</a:t>
+            </a:r>
+          </a:p>
+          <a:p>
             <a:endParaRPr lang="en-US" dirty="0"/>
           </a:p>
         </p:txBody>
@@ -1515,7 +1289,7 @@
           <a:p>
             <a:fld id="{9EE0E4B5-1664-9E4D-908E-362B3D86519C}" type="slidenum">
               <a:rPr lang="en-US" smtClean="0"/>
-              <a:t>16</a:t>
+              <a:t>14</a:t>
             </a:fld>
             <a:endParaRPr lang="en-US"/>
           </a:p>
@@ -1524,7 +1298,7 @@
     </p:spTree>
     <p:extLst>
       <p:ext uri="{BB962C8B-B14F-4D97-AF65-F5344CB8AC3E}">
-        <p14:creationId xmlns:p14="http://schemas.microsoft.com/office/powerpoint/2010/main" val="1166997226"/>
+        <p14:creationId xmlns:p14="http://schemas.microsoft.com/office/powerpoint/2010/main" val="3123481518"/>
       </p:ext>
     </p:extLst>
   </p:cSld>
@@ -1578,22 +1352,161 @@
           <a:bodyPr/>
           <a:lstStyle/>
           <a:p>
-            <a:endParaRPr lang="en-US" dirty="0"/>
-          </a:p>
-          <a:p>
-            <a:r>
-              <a:rPr lang="en-US" dirty="0"/>
-              <a:t>----- Meeting Notes (12/23/14 15:37) -----</a:t>
-            </a:r>
-          </a:p>
-          <a:p>
-            <a:r>
-              <a:rPr lang="en-US" dirty="0"/>
-              <a:t>should be darker</a:t>
-            </a:r>
-          </a:p>
-          <a:p>
-            <a:endParaRPr lang="en-US" dirty="0"/>
+            <a:pPr marL="0" marR="0" indent="0" algn="l" defTabSz="457200" rtl="0" eaLnBrk="1" fontAlgn="auto" latinLnBrk="0" hangingPunct="1">
+              <a:lnSpc>
+                <a:spcPct val="100000"/>
+              </a:lnSpc>
+              <a:spcBef>
+                <a:spcPts val="0"/>
+              </a:spcBef>
+              <a:spcAft>
+                <a:spcPts val="0"/>
+              </a:spcAft>
+              <a:buClrTx/>
+              <a:buSzTx/>
+              <a:buFontTx/>
+              <a:buNone/>
+              <a:tabLst/>
+              <a:defRPr/>
+            </a:pPr>
+            <a:r>
+              <a:rPr lang="en-US" sz="1200" dirty="0" err="1" smtClean="0"/>
+              <a:t>Logstash</a:t>
+            </a:r>
+            <a:r>
+              <a:rPr lang="en-US" sz="1200" dirty="0" smtClean="0"/>
+              <a:t> converts unstructured data into structured</a:t>
+            </a:r>
+            <a:r>
+              <a:rPr lang="en-US" sz="1200" baseline="0" dirty="0" smtClean="0"/>
+              <a:t> data</a:t>
+            </a:r>
+          </a:p>
+          <a:p>
+            <a:pPr marL="0" marR="0" indent="0" algn="l" defTabSz="457200" rtl="0" eaLnBrk="1" fontAlgn="auto" latinLnBrk="0" hangingPunct="1">
+              <a:lnSpc>
+                <a:spcPct val="100000"/>
+              </a:lnSpc>
+              <a:spcBef>
+                <a:spcPts val="0"/>
+              </a:spcBef>
+              <a:spcAft>
+                <a:spcPts val="0"/>
+              </a:spcAft>
+              <a:buClrTx/>
+              <a:buSzTx/>
+              <a:buFontTx/>
+              <a:buNone/>
+              <a:tabLst/>
+              <a:defRPr/>
+            </a:pPr>
+            <a:endParaRPr lang="en-US" sz="1200" baseline="0" dirty="0" smtClean="0"/>
+          </a:p>
+          <a:p>
+            <a:pPr marL="0" marR="0" indent="0" algn="l" defTabSz="457200" rtl="0" eaLnBrk="1" fontAlgn="auto" latinLnBrk="0" hangingPunct="1">
+              <a:lnSpc>
+                <a:spcPct val="100000"/>
+              </a:lnSpc>
+              <a:spcBef>
+                <a:spcPts val="0"/>
+              </a:spcBef>
+              <a:spcAft>
+                <a:spcPts val="0"/>
+              </a:spcAft>
+              <a:buClrTx/>
+              <a:buSzTx/>
+              <a:buFontTx/>
+              <a:buNone/>
+              <a:tabLst/>
+              <a:defRPr/>
+            </a:pPr>
+            <a:r>
+              <a:rPr lang="en-US" sz="1200" baseline="0" dirty="0" smtClean="0"/>
+              <a:t>Disparate date formats can be consolidated.</a:t>
+            </a:r>
+          </a:p>
+          <a:p>
+            <a:pPr marL="0" marR="0" indent="0" algn="l" defTabSz="457200" rtl="0" eaLnBrk="1" fontAlgn="auto" latinLnBrk="0" hangingPunct="1">
+              <a:lnSpc>
+                <a:spcPct val="100000"/>
+              </a:lnSpc>
+              <a:spcBef>
+                <a:spcPts val="0"/>
+              </a:spcBef>
+              <a:spcAft>
+                <a:spcPts val="0"/>
+              </a:spcAft>
+              <a:buClrTx/>
+              <a:buSzTx/>
+              <a:buFontTx/>
+              <a:buNone/>
+              <a:tabLst/>
+              <a:defRPr/>
+            </a:pPr>
+            <a:endParaRPr lang="en-US" sz="1200" baseline="0" dirty="0" smtClean="0"/>
+          </a:p>
+          <a:p>
+            <a:pPr marL="0" marR="0" indent="0" algn="l" defTabSz="457200" rtl="0" eaLnBrk="1" fontAlgn="auto" latinLnBrk="0" hangingPunct="1">
+              <a:lnSpc>
+                <a:spcPct val="100000"/>
+              </a:lnSpc>
+              <a:spcBef>
+                <a:spcPts val="0"/>
+              </a:spcBef>
+              <a:spcAft>
+                <a:spcPts val="0"/>
+              </a:spcAft>
+              <a:buClrTx/>
+              <a:buSzTx/>
+              <a:buFontTx/>
+              <a:buNone/>
+              <a:tabLst/>
+              <a:defRPr/>
+            </a:pPr>
+            <a:r>
+              <a:rPr lang="en-US" sz="1200" baseline="0" dirty="0" smtClean="0"/>
+              <a:t>Or unstructured data can be treated the same as structured.</a:t>
+            </a:r>
+          </a:p>
+          <a:p>
+            <a:pPr marL="0" marR="0" indent="0" algn="l" defTabSz="457200" rtl="0" eaLnBrk="1" fontAlgn="auto" latinLnBrk="0" hangingPunct="1">
+              <a:lnSpc>
+                <a:spcPct val="100000"/>
+              </a:lnSpc>
+              <a:spcBef>
+                <a:spcPts val="0"/>
+              </a:spcBef>
+              <a:spcAft>
+                <a:spcPts val="0"/>
+              </a:spcAft>
+              <a:buClrTx/>
+              <a:buSzTx/>
+              <a:buFontTx/>
+              <a:buNone/>
+              <a:tabLst/>
+              <a:defRPr/>
+            </a:pPr>
+            <a:endParaRPr lang="en-US" sz="1200" baseline="0" dirty="0" smtClean="0"/>
+          </a:p>
+          <a:p>
+            <a:pPr marL="0" marR="0" indent="0" algn="l" defTabSz="457200" rtl="0" eaLnBrk="1" fontAlgn="auto" latinLnBrk="0" hangingPunct="1">
+              <a:lnSpc>
+                <a:spcPct val="100000"/>
+              </a:lnSpc>
+              <a:spcBef>
+                <a:spcPts val="0"/>
+              </a:spcBef>
+              <a:spcAft>
+                <a:spcPts val="0"/>
+              </a:spcAft>
+              <a:buClrTx/>
+              <a:buSzTx/>
+              <a:buFontTx/>
+              <a:buNone/>
+              <a:tabLst/>
+              <a:defRPr/>
+            </a:pPr>
+            <a:endParaRPr lang="en-US" sz="1200" baseline="0" dirty="0" smtClean="0"/>
           </a:p>
         </p:txBody>
       </p:sp>
@@ -1614,7 +1527,7 @@
           <a:p>
             <a:fld id="{9EE0E4B5-1664-9E4D-908E-362B3D86519C}" type="slidenum">
               <a:rPr lang="en-US" smtClean="0"/>
-              <a:t>17</a:t>
+              <a:t>15</a:t>
             </a:fld>
             <a:endParaRPr lang="en-US"/>
           </a:p>
@@ -1623,7 +1536,7 @@
     </p:spTree>
     <p:extLst>
       <p:ext uri="{BB962C8B-B14F-4D97-AF65-F5344CB8AC3E}">
-        <p14:creationId xmlns:p14="http://schemas.microsoft.com/office/powerpoint/2010/main" val="1166997226"/>
+        <p14:creationId xmlns:p14="http://schemas.microsoft.com/office/powerpoint/2010/main" val="3123481518"/>
       </p:ext>
     </p:extLst>
   </p:cSld>
@@ -1677,22 +1590,38 @@
           <a:bodyPr/>
           <a:lstStyle/>
           <a:p>
-            <a:r>
-              <a:rPr lang="en-US" dirty="0" smtClean="0"/>
-              <a:t>Show</a:t>
-            </a:r>
-            <a:r>
-              <a:rPr lang="en-US" baseline="0" dirty="0" smtClean="0"/>
-              <a:t> </a:t>
-            </a:r>
-            <a:r>
-              <a:rPr lang="en-US" baseline="0" dirty="0" err="1" smtClean="0"/>
-              <a:t>kibana</a:t>
-            </a:r>
-            <a:r>
-              <a:rPr lang="en-US" baseline="0" dirty="0" smtClean="0"/>
-              <a:t> sharing of temporary dashboard</a:t>
-            </a:r>
+            <a:pPr marL="0" marR="0" indent="0" algn="l" defTabSz="457200" rtl="0" eaLnBrk="1" fontAlgn="auto" latinLnBrk="0" hangingPunct="1">
+              <a:lnSpc>
+                <a:spcPct val="100000"/>
+              </a:lnSpc>
+              <a:spcBef>
+                <a:spcPts val="0"/>
+              </a:spcBef>
+              <a:spcAft>
+                <a:spcPts val="0"/>
+              </a:spcAft>
+              <a:buClrTx/>
+              <a:buSzTx/>
+              <a:buFontTx/>
+              <a:buNone/>
+              <a:tabLst/>
+              <a:defRPr/>
+            </a:pPr>
+            <a:r>
+              <a:rPr lang="en-US" sz="1200" baseline="0" dirty="0" smtClean="0"/>
+              <a:t>Written in </a:t>
+            </a:r>
+            <a:r>
+              <a:rPr lang="en-US" sz="1200" baseline="0" dirty="0" err="1" smtClean="0"/>
+              <a:t>Jruby</a:t>
+            </a:r>
+            <a:r>
+              <a:rPr lang="en-US" sz="1200" baseline="0" dirty="0" smtClean="0"/>
+              <a:t> – entire java ecosystem available to you.</a:t>
+            </a:r>
+            <a:endParaRPr lang="en-US" sz="1200" dirty="0" smtClean="0"/>
+          </a:p>
+          <a:p>
             <a:endParaRPr lang="en-US" dirty="0"/>
           </a:p>
         </p:txBody>
@@ -1714,7 +1643,7 @@
           <a:p>
             <a:fld id="{9EE0E4B5-1664-9E4D-908E-362B3D86519C}" type="slidenum">
               <a:rPr lang="en-US" smtClean="0"/>
-              <a:t>18</a:t>
+              <a:t>16</a:t>
             </a:fld>
             <a:endParaRPr lang="en-US"/>
           </a:p>
@@ -1723,7 +1652,7 @@
     </p:spTree>
     <p:extLst>
       <p:ext uri="{BB962C8B-B14F-4D97-AF65-F5344CB8AC3E}">
-        <p14:creationId xmlns:p14="http://schemas.microsoft.com/office/powerpoint/2010/main" val="112529183"/>
+        <p14:creationId xmlns:p14="http://schemas.microsoft.com/office/powerpoint/2010/main" val="3123481518"/>
       </p:ext>
     </p:extLst>
   </p:cSld>
@@ -1778,22 +1707,31 @@
           <a:lstStyle/>
           <a:p>
             <a:r>
-              <a:rPr lang="en-US" dirty="0" smtClean="0"/>
-              <a:t>Spring boot</a:t>
-            </a:r>
-          </a:p>
-          <a:p>
-            <a:r>
-              <a:rPr lang="en-US" dirty="0" smtClean="0"/>
-              <a:t>Spring boot actuator health checks</a:t>
-            </a:r>
-          </a:p>
-          <a:p>
-            <a:r>
-              <a:rPr lang="en-US" dirty="0" smtClean="0"/>
-              <a:t>Gatling Load test tool</a:t>
-            </a:r>
-            <a:endParaRPr lang="en-US" dirty="0"/>
+              <a:rPr lang="en-US" sz="1200" dirty="0" err="1" smtClean="0"/>
+              <a:t>Kibana</a:t>
+            </a:r>
+            <a:r>
+              <a:rPr lang="en-US" sz="1200" dirty="0" smtClean="0"/>
+              <a:t> allows you to visualize logs and time-stamped </a:t>
+            </a:r>
+            <a:r>
+              <a:rPr lang="en-US" sz="1200" dirty="0" smtClean="0"/>
+              <a:t>data</a:t>
+            </a:r>
+          </a:p>
+          <a:p>
+            <a:endParaRPr lang="en-US" sz="1200" dirty="0" smtClean="0"/>
+          </a:p>
+          <a:p>
+            <a:r>
+              <a:rPr lang="en-US" sz="1200" dirty="0" smtClean="0"/>
+              <a:t>ELK gave us the ability to centralize all of our log events, and a highly functional</a:t>
+            </a:r>
+            <a:r>
+              <a:rPr lang="en-US" sz="1200" baseline="0" dirty="0" smtClean="0"/>
+              <a:t> UI to zoom in and out of what we were looking for.  But still no magic.</a:t>
+            </a:r>
+            <a:endParaRPr lang="en-US" sz="1200" dirty="0" smtClean="0"/>
           </a:p>
         </p:txBody>
       </p:sp>
@@ -1814,7 +1752,7 @@
           <a:p>
             <a:fld id="{9EE0E4B5-1664-9E4D-908E-362B3D86519C}" type="slidenum">
               <a:rPr lang="en-US" smtClean="0"/>
-              <a:t>19</a:t>
+              <a:t>17</a:t>
             </a:fld>
             <a:endParaRPr lang="en-US"/>
           </a:p>
@@ -1823,7 +1761,7 @@
     </p:spTree>
     <p:extLst>
       <p:ext uri="{BB962C8B-B14F-4D97-AF65-F5344CB8AC3E}">
-        <p14:creationId xmlns:p14="http://schemas.microsoft.com/office/powerpoint/2010/main" val="284077081"/>
+        <p14:creationId xmlns:p14="http://schemas.microsoft.com/office/powerpoint/2010/main" val="2483407008"/>
       </p:ext>
     </p:extLst>
   </p:cSld>
@@ -1877,6 +1815,51 @@
           <a:bodyPr/>
           <a:lstStyle/>
           <a:p>
+            <a:r>
+              <a:rPr lang="en-US" dirty="0" smtClean="0"/>
+              <a:t>The stack is open-source</a:t>
+            </a:r>
+          </a:p>
+          <a:p>
+            <a:r>
+              <a:rPr lang="en-US" dirty="0" smtClean="0"/>
+              <a:t>Logging was lowest cost of entry</a:t>
+            </a:r>
+          </a:p>
+          <a:p>
+            <a:r>
+              <a:rPr lang="en-US" dirty="0" smtClean="0"/>
+              <a:t>This</a:t>
+            </a:r>
+            <a:r>
+              <a:rPr lang="en-US" baseline="0" dirty="0" smtClean="0"/>
+              <a:t> all happens out of process.</a:t>
+            </a:r>
+          </a:p>
+          <a:p>
+            <a:endParaRPr lang="en-US" baseline="0" dirty="0" smtClean="0"/>
+          </a:p>
+          <a:p>
+            <a:r>
+              <a:rPr lang="en-US" baseline="0" dirty="0" smtClean="0"/>
+              <a:t>Informed greatly by http://</a:t>
+            </a:r>
+            <a:r>
+              <a:rPr lang="en-US" baseline="0" dirty="0" err="1" smtClean="0"/>
+              <a:t>research.google.com</a:t>
+            </a:r>
+            <a:r>
+              <a:rPr lang="en-US" baseline="0" dirty="0" smtClean="0"/>
+              <a:t>/pubs/pub36356.html (dapper/</a:t>
+            </a:r>
+            <a:r>
+              <a:rPr lang="en-US" baseline="0" dirty="0" err="1" smtClean="0"/>
+              <a:t>zipkin</a:t>
+            </a:r>
+            <a:r>
+              <a:rPr lang="en-US" baseline="0" dirty="0" smtClean="0"/>
+              <a:t>)</a:t>
+            </a:r>
             <a:endParaRPr lang="en-US" dirty="0"/>
           </a:p>
         </p:txBody>
@@ -1898,7 +1881,7 @@
           <a:p>
             <a:fld id="{9EE0E4B5-1664-9E4D-908E-362B3D86519C}" type="slidenum">
               <a:rPr lang="en-US" smtClean="0"/>
-              <a:t>20</a:t>
+              <a:t>18</a:t>
             </a:fld>
             <a:endParaRPr lang="en-US"/>
           </a:p>
@@ -1907,7 +1890,7 @@
     </p:spTree>
     <p:extLst>
       <p:ext uri="{BB962C8B-B14F-4D97-AF65-F5344CB8AC3E}">
-        <p14:creationId xmlns:p14="http://schemas.microsoft.com/office/powerpoint/2010/main" val="284077081"/>
+        <p14:creationId xmlns:p14="http://schemas.microsoft.com/office/powerpoint/2010/main" val="1166997226"/>
       </p:ext>
     </p:extLst>
   </p:cSld>
@@ -1961,48 +1944,6 @@
           <a:bodyPr/>
           <a:lstStyle/>
           <a:p>
-            <a:r>
-              <a:rPr lang="en-US" dirty="0" smtClean="0"/>
-              <a:t>Highly influenced by Google</a:t>
-            </a:r>
-            <a:r>
-              <a:rPr lang="en-US" baseline="0" dirty="0" smtClean="0"/>
-              <a:t> Dapper paper (open source implementation = </a:t>
-            </a:r>
-            <a:r>
-              <a:rPr lang="en-US" baseline="0" dirty="0" err="1" smtClean="0"/>
-              <a:t>Zipkin</a:t>
-            </a:r>
-            <a:r>
-              <a:rPr lang="en-US" baseline="0" dirty="0" smtClean="0"/>
-              <a:t>)</a:t>
-            </a:r>
-          </a:p>
-          <a:p>
-            <a:r>
-              <a:rPr lang="en-US" dirty="0" smtClean="0"/>
-              <a:t>Open source alternatives</a:t>
-            </a:r>
-            <a:r>
-              <a:rPr lang="en-US" baseline="0" dirty="0" smtClean="0"/>
-              <a:t> for the </a:t>
-            </a:r>
-            <a:r>
-              <a:rPr lang="en-US" baseline="0" dirty="0" err="1" smtClean="0"/>
-              <a:t>logback</a:t>
-            </a:r>
-            <a:r>
-              <a:rPr lang="en-US" baseline="0" dirty="0" smtClean="0"/>
-              <a:t> and </a:t>
-            </a:r>
-            <a:r>
-              <a:rPr lang="en-US" baseline="0" dirty="0" err="1" smtClean="0"/>
-              <a:t>logback</a:t>
-            </a:r>
-            <a:r>
-              <a:rPr lang="en-US" baseline="0" dirty="0" smtClean="0"/>
-              <a:t>-access encoders, we pre-date them, so we are investigating how to switch..</a:t>
-            </a:r>
             <a:endParaRPr lang="en-US" dirty="0"/>
           </a:p>
         </p:txBody>
@@ -2024,7 +1965,7 @@
           <a:p>
             <a:fld id="{9EE0E4B5-1664-9E4D-908E-362B3D86519C}" type="slidenum">
               <a:rPr lang="en-US" smtClean="0"/>
-              <a:t>21</a:t>
+              <a:t>19</a:t>
             </a:fld>
             <a:endParaRPr lang="en-US"/>
           </a:p>
@@ -2033,7 +1974,7 @@
     </p:spTree>
     <p:extLst>
       <p:ext uri="{BB962C8B-B14F-4D97-AF65-F5344CB8AC3E}">
-        <p14:creationId xmlns:p14="http://schemas.microsoft.com/office/powerpoint/2010/main" val="284077081"/>
+        <p14:creationId xmlns:p14="http://schemas.microsoft.com/office/powerpoint/2010/main" val="1166997226"/>
       </p:ext>
     </p:extLst>
   </p:cSld>
@@ -2088,25 +2029,8 @@
           <a:lstStyle/>
           <a:p>
             <a:r>
-              <a:rPr lang="en-US" dirty="0" err="1" smtClean="0"/>
-              <a:t>Im</a:t>
-            </a:r>
-            <a:r>
               <a:rPr lang="en-US" dirty="0" smtClean="0"/>
-              <a:t> a consulting software engineer at OCLC</a:t>
-            </a:r>
-            <a:r>
-              <a:rPr lang="en-US" baseline="0" dirty="0" smtClean="0"/>
-              <a:t> on the End User Services Discovery Team.</a:t>
-            </a:r>
-          </a:p>
-          <a:p>
-            <a:endParaRPr lang="en-US" baseline="0" dirty="0" smtClean="0"/>
-          </a:p>
-          <a:p>
-            <a:r>
-              <a:rPr lang="en-US" baseline="0" dirty="0" smtClean="0"/>
-              <a:t>I like making developer’s lives easier.</a:t>
+              <a:t>We are a nonprofit library cooperative providing research, programs and services that help libraries share the world’s knowledge and the work of organizing it. </a:t>
             </a:r>
             <a:endParaRPr lang="en-US" dirty="0"/>
           </a:p>
@@ -2130,6 +2054,1104 @@
             <a:fld id="{9EE0E4B5-1664-9E4D-908E-362B3D86519C}" type="slidenum">
               <a:rPr lang="en-US" smtClean="0"/>
               <a:t>2</a:t>
+            </a:fld>
+            <a:endParaRPr lang="en-US"/>
+          </a:p>
+        </p:txBody>
+      </p:sp>
+    </p:spTree>
+    <p:extLst>
+      <p:ext uri="{BB962C8B-B14F-4D97-AF65-F5344CB8AC3E}">
+        <p14:creationId xmlns:p14="http://schemas.microsoft.com/office/powerpoint/2010/main" val="2203709315"/>
+      </p:ext>
+    </p:extLst>
+  </p:cSld>
+  <p:clrMapOvr>
+    <a:masterClrMapping/>
+  </p:clrMapOvr>
+</p:notes>
+</file>
+
+<file path=ppt/notesSlides/notesSlide20.xml><?xml version="1.0" encoding="utf-8"?>
+<p:notes xmlns:a="http://schemas.openxmlformats.org/drawingml/2006/main" xmlns:r="http://schemas.openxmlformats.org/officeDocument/2006/relationships" xmlns:p="http://schemas.openxmlformats.org/presentationml/2006/main">
+  <p:cSld>
+    <p:spTree>
+      <p:nvGrpSpPr>
+        <p:cNvPr id="1" name=""/>
+        <p:cNvGrpSpPr/>
+        <p:nvPr/>
+      </p:nvGrpSpPr>
+      <p:grpSpPr>
+        <a:xfrm>
+          <a:off x="0" y="0"/>
+          <a:ext cx="0" cy="0"/>
+          <a:chOff x="0" y="0"/>
+          <a:chExt cx="0" cy="0"/>
+        </a:xfrm>
+      </p:grpSpPr>
+      <p:sp>
+        <p:nvSpPr>
+          <p:cNvPr id="2" name="Slide Image Placeholder 1"/>
+          <p:cNvSpPr>
+            <a:spLocks noGrp="1" noRot="1" noChangeAspect="1"/>
+          </p:cNvSpPr>
+          <p:nvPr>
+            <p:ph type="sldImg"/>
+          </p:nvPr>
+        </p:nvSpPr>
+        <p:spPr/>
+      </p:sp>
+      <p:sp>
+        <p:nvSpPr>
+          <p:cNvPr id="3" name="Notes Placeholder 2"/>
+          <p:cNvSpPr>
+            <a:spLocks noGrp="1"/>
+          </p:cNvSpPr>
+          <p:nvPr>
+            <p:ph type="body" idx="1"/>
+          </p:nvPr>
+        </p:nvSpPr>
+        <p:spPr/>
+        <p:txBody>
+          <a:bodyPr/>
+          <a:lstStyle/>
+          <a:p>
+            <a:r>
+              <a:rPr lang="en-US" dirty="0" smtClean="0"/>
+              <a:t>Remember what it</a:t>
+            </a:r>
+            <a:r>
+              <a:rPr lang="en-US" baseline="0" dirty="0" smtClean="0"/>
+              <a:t> is we were shooting for: Magic!</a:t>
+            </a:r>
+            <a:endParaRPr lang="en-US" dirty="0"/>
+          </a:p>
+        </p:txBody>
+      </p:sp>
+      <p:sp>
+        <p:nvSpPr>
+          <p:cNvPr id="4" name="Slide Number Placeholder 3"/>
+          <p:cNvSpPr>
+            <a:spLocks noGrp="1"/>
+          </p:cNvSpPr>
+          <p:nvPr>
+            <p:ph type="sldNum" sz="quarter" idx="10"/>
+          </p:nvPr>
+        </p:nvSpPr>
+        <p:spPr/>
+        <p:txBody>
+          <a:bodyPr/>
+          <a:lstStyle/>
+          <a:p>
+            <a:fld id="{9EE0E4B5-1664-9E4D-908E-362B3D86519C}" type="slidenum">
+              <a:rPr lang="en-US" smtClean="0"/>
+              <a:t>20</a:t>
+            </a:fld>
+            <a:endParaRPr lang="en-US"/>
+          </a:p>
+        </p:txBody>
+      </p:sp>
+    </p:spTree>
+    <p:extLst>
+      <p:ext uri="{BB962C8B-B14F-4D97-AF65-F5344CB8AC3E}">
+        <p14:creationId xmlns:p14="http://schemas.microsoft.com/office/powerpoint/2010/main" val="2766815481"/>
+      </p:ext>
+    </p:extLst>
+  </p:cSld>
+  <p:clrMapOvr>
+    <a:masterClrMapping/>
+  </p:clrMapOvr>
+</p:notes>
+</file>
+
+<file path=ppt/notesSlides/notesSlide21.xml><?xml version="1.0" encoding="utf-8"?>
+<p:notes xmlns:a="http://schemas.openxmlformats.org/drawingml/2006/main" xmlns:r="http://schemas.openxmlformats.org/officeDocument/2006/relationships" xmlns:p="http://schemas.openxmlformats.org/presentationml/2006/main">
+  <p:cSld>
+    <p:spTree>
+      <p:nvGrpSpPr>
+        <p:cNvPr id="1" name=""/>
+        <p:cNvGrpSpPr/>
+        <p:nvPr/>
+      </p:nvGrpSpPr>
+      <p:grpSpPr>
+        <a:xfrm>
+          <a:off x="0" y="0"/>
+          <a:ext cx="0" cy="0"/>
+          <a:chOff x="0" y="0"/>
+          <a:chExt cx="0" cy="0"/>
+        </a:xfrm>
+      </p:grpSpPr>
+      <p:sp>
+        <p:nvSpPr>
+          <p:cNvPr id="2" name="Slide Image Placeholder 1"/>
+          <p:cNvSpPr>
+            <a:spLocks noGrp="1" noRot="1" noChangeAspect="1"/>
+          </p:cNvSpPr>
+          <p:nvPr>
+            <p:ph type="sldImg"/>
+          </p:nvPr>
+        </p:nvSpPr>
+        <p:spPr/>
+      </p:sp>
+      <p:sp>
+        <p:nvSpPr>
+          <p:cNvPr id="3" name="Notes Placeholder 2"/>
+          <p:cNvSpPr>
+            <a:spLocks noGrp="1"/>
+          </p:cNvSpPr>
+          <p:nvPr>
+            <p:ph type="body" idx="1"/>
+          </p:nvPr>
+        </p:nvSpPr>
+        <p:spPr/>
+        <p:txBody>
+          <a:bodyPr/>
+          <a:lstStyle/>
+          <a:p>
+            <a:r>
+              <a:rPr lang="en-US" dirty="0" smtClean="0"/>
+              <a:t>Simple Logging Façade for Java</a:t>
+            </a:r>
+          </a:p>
+          <a:p>
+            <a:endParaRPr lang="en-US" dirty="0" smtClean="0"/>
+          </a:p>
+          <a:p>
+            <a:r>
+              <a:rPr lang="en-US" dirty="0" smtClean="0"/>
+              <a:t>This is java-centric, but other languages hopefully support something similar.</a:t>
+            </a:r>
+            <a:endParaRPr lang="en-US" dirty="0"/>
+          </a:p>
+        </p:txBody>
+      </p:sp>
+      <p:sp>
+        <p:nvSpPr>
+          <p:cNvPr id="4" name="Slide Number Placeholder 3"/>
+          <p:cNvSpPr>
+            <a:spLocks noGrp="1"/>
+          </p:cNvSpPr>
+          <p:nvPr>
+            <p:ph type="sldNum" sz="quarter" idx="10"/>
+          </p:nvPr>
+        </p:nvSpPr>
+        <p:spPr/>
+        <p:txBody>
+          <a:bodyPr/>
+          <a:lstStyle/>
+          <a:p>
+            <a:fld id="{9EE0E4B5-1664-9E4D-908E-362B3D86519C}" type="slidenum">
+              <a:rPr lang="en-US" smtClean="0"/>
+              <a:t>21</a:t>
+            </a:fld>
+            <a:endParaRPr lang="en-US"/>
+          </a:p>
+        </p:txBody>
+      </p:sp>
+    </p:spTree>
+    <p:extLst>
+      <p:ext uri="{BB962C8B-B14F-4D97-AF65-F5344CB8AC3E}">
+        <p14:creationId xmlns:p14="http://schemas.microsoft.com/office/powerpoint/2010/main" val="1460070717"/>
+      </p:ext>
+    </p:extLst>
+  </p:cSld>
+  <p:clrMapOvr>
+    <a:masterClrMapping/>
+  </p:clrMapOvr>
+</p:notes>
+</file>
+
+<file path=ppt/notesSlides/notesSlide22.xml><?xml version="1.0" encoding="utf-8"?>
+<p:notes xmlns:a="http://schemas.openxmlformats.org/drawingml/2006/main" xmlns:r="http://schemas.openxmlformats.org/officeDocument/2006/relationships" xmlns:p="http://schemas.openxmlformats.org/presentationml/2006/main">
+  <p:cSld>
+    <p:spTree>
+      <p:nvGrpSpPr>
+        <p:cNvPr id="1" name=""/>
+        <p:cNvGrpSpPr/>
+        <p:nvPr/>
+      </p:nvGrpSpPr>
+      <p:grpSpPr>
+        <a:xfrm>
+          <a:off x="0" y="0"/>
+          <a:ext cx="0" cy="0"/>
+          <a:chOff x="0" y="0"/>
+          <a:chExt cx="0" cy="0"/>
+        </a:xfrm>
+      </p:grpSpPr>
+      <p:sp>
+        <p:nvSpPr>
+          <p:cNvPr id="2" name="Slide Image Placeholder 1"/>
+          <p:cNvSpPr>
+            <a:spLocks noGrp="1" noRot="1" noChangeAspect="1"/>
+          </p:cNvSpPr>
+          <p:nvPr>
+            <p:ph type="sldImg"/>
+          </p:nvPr>
+        </p:nvSpPr>
+        <p:spPr/>
+      </p:sp>
+      <p:sp>
+        <p:nvSpPr>
+          <p:cNvPr id="3" name="Notes Placeholder 2"/>
+          <p:cNvSpPr>
+            <a:spLocks noGrp="1"/>
+          </p:cNvSpPr>
+          <p:nvPr>
+            <p:ph type="body" idx="1"/>
+          </p:nvPr>
+        </p:nvSpPr>
+        <p:spPr/>
+        <p:txBody>
+          <a:bodyPr/>
+          <a:lstStyle/>
+          <a:p>
+            <a:r>
+              <a:rPr lang="en-US" dirty="0" smtClean="0"/>
+              <a:t>"Mapped Diagnostic Context" is essentially a map maintained by the logging framework where the application code provides key-value pairs which can then be inserted by the logging framework in log messages.</a:t>
+            </a:r>
+            <a:endParaRPr lang="en-US" dirty="0"/>
+          </a:p>
+        </p:txBody>
+      </p:sp>
+      <p:sp>
+        <p:nvSpPr>
+          <p:cNvPr id="4" name="Slide Number Placeholder 3"/>
+          <p:cNvSpPr>
+            <a:spLocks noGrp="1"/>
+          </p:cNvSpPr>
+          <p:nvPr>
+            <p:ph type="sldNum" sz="quarter" idx="10"/>
+          </p:nvPr>
+        </p:nvSpPr>
+        <p:spPr/>
+        <p:txBody>
+          <a:bodyPr/>
+          <a:lstStyle/>
+          <a:p>
+            <a:fld id="{9EE0E4B5-1664-9E4D-908E-362B3D86519C}" type="slidenum">
+              <a:rPr lang="en-US" smtClean="0"/>
+              <a:t>22</a:t>
+            </a:fld>
+            <a:endParaRPr lang="en-US"/>
+          </a:p>
+        </p:txBody>
+      </p:sp>
+    </p:spTree>
+    <p:extLst>
+      <p:ext uri="{BB962C8B-B14F-4D97-AF65-F5344CB8AC3E}">
+        <p14:creationId xmlns:p14="http://schemas.microsoft.com/office/powerpoint/2010/main" val="1460070717"/>
+      </p:ext>
+    </p:extLst>
+  </p:cSld>
+  <p:clrMapOvr>
+    <a:masterClrMapping/>
+  </p:clrMapOvr>
+</p:notes>
+</file>
+
+<file path=ppt/notesSlides/notesSlide23.xml><?xml version="1.0" encoding="utf-8"?>
+<p:notes xmlns:a="http://schemas.openxmlformats.org/drawingml/2006/main" xmlns:r="http://schemas.openxmlformats.org/officeDocument/2006/relationships" xmlns:p="http://schemas.openxmlformats.org/presentationml/2006/main">
+  <p:cSld>
+    <p:spTree>
+      <p:nvGrpSpPr>
+        <p:cNvPr id="1" name=""/>
+        <p:cNvGrpSpPr/>
+        <p:nvPr/>
+      </p:nvGrpSpPr>
+      <p:grpSpPr>
+        <a:xfrm>
+          <a:off x="0" y="0"/>
+          <a:ext cx="0" cy="0"/>
+          <a:chOff x="0" y="0"/>
+          <a:chExt cx="0" cy="0"/>
+        </a:xfrm>
+      </p:grpSpPr>
+      <p:sp>
+        <p:nvSpPr>
+          <p:cNvPr id="2" name="Slide Image Placeholder 1"/>
+          <p:cNvSpPr>
+            <a:spLocks noGrp="1" noRot="1" noChangeAspect="1"/>
+          </p:cNvSpPr>
+          <p:nvPr>
+            <p:ph type="sldImg"/>
+          </p:nvPr>
+        </p:nvSpPr>
+        <p:spPr/>
+      </p:sp>
+      <p:sp>
+        <p:nvSpPr>
+          <p:cNvPr id="3" name="Notes Placeholder 2"/>
+          <p:cNvSpPr>
+            <a:spLocks noGrp="1"/>
+          </p:cNvSpPr>
+          <p:nvPr>
+            <p:ph type="body" idx="1"/>
+          </p:nvPr>
+        </p:nvSpPr>
+        <p:spPr/>
+        <p:txBody>
+          <a:bodyPr/>
+          <a:lstStyle/>
+          <a:p>
+            <a:r>
+              <a:rPr lang="en-US" dirty="0" smtClean="0"/>
+              <a:t>Markers are named objects used to enrich log statements.</a:t>
+            </a:r>
+          </a:p>
+          <a:p>
+            <a:endParaRPr lang="en-US" dirty="0" smtClean="0"/>
+          </a:p>
+          <a:p>
+            <a:r>
+              <a:rPr lang="en-US" dirty="0" smtClean="0"/>
+              <a:t>Allows you to categorize events on additional </a:t>
+            </a:r>
+            <a:r>
+              <a:rPr lang="en-US" dirty="0" err="1" smtClean="0"/>
+              <a:t>dev</a:t>
+            </a:r>
+            <a:r>
+              <a:rPr lang="en-US" baseline="0" dirty="0" smtClean="0"/>
+              <a:t> selected field.  (Multiples allowed)</a:t>
+            </a:r>
+            <a:endParaRPr lang="en-US" dirty="0"/>
+          </a:p>
+        </p:txBody>
+      </p:sp>
+      <p:sp>
+        <p:nvSpPr>
+          <p:cNvPr id="4" name="Slide Number Placeholder 3"/>
+          <p:cNvSpPr>
+            <a:spLocks noGrp="1"/>
+          </p:cNvSpPr>
+          <p:nvPr>
+            <p:ph type="sldNum" sz="quarter" idx="10"/>
+          </p:nvPr>
+        </p:nvSpPr>
+        <p:spPr/>
+        <p:txBody>
+          <a:bodyPr/>
+          <a:lstStyle/>
+          <a:p>
+            <a:fld id="{9EE0E4B5-1664-9E4D-908E-362B3D86519C}" type="slidenum">
+              <a:rPr lang="en-US" smtClean="0"/>
+              <a:t>23</a:t>
+            </a:fld>
+            <a:endParaRPr lang="en-US"/>
+          </a:p>
+        </p:txBody>
+      </p:sp>
+    </p:spTree>
+    <p:extLst>
+      <p:ext uri="{BB962C8B-B14F-4D97-AF65-F5344CB8AC3E}">
+        <p14:creationId xmlns:p14="http://schemas.microsoft.com/office/powerpoint/2010/main" val="1460070717"/>
+      </p:ext>
+    </p:extLst>
+  </p:cSld>
+  <p:clrMapOvr>
+    <a:masterClrMapping/>
+  </p:clrMapOvr>
+</p:notes>
+</file>
+
+<file path=ppt/notesSlides/notesSlide24.xml><?xml version="1.0" encoding="utf-8"?>
+<p:notes xmlns:a="http://schemas.openxmlformats.org/drawingml/2006/main" xmlns:r="http://schemas.openxmlformats.org/officeDocument/2006/relationships" xmlns:p="http://schemas.openxmlformats.org/presentationml/2006/main">
+  <p:cSld>
+    <p:spTree>
+      <p:nvGrpSpPr>
+        <p:cNvPr id="1" name=""/>
+        <p:cNvGrpSpPr/>
+        <p:nvPr/>
+      </p:nvGrpSpPr>
+      <p:grpSpPr>
+        <a:xfrm>
+          <a:off x="0" y="0"/>
+          <a:ext cx="0" cy="0"/>
+          <a:chOff x="0" y="0"/>
+          <a:chExt cx="0" cy="0"/>
+        </a:xfrm>
+      </p:grpSpPr>
+      <p:sp>
+        <p:nvSpPr>
+          <p:cNvPr id="2" name="Slide Image Placeholder 1"/>
+          <p:cNvSpPr>
+            <a:spLocks noGrp="1" noRot="1" noChangeAspect="1"/>
+          </p:cNvSpPr>
+          <p:nvPr>
+            <p:ph type="sldImg"/>
+          </p:nvPr>
+        </p:nvSpPr>
+        <p:spPr/>
+      </p:sp>
+      <p:sp>
+        <p:nvSpPr>
+          <p:cNvPr id="3" name="Notes Placeholder 2"/>
+          <p:cNvSpPr>
+            <a:spLocks noGrp="1"/>
+          </p:cNvSpPr>
+          <p:nvPr>
+            <p:ph type="body" idx="1"/>
+          </p:nvPr>
+        </p:nvSpPr>
+        <p:spPr/>
+        <p:txBody>
+          <a:bodyPr/>
+          <a:lstStyle/>
+          <a:p>
+            <a:r>
+              <a:rPr lang="en-US" dirty="0" smtClean="0"/>
+              <a:t>Show</a:t>
+            </a:r>
+            <a:r>
+              <a:rPr lang="en-US" baseline="0" dirty="0" smtClean="0"/>
+              <a:t> </a:t>
+            </a:r>
+            <a:r>
+              <a:rPr lang="en-US" baseline="0" dirty="0" err="1" smtClean="0"/>
+              <a:t>kibana</a:t>
+            </a:r>
+            <a:r>
+              <a:rPr lang="en-US" baseline="0" dirty="0" smtClean="0"/>
+              <a:t> sharing of temporary dashboard</a:t>
+            </a:r>
+            <a:endParaRPr lang="en-US" dirty="0"/>
+          </a:p>
+        </p:txBody>
+      </p:sp>
+      <p:sp>
+        <p:nvSpPr>
+          <p:cNvPr id="4" name="Slide Number Placeholder 3"/>
+          <p:cNvSpPr>
+            <a:spLocks noGrp="1"/>
+          </p:cNvSpPr>
+          <p:nvPr>
+            <p:ph type="sldNum" sz="quarter" idx="10"/>
+          </p:nvPr>
+        </p:nvSpPr>
+        <p:spPr/>
+        <p:txBody>
+          <a:bodyPr/>
+          <a:lstStyle/>
+          <a:p>
+            <a:fld id="{9EE0E4B5-1664-9E4D-908E-362B3D86519C}" type="slidenum">
+              <a:rPr lang="en-US" smtClean="0"/>
+              <a:t>24</a:t>
+            </a:fld>
+            <a:endParaRPr lang="en-US"/>
+          </a:p>
+        </p:txBody>
+      </p:sp>
+    </p:spTree>
+    <p:extLst>
+      <p:ext uri="{BB962C8B-B14F-4D97-AF65-F5344CB8AC3E}">
+        <p14:creationId xmlns:p14="http://schemas.microsoft.com/office/powerpoint/2010/main" val="112529183"/>
+      </p:ext>
+    </p:extLst>
+  </p:cSld>
+  <p:clrMapOvr>
+    <a:masterClrMapping/>
+  </p:clrMapOvr>
+</p:notes>
+</file>
+
+<file path=ppt/notesSlides/notesSlide25.xml><?xml version="1.0" encoding="utf-8"?>
+<p:notes xmlns:a="http://schemas.openxmlformats.org/drawingml/2006/main" xmlns:r="http://schemas.openxmlformats.org/officeDocument/2006/relationships" xmlns:p="http://schemas.openxmlformats.org/presentationml/2006/main">
+  <p:cSld>
+    <p:spTree>
+      <p:nvGrpSpPr>
+        <p:cNvPr id="1" name=""/>
+        <p:cNvGrpSpPr/>
+        <p:nvPr/>
+      </p:nvGrpSpPr>
+      <p:grpSpPr>
+        <a:xfrm>
+          <a:off x="0" y="0"/>
+          <a:ext cx="0" cy="0"/>
+          <a:chOff x="0" y="0"/>
+          <a:chExt cx="0" cy="0"/>
+        </a:xfrm>
+      </p:grpSpPr>
+      <p:sp>
+        <p:nvSpPr>
+          <p:cNvPr id="2" name="Slide Image Placeholder 1"/>
+          <p:cNvSpPr>
+            <a:spLocks noGrp="1" noRot="1" noChangeAspect="1"/>
+          </p:cNvSpPr>
+          <p:nvPr>
+            <p:ph type="sldImg"/>
+          </p:nvPr>
+        </p:nvSpPr>
+        <p:spPr/>
+      </p:sp>
+      <p:sp>
+        <p:nvSpPr>
+          <p:cNvPr id="3" name="Notes Placeholder 2"/>
+          <p:cNvSpPr>
+            <a:spLocks noGrp="1"/>
+          </p:cNvSpPr>
+          <p:nvPr>
+            <p:ph type="body" idx="1"/>
+          </p:nvPr>
+        </p:nvSpPr>
+        <p:spPr/>
+        <p:txBody>
+          <a:bodyPr/>
+          <a:lstStyle/>
+          <a:p>
+            <a:r>
+              <a:rPr lang="en-US" dirty="0" smtClean="0"/>
+              <a:t>Spring boot</a:t>
+            </a:r>
+          </a:p>
+          <a:p>
+            <a:r>
+              <a:rPr lang="en-US" dirty="0" smtClean="0"/>
+              <a:t>Spring boot actuator health checks</a:t>
+            </a:r>
+          </a:p>
+          <a:p>
+            <a:r>
+              <a:rPr lang="en-US" dirty="0" smtClean="0"/>
+              <a:t>Gatling Load test tool</a:t>
+            </a:r>
+            <a:endParaRPr lang="en-US" dirty="0"/>
+          </a:p>
+        </p:txBody>
+      </p:sp>
+      <p:sp>
+        <p:nvSpPr>
+          <p:cNvPr id="4" name="Slide Number Placeholder 3"/>
+          <p:cNvSpPr>
+            <a:spLocks noGrp="1"/>
+          </p:cNvSpPr>
+          <p:nvPr>
+            <p:ph type="sldNum" sz="quarter" idx="10"/>
+          </p:nvPr>
+        </p:nvSpPr>
+        <p:spPr/>
+        <p:txBody>
+          <a:bodyPr/>
+          <a:lstStyle/>
+          <a:p>
+            <a:fld id="{9EE0E4B5-1664-9E4D-908E-362B3D86519C}" type="slidenum">
+              <a:rPr lang="en-US" smtClean="0"/>
+              <a:t>25</a:t>
+            </a:fld>
+            <a:endParaRPr lang="en-US"/>
+          </a:p>
+        </p:txBody>
+      </p:sp>
+    </p:spTree>
+    <p:extLst>
+      <p:ext uri="{BB962C8B-B14F-4D97-AF65-F5344CB8AC3E}">
+        <p14:creationId xmlns:p14="http://schemas.microsoft.com/office/powerpoint/2010/main" val="284077081"/>
+      </p:ext>
+    </p:extLst>
+  </p:cSld>
+  <p:clrMapOvr>
+    <a:masterClrMapping/>
+  </p:clrMapOvr>
+</p:notes>
+</file>
+
+<file path=ppt/notesSlides/notesSlide26.xml><?xml version="1.0" encoding="utf-8"?>
+<p:notes xmlns:a="http://schemas.openxmlformats.org/drawingml/2006/main" xmlns:r="http://schemas.openxmlformats.org/officeDocument/2006/relationships" xmlns:p="http://schemas.openxmlformats.org/presentationml/2006/main">
+  <p:cSld>
+    <p:spTree>
+      <p:nvGrpSpPr>
+        <p:cNvPr id="1" name=""/>
+        <p:cNvGrpSpPr/>
+        <p:nvPr/>
+      </p:nvGrpSpPr>
+      <p:grpSpPr>
+        <a:xfrm>
+          <a:off x="0" y="0"/>
+          <a:ext cx="0" cy="0"/>
+          <a:chOff x="0" y="0"/>
+          <a:chExt cx="0" cy="0"/>
+        </a:xfrm>
+      </p:grpSpPr>
+      <p:sp>
+        <p:nvSpPr>
+          <p:cNvPr id="2" name="Slide Image Placeholder 1"/>
+          <p:cNvSpPr>
+            <a:spLocks noGrp="1" noRot="1" noChangeAspect="1"/>
+          </p:cNvSpPr>
+          <p:nvPr>
+            <p:ph type="sldImg"/>
+          </p:nvPr>
+        </p:nvSpPr>
+        <p:spPr/>
+      </p:sp>
+      <p:sp>
+        <p:nvSpPr>
+          <p:cNvPr id="3" name="Notes Placeholder 2"/>
+          <p:cNvSpPr>
+            <a:spLocks noGrp="1"/>
+          </p:cNvSpPr>
+          <p:nvPr>
+            <p:ph type="body" idx="1"/>
+          </p:nvPr>
+        </p:nvSpPr>
+        <p:spPr/>
+        <p:txBody>
+          <a:bodyPr/>
+          <a:lstStyle/>
+          <a:p>
+            <a:r>
+              <a:rPr lang="en-US" baseline="0" dirty="0" smtClean="0"/>
+              <a:t>When starting demo describe </a:t>
+            </a:r>
+            <a:r>
+              <a:rPr lang="en-US" baseline="0" dirty="0" err="1" smtClean="0"/>
+              <a:t>logstash</a:t>
+            </a:r>
+            <a:r>
+              <a:rPr lang="en-US" baseline="0" dirty="0" smtClean="0"/>
+              <a:t> and </a:t>
+            </a:r>
+            <a:r>
+              <a:rPr lang="en-US" baseline="0" dirty="0" err="1" smtClean="0"/>
+              <a:t>elasticsearch</a:t>
+            </a:r>
+            <a:r>
+              <a:rPr lang="en-US" baseline="0" dirty="0" smtClean="0"/>
+              <a:t> are running locally (with command line) and then show </a:t>
+            </a:r>
+            <a:r>
+              <a:rPr lang="en-US" baseline="0" dirty="0" err="1" smtClean="0"/>
+              <a:t>logstash</a:t>
+            </a:r>
+            <a:r>
+              <a:rPr lang="en-US" baseline="0" dirty="0" smtClean="0"/>
+              <a:t> </a:t>
+            </a:r>
+            <a:r>
+              <a:rPr lang="en-US" baseline="0" dirty="0" err="1" smtClean="0"/>
+              <a:t>config</a:t>
+            </a:r>
+            <a:r>
+              <a:rPr lang="en-US" baseline="0" dirty="0" smtClean="0"/>
+              <a:t> input and output before moving into </a:t>
+            </a:r>
+            <a:r>
+              <a:rPr lang="en-US" baseline="0" dirty="0" err="1" smtClean="0"/>
+              <a:t>kibana</a:t>
+            </a:r>
+            <a:r>
+              <a:rPr lang="en-US" baseline="0" dirty="0" smtClean="0"/>
+              <a:t>.</a:t>
+            </a:r>
+          </a:p>
+          <a:p>
+            <a:r>
+              <a:rPr lang="en-US" baseline="0" dirty="0" smtClean="0"/>
+              <a:t>Once in </a:t>
+            </a:r>
+            <a:r>
+              <a:rPr lang="en-US" baseline="0" dirty="0" err="1" smtClean="0"/>
+              <a:t>kibana</a:t>
+            </a:r>
+            <a:r>
+              <a:rPr lang="en-US" baseline="0" dirty="0" smtClean="0"/>
+              <a:t>, describe all the parts of the default dashboard.</a:t>
+            </a:r>
+          </a:p>
+          <a:p>
+            <a:r>
+              <a:rPr lang="en-US" baseline="0" dirty="0" smtClean="0"/>
+              <a:t>Much more slowly describe how I am using the dashboards.</a:t>
+            </a:r>
+          </a:p>
+          <a:p>
+            <a:pPr marL="0" marR="0" indent="0" algn="l" defTabSz="457200" rtl="0" eaLnBrk="1" fontAlgn="auto" latinLnBrk="0" hangingPunct="1">
+              <a:lnSpc>
+                <a:spcPct val="100000"/>
+              </a:lnSpc>
+              <a:spcBef>
+                <a:spcPts val="0"/>
+              </a:spcBef>
+              <a:spcAft>
+                <a:spcPts val="0"/>
+              </a:spcAft>
+              <a:buClrTx/>
+              <a:buSzTx/>
+              <a:buFontTx/>
+              <a:buNone/>
+              <a:tabLst/>
+              <a:defRPr/>
+            </a:pPr>
+            <a:r>
+              <a:rPr lang="en-US" baseline="0" dirty="0" smtClean="0"/>
+              <a:t>In </a:t>
+            </a:r>
+            <a:r>
+              <a:rPr lang="en-US" baseline="0" dirty="0" err="1" smtClean="0"/>
+              <a:t>kibana</a:t>
+            </a:r>
+            <a:r>
+              <a:rPr lang="en-US" baseline="0" dirty="0" smtClean="0"/>
+              <a:t> – dragging across the graph, show how clicking on mag-glass creates filters, filters + queries</a:t>
+            </a:r>
+          </a:p>
+          <a:p>
+            <a:endParaRPr lang="en-US" baseline="0" dirty="0" smtClean="0"/>
+          </a:p>
+          <a:p>
+            <a:r>
+              <a:rPr lang="en-US" baseline="0" dirty="0" err="1" smtClean="0"/>
+              <a:t>Kibana</a:t>
+            </a:r>
+            <a:r>
+              <a:rPr lang="en-US" baseline="0" dirty="0" smtClean="0"/>
+              <a:t> doesn’t know anything about your app or your logs</a:t>
+            </a:r>
+          </a:p>
+          <a:p>
+            <a:endParaRPr lang="en-US" baseline="0" dirty="0" smtClean="0"/>
+          </a:p>
+          <a:p>
+            <a:r>
+              <a:rPr lang="en-US" baseline="0" dirty="0" smtClean="0"/>
+              <a:t>Talk about all of the fields in the full event</a:t>
+            </a:r>
+          </a:p>
+          <a:p>
+            <a:endParaRPr lang="en-US" baseline="0" dirty="0" smtClean="0"/>
+          </a:p>
+          <a:p>
+            <a:r>
+              <a:rPr lang="en-US" baseline="0" dirty="0" smtClean="0"/>
+              <a:t>Request overview dashboard = access log centric</a:t>
+            </a:r>
+          </a:p>
+          <a:p>
+            <a:endParaRPr lang="en-US" baseline="0" dirty="0" smtClean="0"/>
+          </a:p>
+          <a:p>
+            <a:r>
+              <a:rPr lang="en-US" baseline="0" dirty="0" smtClean="0"/>
+              <a:t>Discuss </a:t>
+            </a:r>
+            <a:r>
+              <a:rPr lang="en-US" baseline="0" dirty="0" err="1" smtClean="0"/>
+              <a:t>logstash</a:t>
+            </a:r>
+            <a:r>
+              <a:rPr lang="en-US" baseline="0" dirty="0" smtClean="0"/>
+              <a:t> </a:t>
+            </a:r>
+            <a:r>
+              <a:rPr lang="en-US" baseline="0" dirty="0" err="1" smtClean="0"/>
+              <a:t>config</a:t>
+            </a:r>
+            <a:r>
+              <a:rPr lang="en-US" baseline="0" dirty="0" smtClean="0"/>
+              <a:t> and talk about running </a:t>
+            </a:r>
+            <a:r>
+              <a:rPr lang="en-US" baseline="0" dirty="0" err="1" smtClean="0"/>
+              <a:t>logstash</a:t>
+            </a:r>
+            <a:r>
+              <a:rPr lang="en-US" baseline="0" dirty="0" smtClean="0"/>
+              <a:t> and </a:t>
+            </a:r>
+            <a:r>
+              <a:rPr lang="en-US" baseline="0" dirty="0" err="1" smtClean="0"/>
+              <a:t>elasticsearch</a:t>
+            </a:r>
+            <a:r>
+              <a:rPr lang="en-US" baseline="0" dirty="0" smtClean="0"/>
+              <a:t> on laptop</a:t>
+            </a:r>
+          </a:p>
+          <a:p>
+            <a:endParaRPr lang="en-US" baseline="0" dirty="0" smtClean="0"/>
+          </a:p>
+          <a:p>
+            <a:r>
+              <a:rPr lang="en-US" baseline="0" dirty="0" smtClean="0"/>
+              <a:t>On the first dashboard describe each element of </a:t>
+            </a:r>
+            <a:r>
+              <a:rPr lang="en-US" baseline="0" dirty="0" err="1" smtClean="0"/>
+              <a:t>kibana</a:t>
+            </a:r>
+            <a:r>
+              <a:rPr lang="en-US" baseline="0" dirty="0" smtClean="0"/>
+              <a:t> – once I find the problem (either too long or a blow up) show the share link.</a:t>
+            </a:r>
+          </a:p>
+          <a:p>
+            <a:endParaRPr lang="en-US" baseline="0" dirty="0" smtClean="0"/>
+          </a:p>
+          <a:p>
+            <a:endParaRPr lang="en-US" baseline="0" dirty="0" smtClean="0"/>
+          </a:p>
+          <a:p>
+            <a:endParaRPr lang="en-US" baseline="0" dirty="0" smtClean="0"/>
+          </a:p>
+          <a:p>
+            <a:endParaRPr lang="en-US" dirty="0" smtClean="0"/>
+          </a:p>
+          <a:p>
+            <a:endParaRPr lang="en-US" baseline="0" dirty="0" smtClean="0"/>
+          </a:p>
+          <a:p>
+            <a:endParaRPr lang="en-US" dirty="0"/>
+          </a:p>
+        </p:txBody>
+      </p:sp>
+      <p:sp>
+        <p:nvSpPr>
+          <p:cNvPr id="4" name="Slide Number Placeholder 3"/>
+          <p:cNvSpPr>
+            <a:spLocks noGrp="1"/>
+          </p:cNvSpPr>
+          <p:nvPr>
+            <p:ph type="sldNum" sz="quarter" idx="10"/>
+          </p:nvPr>
+        </p:nvSpPr>
+        <p:spPr/>
+        <p:txBody>
+          <a:bodyPr/>
+          <a:lstStyle/>
+          <a:p>
+            <a:fld id="{9EE0E4B5-1664-9E4D-908E-362B3D86519C}" type="slidenum">
+              <a:rPr lang="en-US" smtClean="0"/>
+              <a:t>26</a:t>
+            </a:fld>
+            <a:endParaRPr lang="en-US"/>
+          </a:p>
+        </p:txBody>
+      </p:sp>
+    </p:spTree>
+    <p:extLst>
+      <p:ext uri="{BB962C8B-B14F-4D97-AF65-F5344CB8AC3E}">
+        <p14:creationId xmlns:p14="http://schemas.microsoft.com/office/powerpoint/2010/main" val="284077081"/>
+      </p:ext>
+    </p:extLst>
+  </p:cSld>
+  <p:clrMapOvr>
+    <a:masterClrMapping/>
+  </p:clrMapOvr>
+</p:notes>
+</file>
+
+<file path=ppt/notesSlides/notesSlide27.xml><?xml version="1.0" encoding="utf-8"?>
+<p:notes xmlns:a="http://schemas.openxmlformats.org/drawingml/2006/main" xmlns:r="http://schemas.openxmlformats.org/officeDocument/2006/relationships" xmlns:p="http://schemas.openxmlformats.org/presentationml/2006/main">
+  <p:cSld>
+    <p:spTree>
+      <p:nvGrpSpPr>
+        <p:cNvPr id="1" name=""/>
+        <p:cNvGrpSpPr/>
+        <p:nvPr/>
+      </p:nvGrpSpPr>
+      <p:grpSpPr>
+        <a:xfrm>
+          <a:off x="0" y="0"/>
+          <a:ext cx="0" cy="0"/>
+          <a:chOff x="0" y="0"/>
+          <a:chExt cx="0" cy="0"/>
+        </a:xfrm>
+      </p:grpSpPr>
+      <p:sp>
+        <p:nvSpPr>
+          <p:cNvPr id="2" name="Slide Image Placeholder 1"/>
+          <p:cNvSpPr>
+            <a:spLocks noGrp="1" noRot="1" noChangeAspect="1"/>
+          </p:cNvSpPr>
+          <p:nvPr>
+            <p:ph type="sldImg"/>
+          </p:nvPr>
+        </p:nvSpPr>
+        <p:spPr/>
+      </p:sp>
+      <p:sp>
+        <p:nvSpPr>
+          <p:cNvPr id="3" name="Notes Placeholder 2"/>
+          <p:cNvSpPr>
+            <a:spLocks noGrp="1"/>
+          </p:cNvSpPr>
+          <p:nvPr>
+            <p:ph type="body" idx="1"/>
+          </p:nvPr>
+        </p:nvSpPr>
+        <p:spPr/>
+        <p:txBody>
+          <a:bodyPr/>
+          <a:lstStyle/>
+          <a:p>
+            <a:r>
+              <a:rPr lang="en-US" dirty="0" smtClean="0"/>
+              <a:t>Highly influenced by Google</a:t>
+            </a:r>
+            <a:r>
+              <a:rPr lang="en-US" baseline="0" dirty="0" smtClean="0"/>
+              <a:t> Dapper paper (open source implementation = </a:t>
+            </a:r>
+            <a:r>
+              <a:rPr lang="en-US" baseline="0" dirty="0" err="1" smtClean="0"/>
+              <a:t>Zipkin</a:t>
+            </a:r>
+            <a:r>
+              <a:rPr lang="en-US" baseline="0" dirty="0" smtClean="0"/>
+              <a:t>)</a:t>
+            </a:r>
+          </a:p>
+          <a:p>
+            <a:r>
+              <a:rPr lang="en-US" dirty="0" smtClean="0"/>
+              <a:t>Open source alternatives</a:t>
+            </a:r>
+            <a:r>
+              <a:rPr lang="en-US" baseline="0" dirty="0" smtClean="0"/>
+              <a:t> for the </a:t>
+            </a:r>
+            <a:r>
+              <a:rPr lang="en-US" baseline="0" dirty="0" err="1" smtClean="0"/>
+              <a:t>logback</a:t>
+            </a:r>
+            <a:r>
+              <a:rPr lang="en-US" baseline="0" dirty="0" smtClean="0"/>
+              <a:t> and </a:t>
+            </a:r>
+            <a:r>
+              <a:rPr lang="en-US" baseline="0" dirty="0" err="1" smtClean="0"/>
+              <a:t>logback</a:t>
+            </a:r>
+            <a:r>
+              <a:rPr lang="en-US" baseline="0" dirty="0" smtClean="0"/>
+              <a:t>-access encoders, we pre-date them, so we are investigating how to switch..</a:t>
+            </a:r>
+            <a:endParaRPr lang="en-US" dirty="0"/>
+          </a:p>
+        </p:txBody>
+      </p:sp>
+      <p:sp>
+        <p:nvSpPr>
+          <p:cNvPr id="4" name="Slide Number Placeholder 3"/>
+          <p:cNvSpPr>
+            <a:spLocks noGrp="1"/>
+          </p:cNvSpPr>
+          <p:nvPr>
+            <p:ph type="sldNum" sz="quarter" idx="10"/>
+          </p:nvPr>
+        </p:nvSpPr>
+        <p:spPr/>
+        <p:txBody>
+          <a:bodyPr/>
+          <a:lstStyle/>
+          <a:p>
+            <a:fld id="{9EE0E4B5-1664-9E4D-908E-362B3D86519C}" type="slidenum">
+              <a:rPr lang="en-US" smtClean="0"/>
+              <a:t>27</a:t>
+            </a:fld>
+            <a:endParaRPr lang="en-US"/>
+          </a:p>
+        </p:txBody>
+      </p:sp>
+    </p:spTree>
+    <p:extLst>
+      <p:ext uri="{BB962C8B-B14F-4D97-AF65-F5344CB8AC3E}">
+        <p14:creationId xmlns:p14="http://schemas.microsoft.com/office/powerpoint/2010/main" val="284077081"/>
+      </p:ext>
+    </p:extLst>
+  </p:cSld>
+  <p:clrMapOvr>
+    <a:masterClrMapping/>
+  </p:clrMapOvr>
+</p:notes>
+</file>
+
+<file path=ppt/notesSlides/notesSlide28.xml><?xml version="1.0" encoding="utf-8"?>
+<p:notes xmlns:a="http://schemas.openxmlformats.org/drawingml/2006/main" xmlns:r="http://schemas.openxmlformats.org/officeDocument/2006/relationships" xmlns:p="http://schemas.openxmlformats.org/presentationml/2006/main">
+  <p:cSld>
+    <p:spTree>
+      <p:nvGrpSpPr>
+        <p:cNvPr id="1" name=""/>
+        <p:cNvGrpSpPr/>
+        <p:nvPr/>
+      </p:nvGrpSpPr>
+      <p:grpSpPr>
+        <a:xfrm>
+          <a:off x="0" y="0"/>
+          <a:ext cx="0" cy="0"/>
+          <a:chOff x="0" y="0"/>
+          <a:chExt cx="0" cy="0"/>
+        </a:xfrm>
+      </p:grpSpPr>
+      <p:sp>
+        <p:nvSpPr>
+          <p:cNvPr id="2" name="Slide Image Placeholder 1"/>
+          <p:cNvSpPr>
+            <a:spLocks noGrp="1" noRot="1" noChangeAspect="1"/>
+          </p:cNvSpPr>
+          <p:nvPr>
+            <p:ph type="sldImg"/>
+          </p:nvPr>
+        </p:nvSpPr>
+        <p:spPr/>
+      </p:sp>
+      <p:sp>
+        <p:nvSpPr>
+          <p:cNvPr id="3" name="Notes Placeholder 2"/>
+          <p:cNvSpPr>
+            <a:spLocks noGrp="1"/>
+          </p:cNvSpPr>
+          <p:nvPr>
+            <p:ph type="body" idx="1"/>
+          </p:nvPr>
+        </p:nvSpPr>
+        <p:spPr/>
+        <p:txBody>
+          <a:bodyPr/>
+          <a:lstStyle/>
+          <a:p>
+            <a:r>
+              <a:rPr lang="en-US" dirty="0" err="1" smtClean="0"/>
+              <a:t>Im</a:t>
+            </a:r>
+            <a:r>
+              <a:rPr lang="en-US" dirty="0" smtClean="0"/>
+              <a:t> a consulting software engineer at OCLC</a:t>
+            </a:r>
+            <a:r>
+              <a:rPr lang="en-US" baseline="0" dirty="0" smtClean="0"/>
+              <a:t> on the End User Services Discovery Team.</a:t>
+            </a:r>
+          </a:p>
+          <a:p>
+            <a:endParaRPr lang="en-US" baseline="0" dirty="0" smtClean="0"/>
+          </a:p>
+          <a:p>
+            <a:r>
+              <a:rPr lang="en-US" baseline="0" dirty="0" smtClean="0"/>
+              <a:t>I like making developer’s lives easier.</a:t>
+            </a:r>
+            <a:endParaRPr lang="en-US" dirty="0"/>
+          </a:p>
+        </p:txBody>
+      </p:sp>
+      <p:sp>
+        <p:nvSpPr>
+          <p:cNvPr id="4" name="Slide Number Placeholder 3"/>
+          <p:cNvSpPr>
+            <a:spLocks noGrp="1"/>
+          </p:cNvSpPr>
+          <p:nvPr>
+            <p:ph type="sldNum" sz="quarter" idx="10"/>
+          </p:nvPr>
+        </p:nvSpPr>
+        <p:spPr/>
+        <p:txBody>
+          <a:bodyPr/>
+          <a:lstStyle/>
+          <a:p>
+            <a:fld id="{9EE0E4B5-1664-9E4D-908E-362B3D86519C}" type="slidenum">
+              <a:rPr lang="en-US" smtClean="0"/>
+              <a:t>29</a:t>
             </a:fld>
             <a:endParaRPr lang="en-US"/>
           </a:p>
@@ -2193,8 +3215,25 @@
           <a:lstStyle/>
           <a:p>
             <a:r>
+              <a:rPr lang="en-US" dirty="0" err="1" smtClean="0"/>
+              <a:t>Worldcat</a:t>
+            </a:r>
+            <a:r>
               <a:rPr lang="en-US" dirty="0" smtClean="0"/>
-              <a:t>We are a nonprofit library cooperative providing research, programs and services that help libraries share the world’s knowledge and the work of organizing it. The needs of our members guide our actions and investments. Through a shared governance structure, librarians manage and direct the cooperative.</a:t>
+              <a:t> Discovery</a:t>
+            </a:r>
+          </a:p>
+          <a:p>
+            <a:endParaRPr lang="en-US" dirty="0" smtClean="0"/>
+          </a:p>
+          <a:p>
+            <a:r>
+              <a:rPr lang="en-US" dirty="0" smtClean="0"/>
+              <a:t>We help people</a:t>
+            </a:r>
+            <a:r>
+              <a:rPr lang="en-US" baseline="0" dirty="0" smtClean="0"/>
+              <a:t> find the things they are interested in.</a:t>
             </a:r>
             <a:endParaRPr lang="en-US" dirty="0"/>
           </a:p>
@@ -2226,7 +3265,7 @@
     </p:spTree>
     <p:extLst>
       <p:ext uri="{BB962C8B-B14F-4D97-AF65-F5344CB8AC3E}">
-        <p14:creationId xmlns:p14="http://schemas.microsoft.com/office/powerpoint/2010/main" val="2203709315"/>
+        <p14:creationId xmlns:p14="http://schemas.microsoft.com/office/powerpoint/2010/main" val="1551315097"/>
       </p:ext>
     </p:extLst>
   </p:cSld>
@@ -2281,25 +3320,12 @@
           <a:lstStyle/>
           <a:p>
             <a:r>
-              <a:rPr lang="en-US" dirty="0" err="1" smtClean="0"/>
-              <a:t>Worldcat</a:t>
-            </a:r>
-            <a:r>
               <a:rPr lang="en-US" dirty="0" smtClean="0"/>
-              <a:t> Discovery</a:t>
-            </a:r>
-          </a:p>
-          <a:p>
-            <a:endParaRPr lang="en-US" dirty="0" smtClean="0"/>
-          </a:p>
-          <a:p>
-            <a:r>
-              <a:rPr lang="en-US" dirty="0" smtClean="0"/>
-              <a:t>We help people</a:t>
+              <a:t>All software experiences problems.</a:t>
             </a:r>
             <a:r>
               <a:rPr lang="en-US" baseline="0" dirty="0" smtClean="0"/>
-              <a:t> find the things they are interested in.</a:t>
+              <a:t>  These are not the problems I am here to discuss.  I want to talk about the problems you experience when trying to figure out an issue with an application.</a:t>
             </a:r>
             <a:endParaRPr lang="en-US" dirty="0"/>
           </a:p>
@@ -2331,7 +3357,7 @@
     </p:spTree>
     <p:extLst>
       <p:ext uri="{BB962C8B-B14F-4D97-AF65-F5344CB8AC3E}">
-        <p14:creationId xmlns:p14="http://schemas.microsoft.com/office/powerpoint/2010/main" val="1551315097"/>
+        <p14:creationId xmlns:p14="http://schemas.microsoft.com/office/powerpoint/2010/main" val="2647378237"/>
       </p:ext>
     </p:extLst>
   </p:cSld>
@@ -2387,11 +3413,20 @@
           <a:p>
             <a:r>
               <a:rPr lang="en-US" dirty="0" smtClean="0"/>
-              <a:t>First</a:t>
+              <a:t>We actually can use both access (web-centric)</a:t>
             </a:r>
             <a:r>
               <a:rPr lang="en-US" baseline="0" dirty="0" smtClean="0"/>
-              <a:t> problem so bad I couldn’t even make a slide – No access (not even read) to production hosts.</a:t>
+              <a:t> and application logs to figure out a problem.</a:t>
+            </a:r>
+          </a:p>
+          <a:p>
+            <a:endParaRPr lang="en-US" baseline="0" dirty="0" smtClean="0"/>
+          </a:p>
+          <a:p>
+            <a:r>
+              <a:rPr lang="en-US" baseline="0" dirty="0" smtClean="0"/>
+              <a:t>Garbage collection and operational logs are useful in some cases too.</a:t>
             </a:r>
             <a:endParaRPr lang="en-US" dirty="0"/>
           </a:p>
@@ -2414,7 +3449,7 @@
           <a:p>
             <a:fld id="{9EE0E4B5-1664-9E4D-908E-362B3D86519C}" type="slidenum">
               <a:rPr lang="en-US" smtClean="0"/>
-              <a:t>6</a:t>
+              <a:t>5</a:t>
             </a:fld>
             <a:endParaRPr lang="en-US"/>
           </a:p>
@@ -2423,7 +3458,7 @@
     </p:spTree>
     <p:extLst>
       <p:ext uri="{BB962C8B-B14F-4D97-AF65-F5344CB8AC3E}">
-        <p14:creationId xmlns:p14="http://schemas.microsoft.com/office/powerpoint/2010/main" val="2647378237"/>
+        <p14:creationId xmlns:p14="http://schemas.microsoft.com/office/powerpoint/2010/main" val="2766815481"/>
       </p:ext>
     </p:extLst>
   </p:cSld>
@@ -2515,7 +3550,7 @@
           <a:p>
             <a:fld id="{9EE0E4B5-1664-9E4D-908E-362B3D86519C}" type="slidenum">
               <a:rPr lang="en-US" smtClean="0"/>
-              <a:t>7</a:t>
+              <a:t>6</a:t>
             </a:fld>
             <a:endParaRPr lang="en-US"/>
           </a:p>
@@ -2616,7 +3651,7 @@
           <a:p>
             <a:fld id="{9EE0E4B5-1664-9E4D-908E-362B3D86519C}" type="slidenum">
               <a:rPr lang="en-US" smtClean="0"/>
-              <a:t>8</a:t>
+              <a:t>7</a:t>
             </a:fld>
             <a:endParaRPr lang="en-US"/>
           </a:p>
@@ -2679,15 +3714,6 @@
           <a:bodyPr/>
           <a:lstStyle/>
           <a:p>
-            <a:r>
-              <a:rPr lang="en-US" dirty="0" smtClean="0"/>
-              <a:t>With ELK – </a:t>
-            </a:r>
-          </a:p>
-          <a:p>
-            <a:endParaRPr lang="en-US" dirty="0" smtClean="0"/>
-          </a:p>
-          <a:p>
             <a:pPr marL="0" marR="0" indent="0" algn="l" defTabSz="457200" rtl="0" eaLnBrk="1" fontAlgn="auto" latinLnBrk="0" hangingPunct="1">
               <a:lnSpc>
                 <a:spcPct val="100000"/>
@@ -2707,8 +3733,52 @@
             </a:pPr>
             <a:r>
               <a:rPr lang="en-US" baseline="0" dirty="0" smtClean="0"/>
-              <a:t>15-20 minutes to assemble all logs you wanted to use to debug a problem -&gt; instantaneous to hone in on the exact problem.</a:t>
-            </a:r>
+              <a:t>No access (not even read) to production hosts.</a:t>
+            </a:r>
+          </a:p>
+          <a:p>
+            <a:pPr marL="0" marR="0" indent="0" algn="l" defTabSz="457200" rtl="0" eaLnBrk="1" fontAlgn="auto" latinLnBrk="0" hangingPunct="1">
+              <a:lnSpc>
+                <a:spcPct val="100000"/>
+              </a:lnSpc>
+              <a:spcBef>
+                <a:spcPts val="0"/>
+              </a:spcBef>
+              <a:spcAft>
+                <a:spcPts val="0"/>
+              </a:spcAft>
+              <a:buClrTx/>
+              <a:buSzTx/>
+              <a:buFontTx/>
+              <a:buNone/>
+              <a:tabLst/>
+              <a:defRPr/>
+            </a:pPr>
+            <a:endParaRPr lang="en-US" baseline="0" dirty="0" smtClean="0"/>
+          </a:p>
+          <a:p>
+            <a:pPr marL="0" marR="0" indent="0" algn="l" defTabSz="457200" rtl="0" eaLnBrk="1" fontAlgn="auto" latinLnBrk="0" hangingPunct="1">
+              <a:lnSpc>
+                <a:spcPct val="100000"/>
+              </a:lnSpc>
+              <a:spcBef>
+                <a:spcPts val="0"/>
+              </a:spcBef>
+              <a:spcAft>
+                <a:spcPts val="0"/>
+              </a:spcAft>
+              <a:buClrTx/>
+              <a:buSzTx/>
+              <a:buFontTx/>
+              <a:buNone/>
+              <a:tabLst/>
+              <a:defRPr/>
+            </a:pPr>
+            <a:r>
+              <a:rPr lang="en-US" baseline="0" dirty="0" smtClean="0"/>
+              <a:t>We were provided a log service that let us select the files we wanted and download them.</a:t>
+            </a:r>
+            <a:endParaRPr lang="en-US" dirty="0" smtClean="0"/>
           </a:p>
           <a:p>
             <a:endParaRPr lang="en-US" dirty="0"/>
@@ -2732,7 +3802,7 @@
           <a:p>
             <a:fld id="{9EE0E4B5-1664-9E4D-908E-362B3D86519C}" type="slidenum">
               <a:rPr lang="en-US" smtClean="0"/>
-              <a:t>10</a:t>
+              <a:t>8</a:t>
             </a:fld>
             <a:endParaRPr lang="en-US"/>
           </a:p>
@@ -2741,7 +3811,7 @@
     </p:spTree>
     <p:extLst>
       <p:ext uri="{BB962C8B-B14F-4D97-AF65-F5344CB8AC3E}">
-        <p14:creationId xmlns:p14="http://schemas.microsoft.com/office/powerpoint/2010/main" val="706010913"/>
+        <p14:creationId xmlns:p14="http://schemas.microsoft.com/office/powerpoint/2010/main" val="2766815481"/>
       </p:ext>
     </p:extLst>
   </p:cSld>
@@ -2795,145 +3865,14 @@
           <a:bodyPr/>
           <a:lstStyle/>
           <a:p>
-            <a:pPr marL="0" marR="0" indent="0" algn="l" defTabSz="457200" rtl="0" eaLnBrk="1" fontAlgn="auto" latinLnBrk="0" hangingPunct="1">
-              <a:lnSpc>
-                <a:spcPct val="100000"/>
-              </a:lnSpc>
-              <a:spcBef>
-                <a:spcPts val="0"/>
-              </a:spcBef>
-              <a:spcAft>
-                <a:spcPts val="0"/>
-              </a:spcAft>
-              <a:buClrTx/>
-              <a:buSzTx/>
-              <a:buFontTx/>
-              <a:buNone/>
-              <a:tabLst/>
-              <a:defRPr/>
-            </a:pPr>
-            <a:r>
-              <a:rPr lang="en-US" sz="1200" dirty="0" err="1" smtClean="0"/>
-              <a:t>Elasticsearch</a:t>
-            </a:r>
-            <a:r>
-              <a:rPr lang="en-US" sz="1200" dirty="0" smtClean="0"/>
-              <a:t> is a flexible and powerful open source, distributed, real-time search and analytics engine.</a:t>
-            </a:r>
-          </a:p>
-          <a:p>
-            <a:pPr marL="0" marR="0" indent="0" algn="l" defTabSz="457200" rtl="0" eaLnBrk="1" fontAlgn="auto" latinLnBrk="0" hangingPunct="1">
-              <a:lnSpc>
-                <a:spcPct val="100000"/>
-              </a:lnSpc>
-              <a:spcBef>
-                <a:spcPts val="0"/>
-              </a:spcBef>
-              <a:spcAft>
-                <a:spcPts val="0"/>
-              </a:spcAft>
-              <a:buClrTx/>
-              <a:buSzTx/>
-              <a:buFontTx/>
-              <a:buNone/>
-              <a:tabLst/>
-              <a:defRPr/>
-            </a:pPr>
-            <a:endParaRPr lang="en-US" sz="1200" dirty="0" smtClean="0"/>
-          </a:p>
-          <a:p>
-            <a:pPr marL="0" marR="0" indent="0" algn="l" defTabSz="457200" rtl="0" eaLnBrk="1" fontAlgn="auto" latinLnBrk="0" hangingPunct="1">
-              <a:lnSpc>
-                <a:spcPct val="100000"/>
-              </a:lnSpc>
-              <a:spcBef>
-                <a:spcPts val="0"/>
-              </a:spcBef>
-              <a:spcAft>
-                <a:spcPts val="0"/>
-              </a:spcAft>
-              <a:buClrTx/>
-              <a:buSzTx/>
-              <a:buFontTx/>
-              <a:buNone/>
-              <a:tabLst/>
-              <a:defRPr/>
-            </a:pPr>
-            <a:r>
-              <a:rPr lang="en-US" sz="1200" dirty="0" smtClean="0"/>
-              <a:t>Built on top of Apache </a:t>
-            </a:r>
-            <a:r>
-              <a:rPr lang="en-US" sz="1200" dirty="0" err="1" smtClean="0"/>
-              <a:t>Lucene</a:t>
-            </a:r>
-            <a:r>
-              <a:rPr lang="en-US" sz="1200" dirty="0" smtClean="0"/>
-              <a:t>, it simplifies</a:t>
-            </a:r>
-            <a:r>
-              <a:rPr lang="en-US" sz="1200" baseline="0" dirty="0" smtClean="0"/>
-              <a:t> </a:t>
-            </a:r>
-            <a:r>
-              <a:rPr lang="en-US" sz="1200" baseline="0" dirty="0" err="1" smtClean="0"/>
-              <a:t>Lucene</a:t>
-            </a:r>
-            <a:r>
-              <a:rPr lang="en-US" sz="1200" baseline="0" dirty="0" smtClean="0"/>
-              <a:t> </a:t>
-            </a:r>
-            <a:r>
-              <a:rPr lang="en-US" sz="1200" baseline="0" dirty="0" err="1" smtClean="0"/>
-              <a:t>Apis</a:t>
-            </a:r>
-            <a:r>
-              <a:rPr lang="en-US" sz="1200" baseline="0" dirty="0" smtClean="0"/>
-              <a:t> and allows non-java languages to interact with the indexes.</a:t>
-            </a:r>
-            <a:endParaRPr lang="en-US" sz="1200" dirty="0" smtClean="0"/>
-          </a:p>
-          <a:p>
-            <a:pPr marL="0" marR="0" indent="0" algn="l" defTabSz="457200" rtl="0" eaLnBrk="1" fontAlgn="auto" latinLnBrk="0" hangingPunct="1">
-              <a:lnSpc>
-                <a:spcPct val="100000"/>
-              </a:lnSpc>
-              <a:spcBef>
-                <a:spcPts val="0"/>
-              </a:spcBef>
-              <a:spcAft>
-                <a:spcPts val="0"/>
-              </a:spcAft>
-              <a:buClrTx/>
-              <a:buSzTx/>
-              <a:buFontTx/>
-              <a:buNone/>
-              <a:tabLst/>
-              <a:defRPr/>
-            </a:pPr>
-            <a:endParaRPr lang="en-US" sz="1200" dirty="0" smtClean="0"/>
-          </a:p>
-          <a:p>
-            <a:pPr marL="0" marR="0" indent="0" algn="l" defTabSz="457200" rtl="0" eaLnBrk="1" fontAlgn="auto" latinLnBrk="0" hangingPunct="1">
-              <a:lnSpc>
-                <a:spcPct val="100000"/>
-              </a:lnSpc>
-              <a:spcBef>
-                <a:spcPts val="0"/>
-              </a:spcBef>
-              <a:spcAft>
-                <a:spcPts val="0"/>
-              </a:spcAft>
-              <a:buClrTx/>
-              <a:buSzTx/>
-              <a:buFontTx/>
-              <a:buNone/>
-              <a:tabLst/>
-              <a:defRPr/>
-            </a:pPr>
-            <a:endParaRPr lang="en-US" sz="1200" dirty="0" smtClean="0"/>
-          </a:p>
-          <a:p>
+            <a:r>
+              <a:rPr lang="en-US" dirty="0" smtClean="0"/>
+              <a:t>20 minutes of pointing and clicking through a UI, could get us</a:t>
+            </a:r>
+            <a:r>
+              <a:rPr lang="en-US" baseline="0" dirty="0" smtClean="0"/>
+              <a:t> the files we think that we need.</a:t>
+            </a:r>
             <a:endParaRPr lang="en-US" dirty="0"/>
           </a:p>
         </p:txBody>
@@ -2955,7 +3894,7 @@
           <a:p>
             <a:fld id="{9EE0E4B5-1664-9E4D-908E-362B3D86519C}" type="slidenum">
               <a:rPr lang="en-US" smtClean="0"/>
-              <a:t>11</a:t>
+              <a:t>9</a:t>
             </a:fld>
             <a:endParaRPr lang="en-US"/>
           </a:p>
@@ -2964,7 +3903,7 @@
     </p:spTree>
     <p:extLst>
       <p:ext uri="{BB962C8B-B14F-4D97-AF65-F5344CB8AC3E}">
-        <p14:creationId xmlns:p14="http://schemas.microsoft.com/office/powerpoint/2010/main" val="1476457364"/>
+        <p14:creationId xmlns:p14="http://schemas.microsoft.com/office/powerpoint/2010/main" val="2766815481"/>
       </p:ext>
     </p:extLst>
   </p:cSld>
@@ -3166,7 +4105,7 @@
           <a:p>
             <a:fld id="{216C5678-EE20-4FA5-88E2-6E0BD67A2E26}" type="datetime1">
               <a:rPr lang="en-US" smtClean="0"/>
-              <a:t>12/30/14</a:t>
+              <a:t>1/1/15</a:t>
             </a:fld>
             <a:endParaRPr lang="en-US" dirty="0"/>
           </a:p>
@@ -3336,7 +4275,7 @@
           <a:p>
             <a:fld id="{EA051B39-B140-43FE-96DB-472A2B59CE7C}" type="datetime1">
               <a:rPr lang="en-US" smtClean="0"/>
-              <a:t>12/30/14</a:t>
+              <a:t>1/1/15</a:t>
             </a:fld>
             <a:endParaRPr lang="en-US"/>
           </a:p>
@@ -3516,7 +4455,7 @@
           <a:p>
             <a:fld id="{DA600BB2-27C5-458B-ABCE-839C88CF47CE}" type="datetime1">
               <a:rPr lang="en-US" smtClean="0"/>
-              <a:t>12/30/14</a:t>
+              <a:t>1/1/15</a:t>
             </a:fld>
             <a:endParaRPr lang="en-US"/>
           </a:p>
@@ -3704,7 +4643,7 @@
           <a:p>
             <a:fld id="{B11D738E-8962-435F-8C43-147B8DD7E819}" type="datetime1">
               <a:rPr lang="en-US" smtClean="0"/>
-              <a:t>12/30/14</a:t>
+              <a:t>1/1/15</a:t>
             </a:fld>
             <a:endParaRPr lang="en-US"/>
           </a:p>
@@ -3971,7 +4910,7 @@
           <a:p>
             <a:fld id="{09CAEA93-55E7-4DA9-90C2-089A26EEFEC4}" type="datetime1">
               <a:rPr lang="en-US" smtClean="0"/>
-              <a:t>12/30/14</a:t>
+              <a:t>1/1/15</a:t>
             </a:fld>
             <a:endParaRPr lang="en-US"/>
           </a:p>
@@ -4324,7 +5263,7 @@
           <a:p>
             <a:fld id="{E34CF3C7-6809-4F39-BD67-A75817BDDE0A}" type="datetime1">
               <a:rPr lang="en-US" smtClean="0"/>
-              <a:t>12/30/14</a:t>
+              <a:t>1/1/15</a:t>
             </a:fld>
             <a:endParaRPr lang="en-US"/>
           </a:p>
@@ -4637,7 +5576,7 @@
           <a:p>
             <a:fld id="{F7EAEB24-CE78-465C-A726-91D0868FA48F}" type="datetime1">
               <a:rPr lang="en-US" smtClean="0"/>
-              <a:t>12/30/14</a:t>
+              <a:t>1/1/15</a:t>
             </a:fld>
             <a:endParaRPr lang="en-US"/>
           </a:p>
@@ -4869,7 +5808,7 @@
           <a:p>
             <a:fld id="{40BAADF0-1749-4E8B-9691-B44A5F8C0895}" type="datetime1">
               <a:rPr lang="en-US" smtClean="0"/>
-              <a:t>12/30/14</a:t>
+              <a:t>1/1/15</a:t>
             </a:fld>
             <a:endParaRPr lang="en-US"/>
           </a:p>
@@ -4964,7 +5903,7 @@
           <a:p>
             <a:fld id="{A8AF628A-A867-4937-BBE5-207DB6F9C51A}" type="datetime1">
               <a:rPr lang="en-US" smtClean="0"/>
-              <a:t>12/30/14</a:t>
+              <a:t>1/1/15</a:t>
             </a:fld>
             <a:endParaRPr lang="en-US"/>
           </a:p>
@@ -5257,7 +6196,7 @@
           <a:p>
             <a:fld id="{118BBB94-68E6-4675-A946-F1C5994EDBD7}" type="datetime1">
               <a:rPr lang="en-US" smtClean="0"/>
-              <a:t>12/30/14</a:t>
+              <a:t>1/1/15</a:t>
             </a:fld>
             <a:endParaRPr lang="en-US"/>
           </a:p>
@@ -5531,7 +6470,7 @@
           <a:p>
             <a:fld id="{DC3B8377-21E3-4835-B75D-4E2847E2750F}" type="datetime1">
               <a:rPr lang="en-US" smtClean="0"/>
-              <a:t>12/30/14</a:t>
+              <a:t>1/1/15</a:t>
             </a:fld>
             <a:endParaRPr lang="en-US"/>
           </a:p>
@@ -5746,7 +6685,7 @@
           <a:p>
             <a:fld id="{B0C4986D-6BE9-4264-908F-02DB36FD8D6C}" type="datetime1">
               <a:rPr lang="en-US" smtClean="0"/>
-              <a:t>12/30/14</a:t>
+              <a:t>1/1/15</a:t>
             </a:fld>
             <a:endParaRPr lang="en-US" dirty="0"/>
           </a:p>
@@ -6376,6 +7315,268 @@
 </file>
 
 <file path=ppt/slides/slide10.xml><?xml version="1.0" encoding="utf-8"?>
+<p:sld xmlns:a="http://schemas.openxmlformats.org/drawingml/2006/main" xmlns:r="http://schemas.openxmlformats.org/officeDocument/2006/relationships" xmlns:p="http://schemas.openxmlformats.org/presentationml/2006/main">
+  <p:cSld>
+    <p:spTree>
+      <p:nvGrpSpPr>
+        <p:cNvPr id="1" name=""/>
+        <p:cNvGrpSpPr/>
+        <p:nvPr/>
+      </p:nvGrpSpPr>
+      <p:grpSpPr>
+        <a:xfrm>
+          <a:off x="0" y="0"/>
+          <a:ext cx="0" cy="0"/>
+          <a:chOff x="0" y="0"/>
+          <a:chExt cx="0" cy="0"/>
+        </a:xfrm>
+      </p:grpSpPr>
+      <p:pic>
+        <p:nvPicPr>
+          <p:cNvPr id="16" name="Picture 15"/>
+          <p:cNvPicPr>
+            <a:picLocks noChangeAspect="1"/>
+          </p:cNvPicPr>
+          <p:nvPr/>
+        </p:nvPicPr>
+        <p:blipFill>
+          <a:blip r:embed="rId3">
+            <a:alphaModFix amt="10000"/>
+          </a:blip>
+          <a:stretch>
+            <a:fillRect/>
+          </a:stretch>
+        </p:blipFill>
+        <p:spPr>
+          <a:xfrm>
+            <a:off x="-294886" y="-326332"/>
+            <a:ext cx="4076772" cy="3057579"/>
+          </a:xfrm>
+          <a:prstGeom prst="rect">
+            <a:avLst/>
+          </a:prstGeom>
+        </p:spPr>
+      </p:pic>
+      <p:sp>
+        <p:nvSpPr>
+          <p:cNvPr id="2" name="Title 1"/>
+          <p:cNvSpPr>
+            <a:spLocks noGrp="1"/>
+          </p:cNvSpPr>
+          <p:nvPr>
+            <p:ph type="title"/>
+          </p:nvPr>
+        </p:nvSpPr>
+        <p:spPr/>
+        <p:txBody>
+          <a:bodyPr/>
+          <a:lstStyle/>
+          <a:p>
+            <a:r>
+              <a:rPr lang="en-US" dirty="0" smtClean="0"/>
+              <a:t>What Did This Mean?</a:t>
+            </a:r>
+            <a:endParaRPr lang="en-US" dirty="0"/>
+          </a:p>
+        </p:txBody>
+      </p:sp>
+      <p:pic>
+        <p:nvPicPr>
+          <p:cNvPr id="6" name="Picture 5" descr="Files.png"/>
+          <p:cNvPicPr>
+            <a:picLocks noChangeAspect="1"/>
+          </p:cNvPicPr>
+          <p:nvPr/>
+        </p:nvPicPr>
+        <p:blipFill>
+          <a:blip r:embed="rId4">
+            <a:extLst>
+              <a:ext uri="{28A0092B-C50C-407E-A947-70E740481C1C}">
+                <a14:useLocalDpi xmlns:a14="http://schemas.microsoft.com/office/drawing/2010/main" val="0"/>
+              </a:ext>
+            </a:extLst>
+          </a:blip>
+          <a:stretch>
+            <a:fillRect/>
+          </a:stretch>
+        </p:blipFill>
+        <p:spPr>
+          <a:xfrm>
+            <a:off x="1350319" y="2410092"/>
+            <a:ext cx="1803400" cy="2336800"/>
+          </a:xfrm>
+          <a:prstGeom prst="rect">
+            <a:avLst/>
+          </a:prstGeom>
+        </p:spPr>
+      </p:pic>
+      <p:sp>
+        <p:nvSpPr>
+          <p:cNvPr id="3" name="TextBox 2"/>
+          <p:cNvSpPr txBox="1"/>
+          <p:nvPr/>
+        </p:nvSpPr>
+        <p:spPr>
+          <a:xfrm>
+            <a:off x="4178064" y="2731247"/>
+            <a:ext cx="3585949" cy="1631216"/>
+          </a:xfrm>
+          <a:prstGeom prst="rect">
+            <a:avLst/>
+          </a:prstGeom>
+          <a:noFill/>
+        </p:spPr>
+        <p:txBody>
+          <a:bodyPr wrap="square" rtlCol="0">
+            <a:spAutoFit/>
+          </a:bodyPr>
+          <a:lstStyle/>
+          <a:p>
+            <a:r>
+              <a:rPr lang="en-US" sz="10000" dirty="0" smtClean="0"/>
+              <a:t>GREP</a:t>
+            </a:r>
+            <a:endParaRPr lang="en-US" sz="10000" dirty="0"/>
+          </a:p>
+        </p:txBody>
+      </p:sp>
+    </p:spTree>
+    <p:extLst>
+      <p:ext uri="{BB962C8B-B14F-4D97-AF65-F5344CB8AC3E}">
+        <p14:creationId xmlns:p14="http://schemas.microsoft.com/office/powerpoint/2010/main" val="426719548"/>
+      </p:ext>
+    </p:extLst>
+  </p:cSld>
+  <p:clrMapOvr>
+    <a:masterClrMapping/>
+  </p:clrMapOvr>
+  <p:timing>
+    <p:tnLst>
+      <p:par>
+        <p:cTn xmlns:p14="http://schemas.microsoft.com/office/powerpoint/2010/main" id="1" dur="indefinite" restart="never" nodeType="tmRoot"/>
+      </p:par>
+    </p:tnLst>
+  </p:timing>
+</p:sld>
+</file>
+
+<file path=ppt/slides/slide11.xml><?xml version="1.0" encoding="utf-8"?>
+<p:sld xmlns:a="http://schemas.openxmlformats.org/drawingml/2006/main" xmlns:r="http://schemas.openxmlformats.org/officeDocument/2006/relationships" xmlns:p="http://schemas.openxmlformats.org/presentationml/2006/main">
+  <p:cSld>
+    <p:spTree>
+      <p:nvGrpSpPr>
+        <p:cNvPr id="1" name=""/>
+        <p:cNvGrpSpPr/>
+        <p:nvPr/>
+      </p:nvGrpSpPr>
+      <p:grpSpPr>
+        <a:xfrm>
+          <a:off x="0" y="0"/>
+          <a:ext cx="0" cy="0"/>
+          <a:chOff x="0" y="0"/>
+          <a:chExt cx="0" cy="0"/>
+        </a:xfrm>
+      </p:grpSpPr>
+      <p:pic>
+        <p:nvPicPr>
+          <p:cNvPr id="16" name="Picture 15"/>
+          <p:cNvPicPr>
+            <a:picLocks noChangeAspect="1"/>
+          </p:cNvPicPr>
+          <p:nvPr/>
+        </p:nvPicPr>
+        <p:blipFill>
+          <a:blip r:embed="rId3">
+            <a:alphaModFix amt="10000"/>
+          </a:blip>
+          <a:stretch>
+            <a:fillRect/>
+          </a:stretch>
+        </p:blipFill>
+        <p:spPr>
+          <a:xfrm>
+            <a:off x="-294886" y="-326332"/>
+            <a:ext cx="4076772" cy="3057579"/>
+          </a:xfrm>
+          <a:prstGeom prst="rect">
+            <a:avLst/>
+          </a:prstGeom>
+        </p:spPr>
+      </p:pic>
+      <p:sp>
+        <p:nvSpPr>
+          <p:cNvPr id="2" name="Title 1"/>
+          <p:cNvSpPr>
+            <a:spLocks noGrp="1"/>
+          </p:cNvSpPr>
+          <p:nvPr>
+            <p:ph type="title"/>
+          </p:nvPr>
+        </p:nvSpPr>
+        <p:spPr/>
+        <p:txBody>
+          <a:bodyPr/>
+          <a:lstStyle/>
+          <a:p>
+            <a:r>
+              <a:rPr lang="en-US" dirty="0" smtClean="0"/>
+              <a:t>What Did We Want?</a:t>
+            </a:r>
+            <a:endParaRPr lang="en-US" dirty="0"/>
+          </a:p>
+        </p:txBody>
+      </p:sp>
+      <p:pic>
+        <p:nvPicPr>
+          <p:cNvPr id="4" name="Picture 3" descr="magic_hat.png"/>
+          <p:cNvPicPr>
+            <a:picLocks noChangeAspect="1"/>
+          </p:cNvPicPr>
+          <p:nvPr/>
+        </p:nvPicPr>
+        <p:blipFill>
+          <a:blip r:embed="rId4">
+            <a:extLst>
+              <a:ext uri="{28A0092B-C50C-407E-A947-70E740481C1C}">
+                <a14:useLocalDpi xmlns:a14="http://schemas.microsoft.com/office/drawing/2010/main" val="0"/>
+              </a:ext>
+            </a:extLst>
+          </a:blip>
+          <a:stretch>
+            <a:fillRect/>
+          </a:stretch>
+        </p:blipFill>
+        <p:spPr>
+          <a:xfrm>
+            <a:off x="2701936" y="2692399"/>
+            <a:ext cx="3018976" cy="1759805"/>
+          </a:xfrm>
+          <a:prstGeom prst="rect">
+            <a:avLst/>
+          </a:prstGeom>
+        </p:spPr>
+      </p:pic>
+    </p:spTree>
+    <p:extLst>
+      <p:ext uri="{BB962C8B-B14F-4D97-AF65-F5344CB8AC3E}">
+        <p14:creationId xmlns:p14="http://schemas.microsoft.com/office/powerpoint/2010/main" val="1774800534"/>
+      </p:ext>
+    </p:extLst>
+  </p:cSld>
+  <p:clrMapOvr>
+    <a:masterClrMapping/>
+  </p:clrMapOvr>
+  <p:timing>
+    <p:tnLst>
+      <p:par>
+        <p:cTn xmlns:p14="http://schemas.microsoft.com/office/powerpoint/2010/main" id="1" dur="indefinite" restart="never" nodeType="tmRoot"/>
+      </p:par>
+    </p:tnLst>
+  </p:timing>
+</p:sld>
+</file>
+
+<file path=ppt/slides/slide12.xml><?xml version="1.0" encoding="utf-8"?>
 <p:sld xmlns:a="http://schemas.openxmlformats.org/drawingml/2006/main" xmlns:r="http://schemas.openxmlformats.org/officeDocument/2006/relationships" xmlns:p="http://schemas.openxmlformats.org/presentationml/2006/main">
   <p:cSld>
     <p:spTree>
@@ -7085,7 +8286,7 @@
 </p:sld>
 </file>
 
-<file path=ppt/slides/slide11.xml><?xml version="1.0" encoding="utf-8"?>
+<file path=ppt/slides/slide13.xml><?xml version="1.0" encoding="utf-8"?>
 <p:sld xmlns:a="http://schemas.openxmlformats.org/drawingml/2006/main" xmlns:r="http://schemas.openxmlformats.org/officeDocument/2006/relationships" xmlns:p="http://schemas.openxmlformats.org/presentationml/2006/main">
   <p:cSld>
     <p:spTree>
@@ -7367,7 +8568,7 @@
 </p:sld>
 </file>
 
-<file path=ppt/slides/slide12.xml><?xml version="1.0" encoding="utf-8"?>
+<file path=ppt/slides/slide14.xml><?xml version="1.0" encoding="utf-8"?>
 <p:sld xmlns:a="http://schemas.openxmlformats.org/drawingml/2006/main" xmlns:r="http://schemas.openxmlformats.org/officeDocument/2006/relationships" xmlns:p="http://schemas.openxmlformats.org/presentationml/2006/main">
   <p:cSld>
     <p:spTree>
@@ -7607,7 +8808,7 @@
 </p:sld>
 </file>
 
-<file path=ppt/slides/slide13.xml><?xml version="1.0" encoding="utf-8"?>
+<file path=ppt/slides/slide15.xml><?xml version="1.0" encoding="utf-8"?>
 <p:sld xmlns:a="http://schemas.openxmlformats.org/drawingml/2006/main" xmlns:r="http://schemas.openxmlformats.org/officeDocument/2006/relationships" xmlns:p="http://schemas.openxmlformats.org/presentationml/2006/main">
   <p:cSld>
     <p:spTree>
@@ -8129,7 +9330,7 @@
 </p:sld>
 </file>
 
-<file path=ppt/slides/slide14.xml><?xml version="1.0" encoding="utf-8"?>
+<file path=ppt/slides/slide16.xml><?xml version="1.0" encoding="utf-8"?>
 <p:sld xmlns:a="http://schemas.openxmlformats.org/drawingml/2006/main" xmlns:r="http://schemas.openxmlformats.org/officeDocument/2006/relationships" xmlns:p="http://schemas.openxmlformats.org/presentationml/2006/main">
   <p:cSld>
     <p:spTree>
@@ -8270,7 +9471,7 @@
 </p:sld>
 </file>
 
-<file path=ppt/slides/slide15.xml><?xml version="1.0" encoding="utf-8"?>
+<file path=ppt/slides/slide17.xml><?xml version="1.0" encoding="utf-8"?>
 <p:sld xmlns:a="http://schemas.openxmlformats.org/drawingml/2006/main" xmlns:r="http://schemas.openxmlformats.org/officeDocument/2006/relationships" xmlns:p="http://schemas.openxmlformats.org/presentationml/2006/main">
   <p:cSld>
     <p:spTree>
@@ -8871,7 +10072,7 @@
 </p:sld>
 </file>
 
-<file path=ppt/slides/slide16.xml><?xml version="1.0" encoding="utf-8"?>
+<file path=ppt/slides/slide18.xml><?xml version="1.0" encoding="utf-8"?>
 <p:sld xmlns:a="http://schemas.openxmlformats.org/drawingml/2006/main" xmlns:r="http://schemas.openxmlformats.org/officeDocument/2006/relationships" xmlns:p="http://schemas.openxmlformats.org/presentationml/2006/main">
   <p:cSld>
     <p:spTree>
@@ -8993,7 +10194,7 @@
 </p:sld>
 </file>
 
-<file path=ppt/slides/slide17.xml><?xml version="1.0" encoding="utf-8"?>
+<file path=ppt/slides/slide19.xml><?xml version="1.0" encoding="utf-8"?>
 <p:sld xmlns:a="http://schemas.openxmlformats.org/drawingml/2006/main" xmlns:r="http://schemas.openxmlformats.org/officeDocument/2006/relationships" xmlns:p="http://schemas.openxmlformats.org/presentationml/2006/main">
   <p:cSld>
     <p:spTree>
@@ -9357,7 +10558,1624 @@
 </p:sld>
 </file>
 
-<file path=ppt/slides/slide18.xml><?xml version="1.0" encoding="utf-8"?>
+<file path=ppt/slides/slide2.xml><?xml version="1.0" encoding="utf-8"?>
+<p:sld xmlns:a="http://schemas.openxmlformats.org/drawingml/2006/main" xmlns:r="http://schemas.openxmlformats.org/officeDocument/2006/relationships" xmlns:p="http://schemas.openxmlformats.org/presentationml/2006/main">
+  <p:cSld>
+    <p:spTree>
+      <p:nvGrpSpPr>
+        <p:cNvPr id="1" name=""/>
+        <p:cNvGrpSpPr/>
+        <p:nvPr/>
+      </p:nvGrpSpPr>
+      <p:grpSpPr>
+        <a:xfrm>
+          <a:off x="0" y="0"/>
+          <a:ext cx="0" cy="0"/>
+          <a:chOff x="0" y="0"/>
+          <a:chExt cx="0" cy="0"/>
+        </a:xfrm>
+      </p:grpSpPr>
+      <p:sp>
+        <p:nvSpPr>
+          <p:cNvPr id="2" name="Title 1"/>
+          <p:cNvSpPr>
+            <a:spLocks noGrp="1"/>
+          </p:cNvSpPr>
+          <p:nvPr>
+            <p:ph type="title"/>
+          </p:nvPr>
+        </p:nvSpPr>
+        <p:spPr/>
+        <p:txBody>
+          <a:bodyPr/>
+          <a:lstStyle/>
+          <a:p>
+            <a:r>
+              <a:rPr lang="en-US" dirty="0" smtClean="0"/>
+              <a:t>OCLC</a:t>
+            </a:r>
+            <a:endParaRPr lang="en-US" dirty="0"/>
+          </a:p>
+        </p:txBody>
+      </p:sp>
+      <p:pic>
+        <p:nvPicPr>
+          <p:cNvPr id="6" name="Picture 5" descr="best-places-in-ohio.png"/>
+          <p:cNvPicPr>
+            <a:picLocks noChangeAspect="1"/>
+          </p:cNvPicPr>
+          <p:nvPr/>
+        </p:nvPicPr>
+        <p:blipFill>
+          <a:blip r:embed="rId3">
+            <a:extLst>
+              <a:ext uri="{28A0092B-C50C-407E-A947-70E740481C1C}">
+                <a14:useLocalDpi xmlns:a14="http://schemas.microsoft.com/office/drawing/2010/main" val="0"/>
+              </a:ext>
+            </a:extLst>
+          </a:blip>
+          <a:stretch>
+            <a:fillRect/>
+          </a:stretch>
+        </p:blipFill>
+        <p:spPr>
+          <a:xfrm>
+            <a:off x="117589" y="3619500"/>
+            <a:ext cx="8842679" cy="2386866"/>
+          </a:xfrm>
+          <a:prstGeom prst="rect">
+            <a:avLst/>
+          </a:prstGeom>
+        </p:spPr>
+      </p:pic>
+      <p:pic>
+        <p:nvPicPr>
+          <p:cNvPr id="8" name="Picture 7" descr="OCLC_Logo_H_Color_Tag.png"/>
+          <p:cNvPicPr>
+            <a:picLocks noChangeAspect="1"/>
+          </p:cNvPicPr>
+          <p:nvPr/>
+        </p:nvPicPr>
+        <p:blipFill>
+          <a:blip r:embed="rId4">
+            <a:extLst>
+              <a:ext uri="{28A0092B-C50C-407E-A947-70E740481C1C}">
+                <a14:useLocalDpi xmlns:a14="http://schemas.microsoft.com/office/drawing/2010/main" val="0"/>
+              </a:ext>
+            </a:extLst>
+          </a:blip>
+          <a:stretch>
+            <a:fillRect/>
+          </a:stretch>
+        </p:blipFill>
+        <p:spPr>
+          <a:xfrm>
+            <a:off x="1320800" y="1600200"/>
+            <a:ext cx="6502400" cy="2019300"/>
+          </a:xfrm>
+          <a:prstGeom prst="rect">
+            <a:avLst/>
+          </a:prstGeom>
+        </p:spPr>
+      </p:pic>
+    </p:spTree>
+    <p:extLst>
+      <p:ext uri="{BB962C8B-B14F-4D97-AF65-F5344CB8AC3E}">
+        <p14:creationId xmlns:p14="http://schemas.microsoft.com/office/powerpoint/2010/main" val="714639064"/>
+      </p:ext>
+    </p:extLst>
+  </p:cSld>
+  <p:clrMapOvr>
+    <a:masterClrMapping/>
+  </p:clrMapOvr>
+  <p:timing>
+    <p:tnLst>
+      <p:par>
+        <p:cTn xmlns:p14="http://schemas.microsoft.com/office/powerpoint/2010/main" id="1" dur="indefinite" restart="never" nodeType="tmRoot"/>
+      </p:par>
+    </p:tnLst>
+  </p:timing>
+</p:sld>
+</file>
+
+<file path=ppt/slides/slide20.xml><?xml version="1.0" encoding="utf-8"?>
+<p:sld xmlns:a="http://schemas.openxmlformats.org/drawingml/2006/main" xmlns:r="http://schemas.openxmlformats.org/officeDocument/2006/relationships" xmlns:p="http://schemas.openxmlformats.org/presentationml/2006/main">
+  <p:cSld>
+    <p:spTree>
+      <p:nvGrpSpPr>
+        <p:cNvPr id="1" name=""/>
+        <p:cNvGrpSpPr/>
+        <p:nvPr/>
+      </p:nvGrpSpPr>
+      <p:grpSpPr>
+        <a:xfrm>
+          <a:off x="0" y="0"/>
+          <a:ext cx="0" cy="0"/>
+          <a:chOff x="0" y="0"/>
+          <a:chExt cx="0" cy="0"/>
+        </a:xfrm>
+      </p:grpSpPr>
+      <p:pic>
+        <p:nvPicPr>
+          <p:cNvPr id="16" name="Picture 15"/>
+          <p:cNvPicPr>
+            <a:picLocks noChangeAspect="1"/>
+          </p:cNvPicPr>
+          <p:nvPr/>
+        </p:nvPicPr>
+        <p:blipFill>
+          <a:blip r:embed="rId3">
+            <a:alphaModFix amt="10000"/>
+          </a:blip>
+          <a:stretch>
+            <a:fillRect/>
+          </a:stretch>
+        </p:blipFill>
+        <p:spPr>
+          <a:xfrm>
+            <a:off x="-294886" y="-326332"/>
+            <a:ext cx="4076772" cy="3057579"/>
+          </a:xfrm>
+          <a:prstGeom prst="rect">
+            <a:avLst/>
+          </a:prstGeom>
+        </p:spPr>
+      </p:pic>
+      <p:sp>
+        <p:nvSpPr>
+          <p:cNvPr id="2" name="Title 1"/>
+          <p:cNvSpPr>
+            <a:spLocks noGrp="1"/>
+          </p:cNvSpPr>
+          <p:nvPr>
+            <p:ph type="title"/>
+          </p:nvPr>
+        </p:nvSpPr>
+        <p:spPr/>
+        <p:txBody>
+          <a:bodyPr/>
+          <a:lstStyle/>
+          <a:p>
+            <a:r>
+              <a:rPr lang="en-US" dirty="0" smtClean="0"/>
+              <a:t>What Did We Want?</a:t>
+            </a:r>
+            <a:endParaRPr lang="en-US" dirty="0"/>
+          </a:p>
+        </p:txBody>
+      </p:sp>
+      <p:pic>
+        <p:nvPicPr>
+          <p:cNvPr id="4" name="Picture 3" descr="magic_hat.png"/>
+          <p:cNvPicPr>
+            <a:picLocks noChangeAspect="1"/>
+          </p:cNvPicPr>
+          <p:nvPr/>
+        </p:nvPicPr>
+        <p:blipFill>
+          <a:blip r:embed="rId4">
+            <a:extLst>
+              <a:ext uri="{28A0092B-C50C-407E-A947-70E740481C1C}">
+                <a14:useLocalDpi xmlns:a14="http://schemas.microsoft.com/office/drawing/2010/main" val="0"/>
+              </a:ext>
+            </a:extLst>
+          </a:blip>
+          <a:stretch>
+            <a:fillRect/>
+          </a:stretch>
+        </p:blipFill>
+        <p:spPr>
+          <a:xfrm>
+            <a:off x="2701936" y="2692399"/>
+            <a:ext cx="3018976" cy="1759805"/>
+          </a:xfrm>
+          <a:prstGeom prst="rect">
+            <a:avLst/>
+          </a:prstGeom>
+        </p:spPr>
+      </p:pic>
+    </p:spTree>
+    <p:extLst>
+      <p:ext uri="{BB962C8B-B14F-4D97-AF65-F5344CB8AC3E}">
+        <p14:creationId xmlns:p14="http://schemas.microsoft.com/office/powerpoint/2010/main" val="2035301023"/>
+      </p:ext>
+    </p:extLst>
+  </p:cSld>
+  <p:clrMapOvr>
+    <a:masterClrMapping/>
+  </p:clrMapOvr>
+  <p:timing>
+    <p:tnLst>
+      <p:par>
+        <p:cTn xmlns:p14="http://schemas.microsoft.com/office/powerpoint/2010/main" id="1" dur="indefinite" restart="never" nodeType="tmRoot"/>
+      </p:par>
+    </p:tnLst>
+  </p:timing>
+</p:sld>
+</file>
+
+<file path=ppt/slides/slide21.xml><?xml version="1.0" encoding="utf-8"?>
+<p:sld xmlns:a="http://schemas.openxmlformats.org/drawingml/2006/main" xmlns:r="http://schemas.openxmlformats.org/officeDocument/2006/relationships" xmlns:p="http://schemas.openxmlformats.org/presentationml/2006/main">
+  <p:cSld>
+    <p:spTree>
+      <p:nvGrpSpPr>
+        <p:cNvPr id="1" name=""/>
+        <p:cNvGrpSpPr/>
+        <p:nvPr/>
+      </p:nvGrpSpPr>
+      <p:grpSpPr>
+        <a:xfrm>
+          <a:off x="0" y="0"/>
+          <a:ext cx="0" cy="0"/>
+          <a:chOff x="0" y="0"/>
+          <a:chExt cx="0" cy="0"/>
+        </a:xfrm>
+      </p:grpSpPr>
+      <p:sp>
+        <p:nvSpPr>
+          <p:cNvPr id="2" name="Title 1"/>
+          <p:cNvSpPr>
+            <a:spLocks noGrp="1"/>
+          </p:cNvSpPr>
+          <p:nvPr>
+            <p:ph type="title"/>
+          </p:nvPr>
+        </p:nvSpPr>
+        <p:spPr/>
+        <p:txBody>
+          <a:bodyPr/>
+          <a:lstStyle/>
+          <a:p>
+            <a:r>
+              <a:rPr lang="en-US" dirty="0" smtClean="0"/>
+              <a:t>SLF4J</a:t>
+            </a:r>
+            <a:endParaRPr lang="en-US" dirty="0"/>
+          </a:p>
+        </p:txBody>
+      </p:sp>
+      <p:pic>
+        <p:nvPicPr>
+          <p:cNvPr id="4" name="Picture 3" descr="lblogo.jpg"/>
+          <p:cNvPicPr>
+            <a:picLocks noChangeAspect="1"/>
+          </p:cNvPicPr>
+          <p:nvPr/>
+        </p:nvPicPr>
+        <p:blipFill>
+          <a:blip r:embed="rId3">
+            <a:extLst>
+              <a:ext uri="{28A0092B-C50C-407E-A947-70E740481C1C}">
+                <a14:useLocalDpi xmlns:a14="http://schemas.microsoft.com/office/drawing/2010/main" val="0"/>
+              </a:ext>
+            </a:extLst>
+          </a:blip>
+          <a:stretch>
+            <a:fillRect/>
+          </a:stretch>
+        </p:blipFill>
+        <p:spPr>
+          <a:xfrm>
+            <a:off x="2996024" y="2457195"/>
+            <a:ext cx="3302000" cy="1778000"/>
+          </a:xfrm>
+          <a:prstGeom prst="rect">
+            <a:avLst/>
+          </a:prstGeom>
+        </p:spPr>
+      </p:pic>
+      <p:pic>
+        <p:nvPicPr>
+          <p:cNvPr id="5" name="Picture 4" descr="slf4j-logo.jpg"/>
+          <p:cNvPicPr>
+            <a:picLocks noChangeAspect="1"/>
+          </p:cNvPicPr>
+          <p:nvPr/>
+        </p:nvPicPr>
+        <p:blipFill>
+          <a:blip r:embed="rId4">
+            <a:extLst>
+              <a:ext uri="{28A0092B-C50C-407E-A947-70E740481C1C}">
+                <a14:useLocalDpi xmlns:a14="http://schemas.microsoft.com/office/drawing/2010/main" val="0"/>
+              </a:ext>
+            </a:extLst>
+          </a:blip>
+          <a:stretch>
+            <a:fillRect/>
+          </a:stretch>
+        </p:blipFill>
+        <p:spPr>
+          <a:xfrm>
+            <a:off x="2648132" y="2584195"/>
+            <a:ext cx="3873500" cy="1651000"/>
+          </a:xfrm>
+          <a:prstGeom prst="rect">
+            <a:avLst/>
+          </a:prstGeom>
+        </p:spPr>
+      </p:pic>
+    </p:spTree>
+    <p:extLst>
+      <p:ext uri="{BB962C8B-B14F-4D97-AF65-F5344CB8AC3E}">
+        <p14:creationId xmlns:p14="http://schemas.microsoft.com/office/powerpoint/2010/main" val="3078457869"/>
+      </p:ext>
+    </p:extLst>
+  </p:cSld>
+  <p:clrMapOvr>
+    <a:masterClrMapping/>
+  </p:clrMapOvr>
+  <p:timing>
+    <p:tnLst>
+      <p:par>
+        <p:cTn xmlns:p14="http://schemas.microsoft.com/office/powerpoint/2010/main" id="1" dur="indefinite" restart="never" nodeType="tmRoot">
+          <p:childTnLst>
+            <p:seq concurrent="1" nextAc="seek">
+              <p:cTn id="2" dur="indefinite" nodeType="mainSeq">
+                <p:childTnLst>
+                  <p:par>
+                    <p:cTn id="3" fill="hold">
+                      <p:stCondLst>
+                        <p:cond delay="indefinite"/>
+                      </p:stCondLst>
+                      <p:childTnLst>
+                        <p:par>
+                          <p:cTn id="4" fill="hold">
+                            <p:stCondLst>
+                              <p:cond delay="0"/>
+                            </p:stCondLst>
+                            <p:childTnLst>
+                              <p:par>
+                                <p:cTn id="5" presetID="1" presetClass="exit" presetSubtype="0" fill="hold" nodeType="clickEffect">
+                                  <p:stCondLst>
+                                    <p:cond delay="0"/>
+                                  </p:stCondLst>
+                                  <p:childTnLst>
+                                    <p:set>
+                                      <p:cBhvr>
+                                        <p:cTn id="6" dur="1" fill="hold">
+                                          <p:stCondLst>
+                                            <p:cond delay="0"/>
+                                          </p:stCondLst>
+                                        </p:cTn>
+                                        <p:tgtEl>
+                                          <p:spTgt spid="5"/>
+                                        </p:tgtEl>
+                                        <p:attrNameLst>
+                                          <p:attrName>style.visibility</p:attrName>
+                                        </p:attrNameLst>
+                                      </p:cBhvr>
+                                      <p:to>
+                                        <p:strVal val="hidden"/>
+                                      </p:to>
+                                    </p:set>
+                                  </p:childTnLst>
+                                </p:cTn>
+                              </p:par>
+                              <p:par>
+                                <p:cTn id="7" presetID="1" presetClass="entr" presetSubtype="0" fill="hold" nodeType="withEffect">
+                                  <p:stCondLst>
+                                    <p:cond delay="0"/>
+                                  </p:stCondLst>
+                                  <p:childTnLst>
+                                    <p:set>
+                                      <p:cBhvr>
+                                        <p:cTn id="8" dur="1" fill="hold">
+                                          <p:stCondLst>
+                                            <p:cond delay="0"/>
+                                          </p:stCondLst>
+                                        </p:cTn>
+                                        <p:tgtEl>
+                                          <p:spTgt spid="4"/>
+                                        </p:tgtEl>
+                                        <p:attrNameLst>
+                                          <p:attrName>style.visibility</p:attrName>
+                                        </p:attrNameLst>
+                                      </p:cBhvr>
+                                      <p:to>
+                                        <p:strVal val="visible"/>
+                                      </p:to>
+                                    </p:set>
+                                  </p:childTnLst>
+                                </p:cTn>
+                              </p:par>
+                            </p:childTnLst>
+                          </p:cTn>
+                        </p:par>
+                      </p:childTnLst>
+                    </p:cTn>
+                  </p:par>
+                  <p:par>
+                    <p:cTn id="9" fill="hold">
+                      <p:stCondLst>
+                        <p:cond delay="indefinite"/>
+                      </p:stCondLst>
+                      <p:childTnLst>
+                        <p:par>
+                          <p:cTn id="10" fill="hold">
+                            <p:stCondLst>
+                              <p:cond delay="0"/>
+                            </p:stCondLst>
+                            <p:childTnLst>
+                              <p:par>
+                                <p:cTn id="11" presetID="1" presetClass="exit" presetSubtype="0" fill="hold" nodeType="clickEffect">
+                                  <p:stCondLst>
+                                    <p:cond delay="0"/>
+                                  </p:stCondLst>
+                                  <p:childTnLst>
+                                    <p:set>
+                                      <p:cBhvr>
+                                        <p:cTn id="12" dur="1" fill="hold">
+                                          <p:stCondLst>
+                                            <p:cond delay="0"/>
+                                          </p:stCondLst>
+                                        </p:cTn>
+                                        <p:tgtEl>
+                                          <p:spTgt spid="4"/>
+                                        </p:tgtEl>
+                                        <p:attrNameLst>
+                                          <p:attrName>style.visibility</p:attrName>
+                                        </p:attrNameLst>
+                                      </p:cBhvr>
+                                      <p:to>
+                                        <p:strVal val="hidden"/>
+                                      </p:to>
+                                    </p:set>
+                                  </p:childTnLst>
+                                </p:cTn>
+                              </p:par>
+                              <p:par>
+                                <p:cTn id="13" presetID="1" presetClass="entr" presetSubtype="0" fill="hold" nodeType="withEffect">
+                                  <p:stCondLst>
+                                    <p:cond delay="0"/>
+                                  </p:stCondLst>
+                                  <p:childTnLst>
+                                    <p:set>
+                                      <p:cBhvr>
+                                        <p:cTn id="14" dur="1" fill="hold">
+                                          <p:stCondLst>
+                                            <p:cond delay="0"/>
+                                          </p:stCondLst>
+                                        </p:cTn>
+                                        <p:tgtEl>
+                                          <p:spTgt spid="5"/>
+                                        </p:tgtEl>
+                                        <p:attrNameLst>
+                                          <p:attrName>style.visibility</p:attrName>
+                                        </p:attrNameLst>
+                                      </p:cBhvr>
+                                      <p:to>
+                                        <p:strVal val="visible"/>
+                                      </p:to>
+                                    </p:set>
+                                  </p:childTnLst>
+                                </p:cTn>
+                              </p:par>
+                            </p:childTnLst>
+                          </p:cTn>
+                        </p:par>
+                      </p:childTnLst>
+                    </p:cTn>
+                  </p:par>
+                </p:childTnLst>
+              </p:cTn>
+              <p:prevCondLst>
+                <p:cond evt="onPrev" delay="0">
+                  <p:tgtEl>
+                    <p:sldTgt/>
+                  </p:tgtEl>
+                </p:cond>
+              </p:prevCondLst>
+              <p:nextCondLst>
+                <p:cond evt="onNext" delay="0">
+                  <p:tgtEl>
+                    <p:sldTgt/>
+                  </p:tgtEl>
+                </p:cond>
+              </p:nextCondLst>
+            </p:seq>
+          </p:childTnLst>
+        </p:cTn>
+      </p:par>
+    </p:tnLst>
+  </p:timing>
+</p:sld>
+</file>
+
+<file path=ppt/slides/slide22.xml><?xml version="1.0" encoding="utf-8"?>
+<p:sld xmlns:a="http://schemas.openxmlformats.org/drawingml/2006/main" xmlns:r="http://schemas.openxmlformats.org/officeDocument/2006/relationships" xmlns:p="http://schemas.openxmlformats.org/presentationml/2006/main">
+  <p:cSld>
+    <p:spTree>
+      <p:nvGrpSpPr>
+        <p:cNvPr id="1" name=""/>
+        <p:cNvGrpSpPr/>
+        <p:nvPr/>
+      </p:nvGrpSpPr>
+      <p:grpSpPr>
+        <a:xfrm>
+          <a:off x="0" y="0"/>
+          <a:ext cx="0" cy="0"/>
+          <a:chOff x="0" y="0"/>
+          <a:chExt cx="0" cy="0"/>
+        </a:xfrm>
+      </p:grpSpPr>
+      <p:sp>
+        <p:nvSpPr>
+          <p:cNvPr id="2" name="Title 1"/>
+          <p:cNvSpPr>
+            <a:spLocks noGrp="1"/>
+          </p:cNvSpPr>
+          <p:nvPr>
+            <p:ph type="title"/>
+          </p:nvPr>
+        </p:nvSpPr>
+        <p:spPr/>
+        <p:txBody>
+          <a:bodyPr/>
+          <a:lstStyle/>
+          <a:p>
+            <a:r>
+              <a:rPr lang="en-US" sz="4400" dirty="0" smtClean="0"/>
+              <a:t>Mapped Diagnostic Context</a:t>
+            </a:r>
+            <a:endParaRPr lang="en-US" sz="4400" dirty="0"/>
+          </a:p>
+        </p:txBody>
+      </p:sp>
+      <p:pic>
+        <p:nvPicPr>
+          <p:cNvPr id="5" name="Picture 4" descr="slf4j-logo.jpg"/>
+          <p:cNvPicPr>
+            <a:picLocks noChangeAspect="1"/>
+          </p:cNvPicPr>
+          <p:nvPr/>
+        </p:nvPicPr>
+        <p:blipFill>
+          <a:blip r:embed="rId3">
+            <a:alphaModFix amt="15000"/>
+            <a:extLst>
+              <a:ext uri="{28A0092B-C50C-407E-A947-70E740481C1C}">
+                <a14:useLocalDpi xmlns:a14="http://schemas.microsoft.com/office/drawing/2010/main" val="0"/>
+              </a:ext>
+            </a:extLst>
+          </a:blip>
+          <a:stretch>
+            <a:fillRect/>
+          </a:stretch>
+        </p:blipFill>
+        <p:spPr>
+          <a:xfrm>
+            <a:off x="0" y="-4827"/>
+            <a:ext cx="3400298" cy="1449307"/>
+          </a:xfrm>
+          <a:prstGeom prst="rect">
+            <a:avLst/>
+          </a:prstGeom>
+        </p:spPr>
+      </p:pic>
+      <p:pic>
+        <p:nvPicPr>
+          <p:cNvPr id="3" name="Picture 2" descr="NewFile.png"/>
+          <p:cNvPicPr>
+            <a:picLocks noChangeAspect="1"/>
+          </p:cNvPicPr>
+          <p:nvPr/>
+        </p:nvPicPr>
+        <p:blipFill>
+          <a:blip r:embed="rId4">
+            <a:extLst>
+              <a:ext uri="{28A0092B-C50C-407E-A947-70E740481C1C}">
+                <a14:useLocalDpi xmlns:a14="http://schemas.microsoft.com/office/drawing/2010/main" val="0"/>
+              </a:ext>
+            </a:extLst>
+          </a:blip>
+          <a:stretch>
+            <a:fillRect/>
+          </a:stretch>
+        </p:blipFill>
+        <p:spPr>
+          <a:xfrm>
+            <a:off x="0" y="2298633"/>
+            <a:ext cx="2683082" cy="3353853"/>
+          </a:xfrm>
+          <a:prstGeom prst="rect">
+            <a:avLst/>
+          </a:prstGeom>
+        </p:spPr>
+      </p:pic>
+      <p:sp>
+        <p:nvSpPr>
+          <p:cNvPr id="6" name="TextBox 5"/>
+          <p:cNvSpPr txBox="1"/>
+          <p:nvPr/>
+        </p:nvSpPr>
+        <p:spPr>
+          <a:xfrm>
+            <a:off x="4563278" y="4508032"/>
+            <a:ext cx="745291" cy="369332"/>
+          </a:xfrm>
+          <a:prstGeom prst="rect">
+            <a:avLst/>
+          </a:prstGeom>
+          <a:noFill/>
+        </p:spPr>
+        <p:txBody>
+          <a:bodyPr wrap="none" rtlCol="0">
+            <a:spAutoFit/>
+          </a:bodyPr>
+          <a:lstStyle/>
+          <a:p>
+            <a:r>
+              <a:rPr lang="en-US" dirty="0" smtClean="0"/>
+              <a:t>MDC</a:t>
+            </a:r>
+            <a:endParaRPr lang="en-US" dirty="0"/>
+          </a:p>
+        </p:txBody>
+      </p:sp>
+    </p:spTree>
+    <p:extLst>
+      <p:ext uri="{BB962C8B-B14F-4D97-AF65-F5344CB8AC3E}">
+        <p14:creationId xmlns:p14="http://schemas.microsoft.com/office/powerpoint/2010/main" val="1683445274"/>
+      </p:ext>
+    </p:extLst>
+  </p:cSld>
+  <p:clrMapOvr>
+    <a:masterClrMapping/>
+  </p:clrMapOvr>
+  <p:timing>
+    <p:tnLst>
+      <p:par>
+        <p:cTn xmlns:p14="http://schemas.microsoft.com/office/powerpoint/2010/main" id="1" dur="indefinite" restart="never" nodeType="tmRoot">
+          <p:childTnLst>
+            <p:seq concurrent="1" nextAc="seek">
+              <p:cTn id="2" dur="indefinite" nodeType="mainSeq">
+                <p:childTnLst>
+                  <p:par>
+                    <p:cTn id="3" fill="hold">
+                      <p:stCondLst>
+                        <p:cond delay="indefinite"/>
+                      </p:stCondLst>
+                      <p:childTnLst>
+                        <p:par>
+                          <p:cTn id="4" fill="hold">
+                            <p:stCondLst>
+                              <p:cond delay="0"/>
+                            </p:stCondLst>
+                            <p:childTnLst>
+                              <p:par>
+                                <p:cTn id="5" presetID="1" presetClass="entr" presetSubtype="0" fill="hold" nodeType="clickEffect">
+                                  <p:stCondLst>
+                                    <p:cond delay="0"/>
+                                  </p:stCondLst>
+                                  <p:childTnLst>
+                                    <p:set>
+                                      <p:cBhvr>
+                                        <p:cTn id="6" dur="1" fill="hold">
+                                          <p:stCondLst>
+                                            <p:cond delay="0"/>
+                                          </p:stCondLst>
+                                        </p:cTn>
+                                        <p:tgtEl>
+                                          <p:spTgt spid="3"/>
+                                        </p:tgtEl>
+                                        <p:attrNameLst>
+                                          <p:attrName>style.visibility</p:attrName>
+                                        </p:attrNameLst>
+                                      </p:cBhvr>
+                                      <p:to>
+                                        <p:strVal val="visible"/>
+                                      </p:to>
+                                    </p:set>
+                                  </p:childTnLst>
+                                </p:cTn>
+                              </p:par>
+                            </p:childTnLst>
+                          </p:cTn>
+                        </p:par>
+                        <p:par>
+                          <p:cTn id="7" fill="hold">
+                            <p:stCondLst>
+                              <p:cond delay="0"/>
+                            </p:stCondLst>
+                            <p:childTnLst>
+                              <p:par>
+                                <p:cTn id="8" presetID="0" presetClass="path" presetSubtype="0" accel="50000" decel="50000" fill="hold" nodeType="afterEffect">
+                                  <p:stCondLst>
+                                    <p:cond delay="0"/>
+                                  </p:stCondLst>
+                                  <p:childTnLst>
+                                    <p:animMotion origin="layout" path="M 2.21257E-6 -2.08015E-6 L 0.41542 -0.00208 " pathEditMode="relative" ptsTypes="AA">
+                                      <p:cBhvr>
+                                        <p:cTn id="9" dur="2000" fill="hold"/>
+                                        <p:tgtEl>
+                                          <p:spTgt spid="3"/>
+                                        </p:tgtEl>
+                                        <p:attrNameLst>
+                                          <p:attrName>ppt_x</p:attrName>
+                                          <p:attrName>ppt_y</p:attrName>
+                                        </p:attrNameLst>
+                                      </p:cBhvr>
+                                    </p:animMotion>
+                                  </p:childTnLst>
+                                </p:cTn>
+                              </p:par>
+                            </p:childTnLst>
+                          </p:cTn>
+                        </p:par>
+                        <p:par>
+                          <p:cTn id="10" fill="hold">
+                            <p:stCondLst>
+                              <p:cond delay="2000"/>
+                            </p:stCondLst>
+                            <p:childTnLst>
+                              <p:par>
+                                <p:cTn id="11" presetID="1" presetClass="entr" presetSubtype="0" fill="hold" grpId="0" nodeType="afterEffect">
+                                  <p:stCondLst>
+                                    <p:cond delay="0"/>
+                                  </p:stCondLst>
+                                  <p:childTnLst>
+                                    <p:set>
+                                      <p:cBhvr>
+                                        <p:cTn id="12" dur="1" fill="hold">
+                                          <p:stCondLst>
+                                            <p:cond delay="0"/>
+                                          </p:stCondLst>
+                                        </p:cTn>
+                                        <p:tgtEl>
+                                          <p:spTgt spid="6"/>
+                                        </p:tgtEl>
+                                        <p:attrNameLst>
+                                          <p:attrName>style.visibility</p:attrName>
+                                        </p:attrNameLst>
+                                      </p:cBhvr>
+                                      <p:to>
+                                        <p:strVal val="visible"/>
+                                      </p:to>
+                                    </p:set>
+                                  </p:childTnLst>
+                                </p:cTn>
+                              </p:par>
+                            </p:childTnLst>
+                          </p:cTn>
+                        </p:par>
+                        <p:par>
+                          <p:cTn id="13" fill="hold">
+                            <p:stCondLst>
+                              <p:cond delay="2000"/>
+                            </p:stCondLst>
+                            <p:childTnLst>
+                              <p:par>
+                                <p:cTn id="14" presetID="0" presetClass="path" presetSubtype="0" accel="50000" decel="50000" fill="hold" nodeType="afterEffect">
+                                  <p:stCondLst>
+                                    <p:cond delay="0"/>
+                                  </p:stCondLst>
+                                  <p:childTnLst>
+                                    <p:animMotion origin="layout" path="M 0.41542 -0.00208 L 0.72195 -0.00208 " pathEditMode="relative" rAng="0" ptsTypes="AA">
+                                      <p:cBhvr>
+                                        <p:cTn id="15" dur="2000" fill="hold"/>
+                                        <p:tgtEl>
+                                          <p:spTgt spid="3"/>
+                                        </p:tgtEl>
+                                        <p:attrNameLst>
+                                          <p:attrName>ppt_x</p:attrName>
+                                          <p:attrName>ppt_y</p:attrName>
+                                        </p:attrNameLst>
+                                      </p:cBhvr>
+                                      <p:rCtr x="15318" y="0"/>
+                                    </p:animMotion>
+                                  </p:childTnLst>
+                                </p:cTn>
+                              </p:par>
+                              <p:par>
+                                <p:cTn id="16" presetID="0" presetClass="path" presetSubtype="0" accel="50000" decel="50000" fill="hold" grpId="1" nodeType="withEffect">
+                                  <p:stCondLst>
+                                    <p:cond delay="0"/>
+                                  </p:stCondLst>
+                                  <p:childTnLst>
+                                    <p:animMotion origin="layout" path="M 0 0 L 0.32858 -0.00209 " pathEditMode="relative" ptsTypes="AA">
+                                      <p:cBhvr>
+                                        <p:cTn id="17" dur="2000" fill="hold"/>
+                                        <p:tgtEl>
+                                          <p:spTgt spid="6"/>
+                                        </p:tgtEl>
+                                        <p:attrNameLst>
+                                          <p:attrName>ppt_x</p:attrName>
+                                          <p:attrName>ppt_y</p:attrName>
+                                        </p:attrNameLst>
+                                      </p:cBhvr>
+                                    </p:animMotion>
+                                  </p:childTnLst>
+                                </p:cTn>
+                              </p:par>
+                            </p:childTnLst>
+                          </p:cTn>
+                        </p:par>
+                      </p:childTnLst>
+                    </p:cTn>
+                  </p:par>
+                </p:childTnLst>
+              </p:cTn>
+              <p:prevCondLst>
+                <p:cond evt="onPrev" delay="0">
+                  <p:tgtEl>
+                    <p:sldTgt/>
+                  </p:tgtEl>
+                </p:cond>
+              </p:prevCondLst>
+              <p:nextCondLst>
+                <p:cond evt="onNext" delay="0">
+                  <p:tgtEl>
+                    <p:sldTgt/>
+                  </p:tgtEl>
+                </p:cond>
+              </p:nextCondLst>
+            </p:seq>
+          </p:childTnLst>
+        </p:cTn>
+      </p:par>
+    </p:tnLst>
+    <p:bldLst>
+      <p:bldP spid="6" grpId="0"/>
+      <p:bldP spid="6" grpId="1"/>
+    </p:bldLst>
+  </p:timing>
+</p:sld>
+</file>
+
+<file path=ppt/slides/slide23.xml><?xml version="1.0" encoding="utf-8"?>
+<p:sld xmlns:a="http://schemas.openxmlformats.org/drawingml/2006/main" xmlns:r="http://schemas.openxmlformats.org/officeDocument/2006/relationships" xmlns:p="http://schemas.openxmlformats.org/presentationml/2006/main">
+  <p:cSld>
+    <p:spTree>
+      <p:nvGrpSpPr>
+        <p:cNvPr id="1" name=""/>
+        <p:cNvGrpSpPr/>
+        <p:nvPr/>
+      </p:nvGrpSpPr>
+      <p:grpSpPr>
+        <a:xfrm>
+          <a:off x="0" y="0"/>
+          <a:ext cx="0" cy="0"/>
+          <a:chOff x="0" y="0"/>
+          <a:chExt cx="0" cy="0"/>
+        </a:xfrm>
+      </p:grpSpPr>
+      <p:sp>
+        <p:nvSpPr>
+          <p:cNvPr id="2" name="Title 1"/>
+          <p:cNvSpPr>
+            <a:spLocks noGrp="1"/>
+          </p:cNvSpPr>
+          <p:nvPr>
+            <p:ph type="title"/>
+          </p:nvPr>
+        </p:nvSpPr>
+        <p:spPr/>
+        <p:txBody>
+          <a:bodyPr/>
+          <a:lstStyle/>
+          <a:p>
+            <a:r>
+              <a:rPr lang="en-US" sz="4400" dirty="0" smtClean="0"/>
+              <a:t>Markers</a:t>
+            </a:r>
+            <a:endParaRPr lang="en-US" sz="4400" dirty="0"/>
+          </a:p>
+        </p:txBody>
+      </p:sp>
+      <p:pic>
+        <p:nvPicPr>
+          <p:cNvPr id="5" name="Picture 4" descr="slf4j-logo.jpg"/>
+          <p:cNvPicPr>
+            <a:picLocks noChangeAspect="1"/>
+          </p:cNvPicPr>
+          <p:nvPr/>
+        </p:nvPicPr>
+        <p:blipFill>
+          <a:blip r:embed="rId3">
+            <a:alphaModFix amt="15000"/>
+            <a:extLst>
+              <a:ext uri="{28A0092B-C50C-407E-A947-70E740481C1C}">
+                <a14:useLocalDpi xmlns:a14="http://schemas.microsoft.com/office/drawing/2010/main" val="0"/>
+              </a:ext>
+            </a:extLst>
+          </a:blip>
+          <a:stretch>
+            <a:fillRect/>
+          </a:stretch>
+        </p:blipFill>
+        <p:spPr>
+          <a:xfrm>
+            <a:off x="0" y="-4827"/>
+            <a:ext cx="3400298" cy="1449307"/>
+          </a:xfrm>
+          <a:prstGeom prst="rect">
+            <a:avLst/>
+          </a:prstGeom>
+        </p:spPr>
+      </p:pic>
+      <p:grpSp>
+        <p:nvGrpSpPr>
+          <p:cNvPr id="17" name="Group 16"/>
+          <p:cNvGrpSpPr/>
+          <p:nvPr/>
+        </p:nvGrpSpPr>
+        <p:grpSpPr>
+          <a:xfrm>
+            <a:off x="457200" y="1607250"/>
+            <a:ext cx="1253910" cy="1567388"/>
+            <a:chOff x="457200" y="1607250"/>
+            <a:chExt cx="1253910" cy="1567388"/>
+          </a:xfrm>
+        </p:grpSpPr>
+        <p:grpSp>
+          <p:nvGrpSpPr>
+            <p:cNvPr id="9" name="Group 8"/>
+            <p:cNvGrpSpPr/>
+            <p:nvPr/>
+          </p:nvGrpSpPr>
+          <p:grpSpPr>
+            <a:xfrm>
+              <a:off x="457200" y="1607250"/>
+              <a:ext cx="1253910" cy="1567388"/>
+              <a:chOff x="457200" y="2298634"/>
+              <a:chExt cx="1253910" cy="1567388"/>
+            </a:xfrm>
+          </p:grpSpPr>
+          <p:pic>
+            <p:nvPicPr>
+              <p:cNvPr id="3" name="Picture 2" descr="NewFile.png"/>
+              <p:cNvPicPr>
+                <a:picLocks noChangeAspect="1"/>
+              </p:cNvPicPr>
+              <p:nvPr/>
+            </p:nvPicPr>
+            <p:blipFill>
+              <a:blip r:embed="rId4">
+                <a:extLst>
+                  <a:ext uri="{28A0092B-C50C-407E-A947-70E740481C1C}">
+                    <a14:useLocalDpi xmlns:a14="http://schemas.microsoft.com/office/drawing/2010/main" val="0"/>
+                  </a:ext>
+                </a:extLst>
+              </a:blip>
+              <a:stretch>
+                <a:fillRect/>
+              </a:stretch>
+            </p:blipFill>
+            <p:spPr>
+              <a:xfrm>
+                <a:off x="457200" y="2298634"/>
+                <a:ext cx="1253910" cy="1567388"/>
+              </a:xfrm>
+              <a:prstGeom prst="rect">
+                <a:avLst/>
+              </a:prstGeom>
+            </p:spPr>
+          </p:pic>
+          <p:sp>
+            <p:nvSpPr>
+              <p:cNvPr id="4" name="TextBox 3"/>
+              <p:cNvSpPr txBox="1"/>
+              <p:nvPr/>
+            </p:nvSpPr>
+            <p:spPr>
+              <a:xfrm>
+                <a:off x="457200" y="3335664"/>
+                <a:ext cx="1236712" cy="369332"/>
+              </a:xfrm>
+              <a:prstGeom prst="rect">
+                <a:avLst/>
+              </a:prstGeom>
+              <a:noFill/>
+            </p:spPr>
+            <p:txBody>
+              <a:bodyPr wrap="none" rtlCol="0">
+                <a:spAutoFit/>
+              </a:bodyPr>
+              <a:lstStyle/>
+              <a:p>
+                <a:r>
+                  <a:rPr lang="en-US" dirty="0" smtClean="0"/>
+                  <a:t>Message 1</a:t>
+                </a:r>
+                <a:endParaRPr lang="en-US" dirty="0"/>
+              </a:p>
+            </p:txBody>
+          </p:sp>
+        </p:grpSp>
+        <p:sp>
+          <p:nvSpPr>
+            <p:cNvPr id="16" name="Oval 15"/>
+            <p:cNvSpPr/>
+            <p:nvPr/>
+          </p:nvSpPr>
+          <p:spPr>
+            <a:xfrm>
+              <a:off x="697749" y="1870205"/>
+              <a:ext cx="265145" cy="279135"/>
+            </a:xfrm>
+            <a:prstGeom prst="ellipse">
+              <a:avLst/>
+            </a:prstGeom>
+            <a:solidFill>
+              <a:srgbClr val="FF0000"/>
+            </a:solidFill>
+          </p:spPr>
+          <p:style>
+            <a:lnRef idx="1">
+              <a:schemeClr val="accent1"/>
+            </a:lnRef>
+            <a:fillRef idx="3">
+              <a:schemeClr val="accent1"/>
+            </a:fillRef>
+            <a:effectRef idx="2">
+              <a:schemeClr val="accent1"/>
+            </a:effectRef>
+            <a:fontRef idx="minor">
+              <a:schemeClr val="lt1"/>
+            </a:fontRef>
+          </p:style>
+          <p:txBody>
+            <a:bodyPr rtlCol="0" anchor="ctr"/>
+            <a:lstStyle/>
+            <a:p>
+              <a:pPr algn="ctr"/>
+              <a:endParaRPr lang="en-US"/>
+            </a:p>
+          </p:txBody>
+        </p:sp>
+      </p:grpSp>
+      <p:grpSp>
+        <p:nvGrpSpPr>
+          <p:cNvPr id="21" name="Group 20"/>
+          <p:cNvGrpSpPr/>
+          <p:nvPr/>
+        </p:nvGrpSpPr>
+        <p:grpSpPr>
+          <a:xfrm>
+            <a:off x="457200" y="5081358"/>
+            <a:ext cx="1253910" cy="1567388"/>
+            <a:chOff x="457200" y="5081358"/>
+            <a:chExt cx="1253910" cy="1567388"/>
+          </a:xfrm>
+        </p:grpSpPr>
+        <p:grpSp>
+          <p:nvGrpSpPr>
+            <p:cNvPr id="13" name="Group 12"/>
+            <p:cNvGrpSpPr/>
+            <p:nvPr/>
+          </p:nvGrpSpPr>
+          <p:grpSpPr>
+            <a:xfrm>
+              <a:off x="457200" y="5081358"/>
+              <a:ext cx="1253910" cy="1567388"/>
+              <a:chOff x="457200" y="2298634"/>
+              <a:chExt cx="1253910" cy="1567388"/>
+            </a:xfrm>
+          </p:grpSpPr>
+          <p:pic>
+            <p:nvPicPr>
+              <p:cNvPr id="14" name="Picture 13" descr="NewFile.png"/>
+              <p:cNvPicPr>
+                <a:picLocks noChangeAspect="1"/>
+              </p:cNvPicPr>
+              <p:nvPr/>
+            </p:nvPicPr>
+            <p:blipFill>
+              <a:blip r:embed="rId4">
+                <a:extLst>
+                  <a:ext uri="{28A0092B-C50C-407E-A947-70E740481C1C}">
+                    <a14:useLocalDpi xmlns:a14="http://schemas.microsoft.com/office/drawing/2010/main" val="0"/>
+                  </a:ext>
+                </a:extLst>
+              </a:blip>
+              <a:stretch>
+                <a:fillRect/>
+              </a:stretch>
+            </p:blipFill>
+            <p:spPr>
+              <a:xfrm>
+                <a:off x="457200" y="2298634"/>
+                <a:ext cx="1253910" cy="1567388"/>
+              </a:xfrm>
+              <a:prstGeom prst="rect">
+                <a:avLst/>
+              </a:prstGeom>
+            </p:spPr>
+          </p:pic>
+          <p:sp>
+            <p:nvSpPr>
+              <p:cNvPr id="15" name="TextBox 14"/>
+              <p:cNvSpPr txBox="1"/>
+              <p:nvPr/>
+            </p:nvSpPr>
+            <p:spPr>
+              <a:xfrm>
+                <a:off x="457200" y="3335664"/>
+                <a:ext cx="1236712" cy="369332"/>
+              </a:xfrm>
+              <a:prstGeom prst="rect">
+                <a:avLst/>
+              </a:prstGeom>
+              <a:noFill/>
+            </p:spPr>
+            <p:txBody>
+              <a:bodyPr wrap="none" rtlCol="0">
+                <a:spAutoFit/>
+              </a:bodyPr>
+              <a:lstStyle/>
+              <a:p>
+                <a:r>
+                  <a:rPr lang="en-US" dirty="0" smtClean="0"/>
+                  <a:t>Message 3</a:t>
+                </a:r>
+                <a:endParaRPr lang="en-US" dirty="0"/>
+              </a:p>
+            </p:txBody>
+          </p:sp>
+        </p:grpSp>
+        <p:sp>
+          <p:nvSpPr>
+            <p:cNvPr id="18" name="Oval 17"/>
+            <p:cNvSpPr/>
+            <p:nvPr/>
+          </p:nvSpPr>
+          <p:spPr>
+            <a:xfrm>
+              <a:off x="697749" y="5260572"/>
+              <a:ext cx="265145" cy="279135"/>
+            </a:xfrm>
+            <a:prstGeom prst="ellipse">
+              <a:avLst/>
+            </a:prstGeom>
+            <a:solidFill>
+              <a:srgbClr val="FF0000"/>
+            </a:solidFill>
+          </p:spPr>
+          <p:style>
+            <a:lnRef idx="1">
+              <a:schemeClr val="accent1"/>
+            </a:lnRef>
+            <a:fillRef idx="3">
+              <a:schemeClr val="accent1"/>
+            </a:fillRef>
+            <a:effectRef idx="2">
+              <a:schemeClr val="accent1"/>
+            </a:effectRef>
+            <a:fontRef idx="minor">
+              <a:schemeClr val="lt1"/>
+            </a:fontRef>
+          </p:style>
+          <p:txBody>
+            <a:bodyPr rtlCol="0" anchor="ctr"/>
+            <a:lstStyle/>
+            <a:p>
+              <a:pPr algn="ctr"/>
+              <a:endParaRPr lang="en-US"/>
+            </a:p>
+          </p:txBody>
+        </p:sp>
+      </p:grpSp>
+      <p:grpSp>
+        <p:nvGrpSpPr>
+          <p:cNvPr id="20" name="Group 19"/>
+          <p:cNvGrpSpPr/>
+          <p:nvPr/>
+        </p:nvGrpSpPr>
+        <p:grpSpPr>
+          <a:xfrm>
+            <a:off x="440002" y="3327038"/>
+            <a:ext cx="1253910" cy="1567388"/>
+            <a:chOff x="440002" y="3327038"/>
+            <a:chExt cx="1253910" cy="1567388"/>
+          </a:xfrm>
+        </p:grpSpPr>
+        <p:grpSp>
+          <p:nvGrpSpPr>
+            <p:cNvPr id="10" name="Group 9"/>
+            <p:cNvGrpSpPr/>
+            <p:nvPr/>
+          </p:nvGrpSpPr>
+          <p:grpSpPr>
+            <a:xfrm>
+              <a:off x="440002" y="3327038"/>
+              <a:ext cx="1253910" cy="1567388"/>
+              <a:chOff x="457200" y="2298634"/>
+              <a:chExt cx="1253910" cy="1567388"/>
+            </a:xfrm>
+          </p:grpSpPr>
+          <p:pic>
+            <p:nvPicPr>
+              <p:cNvPr id="11" name="Picture 10" descr="NewFile.png"/>
+              <p:cNvPicPr>
+                <a:picLocks noChangeAspect="1"/>
+              </p:cNvPicPr>
+              <p:nvPr/>
+            </p:nvPicPr>
+            <p:blipFill>
+              <a:blip r:embed="rId4">
+                <a:extLst>
+                  <a:ext uri="{28A0092B-C50C-407E-A947-70E740481C1C}">
+                    <a14:useLocalDpi xmlns:a14="http://schemas.microsoft.com/office/drawing/2010/main" val="0"/>
+                  </a:ext>
+                </a:extLst>
+              </a:blip>
+              <a:stretch>
+                <a:fillRect/>
+              </a:stretch>
+            </p:blipFill>
+            <p:spPr>
+              <a:xfrm>
+                <a:off x="457200" y="2298634"/>
+                <a:ext cx="1253910" cy="1567388"/>
+              </a:xfrm>
+              <a:prstGeom prst="rect">
+                <a:avLst/>
+              </a:prstGeom>
+            </p:spPr>
+          </p:pic>
+          <p:sp>
+            <p:nvSpPr>
+              <p:cNvPr id="12" name="TextBox 11"/>
+              <p:cNvSpPr txBox="1"/>
+              <p:nvPr/>
+            </p:nvSpPr>
+            <p:spPr>
+              <a:xfrm>
+                <a:off x="457200" y="3335664"/>
+                <a:ext cx="1236712" cy="369332"/>
+              </a:xfrm>
+              <a:prstGeom prst="rect">
+                <a:avLst/>
+              </a:prstGeom>
+              <a:noFill/>
+            </p:spPr>
+            <p:txBody>
+              <a:bodyPr wrap="none" rtlCol="0">
+                <a:spAutoFit/>
+              </a:bodyPr>
+              <a:lstStyle/>
+              <a:p>
+                <a:r>
+                  <a:rPr lang="en-US" dirty="0" smtClean="0"/>
+                  <a:t>Message 2</a:t>
+                </a:r>
+                <a:endParaRPr lang="en-US" dirty="0"/>
+              </a:p>
+            </p:txBody>
+          </p:sp>
+        </p:grpSp>
+        <p:sp>
+          <p:nvSpPr>
+            <p:cNvPr id="19" name="Oval 18"/>
+            <p:cNvSpPr/>
+            <p:nvPr/>
+          </p:nvSpPr>
+          <p:spPr>
+            <a:xfrm>
+              <a:off x="697749" y="3488064"/>
+              <a:ext cx="265145" cy="279135"/>
+            </a:xfrm>
+            <a:prstGeom prst="ellipse">
+              <a:avLst/>
+            </a:prstGeom>
+            <a:solidFill>
+              <a:srgbClr val="008000"/>
+            </a:solidFill>
+          </p:spPr>
+          <p:style>
+            <a:lnRef idx="1">
+              <a:schemeClr val="accent1"/>
+            </a:lnRef>
+            <a:fillRef idx="3">
+              <a:schemeClr val="accent1"/>
+            </a:fillRef>
+            <a:effectRef idx="2">
+              <a:schemeClr val="accent1"/>
+            </a:effectRef>
+            <a:fontRef idx="minor">
+              <a:schemeClr val="lt1"/>
+            </a:fontRef>
+          </p:style>
+          <p:txBody>
+            <a:bodyPr rtlCol="0" anchor="ctr"/>
+            <a:lstStyle/>
+            <a:p>
+              <a:pPr algn="ctr"/>
+              <a:endParaRPr lang="en-US"/>
+            </a:p>
+          </p:txBody>
+        </p:sp>
+      </p:grpSp>
+    </p:spTree>
+    <p:extLst>
+      <p:ext uri="{BB962C8B-B14F-4D97-AF65-F5344CB8AC3E}">
+        <p14:creationId xmlns:p14="http://schemas.microsoft.com/office/powerpoint/2010/main" val="1042809174"/>
+      </p:ext>
+    </p:extLst>
+  </p:cSld>
+  <p:clrMapOvr>
+    <a:masterClrMapping/>
+  </p:clrMapOvr>
+  <p:timing>
+    <p:tnLst>
+      <p:par>
+        <p:cTn xmlns:p14="http://schemas.microsoft.com/office/powerpoint/2010/main" id="1" dur="indefinite" restart="never" nodeType="tmRoot">
+          <p:childTnLst>
+            <p:seq concurrent="1" nextAc="seek">
+              <p:cTn id="2" dur="indefinite" nodeType="mainSeq">
+                <p:childTnLst>
+                  <p:par>
+                    <p:cTn id="3" fill="hold">
+                      <p:stCondLst>
+                        <p:cond delay="indefinite"/>
+                      </p:stCondLst>
+                      <p:childTnLst>
+                        <p:par>
+                          <p:cTn id="4" fill="hold">
+                            <p:stCondLst>
+                              <p:cond delay="0"/>
+                            </p:stCondLst>
+                            <p:childTnLst>
+                              <p:par>
+                                <p:cTn id="5" presetID="1" presetClass="entr" presetSubtype="0" fill="hold" nodeType="clickEffect">
+                                  <p:stCondLst>
+                                    <p:cond delay="0"/>
+                                  </p:stCondLst>
+                                  <p:childTnLst>
+                                    <p:set>
+                                      <p:cBhvr>
+                                        <p:cTn id="6" dur="1" fill="hold">
+                                          <p:stCondLst>
+                                            <p:cond delay="0"/>
+                                          </p:stCondLst>
+                                        </p:cTn>
+                                        <p:tgtEl>
+                                          <p:spTgt spid="17"/>
+                                        </p:tgtEl>
+                                        <p:attrNameLst>
+                                          <p:attrName>style.visibility</p:attrName>
+                                        </p:attrNameLst>
+                                      </p:cBhvr>
+                                      <p:to>
+                                        <p:strVal val="visible"/>
+                                      </p:to>
+                                    </p:set>
+                                  </p:childTnLst>
+                                </p:cTn>
+                              </p:par>
+                            </p:childTnLst>
+                          </p:cTn>
+                        </p:par>
+                        <p:par>
+                          <p:cTn id="7" fill="hold">
+                            <p:stCondLst>
+                              <p:cond delay="0"/>
+                            </p:stCondLst>
+                            <p:childTnLst>
+                              <p:par>
+                                <p:cTn id="8" presetID="0" presetClass="path" presetSubtype="0" accel="50000" decel="50000" fill="hold" nodeType="afterEffect">
+                                  <p:stCondLst>
+                                    <p:cond delay="0"/>
+                                  </p:stCondLst>
+                                  <p:childTnLst>
+                                    <p:animMotion origin="layout" path="M 1.15665E-6 5.36484E-6 L 0.40014 -0.00208 " pathEditMode="relative" ptsTypes="AA">
+                                      <p:cBhvr>
+                                        <p:cTn id="9" dur="2000" fill="hold"/>
+                                        <p:tgtEl>
+                                          <p:spTgt spid="17"/>
+                                        </p:tgtEl>
+                                        <p:attrNameLst>
+                                          <p:attrName>ppt_x</p:attrName>
+                                          <p:attrName>ppt_y</p:attrName>
+                                        </p:attrNameLst>
+                                      </p:cBhvr>
+                                    </p:animMotion>
+                                  </p:childTnLst>
+                                </p:cTn>
+                              </p:par>
+                            </p:childTnLst>
+                          </p:cTn>
+                        </p:par>
+                      </p:childTnLst>
+                    </p:cTn>
+                  </p:par>
+                  <p:par>
+                    <p:cTn id="10" fill="hold">
+                      <p:stCondLst>
+                        <p:cond delay="indefinite"/>
+                      </p:stCondLst>
+                      <p:childTnLst>
+                        <p:par>
+                          <p:cTn id="11" fill="hold">
+                            <p:stCondLst>
+                              <p:cond delay="0"/>
+                            </p:stCondLst>
+                            <p:childTnLst>
+                              <p:par>
+                                <p:cTn id="12" presetID="1" presetClass="entr" presetSubtype="0" fill="hold" nodeType="clickEffect">
+                                  <p:stCondLst>
+                                    <p:cond delay="0"/>
+                                  </p:stCondLst>
+                                  <p:childTnLst>
+                                    <p:set>
+                                      <p:cBhvr>
+                                        <p:cTn id="13" dur="1" fill="hold">
+                                          <p:stCondLst>
+                                            <p:cond delay="0"/>
+                                          </p:stCondLst>
+                                        </p:cTn>
+                                        <p:tgtEl>
+                                          <p:spTgt spid="20"/>
+                                        </p:tgtEl>
+                                        <p:attrNameLst>
+                                          <p:attrName>style.visibility</p:attrName>
+                                        </p:attrNameLst>
+                                      </p:cBhvr>
+                                      <p:to>
+                                        <p:strVal val="visible"/>
+                                      </p:to>
+                                    </p:set>
+                                  </p:childTnLst>
+                                </p:cTn>
+                              </p:par>
+                            </p:childTnLst>
+                          </p:cTn>
+                        </p:par>
+                        <p:par>
+                          <p:cTn id="14" fill="hold">
+                            <p:stCondLst>
+                              <p:cond delay="0"/>
+                            </p:stCondLst>
+                            <p:childTnLst>
+                              <p:par>
+                                <p:cTn id="15" presetID="0" presetClass="path" presetSubtype="0" accel="50000" decel="50000" fill="hold" nodeType="afterEffect">
+                                  <p:stCondLst>
+                                    <p:cond delay="0"/>
+                                  </p:stCondLst>
+                                  <p:childTnLst>
+                                    <p:animMotion origin="layout" path="M -3.85551E-7 3.86843E-6 L 0.40031 -0.00602 " pathEditMode="relative" ptsTypes="AA">
+                                      <p:cBhvr>
+                                        <p:cTn id="16" dur="2000" fill="hold"/>
+                                        <p:tgtEl>
+                                          <p:spTgt spid="20"/>
+                                        </p:tgtEl>
+                                        <p:attrNameLst>
+                                          <p:attrName>ppt_x</p:attrName>
+                                          <p:attrName>ppt_y</p:attrName>
+                                        </p:attrNameLst>
+                                      </p:cBhvr>
+                                    </p:animMotion>
+                                  </p:childTnLst>
+                                </p:cTn>
+                              </p:par>
+                            </p:childTnLst>
+                          </p:cTn>
+                        </p:par>
+                        <p:par>
+                          <p:cTn id="17" fill="hold">
+                            <p:stCondLst>
+                              <p:cond delay="2000"/>
+                            </p:stCondLst>
+                            <p:childTnLst>
+                              <p:par>
+                                <p:cTn id="18" presetID="0" presetClass="path" presetSubtype="0" accel="50000" decel="50000" fill="hold" nodeType="afterEffect">
+                                  <p:stCondLst>
+                                    <p:cond delay="0"/>
+                                  </p:stCondLst>
+                                  <p:childTnLst>
+                                    <p:animMotion origin="layout" path="M 0.40031 -0.00602 L 0.98993 -0.00602 " pathEditMode="relative" ptsTypes="AA">
+                                      <p:cBhvr>
+                                        <p:cTn id="19" dur="2000" fill="hold"/>
+                                        <p:tgtEl>
+                                          <p:spTgt spid="20"/>
+                                        </p:tgtEl>
+                                        <p:attrNameLst>
+                                          <p:attrName>ppt_x</p:attrName>
+                                          <p:attrName>ppt_y</p:attrName>
+                                        </p:attrNameLst>
+                                      </p:cBhvr>
+                                    </p:animMotion>
+                                  </p:childTnLst>
+                                </p:cTn>
+                              </p:par>
+                            </p:childTnLst>
+                          </p:cTn>
+                        </p:par>
+                      </p:childTnLst>
+                    </p:cTn>
+                  </p:par>
+                  <p:par>
+                    <p:cTn id="20" fill="hold">
+                      <p:stCondLst>
+                        <p:cond delay="indefinite"/>
+                      </p:stCondLst>
+                      <p:childTnLst>
+                        <p:par>
+                          <p:cTn id="21" fill="hold">
+                            <p:stCondLst>
+                              <p:cond delay="0"/>
+                            </p:stCondLst>
+                            <p:childTnLst>
+                              <p:par>
+                                <p:cTn id="22" presetID="1" presetClass="entr" presetSubtype="0" fill="hold" nodeType="clickEffect">
+                                  <p:stCondLst>
+                                    <p:cond delay="0"/>
+                                  </p:stCondLst>
+                                  <p:childTnLst>
+                                    <p:set>
+                                      <p:cBhvr>
+                                        <p:cTn id="23" dur="1" fill="hold">
+                                          <p:stCondLst>
+                                            <p:cond delay="0"/>
+                                          </p:stCondLst>
+                                        </p:cTn>
+                                        <p:tgtEl>
+                                          <p:spTgt spid="21"/>
+                                        </p:tgtEl>
+                                        <p:attrNameLst>
+                                          <p:attrName>style.visibility</p:attrName>
+                                        </p:attrNameLst>
+                                      </p:cBhvr>
+                                      <p:to>
+                                        <p:strVal val="visible"/>
+                                      </p:to>
+                                    </p:set>
+                                  </p:childTnLst>
+                                </p:cTn>
+                              </p:par>
+                              <p:par>
+                                <p:cTn id="24" presetID="0" presetClass="path" presetSubtype="0" accel="50000" decel="50000" fill="hold" nodeType="withEffect">
+                                  <p:stCondLst>
+                                    <p:cond delay="0"/>
+                                  </p:stCondLst>
+                                  <p:childTnLst>
+                                    <p:animMotion origin="layout" path="M 3.85551E-7 -1.05861E-6 L 0.40031 0.00208 " pathEditMode="relative" ptsTypes="AA">
+                                      <p:cBhvr>
+                                        <p:cTn id="25" dur="2000" fill="hold"/>
+                                        <p:tgtEl>
+                                          <p:spTgt spid="21"/>
+                                        </p:tgtEl>
+                                        <p:attrNameLst>
+                                          <p:attrName>ppt_x</p:attrName>
+                                          <p:attrName>ppt_y</p:attrName>
+                                        </p:attrNameLst>
+                                      </p:cBhvr>
+                                    </p:animMotion>
+                                  </p:childTnLst>
+                                </p:cTn>
+                              </p:par>
+                            </p:childTnLst>
+                          </p:cTn>
+                        </p:par>
+                      </p:childTnLst>
+                    </p:cTn>
+                  </p:par>
+                </p:childTnLst>
+              </p:cTn>
+              <p:prevCondLst>
+                <p:cond evt="onPrev" delay="0">
+                  <p:tgtEl>
+                    <p:sldTgt/>
+                  </p:tgtEl>
+                </p:cond>
+              </p:prevCondLst>
+              <p:nextCondLst>
+                <p:cond evt="onNext" delay="0">
+                  <p:tgtEl>
+                    <p:sldTgt/>
+                  </p:tgtEl>
+                </p:cond>
+              </p:nextCondLst>
+            </p:seq>
+          </p:childTnLst>
+        </p:cTn>
+      </p:par>
+    </p:tnLst>
+  </p:timing>
+</p:sld>
+</file>
+
+<file path=ppt/slides/slide24.xml><?xml version="1.0" encoding="utf-8"?>
 <p:sld xmlns:a="http://schemas.openxmlformats.org/drawingml/2006/main" xmlns:r="http://schemas.openxmlformats.org/officeDocument/2006/relationships" xmlns:p="http://schemas.openxmlformats.org/presentationml/2006/main">
   <p:cSld>
     <p:spTree>
@@ -9447,7 +12265,7 @@
 </p:sld>
 </file>
 
-<file path=ppt/slides/slide19.xml><?xml version="1.0" encoding="utf-8"?>
+<file path=ppt/slides/slide25.xml><?xml version="1.0" encoding="utf-8"?>
 <p:sld xmlns:a="http://schemas.openxmlformats.org/drawingml/2006/main" xmlns:r="http://schemas.openxmlformats.org/officeDocument/2006/relationships" xmlns:p="http://schemas.openxmlformats.org/presentationml/2006/main">
   <p:cSld>
     <p:spTree>
@@ -9464,66 +12282,6 @@
           <a:chExt cx="0" cy="0"/>
         </a:xfrm>
       </p:grpSpPr>
-      <p:pic>
-        <p:nvPicPr>
-          <p:cNvPr id="9" name="Picture 8" descr="slf4j-logo.jpg"/>
-          <p:cNvPicPr>
-            <a:picLocks noChangeAspect="1"/>
-          </p:cNvPicPr>
-          <p:nvPr/>
-        </p:nvPicPr>
-        <p:blipFill>
-          <a:blip r:embed="rId3">
-            <a:extLst>
-              <a:ext uri="{28A0092B-C50C-407E-A947-70E740481C1C}">
-                <a14:useLocalDpi xmlns:a14="http://schemas.microsoft.com/office/drawing/2010/main" val="0"/>
-              </a:ext>
-            </a:extLst>
-          </a:blip>
-          <a:stretch>
-            <a:fillRect/>
-          </a:stretch>
-        </p:blipFill>
-        <p:spPr>
-          <a:xfrm>
-            <a:off x="4670885" y="2840869"/>
-            <a:ext cx="3873500" cy="1651000"/>
-          </a:xfrm>
-          <a:prstGeom prst="rect">
-            <a:avLst/>
-          </a:prstGeom>
-        </p:spPr>
-      </p:pic>
-      <p:pic>
-        <p:nvPicPr>
-          <p:cNvPr id="10" name="Picture 9" descr="lblogo.jpg"/>
-          <p:cNvPicPr>
-            <a:picLocks noChangeAspect="1"/>
-          </p:cNvPicPr>
-          <p:nvPr/>
-        </p:nvPicPr>
-        <p:blipFill>
-          <a:blip r:embed="rId4">
-            <a:extLst>
-              <a:ext uri="{28A0092B-C50C-407E-A947-70E740481C1C}">
-                <a14:useLocalDpi xmlns:a14="http://schemas.microsoft.com/office/drawing/2010/main" val="0"/>
-              </a:ext>
-            </a:extLst>
-          </a:blip>
-          <a:stretch>
-            <a:fillRect/>
-          </a:stretch>
-        </p:blipFill>
-        <p:spPr>
-          <a:xfrm>
-            <a:off x="4949721" y="2806114"/>
-            <a:ext cx="3302000" cy="1778000"/>
-          </a:xfrm>
-          <a:prstGeom prst="rect">
-            <a:avLst/>
-          </a:prstGeom>
-        </p:spPr>
-      </p:pic>
       <p:sp>
         <p:nvSpPr>
           <p:cNvPr id="2" name="Title 1"/>
@@ -9556,7 +12314,7 @@
           <p:nvPr/>
         </p:nvPicPr>
         <p:blipFill>
-          <a:blip r:embed="rId5">
+          <a:blip r:embed="rId3">
             <a:alphaModFix amt="25000"/>
             <a:extLst>
               <a:ext uri="{28A0092B-C50C-407E-A947-70E740481C1C}">
@@ -9601,7 +12359,7 @@
             <p:nvPr/>
           </p:nvPicPr>
           <p:blipFill>
-            <a:blip r:embed="rId6">
+            <a:blip r:embed="rId4">
               <a:extLst>
                 <a:ext uri="{28A0092B-C50C-407E-A947-70E740481C1C}">
                   <a14:useLocalDpi xmlns:a14="http://schemas.microsoft.com/office/drawing/2010/main" val="0"/>
@@ -9631,7 +12389,7 @@
             <p:nvPr/>
           </p:nvPicPr>
           <p:blipFill>
-            <a:blip r:embed="rId7">
+            <a:blip r:embed="rId5">
               <a:extLst>
                 <a:ext uri="{28A0092B-C50C-407E-A947-70E740481C1C}">
                   <a14:useLocalDpi xmlns:a14="http://schemas.microsoft.com/office/drawing/2010/main" val="0"/>
@@ -9662,7 +12420,7 @@
           <p:nvPr/>
         </p:nvPicPr>
         <p:blipFill>
-          <a:blip r:embed="rId8">
+          <a:blip r:embed="rId6">
             <a:extLst>
               <a:ext uri="{28A0092B-C50C-407E-A947-70E740481C1C}">
                 <a14:useLocalDpi xmlns:a14="http://schemas.microsoft.com/office/drawing/2010/main" val="0"/>
@@ -9675,7 +12433,7 @@
         </p:blipFill>
         <p:spPr>
           <a:xfrm>
-            <a:off x="2774712" y="4584114"/>
+            <a:off x="5272653" y="2541661"/>
             <a:ext cx="2846033" cy="2297979"/>
           </a:xfrm>
           <a:prstGeom prst="rect">
@@ -9696,244 +12454,621 @@
   <p:timing>
     <p:tnLst>
       <p:par>
-        <p:cTn xmlns:p14="http://schemas.microsoft.com/office/powerpoint/2010/main" id="1" dur="indefinite" restart="never" nodeType="tmRoot">
-          <p:childTnLst>
-            <p:seq concurrent="1" nextAc="seek">
-              <p:cTn id="2" dur="indefinite" nodeType="mainSeq">
-                <p:childTnLst>
-                  <p:par>
-                    <p:cTn id="3" fill="hold">
-                      <p:stCondLst>
-                        <p:cond delay="indefinite"/>
-                      </p:stCondLst>
-                      <p:childTnLst>
-                        <p:par>
-                          <p:cTn id="4" fill="hold">
-                            <p:stCondLst>
-                              <p:cond delay="0"/>
-                            </p:stCondLst>
-                            <p:childTnLst>
-                              <p:par>
-                                <p:cTn id="5" presetID="1" presetClass="entr" presetSubtype="0" fill="hold" nodeType="clickEffect">
-                                  <p:stCondLst>
-                                    <p:cond delay="0"/>
-                                  </p:stCondLst>
-                                  <p:childTnLst>
-                                    <p:set>
-                                      <p:cBhvr>
-                                        <p:cTn id="6" dur="1" fill="hold">
-                                          <p:stCondLst>
-                                            <p:cond delay="0"/>
-                                          </p:stCondLst>
-                                        </p:cTn>
-                                        <p:tgtEl>
-                                          <p:spTgt spid="7"/>
-                                        </p:tgtEl>
-                                        <p:attrNameLst>
-                                          <p:attrName>style.visibility</p:attrName>
-                                        </p:attrNameLst>
-                                      </p:cBhvr>
-                                      <p:to>
-                                        <p:strVal val="visible"/>
-                                      </p:to>
-                                    </p:set>
-                                  </p:childTnLst>
-                                </p:cTn>
-                              </p:par>
-                            </p:childTnLst>
-                          </p:cTn>
-                        </p:par>
-                      </p:childTnLst>
-                    </p:cTn>
-                  </p:par>
-                  <p:par>
-                    <p:cTn id="7" fill="hold">
-                      <p:stCondLst>
-                        <p:cond delay="indefinite"/>
-                      </p:stCondLst>
-                      <p:childTnLst>
-                        <p:par>
-                          <p:cTn id="8" fill="hold">
-                            <p:stCondLst>
-                              <p:cond delay="0"/>
-                            </p:stCondLst>
-                            <p:childTnLst>
-                              <p:par>
-                                <p:cTn id="9" presetID="1" presetClass="entr" presetSubtype="0" fill="hold" nodeType="clickEffect">
-                                  <p:stCondLst>
-                                    <p:cond delay="0"/>
-                                  </p:stCondLst>
-                                  <p:childTnLst>
-                                    <p:set>
-                                      <p:cBhvr>
-                                        <p:cTn id="10" dur="1" fill="hold">
-                                          <p:stCondLst>
-                                            <p:cond delay="0"/>
-                                          </p:stCondLst>
-                                        </p:cTn>
-                                        <p:tgtEl>
-                                          <p:spTgt spid="9"/>
-                                        </p:tgtEl>
-                                        <p:attrNameLst>
-                                          <p:attrName>style.visibility</p:attrName>
-                                        </p:attrNameLst>
-                                      </p:cBhvr>
-                                      <p:to>
-                                        <p:strVal val="visible"/>
-                                      </p:to>
-                                    </p:set>
-                                  </p:childTnLst>
-                                </p:cTn>
-                              </p:par>
-                            </p:childTnLst>
-                          </p:cTn>
-                        </p:par>
-                      </p:childTnLst>
-                    </p:cTn>
-                  </p:par>
-                  <p:par>
-                    <p:cTn id="11" fill="hold">
-                      <p:stCondLst>
-                        <p:cond delay="indefinite"/>
-                      </p:stCondLst>
-                      <p:childTnLst>
-                        <p:par>
-                          <p:cTn id="12" fill="hold">
-                            <p:stCondLst>
-                              <p:cond delay="0"/>
-                            </p:stCondLst>
-                            <p:childTnLst>
-                              <p:par>
-                                <p:cTn id="13" presetID="1" presetClass="exit" presetSubtype="0" fill="hold" nodeType="clickEffect">
-                                  <p:stCondLst>
-                                    <p:cond delay="0"/>
-                                  </p:stCondLst>
-                                  <p:childTnLst>
-                                    <p:set>
-                                      <p:cBhvr>
-                                        <p:cTn id="14" dur="1" fill="hold">
-                                          <p:stCondLst>
-                                            <p:cond delay="0"/>
-                                          </p:stCondLst>
-                                        </p:cTn>
-                                        <p:tgtEl>
-                                          <p:spTgt spid="9"/>
-                                        </p:tgtEl>
-                                        <p:attrNameLst>
-                                          <p:attrName>style.visibility</p:attrName>
-                                        </p:attrNameLst>
-                                      </p:cBhvr>
-                                      <p:to>
-                                        <p:strVal val="hidden"/>
-                                      </p:to>
-                                    </p:set>
-                                  </p:childTnLst>
-                                </p:cTn>
-                              </p:par>
-                              <p:par>
-                                <p:cTn id="15" presetID="1" presetClass="entr" presetSubtype="0" fill="hold" nodeType="withEffect">
-                                  <p:stCondLst>
-                                    <p:cond delay="0"/>
-                                  </p:stCondLst>
-                                  <p:childTnLst>
-                                    <p:set>
-                                      <p:cBhvr>
-                                        <p:cTn id="16" dur="1" fill="hold">
-                                          <p:stCondLst>
-                                            <p:cond delay="0"/>
-                                          </p:stCondLst>
-                                        </p:cTn>
-                                        <p:tgtEl>
-                                          <p:spTgt spid="10"/>
-                                        </p:tgtEl>
-                                        <p:attrNameLst>
-                                          <p:attrName>style.visibility</p:attrName>
-                                        </p:attrNameLst>
-                                      </p:cBhvr>
-                                      <p:to>
-                                        <p:strVal val="visible"/>
-                                      </p:to>
-                                    </p:set>
-                                  </p:childTnLst>
-                                </p:cTn>
-                              </p:par>
-                            </p:childTnLst>
-                          </p:cTn>
-                        </p:par>
-                      </p:childTnLst>
-                    </p:cTn>
-                  </p:par>
-                  <p:par>
-                    <p:cTn id="17" fill="hold">
-                      <p:stCondLst>
-                        <p:cond delay="indefinite"/>
-                      </p:stCondLst>
-                      <p:childTnLst>
-                        <p:par>
-                          <p:cTn id="18" fill="hold">
-                            <p:stCondLst>
-                              <p:cond delay="0"/>
-                            </p:stCondLst>
-                            <p:childTnLst>
-                              <p:par>
-                                <p:cTn id="19" presetID="1" presetClass="entr" presetSubtype="0" fill="hold" nodeType="clickEffect">
-                                  <p:stCondLst>
-                                    <p:cond delay="0"/>
-                                  </p:stCondLst>
-                                  <p:childTnLst>
-                                    <p:set>
-                                      <p:cBhvr>
-                                        <p:cTn id="20" dur="1" fill="hold">
-                                          <p:stCondLst>
-                                            <p:cond delay="0"/>
-                                          </p:stCondLst>
-                                        </p:cTn>
-                                        <p:tgtEl>
-                                          <p:spTgt spid="8"/>
-                                        </p:tgtEl>
-                                        <p:attrNameLst>
-                                          <p:attrName>style.visibility</p:attrName>
-                                        </p:attrNameLst>
-                                      </p:cBhvr>
-                                      <p:to>
-                                        <p:strVal val="visible"/>
-                                      </p:to>
-                                    </p:set>
-                                  </p:childTnLst>
-                                </p:cTn>
-                              </p:par>
-                            </p:childTnLst>
-                          </p:cTn>
-                        </p:par>
-                      </p:childTnLst>
-                    </p:cTn>
-                  </p:par>
-                </p:childTnLst>
-              </p:cTn>
-              <p:prevCondLst>
-                <p:cond evt="onPrev" delay="0">
-                  <p:tgtEl>
-                    <p:sldTgt/>
-                  </p:tgtEl>
-                </p:cond>
-              </p:prevCondLst>
-              <p:nextCondLst>
-                <p:cond evt="onNext" delay="0">
-                  <p:tgtEl>
-                    <p:sldTgt/>
-                  </p:tgtEl>
-                </p:cond>
-              </p:nextCondLst>
-            </p:seq>
-          </p:childTnLst>
-        </p:cTn>
+        <p:cTn xmlns:p14="http://schemas.microsoft.com/office/powerpoint/2010/main" id="1" dur="indefinite" restart="never" nodeType="tmRoot"/>
       </p:par>
     </p:tnLst>
   </p:timing>
 </p:sld>
 </file>
 
-<file path=ppt/slides/slide2.xml><?xml version="1.0" encoding="utf-8"?>
+<file path=ppt/slides/slide26.xml><?xml version="1.0" encoding="utf-8"?>
+<p:sld xmlns:a="http://schemas.openxmlformats.org/drawingml/2006/main" xmlns:r="http://schemas.openxmlformats.org/officeDocument/2006/relationships" xmlns:p="http://schemas.openxmlformats.org/presentationml/2006/main">
+  <p:cSld>
+    <p:spTree>
+      <p:nvGrpSpPr>
+        <p:cNvPr id="1" name=""/>
+        <p:cNvGrpSpPr/>
+        <p:nvPr/>
+      </p:nvGrpSpPr>
+      <p:grpSpPr>
+        <a:xfrm>
+          <a:off x="0" y="0"/>
+          <a:ext cx="0" cy="0"/>
+          <a:chOff x="0" y="0"/>
+          <a:chExt cx="0" cy="0"/>
+        </a:xfrm>
+      </p:grpSpPr>
+      <p:sp>
+        <p:nvSpPr>
+          <p:cNvPr id="2" name="Title 1"/>
+          <p:cNvSpPr>
+            <a:spLocks noGrp="1"/>
+          </p:cNvSpPr>
+          <p:nvPr>
+            <p:ph type="title"/>
+          </p:nvPr>
+        </p:nvSpPr>
+        <p:spPr/>
+        <p:txBody>
+          <a:bodyPr/>
+          <a:lstStyle/>
+          <a:p>
+            <a:r>
+              <a:rPr lang="en-US" dirty="0" smtClean="0"/>
+              <a:t>Architecture</a:t>
+            </a:r>
+            <a:endParaRPr lang="en-US" dirty="0"/>
+          </a:p>
+        </p:txBody>
+      </p:sp>
+      <p:pic>
+        <p:nvPicPr>
+          <p:cNvPr id="4" name="Picture 3" descr="qubodup_Cog_cogwheel_gear_Zahnrad_6.png"/>
+          <p:cNvPicPr>
+            <a:picLocks noChangeAspect="1"/>
+          </p:cNvPicPr>
+          <p:nvPr/>
+        </p:nvPicPr>
+        <p:blipFill>
+          <a:blip r:embed="rId3">
+            <a:alphaModFix amt="25000"/>
+            <a:extLst>
+              <a:ext uri="{28A0092B-C50C-407E-A947-70E740481C1C}">
+                <a14:useLocalDpi xmlns:a14="http://schemas.microsoft.com/office/drawing/2010/main" val="0"/>
+              </a:ext>
+            </a:extLst>
+          </a:blip>
+          <a:stretch>
+            <a:fillRect/>
+          </a:stretch>
+        </p:blipFill>
+        <p:spPr>
+          <a:xfrm>
+            <a:off x="457200" y="534593"/>
+            <a:ext cx="1065607" cy="1065607"/>
+          </a:xfrm>
+          <a:prstGeom prst="rect">
+            <a:avLst/>
+          </a:prstGeom>
+        </p:spPr>
+      </p:pic>
+      <p:pic>
+        <p:nvPicPr>
+          <p:cNvPr id="3" name="Picture 2" descr="elk-demo-arch.png"/>
+          <p:cNvPicPr>
+            <a:picLocks noChangeAspect="1"/>
+          </p:cNvPicPr>
+          <p:nvPr/>
+        </p:nvPicPr>
+        <p:blipFill>
+          <a:blip r:embed="rId4">
+            <a:extLst>
+              <a:ext uri="{28A0092B-C50C-407E-A947-70E740481C1C}">
+                <a14:useLocalDpi xmlns:a14="http://schemas.microsoft.com/office/drawing/2010/main" val="0"/>
+              </a:ext>
+            </a:extLst>
+          </a:blip>
+          <a:stretch>
+            <a:fillRect/>
+          </a:stretch>
+        </p:blipFill>
+        <p:spPr>
+          <a:xfrm>
+            <a:off x="251696" y="1990894"/>
+            <a:ext cx="9144000" cy="6858000"/>
+          </a:xfrm>
+          <a:prstGeom prst="rect">
+            <a:avLst/>
+          </a:prstGeom>
+        </p:spPr>
+      </p:pic>
+    </p:spTree>
+    <p:extLst>
+      <p:ext uri="{BB962C8B-B14F-4D97-AF65-F5344CB8AC3E}">
+        <p14:creationId xmlns:p14="http://schemas.microsoft.com/office/powerpoint/2010/main" val="1464444173"/>
+      </p:ext>
+    </p:extLst>
+  </p:cSld>
+  <p:clrMapOvr>
+    <a:masterClrMapping/>
+  </p:clrMapOvr>
+  <p:timing>
+    <p:tnLst>
+      <p:par>
+        <p:cTn xmlns:p14="http://schemas.microsoft.com/office/powerpoint/2010/main" id="1" dur="indefinite" restart="never" nodeType="tmRoot"/>
+      </p:par>
+    </p:tnLst>
+  </p:timing>
+</p:sld>
+</file>
+
+<file path=ppt/slides/slide27.xml><?xml version="1.0" encoding="utf-8"?>
+<p:sld xmlns:a="http://schemas.openxmlformats.org/drawingml/2006/main" xmlns:r="http://schemas.openxmlformats.org/officeDocument/2006/relationships" xmlns:p="http://schemas.openxmlformats.org/presentationml/2006/main">
+  <p:cSld>
+    <p:spTree>
+      <p:nvGrpSpPr>
+        <p:cNvPr id="1" name=""/>
+        <p:cNvGrpSpPr/>
+        <p:nvPr/>
+      </p:nvGrpSpPr>
+      <p:grpSpPr>
+        <a:xfrm>
+          <a:off x="0" y="0"/>
+          <a:ext cx="0" cy="0"/>
+          <a:chOff x="0" y="0"/>
+          <a:chExt cx="0" cy="0"/>
+        </a:xfrm>
+      </p:grpSpPr>
+      <p:sp>
+        <p:nvSpPr>
+          <p:cNvPr id="2" name="Title 1"/>
+          <p:cNvSpPr>
+            <a:spLocks noGrp="1"/>
+          </p:cNvSpPr>
+          <p:nvPr>
+            <p:ph type="title"/>
+          </p:nvPr>
+        </p:nvSpPr>
+        <p:spPr/>
+        <p:txBody>
+          <a:bodyPr/>
+          <a:lstStyle/>
+          <a:p>
+            <a:r>
+              <a:rPr lang="en-US" dirty="0" smtClean="0"/>
+              <a:t>Amount of Work</a:t>
+            </a:r>
+            <a:endParaRPr lang="en-US" dirty="0"/>
+          </a:p>
+        </p:txBody>
+      </p:sp>
+      <p:pic>
+        <p:nvPicPr>
+          <p:cNvPr id="4" name="Picture 3" descr="qubodup_Cog_cogwheel_gear_Zahnrad_6.png"/>
+          <p:cNvPicPr>
+            <a:picLocks noChangeAspect="1"/>
+          </p:cNvPicPr>
+          <p:nvPr/>
+        </p:nvPicPr>
+        <p:blipFill>
+          <a:blip r:embed="rId3">
+            <a:alphaModFix amt="25000"/>
+            <a:extLst>
+              <a:ext uri="{28A0092B-C50C-407E-A947-70E740481C1C}">
+                <a14:useLocalDpi xmlns:a14="http://schemas.microsoft.com/office/drawing/2010/main" val="0"/>
+              </a:ext>
+            </a:extLst>
+          </a:blip>
+          <a:stretch>
+            <a:fillRect/>
+          </a:stretch>
+        </p:blipFill>
+        <p:spPr>
+          <a:xfrm>
+            <a:off x="457200" y="534593"/>
+            <a:ext cx="1065607" cy="1065607"/>
+          </a:xfrm>
+          <a:prstGeom prst="rect">
+            <a:avLst/>
+          </a:prstGeom>
+        </p:spPr>
+      </p:pic>
+      <p:sp>
+        <p:nvSpPr>
+          <p:cNvPr id="5" name="Content Placeholder 2"/>
+          <p:cNvSpPr>
+            <a:spLocks noGrp="1"/>
+          </p:cNvSpPr>
+          <p:nvPr>
+            <p:ph idx="1"/>
+          </p:nvPr>
+        </p:nvSpPr>
+        <p:spPr>
+          <a:xfrm>
+            <a:off x="457200" y="1600200"/>
+            <a:ext cx="8229600" cy="4525963"/>
+          </a:xfrm>
+        </p:spPr>
+        <p:txBody>
+          <a:bodyPr/>
+          <a:lstStyle/>
+          <a:p>
+            <a:r>
+              <a:rPr lang="en-US" dirty="0" smtClean="0">
+                <a:solidFill>
+                  <a:srgbClr val="000000"/>
+                </a:solidFill>
+              </a:rPr>
+              <a:t>Event propagation = ~300 lines of code</a:t>
+            </a:r>
+          </a:p>
+          <a:p>
+            <a:pPr marL="0" indent="0">
+              <a:buNone/>
+            </a:pPr>
+            <a:endParaRPr lang="en-US" dirty="0" smtClean="0">
+              <a:solidFill>
+                <a:srgbClr val="000000"/>
+              </a:solidFill>
+            </a:endParaRPr>
+          </a:p>
+          <a:p>
+            <a:r>
+              <a:rPr lang="en-US" dirty="0" smtClean="0">
+                <a:solidFill>
+                  <a:srgbClr val="000000"/>
+                </a:solidFill>
+              </a:rPr>
+              <a:t>Client propagation = ~40 lines of code</a:t>
+            </a:r>
+          </a:p>
+          <a:p>
+            <a:pPr marL="0" indent="0">
+              <a:buNone/>
+            </a:pPr>
+            <a:endParaRPr lang="en-US" dirty="0" smtClean="0">
+              <a:solidFill>
+                <a:srgbClr val="000000"/>
+              </a:solidFill>
+            </a:endParaRPr>
+          </a:p>
+          <a:p>
+            <a:r>
+              <a:rPr lang="en-US" dirty="0" smtClean="0">
+                <a:solidFill>
+                  <a:srgbClr val="000000"/>
+                </a:solidFill>
+              </a:rPr>
+              <a:t>Logging outgoing http = ~80 lines of code</a:t>
+            </a:r>
+          </a:p>
+          <a:p>
+            <a:endParaRPr lang="en-US" dirty="0" smtClean="0">
+              <a:solidFill>
+                <a:srgbClr val="000000"/>
+              </a:solidFill>
+            </a:endParaRPr>
+          </a:p>
+          <a:p>
+            <a:r>
+              <a:rPr lang="en-US" dirty="0" err="1" smtClean="0">
+                <a:solidFill>
+                  <a:srgbClr val="000000"/>
+                </a:solidFill>
+              </a:rPr>
+              <a:t>Logback</a:t>
+            </a:r>
+            <a:r>
+              <a:rPr lang="en-US" dirty="0" smtClean="0">
+                <a:solidFill>
+                  <a:srgbClr val="000000"/>
+                </a:solidFill>
+              </a:rPr>
+              <a:t> integration = ~600 lines of code</a:t>
+            </a:r>
+          </a:p>
+          <a:p>
+            <a:pPr marL="0" indent="0">
+              <a:buNone/>
+            </a:pPr>
+            <a:endParaRPr lang="en-US" dirty="0" smtClean="0">
+              <a:solidFill>
+                <a:srgbClr val="000000"/>
+              </a:solidFill>
+            </a:endParaRPr>
+          </a:p>
+          <a:p>
+            <a:pPr marL="0" indent="0">
+              <a:buNone/>
+            </a:pPr>
+            <a:r>
+              <a:rPr lang="en-US" dirty="0" smtClean="0">
+                <a:solidFill>
+                  <a:srgbClr val="000000"/>
+                </a:solidFill>
+              </a:rPr>
+              <a:t>(All found in elk-demo-logging-support module)</a:t>
+            </a:r>
+            <a:endParaRPr lang="en-US" dirty="0">
+              <a:solidFill>
+                <a:srgbClr val="000000"/>
+              </a:solidFill>
+            </a:endParaRPr>
+          </a:p>
+        </p:txBody>
+      </p:sp>
+    </p:spTree>
+    <p:extLst>
+      <p:ext uri="{BB962C8B-B14F-4D97-AF65-F5344CB8AC3E}">
+        <p14:creationId xmlns:p14="http://schemas.microsoft.com/office/powerpoint/2010/main" val="2070180964"/>
+      </p:ext>
+    </p:extLst>
+  </p:cSld>
+  <p:clrMapOvr>
+    <a:masterClrMapping/>
+  </p:clrMapOvr>
+  <p:timing>
+    <p:tnLst>
+      <p:par>
+        <p:cTn xmlns:p14="http://schemas.microsoft.com/office/powerpoint/2010/main" id="1" dur="indefinite" restart="never" nodeType="tmRoot"/>
+      </p:par>
+    </p:tnLst>
+  </p:timing>
+</p:sld>
+</file>
+
+<file path=ppt/slides/slide28.xml><?xml version="1.0" encoding="utf-8"?>
+<p:sld xmlns:a="http://schemas.openxmlformats.org/drawingml/2006/main" xmlns:r="http://schemas.openxmlformats.org/officeDocument/2006/relationships" xmlns:p="http://schemas.openxmlformats.org/presentationml/2006/main">
+  <p:cSld>
+    <p:spTree>
+      <p:nvGrpSpPr>
+        <p:cNvPr id="1" name=""/>
+        <p:cNvGrpSpPr/>
+        <p:nvPr/>
+      </p:nvGrpSpPr>
+      <p:grpSpPr>
+        <a:xfrm>
+          <a:off x="0" y="0"/>
+          <a:ext cx="0" cy="0"/>
+          <a:chOff x="0" y="0"/>
+          <a:chExt cx="0" cy="0"/>
+        </a:xfrm>
+      </p:grpSpPr>
+      <p:sp>
+        <p:nvSpPr>
+          <p:cNvPr id="2" name="Title 1"/>
+          <p:cNvSpPr>
+            <a:spLocks noGrp="1"/>
+          </p:cNvSpPr>
+          <p:nvPr>
+            <p:ph type="title"/>
+          </p:nvPr>
+        </p:nvSpPr>
+        <p:spPr/>
+        <p:txBody>
+          <a:bodyPr/>
+          <a:lstStyle/>
+          <a:p>
+            <a:r>
+              <a:rPr lang="en-US" dirty="0" smtClean="0"/>
+              <a:t>Resources</a:t>
+            </a:r>
+            <a:endParaRPr lang="en-US" dirty="0"/>
+          </a:p>
+        </p:txBody>
+      </p:sp>
+      <p:sp>
+        <p:nvSpPr>
+          <p:cNvPr id="3" name="Content Placeholder 2"/>
+          <p:cNvSpPr>
+            <a:spLocks noGrp="1"/>
+          </p:cNvSpPr>
+          <p:nvPr>
+            <p:ph idx="1"/>
+          </p:nvPr>
+        </p:nvSpPr>
+        <p:spPr/>
+        <p:txBody>
+          <a:bodyPr>
+            <a:normAutofit fontScale="92500" lnSpcReduction="10000"/>
+          </a:bodyPr>
+          <a:lstStyle/>
+          <a:p>
+            <a:endParaRPr lang="en-US" dirty="0" smtClean="0">
+              <a:hlinkClick r:id="rId2"/>
+            </a:endParaRPr>
+          </a:p>
+          <a:p>
+            <a:r>
+              <a:rPr lang="en-US" dirty="0">
+                <a:hlinkClick r:id="rId2"/>
+              </a:rPr>
+              <a:t>https://github.com/solidjb/elk-</a:t>
+            </a:r>
+            <a:r>
+              <a:rPr lang="en-US" dirty="0" smtClean="0">
+                <a:hlinkClick r:id="rId2"/>
+              </a:rPr>
+              <a:t>demo</a:t>
+            </a:r>
+          </a:p>
+          <a:p>
+            <a:r>
+              <a:rPr lang="en-US" dirty="0" smtClean="0">
+                <a:hlinkClick r:id="rId2"/>
+              </a:rPr>
+              <a:t>http</a:t>
+            </a:r>
+            <a:r>
+              <a:rPr lang="en-US" dirty="0">
+                <a:hlinkClick r:id="rId2"/>
+              </a:rPr>
+              <a:t>://logstash.net</a:t>
+            </a:r>
+            <a:r>
+              <a:rPr lang="en-US" dirty="0" smtClean="0">
+                <a:hlinkClick r:id="rId2"/>
+              </a:rPr>
+              <a:t>/</a:t>
+            </a:r>
+            <a:endParaRPr lang="en-US" dirty="0" smtClean="0"/>
+          </a:p>
+          <a:p>
+            <a:r>
+              <a:rPr lang="en-US" dirty="0">
+                <a:hlinkClick r:id="rId3"/>
+              </a:rPr>
+              <a:t>http://www.elasticsearch.org</a:t>
+            </a:r>
+            <a:r>
+              <a:rPr lang="en-US" dirty="0" smtClean="0">
+                <a:hlinkClick r:id="rId3"/>
+              </a:rPr>
+              <a:t>/</a:t>
+            </a:r>
+            <a:endParaRPr lang="en-US" dirty="0" smtClean="0"/>
+          </a:p>
+          <a:p>
+            <a:r>
+              <a:rPr lang="en-US" dirty="0">
+                <a:hlinkClick r:id="rId4"/>
+              </a:rPr>
+              <a:t>http://www.elasticsearch.org/overview/kibana</a:t>
+            </a:r>
+            <a:r>
+              <a:rPr lang="en-US" dirty="0" smtClean="0">
+                <a:hlinkClick r:id="rId4"/>
+              </a:rPr>
+              <a:t>/</a:t>
+            </a:r>
+            <a:endParaRPr lang="en-US" dirty="0" smtClean="0"/>
+          </a:p>
+          <a:p>
+            <a:r>
+              <a:rPr lang="en-US" dirty="0" smtClean="0">
+                <a:hlinkClick r:id="rId5"/>
+              </a:rPr>
+              <a:t>http</a:t>
+            </a:r>
+            <a:r>
+              <a:rPr lang="en-US" dirty="0">
+                <a:hlinkClick r:id="rId5"/>
+              </a:rPr>
+              <a:t>://projects.spring.io/spring-boot</a:t>
+            </a:r>
+            <a:r>
+              <a:rPr lang="en-US" dirty="0" smtClean="0">
+                <a:hlinkClick r:id="rId5"/>
+              </a:rPr>
+              <a:t>/</a:t>
+            </a:r>
+            <a:endParaRPr lang="en-US" dirty="0" smtClean="0"/>
+          </a:p>
+          <a:p>
+            <a:r>
+              <a:rPr lang="en-US" dirty="0">
+                <a:hlinkClick r:id="rId6"/>
+              </a:rPr>
+              <a:t>http://www.slf4j.org</a:t>
+            </a:r>
+            <a:r>
+              <a:rPr lang="en-US" dirty="0" smtClean="0">
+                <a:hlinkClick r:id="rId6"/>
+              </a:rPr>
+              <a:t>/</a:t>
+            </a:r>
+            <a:endParaRPr lang="en-US" dirty="0" smtClean="0"/>
+          </a:p>
+          <a:p>
+            <a:r>
+              <a:rPr lang="en-US" dirty="0">
+                <a:hlinkClick r:id="rId7"/>
+              </a:rPr>
+              <a:t>http://logback.qos.ch</a:t>
+            </a:r>
+            <a:r>
+              <a:rPr lang="en-US" dirty="0" smtClean="0">
+                <a:hlinkClick r:id="rId7"/>
+              </a:rPr>
+              <a:t>/</a:t>
+            </a:r>
+            <a:endParaRPr lang="en-US" dirty="0" smtClean="0"/>
+          </a:p>
+          <a:p>
+            <a:r>
+              <a:rPr lang="en-US" dirty="0" smtClean="0">
+                <a:hlinkClick r:id="rId8"/>
+              </a:rPr>
+              <a:t>http</a:t>
+            </a:r>
+            <a:r>
+              <a:rPr lang="en-US" dirty="0">
+                <a:hlinkClick r:id="rId8"/>
+              </a:rPr>
+              <a:t>://gatling.io</a:t>
+            </a:r>
+            <a:r>
+              <a:rPr lang="en-US" dirty="0" smtClean="0">
+                <a:hlinkClick r:id="rId8"/>
+              </a:rPr>
+              <a:t>/</a:t>
+            </a:r>
+            <a:endParaRPr lang="en-US" dirty="0" smtClean="0"/>
+          </a:p>
+          <a:p>
+            <a:r>
+              <a:rPr lang="en-US" dirty="0">
+                <a:hlinkClick r:id="rId9"/>
+              </a:rPr>
+              <a:t>http://research.google.com/pubs/pub36356.</a:t>
+            </a:r>
+            <a:r>
+              <a:rPr lang="en-US" dirty="0" smtClean="0">
+                <a:hlinkClick r:id="rId9"/>
+              </a:rPr>
+              <a:t>html</a:t>
+            </a:r>
+            <a:endParaRPr lang="en-US" dirty="0" smtClean="0"/>
+          </a:p>
+          <a:p>
+            <a:r>
+              <a:rPr lang="en-US" dirty="0">
+                <a:hlinkClick r:id="rId10"/>
+              </a:rPr>
+              <a:t>http://twitter.github.io/zipkin</a:t>
+            </a:r>
+            <a:r>
+              <a:rPr lang="en-US" dirty="0" smtClean="0">
+                <a:hlinkClick r:id="rId10"/>
+              </a:rPr>
+              <a:t>/</a:t>
+            </a:r>
+            <a:endParaRPr lang="en-US" dirty="0" smtClean="0"/>
+          </a:p>
+          <a:p>
+            <a:r>
+              <a:rPr lang="en-US" dirty="0">
+                <a:hlinkClick r:id="rId11"/>
+              </a:rPr>
+              <a:t>http://oclc.org/careers.en.html</a:t>
+            </a:r>
+            <a:endParaRPr lang="en-US" dirty="0"/>
+          </a:p>
+          <a:p>
+            <a:endParaRPr lang="en-US" dirty="0" smtClean="0"/>
+          </a:p>
+          <a:p>
+            <a:pPr marL="0" indent="0">
+              <a:buNone/>
+            </a:pPr>
+            <a:endParaRPr lang="en-US" dirty="0"/>
+          </a:p>
+          <a:p>
+            <a:endParaRPr lang="en-US" dirty="0"/>
+          </a:p>
+        </p:txBody>
+      </p:sp>
+    </p:spTree>
+    <p:extLst>
+      <p:ext uri="{BB962C8B-B14F-4D97-AF65-F5344CB8AC3E}">
+        <p14:creationId xmlns:p14="http://schemas.microsoft.com/office/powerpoint/2010/main" val="3193187975"/>
+      </p:ext>
+    </p:extLst>
+  </p:cSld>
+  <p:clrMapOvr>
+    <a:masterClrMapping/>
+  </p:clrMapOvr>
+  <p:timing>
+    <p:tnLst>
+      <p:par>
+        <p:cTn xmlns:p14="http://schemas.microsoft.com/office/powerpoint/2010/main" id="1" dur="indefinite" restart="never" nodeType="tmRoot"/>
+      </p:par>
+    </p:tnLst>
+  </p:timing>
+</p:sld>
+</file>
+
+<file path=ppt/slides/slide29.xml><?xml version="1.0" encoding="utf-8"?>
 <p:sld xmlns:a="http://schemas.openxmlformats.org/drawingml/2006/main" xmlns:r="http://schemas.openxmlformats.org/officeDocument/2006/relationships" xmlns:p="http://schemas.openxmlformats.org/presentationml/2006/main">
   <p:cSld>
     <p:spTree>
@@ -10163,824 +13298,7 @@
 </p:sld>
 </file>
 
-<file path=ppt/slides/slide20.xml><?xml version="1.0" encoding="utf-8"?>
-<p:sld xmlns:a="http://schemas.openxmlformats.org/drawingml/2006/main" xmlns:r="http://schemas.openxmlformats.org/officeDocument/2006/relationships" xmlns:p="http://schemas.openxmlformats.org/presentationml/2006/main">
-  <p:cSld>
-    <p:spTree>
-      <p:nvGrpSpPr>
-        <p:cNvPr id="1" name=""/>
-        <p:cNvGrpSpPr/>
-        <p:nvPr/>
-      </p:nvGrpSpPr>
-      <p:grpSpPr>
-        <a:xfrm>
-          <a:off x="0" y="0"/>
-          <a:ext cx="0" cy="0"/>
-          <a:chOff x="0" y="0"/>
-          <a:chExt cx="0" cy="0"/>
-        </a:xfrm>
-      </p:grpSpPr>
-      <p:sp>
-        <p:nvSpPr>
-          <p:cNvPr id="2" name="Title 1"/>
-          <p:cNvSpPr>
-            <a:spLocks noGrp="1"/>
-          </p:cNvSpPr>
-          <p:nvPr>
-            <p:ph type="title"/>
-          </p:nvPr>
-        </p:nvSpPr>
-        <p:spPr/>
-        <p:txBody>
-          <a:bodyPr/>
-          <a:lstStyle/>
-          <a:p>
-            <a:r>
-              <a:rPr lang="en-US" dirty="0" smtClean="0"/>
-              <a:t>Architecture</a:t>
-            </a:r>
-            <a:endParaRPr lang="en-US" dirty="0"/>
-          </a:p>
-        </p:txBody>
-      </p:sp>
-      <p:pic>
-        <p:nvPicPr>
-          <p:cNvPr id="4" name="Picture 3" descr="qubodup_Cog_cogwheel_gear_Zahnrad_6.png"/>
-          <p:cNvPicPr>
-            <a:picLocks noChangeAspect="1"/>
-          </p:cNvPicPr>
-          <p:nvPr/>
-        </p:nvPicPr>
-        <p:blipFill>
-          <a:blip r:embed="rId3">
-            <a:alphaModFix amt="25000"/>
-            <a:extLst>
-              <a:ext uri="{28A0092B-C50C-407E-A947-70E740481C1C}">
-                <a14:useLocalDpi xmlns:a14="http://schemas.microsoft.com/office/drawing/2010/main" val="0"/>
-              </a:ext>
-            </a:extLst>
-          </a:blip>
-          <a:stretch>
-            <a:fillRect/>
-          </a:stretch>
-        </p:blipFill>
-        <p:spPr>
-          <a:xfrm>
-            <a:off x="457200" y="534593"/>
-            <a:ext cx="1065607" cy="1065607"/>
-          </a:xfrm>
-          <a:prstGeom prst="rect">
-            <a:avLst/>
-          </a:prstGeom>
-        </p:spPr>
-      </p:pic>
-      <p:pic>
-        <p:nvPicPr>
-          <p:cNvPr id="3" name="Picture 2" descr="elk-demo-arch.png"/>
-          <p:cNvPicPr>
-            <a:picLocks noChangeAspect="1"/>
-          </p:cNvPicPr>
-          <p:nvPr/>
-        </p:nvPicPr>
-        <p:blipFill>
-          <a:blip r:embed="rId4">
-            <a:extLst>
-              <a:ext uri="{28A0092B-C50C-407E-A947-70E740481C1C}">
-                <a14:useLocalDpi xmlns:a14="http://schemas.microsoft.com/office/drawing/2010/main" val="0"/>
-              </a:ext>
-            </a:extLst>
-          </a:blip>
-          <a:stretch>
-            <a:fillRect/>
-          </a:stretch>
-        </p:blipFill>
-        <p:spPr>
-          <a:xfrm>
-            <a:off x="251696" y="1990894"/>
-            <a:ext cx="9144000" cy="6858000"/>
-          </a:xfrm>
-          <a:prstGeom prst="rect">
-            <a:avLst/>
-          </a:prstGeom>
-        </p:spPr>
-      </p:pic>
-    </p:spTree>
-    <p:extLst>
-      <p:ext uri="{BB962C8B-B14F-4D97-AF65-F5344CB8AC3E}">
-        <p14:creationId xmlns:p14="http://schemas.microsoft.com/office/powerpoint/2010/main" val="1464444173"/>
-      </p:ext>
-    </p:extLst>
-  </p:cSld>
-  <p:clrMapOvr>
-    <a:masterClrMapping/>
-  </p:clrMapOvr>
-  <p:timing>
-    <p:tnLst>
-      <p:par>
-        <p:cTn xmlns:p14="http://schemas.microsoft.com/office/powerpoint/2010/main" id="1" dur="indefinite" restart="never" nodeType="tmRoot"/>
-      </p:par>
-    </p:tnLst>
-  </p:timing>
-</p:sld>
-</file>
-
-<file path=ppt/slides/slide21.xml><?xml version="1.0" encoding="utf-8"?>
-<p:sld xmlns:a="http://schemas.openxmlformats.org/drawingml/2006/main" xmlns:r="http://schemas.openxmlformats.org/officeDocument/2006/relationships" xmlns:p="http://schemas.openxmlformats.org/presentationml/2006/main">
-  <p:cSld>
-    <p:spTree>
-      <p:nvGrpSpPr>
-        <p:cNvPr id="1" name=""/>
-        <p:cNvGrpSpPr/>
-        <p:nvPr/>
-      </p:nvGrpSpPr>
-      <p:grpSpPr>
-        <a:xfrm>
-          <a:off x="0" y="0"/>
-          <a:ext cx="0" cy="0"/>
-          <a:chOff x="0" y="0"/>
-          <a:chExt cx="0" cy="0"/>
-        </a:xfrm>
-      </p:grpSpPr>
-      <p:sp>
-        <p:nvSpPr>
-          <p:cNvPr id="2" name="Title 1"/>
-          <p:cNvSpPr>
-            <a:spLocks noGrp="1"/>
-          </p:cNvSpPr>
-          <p:nvPr>
-            <p:ph type="title"/>
-          </p:nvPr>
-        </p:nvSpPr>
-        <p:spPr/>
-        <p:txBody>
-          <a:bodyPr/>
-          <a:lstStyle/>
-          <a:p>
-            <a:r>
-              <a:rPr lang="en-US" dirty="0" smtClean="0"/>
-              <a:t>Amount of Work</a:t>
-            </a:r>
-            <a:endParaRPr lang="en-US" dirty="0"/>
-          </a:p>
-        </p:txBody>
-      </p:sp>
-      <p:pic>
-        <p:nvPicPr>
-          <p:cNvPr id="4" name="Picture 3" descr="qubodup_Cog_cogwheel_gear_Zahnrad_6.png"/>
-          <p:cNvPicPr>
-            <a:picLocks noChangeAspect="1"/>
-          </p:cNvPicPr>
-          <p:nvPr/>
-        </p:nvPicPr>
-        <p:blipFill>
-          <a:blip r:embed="rId3">
-            <a:alphaModFix amt="25000"/>
-            <a:extLst>
-              <a:ext uri="{28A0092B-C50C-407E-A947-70E740481C1C}">
-                <a14:useLocalDpi xmlns:a14="http://schemas.microsoft.com/office/drawing/2010/main" val="0"/>
-              </a:ext>
-            </a:extLst>
-          </a:blip>
-          <a:stretch>
-            <a:fillRect/>
-          </a:stretch>
-        </p:blipFill>
-        <p:spPr>
-          <a:xfrm>
-            <a:off x="457200" y="534593"/>
-            <a:ext cx="1065607" cy="1065607"/>
-          </a:xfrm>
-          <a:prstGeom prst="rect">
-            <a:avLst/>
-          </a:prstGeom>
-        </p:spPr>
-      </p:pic>
-      <p:sp>
-        <p:nvSpPr>
-          <p:cNvPr id="5" name="Content Placeholder 2"/>
-          <p:cNvSpPr>
-            <a:spLocks noGrp="1"/>
-          </p:cNvSpPr>
-          <p:nvPr>
-            <p:ph idx="1"/>
-          </p:nvPr>
-        </p:nvSpPr>
-        <p:spPr>
-          <a:xfrm>
-            <a:off x="457200" y="1600200"/>
-            <a:ext cx="8229600" cy="4525963"/>
-          </a:xfrm>
-        </p:spPr>
-        <p:txBody>
-          <a:bodyPr/>
-          <a:lstStyle/>
-          <a:p>
-            <a:r>
-              <a:rPr lang="en-US" dirty="0" smtClean="0">
-                <a:solidFill>
-                  <a:srgbClr val="000000"/>
-                </a:solidFill>
-              </a:rPr>
-              <a:t>Event propagation = ~300 lines of code</a:t>
-            </a:r>
-          </a:p>
-          <a:p>
-            <a:pPr marL="0" indent="0">
-              <a:buNone/>
-            </a:pPr>
-            <a:endParaRPr lang="en-US" dirty="0" smtClean="0">
-              <a:solidFill>
-                <a:srgbClr val="000000"/>
-              </a:solidFill>
-            </a:endParaRPr>
-          </a:p>
-          <a:p>
-            <a:r>
-              <a:rPr lang="en-US" dirty="0" smtClean="0">
-                <a:solidFill>
-                  <a:srgbClr val="000000"/>
-                </a:solidFill>
-              </a:rPr>
-              <a:t>Client propagation = ~40 lines of code</a:t>
-            </a:r>
-          </a:p>
-          <a:p>
-            <a:pPr marL="0" indent="0">
-              <a:buNone/>
-            </a:pPr>
-            <a:endParaRPr lang="en-US" dirty="0" smtClean="0">
-              <a:solidFill>
-                <a:srgbClr val="000000"/>
-              </a:solidFill>
-            </a:endParaRPr>
-          </a:p>
-          <a:p>
-            <a:r>
-              <a:rPr lang="en-US" dirty="0" smtClean="0">
-                <a:solidFill>
-                  <a:srgbClr val="000000"/>
-                </a:solidFill>
-              </a:rPr>
-              <a:t>Logging outgoing http = ~80 lines of code</a:t>
-            </a:r>
-          </a:p>
-          <a:p>
-            <a:endParaRPr lang="en-US" dirty="0" smtClean="0">
-              <a:solidFill>
-                <a:srgbClr val="000000"/>
-              </a:solidFill>
-            </a:endParaRPr>
-          </a:p>
-          <a:p>
-            <a:r>
-              <a:rPr lang="en-US" dirty="0" err="1" smtClean="0">
-                <a:solidFill>
-                  <a:srgbClr val="000000"/>
-                </a:solidFill>
-              </a:rPr>
-              <a:t>Logback</a:t>
-            </a:r>
-            <a:r>
-              <a:rPr lang="en-US" dirty="0" smtClean="0">
-                <a:solidFill>
-                  <a:srgbClr val="000000"/>
-                </a:solidFill>
-              </a:rPr>
-              <a:t> integration = ~600 lines of code</a:t>
-            </a:r>
-          </a:p>
-          <a:p>
-            <a:pPr marL="0" indent="0">
-              <a:buNone/>
-            </a:pPr>
-            <a:endParaRPr lang="en-US" dirty="0" smtClean="0">
-              <a:solidFill>
-                <a:srgbClr val="000000"/>
-              </a:solidFill>
-            </a:endParaRPr>
-          </a:p>
-          <a:p>
-            <a:pPr marL="0" indent="0">
-              <a:buNone/>
-            </a:pPr>
-            <a:r>
-              <a:rPr lang="en-US" dirty="0" smtClean="0">
-                <a:solidFill>
-                  <a:srgbClr val="000000"/>
-                </a:solidFill>
-              </a:rPr>
-              <a:t>(All found in elk-demo-logging-support module)</a:t>
-            </a:r>
-            <a:endParaRPr lang="en-US" dirty="0">
-              <a:solidFill>
-                <a:srgbClr val="000000"/>
-              </a:solidFill>
-            </a:endParaRPr>
-          </a:p>
-        </p:txBody>
-      </p:sp>
-    </p:spTree>
-    <p:extLst>
-      <p:ext uri="{BB962C8B-B14F-4D97-AF65-F5344CB8AC3E}">
-        <p14:creationId xmlns:p14="http://schemas.microsoft.com/office/powerpoint/2010/main" val="2070180964"/>
-      </p:ext>
-    </p:extLst>
-  </p:cSld>
-  <p:clrMapOvr>
-    <a:masterClrMapping/>
-  </p:clrMapOvr>
-  <p:timing>
-    <p:tnLst>
-      <p:par>
-        <p:cTn xmlns:p14="http://schemas.microsoft.com/office/powerpoint/2010/main" id="1" dur="indefinite" restart="never" nodeType="tmRoot"/>
-      </p:par>
-    </p:tnLst>
-  </p:timing>
-</p:sld>
-</file>
-
-<file path=ppt/slides/slide22.xml><?xml version="1.0" encoding="utf-8"?>
-<p:sld xmlns:a="http://schemas.openxmlformats.org/drawingml/2006/main" xmlns:r="http://schemas.openxmlformats.org/officeDocument/2006/relationships" xmlns:p="http://schemas.openxmlformats.org/presentationml/2006/main">
-  <p:cSld>
-    <p:spTree>
-      <p:nvGrpSpPr>
-        <p:cNvPr id="1" name=""/>
-        <p:cNvGrpSpPr/>
-        <p:nvPr/>
-      </p:nvGrpSpPr>
-      <p:grpSpPr>
-        <a:xfrm>
-          <a:off x="0" y="0"/>
-          <a:ext cx="0" cy="0"/>
-          <a:chOff x="0" y="0"/>
-          <a:chExt cx="0" cy="0"/>
-        </a:xfrm>
-      </p:grpSpPr>
-      <p:sp>
-        <p:nvSpPr>
-          <p:cNvPr id="2" name="Title 1"/>
-          <p:cNvSpPr>
-            <a:spLocks noGrp="1"/>
-          </p:cNvSpPr>
-          <p:nvPr>
-            <p:ph type="title"/>
-          </p:nvPr>
-        </p:nvSpPr>
-        <p:spPr/>
-        <p:txBody>
-          <a:bodyPr/>
-          <a:lstStyle/>
-          <a:p>
-            <a:r>
-              <a:rPr lang="en-US" dirty="0" smtClean="0"/>
-              <a:t>Resources</a:t>
-            </a:r>
-            <a:endParaRPr lang="en-US" dirty="0"/>
-          </a:p>
-        </p:txBody>
-      </p:sp>
-      <p:sp>
-        <p:nvSpPr>
-          <p:cNvPr id="3" name="Content Placeholder 2"/>
-          <p:cNvSpPr>
-            <a:spLocks noGrp="1"/>
-          </p:cNvSpPr>
-          <p:nvPr>
-            <p:ph idx="1"/>
-          </p:nvPr>
-        </p:nvSpPr>
-        <p:spPr/>
-        <p:txBody>
-          <a:bodyPr>
-            <a:normAutofit fontScale="92500" lnSpcReduction="10000"/>
-          </a:bodyPr>
-          <a:lstStyle/>
-          <a:p>
-            <a:endParaRPr lang="en-US" dirty="0" smtClean="0">
-              <a:hlinkClick r:id="rId2"/>
-            </a:endParaRPr>
-          </a:p>
-          <a:p>
-            <a:r>
-              <a:rPr lang="en-US" dirty="0">
-                <a:hlinkClick r:id="rId2"/>
-              </a:rPr>
-              <a:t>https://github.com/solidjb/elk-</a:t>
-            </a:r>
-            <a:r>
-              <a:rPr lang="en-US" dirty="0" smtClean="0">
-                <a:hlinkClick r:id="rId2"/>
-              </a:rPr>
-              <a:t>demo</a:t>
-            </a:r>
-          </a:p>
-          <a:p>
-            <a:r>
-              <a:rPr lang="en-US" dirty="0" smtClean="0">
-                <a:hlinkClick r:id="rId2"/>
-              </a:rPr>
-              <a:t>http</a:t>
-            </a:r>
-            <a:r>
-              <a:rPr lang="en-US" dirty="0">
-                <a:hlinkClick r:id="rId2"/>
-              </a:rPr>
-              <a:t>://logstash.net</a:t>
-            </a:r>
-            <a:r>
-              <a:rPr lang="en-US" dirty="0" smtClean="0">
-                <a:hlinkClick r:id="rId2"/>
-              </a:rPr>
-              <a:t>/</a:t>
-            </a:r>
-            <a:endParaRPr lang="en-US" dirty="0" smtClean="0"/>
-          </a:p>
-          <a:p>
-            <a:r>
-              <a:rPr lang="en-US" dirty="0">
-                <a:hlinkClick r:id="rId3"/>
-              </a:rPr>
-              <a:t>http://www.elasticsearch.org</a:t>
-            </a:r>
-            <a:r>
-              <a:rPr lang="en-US" dirty="0" smtClean="0">
-                <a:hlinkClick r:id="rId3"/>
-              </a:rPr>
-              <a:t>/</a:t>
-            </a:r>
-            <a:endParaRPr lang="en-US" dirty="0" smtClean="0"/>
-          </a:p>
-          <a:p>
-            <a:r>
-              <a:rPr lang="en-US" dirty="0">
-                <a:hlinkClick r:id="rId4"/>
-              </a:rPr>
-              <a:t>http://www.elasticsearch.org/overview/kibana</a:t>
-            </a:r>
-            <a:r>
-              <a:rPr lang="en-US" dirty="0" smtClean="0">
-                <a:hlinkClick r:id="rId4"/>
-              </a:rPr>
-              <a:t>/</a:t>
-            </a:r>
-            <a:endParaRPr lang="en-US" dirty="0" smtClean="0"/>
-          </a:p>
-          <a:p>
-            <a:r>
-              <a:rPr lang="en-US" dirty="0" smtClean="0">
-                <a:hlinkClick r:id="rId5"/>
-              </a:rPr>
-              <a:t>http</a:t>
-            </a:r>
-            <a:r>
-              <a:rPr lang="en-US" dirty="0">
-                <a:hlinkClick r:id="rId5"/>
-              </a:rPr>
-              <a:t>://projects.spring.io/spring-boot</a:t>
-            </a:r>
-            <a:r>
-              <a:rPr lang="en-US" dirty="0" smtClean="0">
-                <a:hlinkClick r:id="rId5"/>
-              </a:rPr>
-              <a:t>/</a:t>
-            </a:r>
-            <a:endParaRPr lang="en-US" dirty="0" smtClean="0"/>
-          </a:p>
-          <a:p>
-            <a:r>
-              <a:rPr lang="en-US" dirty="0">
-                <a:hlinkClick r:id="rId6"/>
-              </a:rPr>
-              <a:t>http://www.slf4j.org</a:t>
-            </a:r>
-            <a:r>
-              <a:rPr lang="en-US" dirty="0" smtClean="0">
-                <a:hlinkClick r:id="rId6"/>
-              </a:rPr>
-              <a:t>/</a:t>
-            </a:r>
-            <a:endParaRPr lang="en-US" dirty="0" smtClean="0"/>
-          </a:p>
-          <a:p>
-            <a:r>
-              <a:rPr lang="en-US" dirty="0">
-                <a:hlinkClick r:id="rId7"/>
-              </a:rPr>
-              <a:t>http://logback.qos.ch</a:t>
-            </a:r>
-            <a:r>
-              <a:rPr lang="en-US" dirty="0" smtClean="0">
-                <a:hlinkClick r:id="rId7"/>
-              </a:rPr>
-              <a:t>/</a:t>
-            </a:r>
-            <a:endParaRPr lang="en-US" dirty="0" smtClean="0"/>
-          </a:p>
-          <a:p>
-            <a:r>
-              <a:rPr lang="en-US" dirty="0" smtClean="0">
-                <a:hlinkClick r:id="rId8"/>
-              </a:rPr>
-              <a:t>http</a:t>
-            </a:r>
-            <a:r>
-              <a:rPr lang="en-US" dirty="0">
-                <a:hlinkClick r:id="rId8"/>
-              </a:rPr>
-              <a:t>://gatling.io</a:t>
-            </a:r>
-            <a:r>
-              <a:rPr lang="en-US" dirty="0" smtClean="0">
-                <a:hlinkClick r:id="rId8"/>
-              </a:rPr>
-              <a:t>/</a:t>
-            </a:r>
-            <a:endParaRPr lang="en-US" dirty="0" smtClean="0"/>
-          </a:p>
-          <a:p>
-            <a:r>
-              <a:rPr lang="en-US" dirty="0">
-                <a:hlinkClick r:id="rId9"/>
-              </a:rPr>
-              <a:t>http://research.google.com/pubs/pub36356.</a:t>
-            </a:r>
-            <a:r>
-              <a:rPr lang="en-US" dirty="0" smtClean="0">
-                <a:hlinkClick r:id="rId9"/>
-              </a:rPr>
-              <a:t>html</a:t>
-            </a:r>
-            <a:endParaRPr lang="en-US" dirty="0" smtClean="0"/>
-          </a:p>
-          <a:p>
-            <a:r>
-              <a:rPr lang="en-US" dirty="0">
-                <a:hlinkClick r:id="rId10"/>
-              </a:rPr>
-              <a:t>http://twitter.github.io/zipkin</a:t>
-            </a:r>
-            <a:r>
-              <a:rPr lang="en-US" dirty="0" smtClean="0">
-                <a:hlinkClick r:id="rId10"/>
-              </a:rPr>
-              <a:t>/</a:t>
-            </a:r>
-            <a:endParaRPr lang="en-US" dirty="0" smtClean="0"/>
-          </a:p>
-          <a:p>
-            <a:r>
-              <a:rPr lang="en-US" dirty="0">
-                <a:hlinkClick r:id="rId11"/>
-              </a:rPr>
-              <a:t>http://oclc.org/careers.en.html</a:t>
-            </a:r>
-            <a:endParaRPr lang="en-US" dirty="0"/>
-          </a:p>
-          <a:p>
-            <a:endParaRPr lang="en-US" dirty="0" smtClean="0"/>
-          </a:p>
-          <a:p>
-            <a:pPr marL="0" indent="0">
-              <a:buNone/>
-            </a:pPr>
-            <a:endParaRPr lang="en-US" dirty="0"/>
-          </a:p>
-          <a:p>
-            <a:endParaRPr lang="en-US" dirty="0"/>
-          </a:p>
-        </p:txBody>
-      </p:sp>
-    </p:spTree>
-    <p:extLst>
-      <p:ext uri="{BB962C8B-B14F-4D97-AF65-F5344CB8AC3E}">
-        <p14:creationId xmlns:p14="http://schemas.microsoft.com/office/powerpoint/2010/main" val="3193187975"/>
-      </p:ext>
-    </p:extLst>
-  </p:cSld>
-  <p:clrMapOvr>
-    <a:masterClrMapping/>
-  </p:clrMapOvr>
-  <p:timing>
-    <p:tnLst>
-      <p:par>
-        <p:cTn xmlns:p14="http://schemas.microsoft.com/office/powerpoint/2010/main" id="1" dur="indefinite" restart="never" nodeType="tmRoot"/>
-      </p:par>
-    </p:tnLst>
-  </p:timing>
-</p:sld>
-</file>
-
-<file path=ppt/slides/slide23.xml><?xml version="1.0" encoding="utf-8"?>
-<p:sld xmlns:a="http://schemas.openxmlformats.org/drawingml/2006/main" xmlns:r="http://schemas.openxmlformats.org/officeDocument/2006/relationships" xmlns:p="http://schemas.openxmlformats.org/presentationml/2006/main">
-  <p:cSld>
-    <p:spTree>
-      <p:nvGrpSpPr>
-        <p:cNvPr id="1" name=""/>
-        <p:cNvGrpSpPr/>
-        <p:nvPr/>
-      </p:nvGrpSpPr>
-      <p:grpSpPr>
-        <a:xfrm>
-          <a:off x="0" y="0"/>
-          <a:ext cx="0" cy="0"/>
-          <a:chOff x="0" y="0"/>
-          <a:chExt cx="0" cy="0"/>
-        </a:xfrm>
-      </p:grpSpPr>
-      <p:sp>
-        <p:nvSpPr>
-          <p:cNvPr id="2" name="Title 1"/>
-          <p:cNvSpPr>
-            <a:spLocks noGrp="1"/>
-          </p:cNvSpPr>
-          <p:nvPr>
-            <p:ph type="title"/>
-          </p:nvPr>
-        </p:nvSpPr>
-        <p:spPr/>
-        <p:txBody>
-          <a:bodyPr/>
-          <a:lstStyle/>
-          <a:p>
-            <a:r>
-              <a:rPr lang="en-US" dirty="0" smtClean="0"/>
-              <a:t>Jonathan Baker</a:t>
-            </a:r>
-            <a:endParaRPr lang="en-US" dirty="0"/>
-          </a:p>
-        </p:txBody>
-      </p:sp>
-      <p:pic>
-        <p:nvPicPr>
-          <p:cNvPr id="4" name="Picture 3" descr="family.jpg"/>
-          <p:cNvPicPr>
-            <a:picLocks noChangeAspect="1"/>
-          </p:cNvPicPr>
-          <p:nvPr/>
-        </p:nvPicPr>
-        <p:blipFill>
-          <a:blip r:embed="rId2">
-            <a:extLst>
-              <a:ext uri="{28A0092B-C50C-407E-A947-70E740481C1C}">
-                <a14:useLocalDpi xmlns:a14="http://schemas.microsoft.com/office/drawing/2010/main" val="0"/>
-              </a:ext>
-            </a:extLst>
-          </a:blip>
-          <a:stretch>
-            <a:fillRect/>
-          </a:stretch>
-        </p:blipFill>
-        <p:spPr>
-          <a:xfrm>
-            <a:off x="1328277" y="1969593"/>
-            <a:ext cx="6623027" cy="4418505"/>
-          </a:xfrm>
-          <a:prstGeom prst="rect">
-            <a:avLst/>
-          </a:prstGeom>
-        </p:spPr>
-      </p:pic>
-    </p:spTree>
-    <p:extLst>
-      <p:ext uri="{BB962C8B-B14F-4D97-AF65-F5344CB8AC3E}">
-        <p14:creationId xmlns:p14="http://schemas.microsoft.com/office/powerpoint/2010/main" val="1832885547"/>
-      </p:ext>
-    </p:extLst>
-  </p:cSld>
-  <p:clrMapOvr>
-    <a:masterClrMapping/>
-  </p:clrMapOvr>
-  <p:timing>
-    <p:tnLst>
-      <p:par>
-        <p:cTn xmlns:p14="http://schemas.microsoft.com/office/powerpoint/2010/main" id="1" dur="indefinite" restart="never" nodeType="tmRoot"/>
-      </p:par>
-    </p:tnLst>
-  </p:timing>
-</p:sld>
-</file>
-
 <file path=ppt/slides/slide3.xml><?xml version="1.0" encoding="utf-8"?>
-<p:sld xmlns:a="http://schemas.openxmlformats.org/drawingml/2006/main" xmlns:r="http://schemas.openxmlformats.org/officeDocument/2006/relationships" xmlns:p="http://schemas.openxmlformats.org/presentationml/2006/main">
-  <p:cSld>
-    <p:spTree>
-      <p:nvGrpSpPr>
-        <p:cNvPr id="1" name=""/>
-        <p:cNvGrpSpPr/>
-        <p:nvPr/>
-      </p:nvGrpSpPr>
-      <p:grpSpPr>
-        <a:xfrm>
-          <a:off x="0" y="0"/>
-          <a:ext cx="0" cy="0"/>
-          <a:chOff x="0" y="0"/>
-          <a:chExt cx="0" cy="0"/>
-        </a:xfrm>
-      </p:grpSpPr>
-      <p:sp>
-        <p:nvSpPr>
-          <p:cNvPr id="2" name="Title 1"/>
-          <p:cNvSpPr>
-            <a:spLocks noGrp="1"/>
-          </p:cNvSpPr>
-          <p:nvPr>
-            <p:ph type="title"/>
-          </p:nvPr>
-        </p:nvSpPr>
-        <p:spPr/>
-        <p:txBody>
-          <a:bodyPr/>
-          <a:lstStyle/>
-          <a:p>
-            <a:r>
-              <a:rPr lang="en-US" dirty="0" smtClean="0"/>
-              <a:t>OCLC</a:t>
-            </a:r>
-            <a:endParaRPr lang="en-US" dirty="0"/>
-          </a:p>
-        </p:txBody>
-      </p:sp>
-      <p:pic>
-        <p:nvPicPr>
-          <p:cNvPr id="6" name="Picture 5" descr="best-places-in-ohio.png"/>
-          <p:cNvPicPr>
-            <a:picLocks noChangeAspect="1"/>
-          </p:cNvPicPr>
-          <p:nvPr/>
-        </p:nvPicPr>
-        <p:blipFill>
-          <a:blip r:embed="rId3">
-            <a:extLst>
-              <a:ext uri="{28A0092B-C50C-407E-A947-70E740481C1C}">
-                <a14:useLocalDpi xmlns:a14="http://schemas.microsoft.com/office/drawing/2010/main" val="0"/>
-              </a:ext>
-            </a:extLst>
-          </a:blip>
-          <a:stretch>
-            <a:fillRect/>
-          </a:stretch>
-        </p:blipFill>
-        <p:spPr>
-          <a:xfrm>
-            <a:off x="117589" y="3619500"/>
-            <a:ext cx="8842679" cy="2386866"/>
-          </a:xfrm>
-          <a:prstGeom prst="rect">
-            <a:avLst/>
-          </a:prstGeom>
-        </p:spPr>
-      </p:pic>
-      <p:pic>
-        <p:nvPicPr>
-          <p:cNvPr id="8" name="Picture 7" descr="OCLC_Logo_H_Color_Tag.png"/>
-          <p:cNvPicPr>
-            <a:picLocks noChangeAspect="1"/>
-          </p:cNvPicPr>
-          <p:nvPr/>
-        </p:nvPicPr>
-        <p:blipFill>
-          <a:blip r:embed="rId4">
-            <a:extLst>
-              <a:ext uri="{28A0092B-C50C-407E-A947-70E740481C1C}">
-                <a14:useLocalDpi xmlns:a14="http://schemas.microsoft.com/office/drawing/2010/main" val="0"/>
-              </a:ext>
-            </a:extLst>
-          </a:blip>
-          <a:stretch>
-            <a:fillRect/>
-          </a:stretch>
-        </p:blipFill>
-        <p:spPr>
-          <a:xfrm>
-            <a:off x="1320800" y="1600200"/>
-            <a:ext cx="6502400" cy="2019300"/>
-          </a:xfrm>
-          <a:prstGeom prst="rect">
-            <a:avLst/>
-          </a:prstGeom>
-        </p:spPr>
-      </p:pic>
-    </p:spTree>
-    <p:extLst>
-      <p:ext uri="{BB962C8B-B14F-4D97-AF65-F5344CB8AC3E}">
-        <p14:creationId xmlns:p14="http://schemas.microsoft.com/office/powerpoint/2010/main" val="714639064"/>
-      </p:ext>
-    </p:extLst>
-  </p:cSld>
-  <p:clrMapOvr>
-    <a:masterClrMapping/>
-  </p:clrMapOvr>
-  <p:timing>
-    <p:tnLst>
-      <p:par>
-        <p:cTn xmlns:p14="http://schemas.microsoft.com/office/powerpoint/2010/main" id="1" dur="indefinite" restart="never" nodeType="tmRoot"/>
-      </p:par>
-    </p:tnLst>
-  </p:timing>
-</p:sld>
-</file>
-
-<file path=ppt/slides/slide4.xml><?xml version="1.0" encoding="utf-8"?>
 <p:sld xmlns:a="http://schemas.openxmlformats.org/drawingml/2006/main" xmlns:r="http://schemas.openxmlformats.org/officeDocument/2006/relationships" xmlns:p="http://schemas.openxmlformats.org/presentationml/2006/main">
   <p:cSld>
     <p:spTree>
@@ -11244,7 +13562,7 @@
 </p:sld>
 </file>
 
-<file path=ppt/slides/slide5.xml><?xml version="1.0" encoding="utf-8"?>
+<file path=ppt/slides/slide30.xml><?xml version="1.0" encoding="utf-8"?>
 <p:sld xmlns:a="http://schemas.openxmlformats.org/drawingml/2006/main" xmlns:r="http://schemas.openxmlformats.org/officeDocument/2006/relationships" xmlns:p="http://schemas.openxmlformats.org/presentationml/2006/main">
   <p:cSld>
     <p:spTree>
@@ -11278,232 +13596,46 @@
           <a:p>
             <a:r>
               <a:rPr lang="en-US" dirty="0" smtClean="0"/>
-              <a:t>Agenda</a:t>
+              <a:t>Jonathan Baker</a:t>
             </a:r>
             <a:endParaRPr lang="en-US" dirty="0"/>
           </a:p>
         </p:txBody>
       </p:sp>
-      <p:grpSp>
-        <p:nvGrpSpPr>
-          <p:cNvPr id="12" name="Group 11"/>
-          <p:cNvGrpSpPr/>
+      <p:pic>
+        <p:nvPicPr>
+          <p:cNvPr id="4" name="Picture 3" descr="family.jpg"/>
+          <p:cNvPicPr>
+            <a:picLocks noChangeAspect="1"/>
+          </p:cNvPicPr>
           <p:nvPr/>
-        </p:nvGrpSpPr>
-        <p:grpSpPr>
+        </p:nvPicPr>
+        <p:blipFill>
+          <a:blip r:embed="rId2">
+            <a:extLst>
+              <a:ext uri="{28A0092B-C50C-407E-A947-70E740481C1C}">
+                <a14:useLocalDpi xmlns:a14="http://schemas.microsoft.com/office/drawing/2010/main" val="0"/>
+              </a:ext>
+            </a:extLst>
+          </a:blip>
+          <a:stretch>
+            <a:fillRect/>
+          </a:stretch>
+        </p:blipFill>
+        <p:spPr>
           <a:xfrm>
-            <a:off x="879797" y="2057190"/>
-            <a:ext cx="3856679" cy="940805"/>
-            <a:chOff x="879797" y="2057190"/>
-            <a:chExt cx="3856679" cy="940805"/>
+            <a:off x="1328277" y="1969593"/>
+            <a:ext cx="6623027" cy="4418505"/>
           </a:xfrm>
-        </p:grpSpPr>
-        <p:pic>
-          <p:nvPicPr>
-            <p:cNvPr id="4" name="Picture 3"/>
-            <p:cNvPicPr>
-              <a:picLocks noChangeAspect="1"/>
-            </p:cNvPicPr>
-            <p:nvPr/>
-          </p:nvPicPr>
-          <p:blipFill>
-            <a:blip r:embed="rId2">
-              <a:alphaModFix/>
-            </a:blip>
-            <a:stretch>
-              <a:fillRect/>
-            </a:stretch>
-          </p:blipFill>
-          <p:spPr>
-            <a:xfrm>
-              <a:off x="879797" y="2057190"/>
-              <a:ext cx="1254407" cy="940805"/>
-            </a:xfrm>
-            <a:prstGeom prst="rect">
-              <a:avLst/>
-            </a:prstGeom>
-          </p:spPr>
-        </p:pic>
-        <p:sp>
-          <p:nvSpPr>
-            <p:cNvPr id="8" name="TextBox 7"/>
-            <p:cNvSpPr txBox="1"/>
-            <p:nvPr/>
-          </p:nvSpPr>
-          <p:spPr>
-            <a:xfrm>
-              <a:off x="2196147" y="2057190"/>
-              <a:ext cx="2540329" cy="769441"/>
-            </a:xfrm>
-            <a:prstGeom prst="rect">
-              <a:avLst/>
-            </a:prstGeom>
-            <a:noFill/>
-          </p:spPr>
-          <p:txBody>
-            <a:bodyPr wrap="none" rtlCol="0">
-              <a:spAutoFit/>
-            </a:bodyPr>
-            <a:lstStyle/>
-            <a:p>
-              <a:r>
-                <a:rPr lang="en-US" sz="4400" dirty="0" smtClean="0"/>
-                <a:t>Problems</a:t>
-              </a:r>
-              <a:endParaRPr lang="en-US" sz="4400" dirty="0"/>
-            </a:p>
-          </p:txBody>
-        </p:sp>
-      </p:grpSp>
-      <p:grpSp>
-        <p:nvGrpSpPr>
-          <p:cNvPr id="13" name="Group 12"/>
-          <p:cNvGrpSpPr/>
-          <p:nvPr/>
-        </p:nvGrpSpPr>
-        <p:grpSpPr>
-          <a:xfrm>
-            <a:off x="1060585" y="3192017"/>
-            <a:ext cx="4714036" cy="1005904"/>
-            <a:chOff x="1060585" y="3192017"/>
-            <a:chExt cx="4714036" cy="1005904"/>
-          </a:xfrm>
-        </p:grpSpPr>
-        <p:pic>
-          <p:nvPicPr>
-            <p:cNvPr id="6" name="Content Placeholder 21"/>
-            <p:cNvPicPr>
-              <a:picLocks noChangeAspect="1"/>
-            </p:cNvPicPr>
-            <p:nvPr/>
-          </p:nvPicPr>
-          <p:blipFill>
-            <a:blip r:embed="rId3"/>
-            <a:srcRect l="147" r="147"/>
-            <a:stretch>
-              <a:fillRect/>
-            </a:stretch>
-          </p:blipFill>
-          <p:spPr>
-            <a:xfrm>
-              <a:off x="1060585" y="3192017"/>
-              <a:ext cx="867532" cy="1005904"/>
-            </a:xfrm>
-            <a:prstGeom prst="rect">
-              <a:avLst/>
-            </a:prstGeom>
-          </p:spPr>
-        </p:pic>
-        <p:sp>
-          <p:nvSpPr>
-            <p:cNvPr id="9" name="TextBox 8"/>
-            <p:cNvSpPr txBox="1"/>
-            <p:nvPr/>
-          </p:nvSpPr>
-          <p:spPr>
-            <a:xfrm>
-              <a:off x="2196147" y="3285528"/>
-              <a:ext cx="3578474" cy="769441"/>
-            </a:xfrm>
-            <a:prstGeom prst="rect">
-              <a:avLst/>
-            </a:prstGeom>
-            <a:noFill/>
-          </p:spPr>
-          <p:txBody>
-            <a:bodyPr wrap="none" rtlCol="0">
-              <a:spAutoFit/>
-            </a:bodyPr>
-            <a:lstStyle/>
-            <a:p>
-              <a:r>
-                <a:rPr lang="en-US" sz="4400" dirty="0" smtClean="0"/>
-                <a:t>What is ELK?</a:t>
-              </a:r>
-              <a:endParaRPr lang="en-US" sz="4400" dirty="0"/>
-            </a:p>
-          </p:txBody>
-        </p:sp>
-      </p:grpSp>
-      <p:grpSp>
-        <p:nvGrpSpPr>
-          <p:cNvPr id="15" name="Group 14"/>
-          <p:cNvGrpSpPr/>
-          <p:nvPr/>
-        </p:nvGrpSpPr>
-        <p:grpSpPr>
-          <a:xfrm>
-            <a:off x="1060585" y="4642376"/>
-            <a:ext cx="2833362" cy="804977"/>
-            <a:chOff x="1060585" y="5606553"/>
-            <a:chExt cx="2833362" cy="804977"/>
-          </a:xfrm>
-        </p:grpSpPr>
-        <p:pic>
-          <p:nvPicPr>
-            <p:cNvPr id="5" name="Picture 4" descr="qubodup_Cog_cogwheel_gear_Zahnrad_6.png"/>
-            <p:cNvPicPr>
-              <a:picLocks noChangeAspect="1"/>
-            </p:cNvPicPr>
-            <p:nvPr/>
-          </p:nvPicPr>
-          <p:blipFill>
-            <a:blip r:embed="rId4">
-              <a:extLst>
-                <a:ext uri="{28A0092B-C50C-407E-A947-70E740481C1C}">
-                  <a14:useLocalDpi xmlns:a14="http://schemas.microsoft.com/office/drawing/2010/main" val="0"/>
-                </a:ext>
-              </a:extLst>
-            </a:blip>
-            <a:stretch>
-              <a:fillRect/>
-            </a:stretch>
-          </p:blipFill>
-          <p:spPr>
-            <a:xfrm>
-              <a:off x="1060585" y="5606553"/>
-              <a:ext cx="804977" cy="804977"/>
-            </a:xfrm>
-            <a:prstGeom prst="rect">
-              <a:avLst/>
-            </a:prstGeom>
-          </p:spPr>
-        </p:pic>
-        <p:sp>
-          <p:nvSpPr>
-            <p:cNvPr id="11" name="TextBox 10"/>
-            <p:cNvSpPr txBox="1"/>
-            <p:nvPr/>
-          </p:nvSpPr>
-          <p:spPr>
-            <a:xfrm>
-              <a:off x="2196147" y="5642089"/>
-              <a:ext cx="1697800" cy="769441"/>
-            </a:xfrm>
-            <a:prstGeom prst="rect">
-              <a:avLst/>
-            </a:prstGeom>
-            <a:noFill/>
-          </p:spPr>
-          <p:txBody>
-            <a:bodyPr wrap="none" rtlCol="0">
-              <a:spAutoFit/>
-            </a:bodyPr>
-            <a:lstStyle/>
-            <a:p>
-              <a:r>
-                <a:rPr lang="en-US" sz="4400" dirty="0" smtClean="0"/>
-                <a:t>Demo</a:t>
-              </a:r>
-              <a:endParaRPr lang="en-US" sz="4400" dirty="0"/>
-            </a:p>
-          </p:txBody>
-        </p:sp>
-      </p:grpSp>
+          <a:prstGeom prst="rect">
+            <a:avLst/>
+          </a:prstGeom>
+        </p:spPr>
+      </p:pic>
     </p:spTree>
     <p:extLst>
       <p:ext uri="{BB962C8B-B14F-4D97-AF65-F5344CB8AC3E}">
-        <p14:creationId xmlns:p14="http://schemas.microsoft.com/office/powerpoint/2010/main" val="7446405"/>
+        <p14:creationId xmlns:p14="http://schemas.microsoft.com/office/powerpoint/2010/main" val="1832885547"/>
       </p:ext>
     </p:extLst>
   </p:cSld>
@@ -11513,172 +13645,14 @@
   <p:timing>
     <p:tnLst>
       <p:par>
-        <p:cTn xmlns:p14="http://schemas.microsoft.com/office/powerpoint/2010/main" id="1" dur="indefinite" restart="never" nodeType="tmRoot">
-          <p:childTnLst>
-            <p:seq concurrent="1" nextAc="seek">
-              <p:cTn id="2" dur="indefinite" nodeType="mainSeq">
-                <p:childTnLst>
-                  <p:par>
-                    <p:cTn id="3" fill="hold">
-                      <p:stCondLst>
-                        <p:cond delay="indefinite"/>
-                      </p:stCondLst>
-                      <p:childTnLst>
-                        <p:par>
-                          <p:cTn id="4" fill="hold">
-                            <p:stCondLst>
-                              <p:cond delay="0"/>
-                            </p:stCondLst>
-                            <p:childTnLst>
-                              <p:par>
-                                <p:cTn id="5" presetID="1" presetClass="entr" presetSubtype="0" fill="hold" nodeType="clickEffect">
-                                  <p:stCondLst>
-                                    <p:cond delay="0"/>
-                                  </p:stCondLst>
-                                  <p:childTnLst>
-                                    <p:set>
-                                      <p:cBhvr>
-                                        <p:cTn id="6" dur="1" fill="hold">
-                                          <p:stCondLst>
-                                            <p:cond delay="0"/>
-                                          </p:stCondLst>
-                                        </p:cTn>
-                                        <p:tgtEl>
-                                          <p:spTgt spid="12"/>
-                                        </p:tgtEl>
-                                        <p:attrNameLst>
-                                          <p:attrName>style.visibility</p:attrName>
-                                        </p:attrNameLst>
-                                      </p:cBhvr>
-                                      <p:to>
-                                        <p:strVal val="visible"/>
-                                      </p:to>
-                                    </p:set>
-                                  </p:childTnLst>
-                                </p:cTn>
-                              </p:par>
-                            </p:childTnLst>
-                          </p:cTn>
-                        </p:par>
-                      </p:childTnLst>
-                    </p:cTn>
-                  </p:par>
-                  <p:par>
-                    <p:cTn id="7" fill="hold">
-                      <p:stCondLst>
-                        <p:cond delay="indefinite"/>
-                      </p:stCondLst>
-                      <p:childTnLst>
-                        <p:par>
-                          <p:cTn id="8" fill="hold">
-                            <p:stCondLst>
-                              <p:cond delay="0"/>
-                            </p:stCondLst>
-                            <p:childTnLst>
-                              <p:par>
-                                <p:cTn id="9" presetID="1" presetClass="entr" presetSubtype="0" fill="hold" nodeType="clickEffect">
-                                  <p:stCondLst>
-                                    <p:cond delay="0"/>
-                                  </p:stCondLst>
-                                  <p:childTnLst>
-                                    <p:set>
-                                      <p:cBhvr>
-                                        <p:cTn id="10" dur="1" fill="hold">
-                                          <p:stCondLst>
-                                            <p:cond delay="0"/>
-                                          </p:stCondLst>
-                                        </p:cTn>
-                                        <p:tgtEl>
-                                          <p:spTgt spid="13"/>
-                                        </p:tgtEl>
-                                        <p:attrNameLst>
-                                          <p:attrName>style.visibility</p:attrName>
-                                        </p:attrNameLst>
-                                      </p:cBhvr>
-                                      <p:to>
-                                        <p:strVal val="visible"/>
-                                      </p:to>
-                                    </p:set>
-                                  </p:childTnLst>
-                                </p:cTn>
-                              </p:par>
-                            </p:childTnLst>
-                          </p:cTn>
-                        </p:par>
-                      </p:childTnLst>
-                    </p:cTn>
-                  </p:par>
-                  <p:par>
-                    <p:cTn id="11" fill="hold">
-                      <p:stCondLst>
-                        <p:cond delay="indefinite"/>
-                      </p:stCondLst>
-                      <p:childTnLst>
-                        <p:par>
-                          <p:cTn id="12" fill="hold">
-                            <p:stCondLst>
-                              <p:cond delay="0"/>
-                            </p:stCondLst>
-                            <p:childTnLst>
-                              <p:par>
-                                <p:cTn id="13" presetID="1" presetClass="entr" presetSubtype="0" fill="hold" nodeType="clickEffect">
-                                  <p:stCondLst>
-                                    <p:cond delay="0"/>
-                                  </p:stCondLst>
-                                  <p:childTnLst>
-                                    <p:set>
-                                      <p:cBhvr>
-                                        <p:cTn id="14" dur="1" fill="hold">
-                                          <p:stCondLst>
-                                            <p:cond delay="0"/>
-                                          </p:stCondLst>
-                                        </p:cTn>
-                                        <p:tgtEl>
-                                          <p:spTgt spid="15"/>
-                                        </p:tgtEl>
-                                        <p:attrNameLst>
-                                          <p:attrName>style.visibility</p:attrName>
-                                        </p:attrNameLst>
-                                      </p:cBhvr>
-                                      <p:to>
-                                        <p:strVal val="visible"/>
-                                      </p:to>
-                                    </p:set>
-                                  </p:childTnLst>
-                                </p:cTn>
-                              </p:par>
-                            </p:childTnLst>
-                          </p:cTn>
-                        </p:par>
-                      </p:childTnLst>
-                    </p:cTn>
-                  </p:par>
-                </p:childTnLst>
-              </p:cTn>
-              <p:prevCondLst>
-                <p:cond evt="onPrev" delay="0">
-                  <p:tgtEl>
-                    <p:sldTgt/>
-                  </p:tgtEl>
-                </p:cond>
-              </p:prevCondLst>
-              <p:nextCondLst>
-                <p:cond evt="onNext" delay="0">
-                  <p:tgtEl>
-                    <p:sldTgt/>
-                  </p:tgtEl>
-                </p:cond>
-              </p:nextCondLst>
-            </p:seq>
-          </p:childTnLst>
-        </p:cTn>
+        <p:cTn xmlns:p14="http://schemas.microsoft.com/office/powerpoint/2010/main" id="1" dur="indefinite" restart="never" nodeType="tmRoot"/>
       </p:par>
     </p:tnLst>
   </p:timing>
 </p:sld>
 </file>
 
-<file path=ppt/slides/slide6.xml><?xml version="1.0" encoding="utf-8"?>
+<file path=ppt/slides/slide4.xml><?xml version="1.0" encoding="utf-8"?>
 <p:sld xmlns:a="http://schemas.openxmlformats.org/drawingml/2006/main" xmlns:r="http://schemas.openxmlformats.org/officeDocument/2006/relationships" xmlns:p="http://schemas.openxmlformats.org/presentationml/2006/main">
   <p:cSld>
     <p:spTree>
@@ -11764,7 +13738,326 @@
 </p:sld>
 </file>
 
-<file path=ppt/slides/slide7.xml><?xml version="1.0" encoding="utf-8"?>
+<file path=ppt/slides/slide5.xml><?xml version="1.0" encoding="utf-8"?>
+<p:sld xmlns:a="http://schemas.openxmlformats.org/drawingml/2006/main" xmlns:r="http://schemas.openxmlformats.org/officeDocument/2006/relationships" xmlns:p="http://schemas.openxmlformats.org/presentationml/2006/main">
+  <p:cSld>
+    <p:spTree>
+      <p:nvGrpSpPr>
+        <p:cNvPr id="1" name=""/>
+        <p:cNvGrpSpPr/>
+        <p:nvPr/>
+      </p:nvGrpSpPr>
+      <p:grpSpPr>
+        <a:xfrm>
+          <a:off x="0" y="0"/>
+          <a:ext cx="0" cy="0"/>
+          <a:chOff x="0" y="0"/>
+          <a:chExt cx="0" cy="0"/>
+        </a:xfrm>
+      </p:grpSpPr>
+      <p:pic>
+        <p:nvPicPr>
+          <p:cNvPr id="16" name="Picture 15"/>
+          <p:cNvPicPr>
+            <a:picLocks noChangeAspect="1"/>
+          </p:cNvPicPr>
+          <p:nvPr/>
+        </p:nvPicPr>
+        <p:blipFill>
+          <a:blip r:embed="rId3">
+            <a:alphaModFix amt="10000"/>
+          </a:blip>
+          <a:stretch>
+            <a:fillRect/>
+          </a:stretch>
+        </p:blipFill>
+        <p:spPr>
+          <a:xfrm>
+            <a:off x="-294886" y="-326332"/>
+            <a:ext cx="4076772" cy="3057579"/>
+          </a:xfrm>
+          <a:prstGeom prst="rect">
+            <a:avLst/>
+          </a:prstGeom>
+        </p:spPr>
+      </p:pic>
+      <p:sp>
+        <p:nvSpPr>
+          <p:cNvPr id="2" name="Title 1"/>
+          <p:cNvSpPr>
+            <a:spLocks noGrp="1"/>
+          </p:cNvSpPr>
+          <p:nvPr>
+            <p:ph type="title"/>
+          </p:nvPr>
+        </p:nvSpPr>
+        <p:spPr/>
+        <p:txBody>
+          <a:bodyPr/>
+          <a:lstStyle/>
+          <a:p>
+            <a:r>
+              <a:rPr lang="en-US" dirty="0" smtClean="0"/>
+              <a:t>Multiple Logs on a Server</a:t>
+            </a:r>
+            <a:endParaRPr lang="en-US" dirty="0"/>
+          </a:p>
+        </p:txBody>
+      </p:sp>
+      <p:pic>
+        <p:nvPicPr>
+          <p:cNvPr id="15" name="Picture 14"/>
+          <p:cNvPicPr>
+            <a:picLocks noChangeAspect="1"/>
+          </p:cNvPicPr>
+          <p:nvPr/>
+        </p:nvPicPr>
+        <p:blipFill>
+          <a:blip r:embed="rId4"/>
+          <a:stretch>
+            <a:fillRect/>
+          </a:stretch>
+        </p:blipFill>
+        <p:spPr>
+          <a:xfrm>
+            <a:off x="3461639" y="2209945"/>
+            <a:ext cx="1757610" cy="2697531"/>
+          </a:xfrm>
+          <a:prstGeom prst="rect">
+            <a:avLst/>
+          </a:prstGeom>
+        </p:spPr>
+      </p:pic>
+      <p:pic>
+        <p:nvPicPr>
+          <p:cNvPr id="18" name="Picture 17"/>
+          <p:cNvPicPr>
+            <a:picLocks noChangeAspect="1"/>
+          </p:cNvPicPr>
+          <p:nvPr/>
+        </p:nvPicPr>
+        <p:blipFill rotWithShape="1">
+          <a:blip r:embed="rId5"/>
+          <a:srcRect r="85600"/>
+          <a:stretch/>
+        </p:blipFill>
+        <p:spPr>
+          <a:xfrm>
+            <a:off x="2285575" y="2731247"/>
+            <a:ext cx="932159" cy="1618331"/>
+          </a:xfrm>
+          <a:prstGeom prst="rect">
+            <a:avLst/>
+          </a:prstGeom>
+        </p:spPr>
+      </p:pic>
+      <p:pic>
+        <p:nvPicPr>
+          <p:cNvPr id="19" name="Picture 18"/>
+          <p:cNvPicPr>
+            <a:picLocks noChangeAspect="1"/>
+          </p:cNvPicPr>
+          <p:nvPr/>
+        </p:nvPicPr>
+        <p:blipFill rotWithShape="1">
+          <a:blip r:embed="rId5"/>
+          <a:srcRect r="85600"/>
+          <a:stretch/>
+        </p:blipFill>
+        <p:spPr>
+          <a:xfrm>
+            <a:off x="5424340" y="2731247"/>
+            <a:ext cx="932159" cy="1618331"/>
+          </a:xfrm>
+          <a:prstGeom prst="rect">
+            <a:avLst/>
+          </a:prstGeom>
+        </p:spPr>
+      </p:pic>
+      <p:pic>
+        <p:nvPicPr>
+          <p:cNvPr id="20" name="Picture 19"/>
+          <p:cNvPicPr>
+            <a:picLocks noChangeAspect="1"/>
+          </p:cNvPicPr>
+          <p:nvPr/>
+        </p:nvPicPr>
+        <p:blipFill rotWithShape="1">
+          <a:blip r:embed="rId5"/>
+          <a:srcRect r="85600"/>
+          <a:stretch/>
+        </p:blipFill>
+        <p:spPr>
+          <a:xfrm>
+            <a:off x="4002037" y="4907476"/>
+            <a:ext cx="932159" cy="1618331"/>
+          </a:xfrm>
+          <a:prstGeom prst="rect">
+            <a:avLst/>
+          </a:prstGeom>
+        </p:spPr>
+      </p:pic>
+    </p:spTree>
+    <p:extLst>
+      <p:ext uri="{BB962C8B-B14F-4D97-AF65-F5344CB8AC3E}">
+        <p14:creationId xmlns:p14="http://schemas.microsoft.com/office/powerpoint/2010/main" val="831622046"/>
+      </p:ext>
+    </p:extLst>
+  </p:cSld>
+  <p:clrMapOvr>
+    <a:masterClrMapping/>
+  </p:clrMapOvr>
+  <p:timing>
+    <p:tnLst>
+      <p:par>
+        <p:cTn xmlns:p14="http://schemas.microsoft.com/office/powerpoint/2010/main" id="1" dur="indefinite" restart="never" nodeType="tmRoot">
+          <p:childTnLst>
+            <p:seq concurrent="1" nextAc="seek">
+              <p:cTn id="2" dur="indefinite" nodeType="mainSeq">
+                <p:childTnLst>
+                  <p:par>
+                    <p:cTn id="3" fill="hold">
+                      <p:stCondLst>
+                        <p:cond delay="indefinite"/>
+                      </p:stCondLst>
+                      <p:childTnLst>
+                        <p:par>
+                          <p:cTn id="4" fill="hold">
+                            <p:stCondLst>
+                              <p:cond delay="0"/>
+                            </p:stCondLst>
+                            <p:childTnLst>
+                              <p:par>
+                                <p:cTn id="5" presetID="1" presetClass="entr" presetSubtype="0" fill="hold" nodeType="clickEffect">
+                                  <p:stCondLst>
+                                    <p:cond delay="0"/>
+                                  </p:stCondLst>
+                                  <p:childTnLst>
+                                    <p:set>
+                                      <p:cBhvr>
+                                        <p:cTn id="6" dur="1" fill="hold">
+                                          <p:stCondLst>
+                                            <p:cond delay="0"/>
+                                          </p:stCondLst>
+                                        </p:cTn>
+                                        <p:tgtEl>
+                                          <p:spTgt spid="18"/>
+                                        </p:tgtEl>
+                                        <p:attrNameLst>
+                                          <p:attrName>style.visibility</p:attrName>
+                                        </p:attrNameLst>
+                                      </p:cBhvr>
+                                      <p:to>
+                                        <p:strVal val="visible"/>
+                                      </p:to>
+                                    </p:set>
+                                  </p:childTnLst>
+                                </p:cTn>
+                              </p:par>
+                            </p:childTnLst>
+                          </p:cTn>
+                        </p:par>
+                        <p:par>
+                          <p:cTn id="7" fill="hold">
+                            <p:stCondLst>
+                              <p:cond delay="0"/>
+                            </p:stCondLst>
+                            <p:childTnLst>
+                              <p:par>
+                                <p:cTn id="8" presetID="1" presetClass="entr" presetSubtype="0" fill="hold" nodeType="afterEffect">
+                                  <p:stCondLst>
+                                    <p:cond delay="0"/>
+                                  </p:stCondLst>
+                                  <p:childTnLst>
+                                    <p:set>
+                                      <p:cBhvr>
+                                        <p:cTn id="9" dur="1" fill="hold">
+                                          <p:stCondLst>
+                                            <p:cond delay="0"/>
+                                          </p:stCondLst>
+                                        </p:cTn>
+                                        <p:tgtEl>
+                                          <p:spTgt spid="20"/>
+                                        </p:tgtEl>
+                                        <p:attrNameLst>
+                                          <p:attrName>style.visibility</p:attrName>
+                                        </p:attrNameLst>
+                                      </p:cBhvr>
+                                      <p:to>
+                                        <p:strVal val="visible"/>
+                                      </p:to>
+                                    </p:set>
+                                  </p:childTnLst>
+                                </p:cTn>
+                              </p:par>
+                            </p:childTnLst>
+                          </p:cTn>
+                        </p:par>
+                        <p:par>
+                          <p:cTn id="10" fill="hold">
+                            <p:stCondLst>
+                              <p:cond delay="0"/>
+                            </p:stCondLst>
+                            <p:childTnLst>
+                              <p:par>
+                                <p:cTn id="11" presetID="1" presetClass="entr" presetSubtype="0" fill="hold" nodeType="afterEffect">
+                                  <p:stCondLst>
+                                    <p:cond delay="0"/>
+                                  </p:stCondLst>
+                                  <p:childTnLst>
+                                    <p:set>
+                                      <p:cBhvr>
+                                        <p:cTn id="12" dur="1" fill="hold">
+                                          <p:stCondLst>
+                                            <p:cond delay="0"/>
+                                          </p:stCondLst>
+                                        </p:cTn>
+                                        <p:tgtEl>
+                                          <p:spTgt spid="19"/>
+                                        </p:tgtEl>
+                                        <p:attrNameLst>
+                                          <p:attrName>style.visibility</p:attrName>
+                                        </p:attrNameLst>
+                                      </p:cBhvr>
+                                      <p:to>
+                                        <p:strVal val="visible"/>
+                                      </p:to>
+                                    </p:set>
+                                  </p:childTnLst>
+                                </p:cTn>
+                              </p:par>
+                            </p:childTnLst>
+                          </p:cTn>
+                        </p:par>
+                      </p:childTnLst>
+                    </p:cTn>
+                  </p:par>
+                </p:childTnLst>
+              </p:cTn>
+              <p:prevCondLst>
+                <p:cond evt="onPrev" delay="0">
+                  <p:tgtEl>
+                    <p:sldTgt/>
+                  </p:tgtEl>
+                </p:cond>
+              </p:prevCondLst>
+              <p:nextCondLst>
+                <p:cond evt="onNext" delay="0">
+                  <p:tgtEl>
+                    <p:sldTgt/>
+                  </p:tgtEl>
+                </p:cond>
+              </p:nextCondLst>
+            </p:seq>
+          </p:childTnLst>
+        </p:cTn>
+      </p:par>
+    </p:tnLst>
+  </p:timing>
+</p:sld>
+</file>
+
+<file path=ppt/slides/slide6.xml><?xml version="1.0" encoding="utf-8"?>
 <p:sld xmlns:a="http://schemas.openxmlformats.org/drawingml/2006/main" xmlns:r="http://schemas.openxmlformats.org/officeDocument/2006/relationships" xmlns:p="http://schemas.openxmlformats.org/presentationml/2006/main">
   <p:cSld>
     <p:spTree>
@@ -12019,7 +14312,7 @@
     </p:spTree>
     <p:extLst>
       <p:ext uri="{BB962C8B-B14F-4D97-AF65-F5344CB8AC3E}">
-        <p14:creationId xmlns:p14="http://schemas.microsoft.com/office/powerpoint/2010/main" val="831622046"/>
+        <p14:creationId xmlns:p14="http://schemas.microsoft.com/office/powerpoint/2010/main" val="2606269108"/>
       </p:ext>
     </p:extLst>
   </p:cSld>
@@ -12201,7 +14494,7 @@
 </p:sld>
 </file>
 
-<file path=ppt/slides/slide8.xml><?xml version="1.0" encoding="utf-8"?>
+<file path=ppt/slides/slide7.xml><?xml version="1.0" encoding="utf-8"?>
 <p:sld xmlns:a="http://schemas.openxmlformats.org/drawingml/2006/main" xmlns:r="http://schemas.openxmlformats.org/officeDocument/2006/relationships" xmlns:p="http://schemas.openxmlformats.org/presentationml/2006/main">
   <p:cSld>
     <p:spTree>
@@ -12719,6 +15012,376 @@
 </p:sld>
 </file>
 
+<file path=ppt/slides/slide8.xml><?xml version="1.0" encoding="utf-8"?>
+<p:sld xmlns:a="http://schemas.openxmlformats.org/drawingml/2006/main" xmlns:r="http://schemas.openxmlformats.org/officeDocument/2006/relationships" xmlns:p="http://schemas.openxmlformats.org/presentationml/2006/main">
+  <p:cSld>
+    <p:spTree>
+      <p:nvGrpSpPr>
+        <p:cNvPr id="1" name=""/>
+        <p:cNvGrpSpPr/>
+        <p:nvPr/>
+      </p:nvGrpSpPr>
+      <p:grpSpPr>
+        <a:xfrm>
+          <a:off x="0" y="0"/>
+          <a:ext cx="0" cy="0"/>
+          <a:chOff x="0" y="0"/>
+          <a:chExt cx="0" cy="0"/>
+        </a:xfrm>
+      </p:grpSpPr>
+      <p:pic>
+        <p:nvPicPr>
+          <p:cNvPr id="16" name="Picture 15"/>
+          <p:cNvPicPr>
+            <a:picLocks noChangeAspect="1"/>
+          </p:cNvPicPr>
+          <p:nvPr/>
+        </p:nvPicPr>
+        <p:blipFill>
+          <a:blip r:embed="rId3">
+            <a:alphaModFix amt="10000"/>
+          </a:blip>
+          <a:stretch>
+            <a:fillRect/>
+          </a:stretch>
+        </p:blipFill>
+        <p:spPr>
+          <a:xfrm>
+            <a:off x="-294886" y="-326332"/>
+            <a:ext cx="4076772" cy="3057579"/>
+          </a:xfrm>
+          <a:prstGeom prst="rect">
+            <a:avLst/>
+          </a:prstGeom>
+        </p:spPr>
+      </p:pic>
+      <p:sp>
+        <p:nvSpPr>
+          <p:cNvPr id="2" name="Title 1"/>
+          <p:cNvSpPr>
+            <a:spLocks noGrp="1"/>
+          </p:cNvSpPr>
+          <p:nvPr>
+            <p:ph type="title"/>
+          </p:nvPr>
+        </p:nvSpPr>
+        <p:spPr/>
+        <p:txBody>
+          <a:bodyPr/>
+          <a:lstStyle/>
+          <a:p>
+            <a:r>
+              <a:rPr lang="en-US" dirty="0" smtClean="0"/>
+              <a:t>Productio</a:t>
+            </a:r>
+            <a:r>
+              <a:rPr lang="en-US" dirty="0" smtClean="0"/>
+              <a:t>n Access</a:t>
+            </a:r>
+            <a:endParaRPr lang="en-US" dirty="0"/>
+          </a:p>
+        </p:txBody>
+      </p:sp>
+      <p:grpSp>
+        <p:nvGrpSpPr>
+          <p:cNvPr id="17" name="Group 16"/>
+          <p:cNvGrpSpPr/>
+          <p:nvPr/>
+        </p:nvGrpSpPr>
+        <p:grpSpPr>
+          <a:xfrm>
+            <a:off x="3190211" y="2083022"/>
+            <a:ext cx="2223690" cy="3689714"/>
+            <a:chOff x="3315806" y="2222589"/>
+            <a:chExt cx="2223690" cy="3689714"/>
+          </a:xfrm>
+        </p:grpSpPr>
+        <p:pic>
+          <p:nvPicPr>
+            <p:cNvPr id="18" name="Picture 17"/>
+            <p:cNvPicPr>
+              <a:picLocks noChangeAspect="1"/>
+            </p:cNvPicPr>
+            <p:nvPr/>
+          </p:nvPicPr>
+          <p:blipFill rotWithShape="1">
+            <a:blip r:embed="rId4">
+              <a:alphaModFix amt="45000"/>
+            </a:blip>
+            <a:srcRect r="85600"/>
+            <a:stretch/>
+          </p:blipFill>
+          <p:spPr>
+            <a:xfrm>
+              <a:off x="3315806" y="4293972"/>
+              <a:ext cx="932159" cy="1618331"/>
+            </a:xfrm>
+            <a:prstGeom prst="rect">
+              <a:avLst/>
+            </a:prstGeom>
+          </p:spPr>
+        </p:pic>
+        <p:pic>
+          <p:nvPicPr>
+            <p:cNvPr id="19" name="Picture 18"/>
+            <p:cNvPicPr>
+              <a:picLocks noChangeAspect="1"/>
+            </p:cNvPicPr>
+            <p:nvPr/>
+          </p:nvPicPr>
+          <p:blipFill>
+            <a:blip r:embed="rId5">
+              <a:alphaModFix amt="45000"/>
+            </a:blip>
+            <a:stretch>
+              <a:fillRect/>
+            </a:stretch>
+          </p:blipFill>
+          <p:spPr>
+            <a:xfrm>
+              <a:off x="3781886" y="2222589"/>
+              <a:ext cx="1757610" cy="2697531"/>
+            </a:xfrm>
+            <a:prstGeom prst="rect">
+              <a:avLst/>
+            </a:prstGeom>
+          </p:spPr>
+        </p:pic>
+      </p:grpSp>
+      <p:grpSp>
+        <p:nvGrpSpPr>
+          <p:cNvPr id="13" name="Group 12"/>
+          <p:cNvGrpSpPr/>
+          <p:nvPr/>
+        </p:nvGrpSpPr>
+        <p:grpSpPr>
+          <a:xfrm>
+            <a:off x="3190211" y="2083022"/>
+            <a:ext cx="2223690" cy="3689714"/>
+            <a:chOff x="3315806" y="2222589"/>
+            <a:chExt cx="2223690" cy="3689714"/>
+          </a:xfrm>
+        </p:grpSpPr>
+        <p:pic>
+          <p:nvPicPr>
+            <p:cNvPr id="14" name="Picture 13"/>
+            <p:cNvPicPr>
+              <a:picLocks noChangeAspect="1"/>
+            </p:cNvPicPr>
+            <p:nvPr/>
+          </p:nvPicPr>
+          <p:blipFill rotWithShape="1">
+            <a:blip r:embed="rId4"/>
+            <a:srcRect r="85600"/>
+            <a:stretch/>
+          </p:blipFill>
+          <p:spPr>
+            <a:xfrm>
+              <a:off x="3315806" y="4293972"/>
+              <a:ext cx="932159" cy="1618331"/>
+            </a:xfrm>
+            <a:prstGeom prst="rect">
+              <a:avLst/>
+            </a:prstGeom>
+          </p:spPr>
+        </p:pic>
+        <p:pic>
+          <p:nvPicPr>
+            <p:cNvPr id="15" name="Picture 14"/>
+            <p:cNvPicPr>
+              <a:picLocks noChangeAspect="1"/>
+            </p:cNvPicPr>
+            <p:nvPr/>
+          </p:nvPicPr>
+          <p:blipFill>
+            <a:blip r:embed="rId5"/>
+            <a:stretch>
+              <a:fillRect/>
+            </a:stretch>
+          </p:blipFill>
+          <p:spPr>
+            <a:xfrm>
+              <a:off x="3781886" y="2222589"/>
+              <a:ext cx="1757610" cy="2697531"/>
+            </a:xfrm>
+            <a:prstGeom prst="rect">
+              <a:avLst/>
+            </a:prstGeom>
+          </p:spPr>
+        </p:pic>
+      </p:grpSp>
+      <p:pic>
+        <p:nvPicPr>
+          <p:cNvPr id="3" name="Picture 2" descr="AJ_Padlock.png"/>
+          <p:cNvPicPr>
+            <a:picLocks noChangeAspect="1"/>
+          </p:cNvPicPr>
+          <p:nvPr/>
+        </p:nvPicPr>
+        <p:blipFill>
+          <a:blip r:embed="rId6">
+            <a:extLst>
+              <a:ext uri="{28A0092B-C50C-407E-A947-70E740481C1C}">
+                <a14:useLocalDpi xmlns:a14="http://schemas.microsoft.com/office/drawing/2010/main" val="0"/>
+              </a:ext>
+            </a:extLst>
+          </a:blip>
+          <a:stretch>
+            <a:fillRect/>
+          </a:stretch>
+        </p:blipFill>
+        <p:spPr>
+          <a:xfrm>
+            <a:off x="3525863" y="2268599"/>
+            <a:ext cx="1879459" cy="2120305"/>
+          </a:xfrm>
+          <a:prstGeom prst="rect">
+            <a:avLst/>
+          </a:prstGeom>
+        </p:spPr>
+      </p:pic>
+    </p:spTree>
+    <p:extLst>
+      <p:ext uri="{BB962C8B-B14F-4D97-AF65-F5344CB8AC3E}">
+        <p14:creationId xmlns:p14="http://schemas.microsoft.com/office/powerpoint/2010/main" val="1719920352"/>
+      </p:ext>
+    </p:extLst>
+  </p:cSld>
+  <p:clrMapOvr>
+    <a:masterClrMapping/>
+  </p:clrMapOvr>
+  <p:timing>
+    <p:tnLst>
+      <p:par>
+        <p:cTn xmlns:p14="http://schemas.microsoft.com/office/powerpoint/2010/main" id="1" dur="indefinite" restart="never" nodeType="tmRoot">
+          <p:childTnLst>
+            <p:seq concurrent="1" nextAc="seek">
+              <p:cTn id="2" dur="indefinite" nodeType="mainSeq">
+                <p:childTnLst>
+                  <p:par>
+                    <p:cTn id="3" fill="hold">
+                      <p:stCondLst>
+                        <p:cond delay="indefinite"/>
+                      </p:stCondLst>
+                      <p:childTnLst>
+                        <p:par>
+                          <p:cTn id="4" fill="hold">
+                            <p:stCondLst>
+                              <p:cond delay="0"/>
+                            </p:stCondLst>
+                            <p:childTnLst>
+                              <p:par>
+                                <p:cTn id="5" presetID="1" presetClass="exit" presetSubtype="0" fill="hold" nodeType="clickEffect">
+                                  <p:stCondLst>
+                                    <p:cond delay="0"/>
+                                  </p:stCondLst>
+                                  <p:childTnLst>
+                                    <p:set>
+                                      <p:cBhvr>
+                                        <p:cTn id="6" dur="1" fill="hold">
+                                          <p:stCondLst>
+                                            <p:cond delay="0"/>
+                                          </p:stCondLst>
+                                        </p:cTn>
+                                        <p:tgtEl>
+                                          <p:spTgt spid="13"/>
+                                        </p:tgtEl>
+                                        <p:attrNameLst>
+                                          <p:attrName>style.visibility</p:attrName>
+                                        </p:attrNameLst>
+                                      </p:cBhvr>
+                                      <p:to>
+                                        <p:strVal val="hidden"/>
+                                      </p:to>
+                                    </p:set>
+                                  </p:childTnLst>
+                                </p:cTn>
+                              </p:par>
+                              <p:par>
+                                <p:cTn id="7" presetID="1" presetClass="entr" presetSubtype="0" fill="hold" nodeType="withEffect">
+                                  <p:stCondLst>
+                                    <p:cond delay="0"/>
+                                  </p:stCondLst>
+                                  <p:childTnLst>
+                                    <p:set>
+                                      <p:cBhvr>
+                                        <p:cTn id="8" dur="1" fill="hold">
+                                          <p:stCondLst>
+                                            <p:cond delay="0"/>
+                                          </p:stCondLst>
+                                        </p:cTn>
+                                        <p:tgtEl>
+                                          <p:spTgt spid="17"/>
+                                        </p:tgtEl>
+                                        <p:attrNameLst>
+                                          <p:attrName>style.visibility</p:attrName>
+                                        </p:attrNameLst>
+                                      </p:cBhvr>
+                                      <p:to>
+                                        <p:strVal val="visible"/>
+                                      </p:to>
+                                    </p:set>
+                                  </p:childTnLst>
+                                </p:cTn>
+                              </p:par>
+                              <p:par>
+                                <p:cTn id="9" presetID="1" presetClass="entr" presetSubtype="0" fill="hold" nodeType="withEffect">
+                                  <p:stCondLst>
+                                    <p:cond delay="0"/>
+                                  </p:stCondLst>
+                                  <p:childTnLst>
+                                    <p:set>
+                                      <p:cBhvr>
+                                        <p:cTn id="10" dur="1" fill="hold">
+                                          <p:stCondLst>
+                                            <p:cond delay="0"/>
+                                          </p:stCondLst>
+                                        </p:cTn>
+                                        <p:tgtEl>
+                                          <p:spTgt spid="3"/>
+                                        </p:tgtEl>
+                                        <p:attrNameLst>
+                                          <p:attrName>style.visibility</p:attrName>
+                                        </p:attrNameLst>
+                                      </p:cBhvr>
+                                      <p:to>
+                                        <p:strVal val="visible"/>
+                                      </p:to>
+                                    </p:set>
+                                  </p:childTnLst>
+                                </p:cTn>
+                              </p:par>
+                            </p:childTnLst>
+                          </p:cTn>
+                        </p:par>
+                      </p:childTnLst>
+                    </p:cTn>
+                  </p:par>
+                </p:childTnLst>
+              </p:cTn>
+              <p:prevCondLst>
+                <p:cond evt="onPrev" delay="0">
+                  <p:tgtEl>
+                    <p:sldTgt/>
+                  </p:tgtEl>
+                </p:cond>
+              </p:prevCondLst>
+              <p:nextCondLst>
+                <p:cond evt="onNext" delay="0">
+                  <p:tgtEl>
+                    <p:sldTgt/>
+                  </p:tgtEl>
+                </p:cond>
+              </p:nextCondLst>
+            </p:seq>
+          </p:childTnLst>
+        </p:cTn>
+      </p:par>
+    </p:tnLst>
+  </p:timing>
+</p:sld>
+</file>
+
 <file path=ppt/slides/slide9.xml><?xml version="1.0" encoding="utf-8"?>
 <p:sld xmlns:a="http://schemas.openxmlformats.org/drawingml/2006/main" xmlns:r="http://schemas.openxmlformats.org/officeDocument/2006/relationships" xmlns:p="http://schemas.openxmlformats.org/presentationml/2006/main">
   <p:cSld>
@@ -12745,7 +15408,7 @@
           <p:nvPr/>
         </p:nvPicPr>
         <p:blipFill>
-          <a:blip r:embed="rId2">
+          <a:blip r:embed="rId3">
             <a:alphaModFix amt="10000"/>
           </a:blip>
           <a:stretch>
@@ -12779,7 +15442,7 @@
           <a:p>
             <a:r>
               <a:rPr lang="en-US" dirty="0" smtClean="0"/>
-              <a:t>Duplicated Instrumentation</a:t>
+              <a:t>What Did This Mean?</a:t>
             </a:r>
             <a:endParaRPr lang="en-US" dirty="0"/>
           </a:p>
@@ -12787,14 +15450,14 @@
       </p:sp>
       <p:pic>
         <p:nvPicPr>
-          <p:cNvPr id="5" name="Picture 4" descr="Screen Shot 2014-12-02 at 12.08.28 PM.png"/>
+          <p:cNvPr id="4" name="Picture 3" descr="pointer.png"/>
           <p:cNvPicPr>
             <a:picLocks noChangeAspect="1"/>
           </p:cNvPicPr>
           <p:nvPr/>
         </p:nvPicPr>
         <p:blipFill>
-          <a:blip r:embed="rId3">
+          <a:blip r:embed="rId4">
             <a:extLst>
               <a:ext uri="{28A0092B-C50C-407E-A947-70E740481C1C}">
                 <a14:useLocalDpi xmlns:a14="http://schemas.microsoft.com/office/drawing/2010/main" val="0"/>
@@ -12807,8 +15470,158 @@
         </p:blipFill>
         <p:spPr>
           <a:xfrm>
-            <a:off x="457200" y="2731247"/>
-            <a:ext cx="8407400" cy="2032000"/>
+            <a:off x="5139338" y="2410092"/>
+            <a:ext cx="1586962" cy="2144543"/>
+          </a:xfrm>
+          <a:prstGeom prst="rect">
+            <a:avLst/>
+          </a:prstGeom>
+        </p:spPr>
+      </p:pic>
+      <p:pic>
+        <p:nvPicPr>
+          <p:cNvPr id="5" name="Picture 4" descr="20_minutes.png"/>
+          <p:cNvPicPr>
+            <a:picLocks noChangeAspect="1"/>
+          </p:cNvPicPr>
+          <p:nvPr/>
+        </p:nvPicPr>
+        <p:blipFill>
+          <a:blip r:embed="rId5">
+            <a:extLst>
+              <a:ext uri="{28A0092B-C50C-407E-A947-70E740481C1C}">
+                <a14:useLocalDpi xmlns:a14="http://schemas.microsoft.com/office/drawing/2010/main" val="0"/>
+              </a:ext>
+            </a:extLst>
+          </a:blip>
+          <a:stretch>
+            <a:fillRect/>
+          </a:stretch>
+        </p:blipFill>
+        <p:spPr>
+          <a:xfrm>
+            <a:off x="1685816" y="2410092"/>
+            <a:ext cx="2096070" cy="2288908"/>
+          </a:xfrm>
+          <a:prstGeom prst="rect">
+            <a:avLst/>
+          </a:prstGeom>
+        </p:spPr>
+      </p:pic>
+      <p:pic>
+        <p:nvPicPr>
+          <p:cNvPr id="6" name="Picture 5" descr="Files.png"/>
+          <p:cNvPicPr>
+            <a:picLocks noChangeAspect="1"/>
+          </p:cNvPicPr>
+          <p:nvPr/>
+        </p:nvPicPr>
+        <p:blipFill>
+          <a:blip r:embed="rId6">
+            <a:extLst>
+              <a:ext uri="{28A0092B-C50C-407E-A947-70E740481C1C}">
+                <a14:useLocalDpi xmlns:a14="http://schemas.microsoft.com/office/drawing/2010/main" val="0"/>
+              </a:ext>
+            </a:extLst>
+          </a:blip>
+          <a:stretch>
+            <a:fillRect/>
+          </a:stretch>
+        </p:blipFill>
+        <p:spPr>
+          <a:xfrm>
+            <a:off x="275785" y="2410092"/>
+            <a:ext cx="1803400" cy="2336800"/>
+          </a:xfrm>
+          <a:prstGeom prst="rect">
+            <a:avLst/>
+          </a:prstGeom>
+        </p:spPr>
+      </p:pic>
+      <p:pic>
+        <p:nvPicPr>
+          <p:cNvPr id="20" name="Picture 19" descr="Files.png"/>
+          <p:cNvPicPr>
+            <a:picLocks noChangeAspect="1"/>
+          </p:cNvPicPr>
+          <p:nvPr/>
+        </p:nvPicPr>
+        <p:blipFill>
+          <a:blip r:embed="rId6">
+            <a:extLst>
+              <a:ext uri="{28A0092B-C50C-407E-A947-70E740481C1C}">
+                <a14:useLocalDpi xmlns:a14="http://schemas.microsoft.com/office/drawing/2010/main" val="0"/>
+              </a:ext>
+            </a:extLst>
+          </a:blip>
+          <a:stretch>
+            <a:fillRect/>
+          </a:stretch>
+        </p:blipFill>
+        <p:spPr>
+          <a:xfrm>
+            <a:off x="4922900" y="2410092"/>
+            <a:ext cx="1803400" cy="2336800"/>
+          </a:xfrm>
+          <a:prstGeom prst="rect">
+            <a:avLst/>
+          </a:prstGeom>
+        </p:spPr>
+      </p:pic>
+      <p:pic>
+        <p:nvPicPr>
+          <p:cNvPr id="21" name="Picture 20" descr="Files.png"/>
+          <p:cNvPicPr>
+            <a:picLocks noChangeAspect="1"/>
+          </p:cNvPicPr>
+          <p:nvPr/>
+        </p:nvPicPr>
+        <p:blipFill>
+          <a:blip r:embed="rId6">
+            <a:extLst>
+              <a:ext uri="{28A0092B-C50C-407E-A947-70E740481C1C}">
+                <a14:useLocalDpi xmlns:a14="http://schemas.microsoft.com/office/drawing/2010/main" val="0"/>
+              </a:ext>
+            </a:extLst>
+          </a:blip>
+          <a:stretch>
+            <a:fillRect/>
+          </a:stretch>
+        </p:blipFill>
+        <p:spPr>
+          <a:xfrm>
+            <a:off x="2615041" y="2410092"/>
+            <a:ext cx="1803400" cy="2336800"/>
+          </a:xfrm>
+          <a:prstGeom prst="rect">
+            <a:avLst/>
+          </a:prstGeom>
+        </p:spPr>
+      </p:pic>
+      <p:pic>
+        <p:nvPicPr>
+          <p:cNvPr id="22" name="Picture 21" descr="Files.png"/>
+          <p:cNvPicPr>
+            <a:picLocks noChangeAspect="1"/>
+          </p:cNvPicPr>
+          <p:nvPr/>
+        </p:nvPicPr>
+        <p:blipFill>
+          <a:blip r:embed="rId6">
+            <a:extLst>
+              <a:ext uri="{28A0092B-C50C-407E-A947-70E740481C1C}">
+                <a14:useLocalDpi xmlns:a14="http://schemas.microsoft.com/office/drawing/2010/main" val="0"/>
+              </a:ext>
+            </a:extLst>
+          </a:blip>
+          <a:stretch>
+            <a:fillRect/>
+          </a:stretch>
+        </p:blipFill>
+        <p:spPr>
+          <a:xfrm>
+            <a:off x="7214865" y="2410092"/>
+            <a:ext cx="1803400" cy="2336800"/>
           </a:xfrm>
           <a:prstGeom prst="rect">
             <a:avLst/>
@@ -12818,7 +15631,7 @@
     </p:spTree>
     <p:extLst>
       <p:ext uri="{BB962C8B-B14F-4D97-AF65-F5344CB8AC3E}">
-        <p14:creationId xmlns:p14="http://schemas.microsoft.com/office/powerpoint/2010/main" val="1861166274"/>
+        <p14:creationId xmlns:p14="http://schemas.microsoft.com/office/powerpoint/2010/main" val="4283073703"/>
       </p:ext>
     </p:extLst>
   </p:cSld>
@@ -12828,7 +15641,210 @@
   <p:timing>
     <p:tnLst>
       <p:par>
-        <p:cTn xmlns:p14="http://schemas.microsoft.com/office/powerpoint/2010/main" id="1" dur="indefinite" restart="never" nodeType="tmRoot"/>
+        <p:cTn xmlns:p14="http://schemas.microsoft.com/office/powerpoint/2010/main" id="1" dur="indefinite" restart="never" nodeType="tmRoot">
+          <p:childTnLst>
+            <p:seq concurrent="1" nextAc="seek">
+              <p:cTn id="2" dur="indefinite" nodeType="mainSeq">
+                <p:childTnLst>
+                  <p:par>
+                    <p:cTn id="3" fill="hold">
+                      <p:stCondLst>
+                        <p:cond delay="indefinite"/>
+                      </p:stCondLst>
+                      <p:childTnLst>
+                        <p:par>
+                          <p:cTn id="4" fill="hold">
+                            <p:stCondLst>
+                              <p:cond delay="0"/>
+                            </p:stCondLst>
+                            <p:childTnLst>
+                              <p:par>
+                                <p:cTn id="5" presetID="1" presetClass="exit" presetSubtype="0" fill="hold" nodeType="clickEffect">
+                                  <p:stCondLst>
+                                    <p:cond delay="0"/>
+                                  </p:stCondLst>
+                                  <p:childTnLst>
+                                    <p:set>
+                                      <p:cBhvr>
+                                        <p:cTn id="6" dur="1" fill="hold">
+                                          <p:stCondLst>
+                                            <p:cond delay="0"/>
+                                          </p:stCondLst>
+                                        </p:cTn>
+                                        <p:tgtEl>
+                                          <p:spTgt spid="5"/>
+                                        </p:tgtEl>
+                                        <p:attrNameLst>
+                                          <p:attrName>style.visibility</p:attrName>
+                                        </p:attrNameLst>
+                                      </p:cBhvr>
+                                      <p:to>
+                                        <p:strVal val="hidden"/>
+                                      </p:to>
+                                    </p:set>
+                                  </p:childTnLst>
+                                </p:cTn>
+                              </p:par>
+                              <p:par>
+                                <p:cTn id="7" presetID="1" presetClass="exit" presetSubtype="0" fill="hold" nodeType="withEffect">
+                                  <p:stCondLst>
+                                    <p:cond delay="0"/>
+                                  </p:stCondLst>
+                                  <p:childTnLst>
+                                    <p:set>
+                                      <p:cBhvr>
+                                        <p:cTn id="8" dur="1" fill="hold">
+                                          <p:stCondLst>
+                                            <p:cond delay="0"/>
+                                          </p:stCondLst>
+                                        </p:cTn>
+                                        <p:tgtEl>
+                                          <p:spTgt spid="4"/>
+                                        </p:tgtEl>
+                                        <p:attrNameLst>
+                                          <p:attrName>style.visibility</p:attrName>
+                                        </p:attrNameLst>
+                                      </p:cBhvr>
+                                      <p:to>
+                                        <p:strVal val="hidden"/>
+                                      </p:to>
+                                    </p:set>
+                                  </p:childTnLst>
+                                </p:cTn>
+                              </p:par>
+                              <p:par>
+                                <p:cTn id="9" presetID="1" presetClass="entr" presetSubtype="0" fill="hold" nodeType="withEffect">
+                                  <p:stCondLst>
+                                    <p:cond delay="0"/>
+                                  </p:stCondLst>
+                                  <p:childTnLst>
+                                    <p:set>
+                                      <p:cBhvr>
+                                        <p:cTn id="10" dur="1" fill="hold">
+                                          <p:stCondLst>
+                                            <p:cond delay="0"/>
+                                          </p:stCondLst>
+                                        </p:cTn>
+                                        <p:tgtEl>
+                                          <p:spTgt spid="6"/>
+                                        </p:tgtEl>
+                                        <p:attrNameLst>
+                                          <p:attrName>style.visibility</p:attrName>
+                                        </p:attrNameLst>
+                                      </p:cBhvr>
+                                      <p:to>
+                                        <p:strVal val="visible"/>
+                                      </p:to>
+                                    </p:set>
+                                  </p:childTnLst>
+                                </p:cTn>
+                              </p:par>
+                              <p:par>
+                                <p:cTn id="11" presetID="1" presetClass="entr" presetSubtype="0" fill="hold" nodeType="withEffect">
+                                  <p:stCondLst>
+                                    <p:cond delay="0"/>
+                                  </p:stCondLst>
+                                  <p:childTnLst>
+                                    <p:set>
+                                      <p:cBhvr>
+                                        <p:cTn id="12" dur="1" fill="hold">
+                                          <p:stCondLst>
+                                            <p:cond delay="0"/>
+                                          </p:stCondLst>
+                                        </p:cTn>
+                                        <p:tgtEl>
+                                          <p:spTgt spid="21"/>
+                                        </p:tgtEl>
+                                        <p:attrNameLst>
+                                          <p:attrName>style.visibility</p:attrName>
+                                        </p:attrNameLst>
+                                      </p:cBhvr>
+                                      <p:to>
+                                        <p:strVal val="visible"/>
+                                      </p:to>
+                                    </p:set>
+                                  </p:childTnLst>
+                                </p:cTn>
+                              </p:par>
+                              <p:par>
+                                <p:cTn id="13" presetID="1" presetClass="entr" presetSubtype="0" fill="hold" nodeType="withEffect">
+                                  <p:stCondLst>
+                                    <p:cond delay="0"/>
+                                  </p:stCondLst>
+                                  <p:childTnLst>
+                                    <p:set>
+                                      <p:cBhvr>
+                                        <p:cTn id="14" dur="1" fill="hold">
+                                          <p:stCondLst>
+                                            <p:cond delay="0"/>
+                                          </p:stCondLst>
+                                        </p:cTn>
+                                        <p:tgtEl>
+                                          <p:spTgt spid="20"/>
+                                        </p:tgtEl>
+                                        <p:attrNameLst>
+                                          <p:attrName>style.visibility</p:attrName>
+                                        </p:attrNameLst>
+                                      </p:cBhvr>
+                                      <p:to>
+                                        <p:strVal val="visible"/>
+                                      </p:to>
+                                    </p:set>
+                                  </p:childTnLst>
+                                </p:cTn>
+                              </p:par>
+                              <p:par>
+                                <p:cTn id="15" presetID="1" presetClass="entr" presetSubtype="0" fill="hold" nodeType="withEffect">
+                                  <p:stCondLst>
+                                    <p:cond delay="0"/>
+                                  </p:stCondLst>
+                                  <p:childTnLst>
+                                    <p:set>
+                                      <p:cBhvr>
+                                        <p:cTn id="16" dur="1" fill="hold">
+                                          <p:stCondLst>
+                                            <p:cond delay="0"/>
+                                          </p:stCondLst>
+                                        </p:cTn>
+                                        <p:tgtEl>
+                                          <p:spTgt spid="22"/>
+                                        </p:tgtEl>
+                                        <p:attrNameLst>
+                                          <p:attrName>style.visibility</p:attrName>
+                                        </p:attrNameLst>
+                                      </p:cBhvr>
+                                      <p:to>
+                                        <p:strVal val="visible"/>
+                                      </p:to>
+                                    </p:set>
+                                  </p:childTnLst>
+                                </p:cTn>
+                              </p:par>
+                            </p:childTnLst>
+                          </p:cTn>
+                        </p:par>
+                      </p:childTnLst>
+                    </p:cTn>
+                  </p:par>
+                </p:childTnLst>
+              </p:cTn>
+              <p:prevCondLst>
+                <p:cond evt="onPrev" delay="0">
+                  <p:tgtEl>
+                    <p:sldTgt/>
+                  </p:tgtEl>
+                </p:cond>
+              </p:prevCondLst>
+              <p:nextCondLst>
+                <p:cond evt="onNext" delay="0">
+                  <p:tgtEl>
+                    <p:sldTgt/>
+                  </p:tgtEl>
+                </p:cond>
+              </p:nextCondLst>
+            </p:seq>
+          </p:childTnLst>
+        </p:cTn>
       </p:par>
     </p:tnLst>
   </p:timing>

--- a/oclc-elk.pptx
+++ b/oclc-elk.pptx
@@ -5,7 +5,7 @@
     <p:sldMasterId id="2147483648" r:id="rId1"/>
   </p:sldMasterIdLst>
   <p:notesMasterIdLst>
-    <p:notesMasterId r:id="rId32"/>
+    <p:notesMasterId r:id="rId33"/>
   </p:notesMasterIdLst>
   <p:sldIdLst>
     <p:sldId id="256" r:id="rId2"/>
@@ -31,13 +31,14 @@
     <p:sldId id="292" r:id="rId22"/>
     <p:sldId id="295" r:id="rId23"/>
     <p:sldId id="296" r:id="rId24"/>
-    <p:sldId id="279" r:id="rId25"/>
-    <p:sldId id="283" r:id="rId26"/>
-    <p:sldId id="285" r:id="rId27"/>
-    <p:sldId id="286" r:id="rId28"/>
-    <p:sldId id="284" r:id="rId29"/>
-    <p:sldId id="288" r:id="rId30"/>
-    <p:sldId id="287" r:id="rId31"/>
+    <p:sldId id="298" r:id="rId25"/>
+    <p:sldId id="279" r:id="rId26"/>
+    <p:sldId id="283" r:id="rId27"/>
+    <p:sldId id="285" r:id="rId28"/>
+    <p:sldId id="286" r:id="rId29"/>
+    <p:sldId id="284" r:id="rId30"/>
+    <p:sldId id="288" r:id="rId31"/>
+    <p:sldId id="287" r:id="rId32"/>
   </p:sldIdLst>
   <p:sldSz cx="9144000" cy="6858000" type="screen4x3"/>
   <p:notesSz cx="6858000" cy="9144000"/>
@@ -671,7 +672,7 @@
           <a:p>
             <a:r>
               <a:rPr lang="en-US" baseline="0" dirty="0" smtClean="0"/>
-              <a:t>Is this familiar to anyone else?</a:t>
+              <a:t>Is this familiar to anyone else?  You can make a career being good at this…</a:t>
             </a:r>
             <a:endParaRPr lang="en-US" dirty="0"/>
           </a:p>
@@ -867,38 +868,6 @@
           <a:bodyPr/>
           <a:lstStyle/>
           <a:p>
-            <a:r>
-              <a:rPr lang="en-US" dirty="0" smtClean="0"/>
-              <a:t>With ELK – </a:t>
-            </a:r>
-          </a:p>
-          <a:p>
-            <a:endParaRPr lang="en-US" dirty="0" smtClean="0"/>
-          </a:p>
-          <a:p>
-            <a:pPr marL="0" marR="0" indent="0" algn="l" defTabSz="457200" rtl="0" eaLnBrk="1" fontAlgn="auto" latinLnBrk="0" hangingPunct="1">
-              <a:lnSpc>
-                <a:spcPct val="100000"/>
-              </a:lnSpc>
-              <a:spcBef>
-                <a:spcPts val="0"/>
-              </a:spcBef>
-              <a:spcAft>
-                <a:spcPts val="0"/>
-              </a:spcAft>
-              <a:buClrTx/>
-              <a:buSzTx/>
-              <a:buFontTx/>
-              <a:buNone/>
-              <a:tabLst/>
-              <a:defRPr/>
-            </a:pPr>
-            <a:r>
-              <a:rPr lang="en-US" baseline="0" dirty="0" smtClean="0"/>
-              <a:t>15-20 minutes to assemble all logs you wanted to use to debug a problem -&gt; instantaneous to hone in on the exact problem.</a:t>
-            </a:r>
-          </a:p>
-          <a:p>
             <a:endParaRPr lang="en-US" dirty="0"/>
           </a:p>
         </p:txBody>
@@ -1229,15 +1198,7 @@
             </a:r>
             <a:r>
               <a:rPr lang="en-US" sz="1200" dirty="0" smtClean="0"/>
-              <a:t> is a project similar to Apache Flume if you are </a:t>
-            </a:r>
-            <a:r>
-              <a:rPr lang="en-US" sz="1200" dirty="0" err="1" smtClean="0"/>
-              <a:t>famailiar</a:t>
-            </a:r>
-            <a:r>
-              <a:rPr lang="en-US" sz="1200" dirty="0" smtClean="0"/>
-              <a:t> with that project.</a:t>
+              <a:t> takes logs and other event data from your systems and move them into a central place.</a:t>
             </a:r>
           </a:p>
           <a:p>
@@ -1258,13 +1219,65 @@
               <a:tabLst/>
               <a:defRPr/>
             </a:pPr>
+            <a:endParaRPr lang="en-US" sz="1200" dirty="0" smtClean="0"/>
+          </a:p>
+          <a:p>
+            <a:pPr marL="0" marR="0" indent="0" algn="l" defTabSz="457200" rtl="0" eaLnBrk="1" fontAlgn="auto" latinLnBrk="0" hangingPunct="1">
+              <a:lnSpc>
+                <a:spcPct val="100000"/>
+              </a:lnSpc>
+              <a:spcBef>
+                <a:spcPts val="0"/>
+              </a:spcBef>
+              <a:spcAft>
+                <a:spcPts val="0"/>
+              </a:spcAft>
+              <a:buClrTx/>
+              <a:buSzTx/>
+              <a:buFontTx/>
+              <a:buNone/>
+              <a:tabLst/>
+              <a:defRPr/>
+            </a:pPr>
+            <a:endParaRPr lang="en-US" sz="1200" dirty="0" smtClean="0"/>
+          </a:p>
+          <a:p>
+            <a:pPr marL="0" marR="0" indent="0" algn="l" defTabSz="457200" rtl="0" eaLnBrk="1" fontAlgn="auto" latinLnBrk="0" hangingPunct="1">
+              <a:lnSpc>
+                <a:spcPct val="100000"/>
+              </a:lnSpc>
+              <a:spcBef>
+                <a:spcPts val="0"/>
+              </a:spcBef>
+              <a:spcAft>
+                <a:spcPts val="0"/>
+              </a:spcAft>
+              <a:buClrTx/>
+              <a:buSzTx/>
+              <a:buFontTx/>
+              <a:buNone/>
+              <a:tabLst/>
+              <a:defRPr/>
+            </a:pPr>
             <a:r>
               <a:rPr lang="en-US" sz="1200" dirty="0" err="1" smtClean="0"/>
               <a:t>Logstash</a:t>
             </a:r>
             <a:r>
               <a:rPr lang="en-US" sz="1200" dirty="0" smtClean="0"/>
-              <a:t> takes logs and other event data from your systems and move them into a central place.</a:t>
+              <a:t> </a:t>
+            </a:r>
+            <a:r>
+              <a:rPr lang="en-US" sz="1200" dirty="0" smtClean="0"/>
+              <a:t>is a project similar to Apache Flume if you are </a:t>
+            </a:r>
+            <a:r>
+              <a:rPr lang="en-US" sz="1200" dirty="0" err="1" smtClean="0"/>
+              <a:t>famailiar</a:t>
+            </a:r>
+            <a:r>
+              <a:rPr lang="en-US" sz="1200" dirty="0" smtClean="0"/>
+              <a:t> with that project.</a:t>
             </a:r>
           </a:p>
           <a:p>
@@ -1465,8 +1478,13 @@
             </a:pPr>
             <a:r>
               <a:rPr lang="en-US" sz="1200" baseline="0" dirty="0" smtClean="0"/>
-              <a:t>Or unstructured data can be treated the same as structured.</a:t>
-            </a:r>
+              <a:t>Or unstructured data can be treated the same as structured</a:t>
+            </a:r>
+            <a:r>
+              <a:rPr lang="en-US" sz="1200" baseline="0" dirty="0" smtClean="0"/>
+              <a:t>.</a:t>
+            </a:r>
+            <a:endParaRPr lang="en-US" sz="1200" baseline="0" dirty="0" smtClean="0"/>
           </a:p>
           <a:p>
             <a:pPr marL="0" marR="0" indent="0" algn="l" defTabSz="457200" rtl="0" eaLnBrk="1" fontAlgn="auto" latinLnBrk="0" hangingPunct="1">
@@ -1617,7 +1635,11 @@
             </a:r>
             <a:r>
               <a:rPr lang="en-US" sz="1200" baseline="0" dirty="0" smtClean="0"/>
-              <a:t> – entire java ecosystem available to you.</a:t>
+              <a:t> – entire java ecosystem available to you</a:t>
+            </a:r>
+            <a:r>
+              <a:rPr lang="en-US" sz="1200" baseline="0" dirty="0" smtClean="0"/>
+              <a:t>.  Most of ruby ecosystem is available to you.</a:t>
             </a:r>
             <a:endParaRPr lang="en-US" sz="1200" dirty="0" smtClean="0"/>
           </a:p>
@@ -1729,7 +1751,7 @@
             </a:r>
             <a:r>
               <a:rPr lang="en-US" sz="1200" baseline="0" dirty="0" smtClean="0"/>
-              <a:t> UI to zoom in and out of what we were looking for.  But still no magic.</a:t>
+              <a:t> UI to zoom in and out of what we were looking for</a:t>
             </a:r>
             <a:endParaRPr lang="en-US" sz="1200" dirty="0" smtClean="0"/>
           </a:p>
@@ -2124,6 +2146,38 @@
               <a:rPr lang="en-US" baseline="0" dirty="0" smtClean="0"/>
               <a:t> is we were shooting for: Magic!</a:t>
             </a:r>
+          </a:p>
+          <a:p>
+            <a:endParaRPr lang="en-US" baseline="0" dirty="0" smtClean="0"/>
+          </a:p>
+          <a:p>
+            <a:pPr marL="0" marR="0" indent="0" algn="l" defTabSz="457200" rtl="0" eaLnBrk="1" fontAlgn="auto" latinLnBrk="0" hangingPunct="1">
+              <a:lnSpc>
+                <a:spcPct val="100000"/>
+              </a:lnSpc>
+              <a:spcBef>
+                <a:spcPts val="0"/>
+              </a:spcBef>
+              <a:spcAft>
+                <a:spcPts val="0"/>
+              </a:spcAft>
+              <a:buClrTx/>
+              <a:buSzTx/>
+              <a:buFontTx/>
+              <a:buNone/>
+              <a:tabLst/>
+              <a:defRPr/>
+            </a:pPr>
+            <a:r>
+              <a:rPr lang="en-US" baseline="0" dirty="0" smtClean="0"/>
+              <a:t>All of this infrastructure, and </a:t>
+            </a:r>
+            <a:r>
+              <a:rPr lang="en-US" dirty="0" smtClean="0"/>
+              <a:t>still no magic (yet)</a:t>
+            </a:r>
+          </a:p>
+          <a:p>
             <a:endParaRPr lang="en-US" dirty="0"/>
           </a:p>
         </p:txBody>
@@ -2309,6 +2363,19 @@
               <a:rPr lang="en-US" dirty="0" smtClean="0"/>
               <a:t>"Mapped Diagnostic Context" is essentially a map maintained by the logging framework where the application code provides key-value pairs which can then be inserted by the logging framework in log messages.</a:t>
             </a:r>
+          </a:p>
+          <a:p>
+            <a:endParaRPr lang="en-US" dirty="0" smtClean="0"/>
+          </a:p>
+          <a:p>
+            <a:r>
+              <a:rPr lang="en-US" dirty="0" smtClean="0"/>
+              <a:t>Stick an</a:t>
+            </a:r>
+            <a:r>
+              <a:rPr lang="en-US" baseline="0" dirty="0" smtClean="0"/>
+              <a:t> identifier in the MDC – it ends up on every appropriate log event.</a:t>
+            </a:r>
             <a:endParaRPr lang="en-US" dirty="0"/>
           </a:p>
         </p:txBody>
@@ -2414,6 +2481,23 @@
               <a:rPr lang="en-US" baseline="0" dirty="0" smtClean="0"/>
               <a:t> selected field.  (Multiples allowed)</a:t>
             </a:r>
+          </a:p>
+          <a:p>
+            <a:endParaRPr lang="en-US" baseline="0" dirty="0" smtClean="0"/>
+          </a:p>
+          <a:p>
+            <a:r>
+              <a:rPr lang="en-US" baseline="0" dirty="0" smtClean="0"/>
+              <a:t>We map these markers to </a:t>
+            </a:r>
+            <a:r>
+              <a:rPr lang="en-US" baseline="0" dirty="0" err="1" smtClean="0"/>
+              <a:t>logstash</a:t>
+            </a:r>
+            <a:r>
+              <a:rPr lang="en-US" baseline="0" dirty="0" smtClean="0"/>
+              <a:t> Tags.</a:t>
+            </a:r>
             <a:endParaRPr lang="en-US" dirty="0"/>
           </a:p>
         </p:txBody>
@@ -2500,19 +2584,44 @@
           <a:p>
             <a:r>
               <a:rPr lang="en-US" dirty="0" smtClean="0"/>
-              <a:t>Show</a:t>
+              <a:t>It was easier for us to output </a:t>
+            </a:r>
+            <a:r>
+              <a:rPr lang="en-US" dirty="0" err="1" smtClean="0"/>
+              <a:t>json</a:t>
             </a:r>
             <a:r>
               <a:rPr lang="en-US" baseline="0" dirty="0" smtClean="0"/>
-              <a:t> </a:t>
+              <a:t> logs to ease the burden on </a:t>
             </a:r>
             <a:r>
               <a:rPr lang="en-US" baseline="0" dirty="0" err="1" smtClean="0"/>
-              <a:t>kibana</a:t>
+              <a:t>logstash</a:t>
             </a:r>
             <a:r>
               <a:rPr lang="en-US" baseline="0" dirty="0" smtClean="0"/>
-              <a:t> sharing of temporary dashboard</a:t>
+              <a:t> – easier to write an encoder than regex parsing in </a:t>
+            </a:r>
+            <a:r>
+              <a:rPr lang="en-US" baseline="0" dirty="0" err="1" smtClean="0"/>
+              <a:t>logstash</a:t>
+            </a:r>
+            <a:r>
+              <a:rPr lang="en-US" baseline="0" dirty="0" smtClean="0"/>
+              <a:t>.</a:t>
+            </a:r>
+          </a:p>
+          <a:p>
+            <a:endParaRPr lang="en-US" baseline="0" dirty="0" smtClean="0"/>
+          </a:p>
+          <a:p>
+            <a:r>
+              <a:rPr lang="en-US" baseline="0" dirty="0" err="1" smtClean="0"/>
+              <a:t>Logstash</a:t>
+            </a:r>
+            <a:r>
+              <a:rPr lang="en-US" baseline="0" dirty="0" smtClean="0"/>
+              <a:t> could handle the raw logs, but why?</a:t>
             </a:r>
             <a:endParaRPr lang="en-US" dirty="0"/>
           </a:p>
@@ -2544,7 +2653,7 @@
     </p:spTree>
     <p:extLst>
       <p:ext uri="{BB962C8B-B14F-4D97-AF65-F5344CB8AC3E}">
-        <p14:creationId xmlns:p14="http://schemas.microsoft.com/office/powerpoint/2010/main" val="112529183"/>
+        <p14:creationId xmlns:p14="http://schemas.microsoft.com/office/powerpoint/2010/main" val="1460070717"/>
       </p:ext>
     </p:extLst>
   </p:cSld>
@@ -2598,22 +2707,6 @@
           <a:bodyPr/>
           <a:lstStyle/>
           <a:p>
-            <a:r>
-              <a:rPr lang="en-US" dirty="0" smtClean="0"/>
-              <a:t>Spring boot</a:t>
-            </a:r>
-          </a:p>
-          <a:p>
-            <a:r>
-              <a:rPr lang="en-US" dirty="0" smtClean="0"/>
-              <a:t>Spring boot actuator health checks</a:t>
-            </a:r>
-          </a:p>
-          <a:p>
-            <a:r>
-              <a:rPr lang="en-US" dirty="0" smtClean="0"/>
-              <a:t>Gatling Load test tool</a:t>
-            </a:r>
             <a:endParaRPr lang="en-US" dirty="0"/>
           </a:p>
         </p:txBody>
@@ -2644,7 +2737,7 @@
     </p:spTree>
     <p:extLst>
       <p:ext uri="{BB962C8B-B14F-4D97-AF65-F5344CB8AC3E}">
-        <p14:creationId xmlns:p14="http://schemas.microsoft.com/office/powerpoint/2010/main" val="284077081"/>
+        <p14:creationId xmlns:p14="http://schemas.microsoft.com/office/powerpoint/2010/main" val="112529183"/>
       </p:ext>
     </p:extLst>
   </p:cSld>
@@ -2699,206 +2792,21 @@
           <a:lstStyle/>
           <a:p>
             <a:r>
-              <a:rPr lang="en-US" baseline="0" dirty="0" smtClean="0"/>
-              <a:t>When starting demo describe </a:t>
-            </a:r>
-            <a:r>
-              <a:rPr lang="en-US" baseline="0" dirty="0" err="1" smtClean="0"/>
-              <a:t>logstash</a:t>
-            </a:r>
-            <a:r>
-              <a:rPr lang="en-US" baseline="0" dirty="0" smtClean="0"/>
-              <a:t> and </a:t>
-            </a:r>
-            <a:r>
-              <a:rPr lang="en-US" baseline="0" dirty="0" err="1" smtClean="0"/>
-              <a:t>elasticsearch</a:t>
-            </a:r>
-            <a:r>
-              <a:rPr lang="en-US" baseline="0" dirty="0" smtClean="0"/>
-              <a:t> are running locally (with command line) and then show </a:t>
-            </a:r>
-            <a:r>
-              <a:rPr lang="en-US" baseline="0" dirty="0" err="1" smtClean="0"/>
-              <a:t>logstash</a:t>
-            </a:r>
-            <a:r>
-              <a:rPr lang="en-US" baseline="0" dirty="0" smtClean="0"/>
-              <a:t> </a:t>
-            </a:r>
-            <a:r>
-              <a:rPr lang="en-US" baseline="0" dirty="0" err="1" smtClean="0"/>
-              <a:t>config</a:t>
-            </a:r>
-            <a:r>
-              <a:rPr lang="en-US" baseline="0" dirty="0" smtClean="0"/>
-              <a:t> input and output before moving into </a:t>
-            </a:r>
-            <a:r>
-              <a:rPr lang="en-US" baseline="0" dirty="0" err="1" smtClean="0"/>
-              <a:t>kibana</a:t>
-            </a:r>
-            <a:r>
-              <a:rPr lang="en-US" baseline="0" dirty="0" smtClean="0"/>
-              <a:t>.</a:t>
-            </a:r>
-          </a:p>
-          <a:p>
-            <a:r>
-              <a:rPr lang="en-US" baseline="0" dirty="0" smtClean="0"/>
-              <a:t>Once in </a:t>
-            </a:r>
-            <a:r>
-              <a:rPr lang="en-US" baseline="0" dirty="0" err="1" smtClean="0"/>
-              <a:t>kibana</a:t>
-            </a:r>
-            <a:r>
-              <a:rPr lang="en-US" baseline="0" dirty="0" smtClean="0"/>
-              <a:t>, describe all the parts of the default dashboard.</a:t>
-            </a:r>
-          </a:p>
-          <a:p>
-            <a:r>
-              <a:rPr lang="en-US" baseline="0" dirty="0" smtClean="0"/>
-              <a:t>Much more slowly describe how I am using the dashboards.</a:t>
-            </a:r>
-          </a:p>
-          <a:p>
-            <a:pPr marL="0" marR="0" indent="0" algn="l" defTabSz="457200" rtl="0" eaLnBrk="1" fontAlgn="auto" latinLnBrk="0" hangingPunct="1">
-              <a:lnSpc>
-                <a:spcPct val="100000"/>
-              </a:lnSpc>
-              <a:spcBef>
-                <a:spcPts val="0"/>
-              </a:spcBef>
-              <a:spcAft>
-                <a:spcPts val="0"/>
-              </a:spcAft>
-              <a:buClrTx/>
-              <a:buSzTx/>
-              <a:buFontTx/>
-              <a:buNone/>
-              <a:tabLst/>
-              <a:defRPr/>
-            </a:pPr>
-            <a:r>
-              <a:rPr lang="en-US" baseline="0" dirty="0" smtClean="0"/>
-              <a:t>In </a:t>
-            </a:r>
-            <a:r>
-              <a:rPr lang="en-US" baseline="0" dirty="0" err="1" smtClean="0"/>
-              <a:t>kibana</a:t>
-            </a:r>
-            <a:r>
-              <a:rPr lang="en-US" baseline="0" dirty="0" smtClean="0"/>
-              <a:t> – dragging across the graph, show how clicking on mag-glass creates filters, filters + queries</a:t>
-            </a:r>
-          </a:p>
-          <a:p>
-            <a:endParaRPr lang="en-US" baseline="0" dirty="0" smtClean="0"/>
-          </a:p>
-          <a:p>
-            <a:r>
-              <a:rPr lang="en-US" baseline="0" dirty="0" err="1" smtClean="0"/>
-              <a:t>Kibana</a:t>
-            </a:r>
-            <a:r>
-              <a:rPr lang="en-US" baseline="0" dirty="0" smtClean="0"/>
-              <a:t> doesn’t know anything about your app or your logs</a:t>
-            </a:r>
-          </a:p>
-          <a:p>
-            <a:endParaRPr lang="en-US" baseline="0" dirty="0" smtClean="0"/>
-          </a:p>
-          <a:p>
-            <a:r>
-              <a:rPr lang="en-US" baseline="0" dirty="0" smtClean="0"/>
-              <a:t>Talk about all of the fields in the full event</a:t>
-            </a:r>
-          </a:p>
-          <a:p>
-            <a:endParaRPr lang="en-US" baseline="0" dirty="0" smtClean="0"/>
-          </a:p>
-          <a:p>
-            <a:r>
-              <a:rPr lang="en-US" baseline="0" dirty="0" smtClean="0"/>
-              <a:t>Request overview dashboard = access log centric</a:t>
-            </a:r>
-          </a:p>
-          <a:p>
-            <a:endParaRPr lang="en-US" baseline="0" dirty="0" smtClean="0"/>
-          </a:p>
-          <a:p>
-            <a:r>
-              <a:rPr lang="en-US" baseline="0" dirty="0" smtClean="0"/>
-              <a:t>Discuss </a:t>
-            </a:r>
-            <a:r>
-              <a:rPr lang="en-US" baseline="0" dirty="0" err="1" smtClean="0"/>
-              <a:t>logstash</a:t>
-            </a:r>
-            <a:r>
-              <a:rPr lang="en-US" baseline="0" dirty="0" smtClean="0"/>
-              <a:t> </a:t>
-            </a:r>
-            <a:r>
-              <a:rPr lang="en-US" baseline="0" dirty="0" err="1" smtClean="0"/>
-              <a:t>config</a:t>
-            </a:r>
-            <a:r>
-              <a:rPr lang="en-US" baseline="0" dirty="0" smtClean="0"/>
-              <a:t> and talk about running </a:t>
-            </a:r>
-            <a:r>
-              <a:rPr lang="en-US" baseline="0" dirty="0" err="1" smtClean="0"/>
-              <a:t>logstash</a:t>
-            </a:r>
-            <a:r>
-              <a:rPr lang="en-US" baseline="0" dirty="0" smtClean="0"/>
-              <a:t> and </a:t>
-            </a:r>
-            <a:r>
-              <a:rPr lang="en-US" baseline="0" dirty="0" err="1" smtClean="0"/>
-              <a:t>elasticsearch</a:t>
-            </a:r>
-            <a:r>
-              <a:rPr lang="en-US" baseline="0" dirty="0" smtClean="0"/>
-              <a:t> on laptop</a:t>
-            </a:r>
-          </a:p>
-          <a:p>
-            <a:endParaRPr lang="en-US" baseline="0" dirty="0" smtClean="0"/>
-          </a:p>
-          <a:p>
-            <a:r>
-              <a:rPr lang="en-US" baseline="0" dirty="0" smtClean="0"/>
-              <a:t>On the first dashboard describe each element of </a:t>
-            </a:r>
-            <a:r>
-              <a:rPr lang="en-US" baseline="0" dirty="0" err="1" smtClean="0"/>
-              <a:t>kibana</a:t>
-            </a:r>
-            <a:r>
-              <a:rPr lang="en-US" baseline="0" dirty="0" smtClean="0"/>
-              <a:t> – once I find the problem (either too long or a blow up) show the share link.</a:t>
-            </a:r>
-          </a:p>
-          <a:p>
-            <a:endParaRPr lang="en-US" baseline="0" dirty="0" smtClean="0"/>
-          </a:p>
-          <a:p>
-            <a:endParaRPr lang="en-US" baseline="0" dirty="0" smtClean="0"/>
-          </a:p>
-          <a:p>
-            <a:endParaRPr lang="en-US" baseline="0" dirty="0" smtClean="0"/>
-          </a:p>
-          <a:p>
-            <a:endParaRPr lang="en-US" dirty="0" smtClean="0"/>
-          </a:p>
-          <a:p>
-            <a:endParaRPr lang="en-US" baseline="0" dirty="0" smtClean="0"/>
-          </a:p>
-          <a:p>
+              <a:rPr lang="en-US" dirty="0" smtClean="0"/>
+              <a:t>Spring boot</a:t>
+            </a:r>
+          </a:p>
+          <a:p>
+            <a:r>
+              <a:rPr lang="en-US" dirty="0" smtClean="0"/>
+              <a:t>Spring boot actuator health checks</a:t>
+            </a:r>
+          </a:p>
+          <a:p>
+            <a:r>
+              <a:rPr lang="en-US" dirty="0" smtClean="0"/>
+              <a:t>Gatling Load test tool</a:t>
+            </a:r>
             <a:endParaRPr lang="en-US" dirty="0"/>
           </a:p>
         </p:txBody>
@@ -2984,34 +2892,12 @@
           <a:lstStyle/>
           <a:p>
             <a:r>
-              <a:rPr lang="en-US" dirty="0" smtClean="0"/>
-              <a:t>Highly influenced by Google</a:t>
-            </a:r>
-            <a:r>
               <a:rPr lang="en-US" baseline="0" dirty="0" smtClean="0"/>
-              <a:t> Dapper paper (open source implementation = </a:t>
+              <a:t>When starting demo describe </a:t>
             </a:r>
             <a:r>
               <a:rPr lang="en-US" baseline="0" dirty="0" err="1" smtClean="0"/>
-              <a:t>Zipkin</a:t>
-            </a:r>
-            <a:r>
-              <a:rPr lang="en-US" baseline="0" dirty="0" smtClean="0"/>
-              <a:t>)</a:t>
-            </a:r>
-          </a:p>
-          <a:p>
-            <a:r>
-              <a:rPr lang="en-US" dirty="0" smtClean="0"/>
-              <a:t>Open source alternatives</a:t>
-            </a:r>
-            <a:r>
-              <a:rPr lang="en-US" baseline="0" dirty="0" smtClean="0"/>
-              <a:t> for the </a:t>
-            </a:r>
-            <a:r>
-              <a:rPr lang="en-US" baseline="0" dirty="0" err="1" smtClean="0"/>
-              <a:t>logback</a:t>
+              <a:t>logstash</a:t>
             </a:r>
             <a:r>
               <a:rPr lang="en-US" baseline="0" dirty="0" smtClean="0"/>
@@ -3019,12 +2905,193 @@
             </a:r>
             <a:r>
               <a:rPr lang="en-US" baseline="0" dirty="0" err="1" smtClean="0"/>
-              <a:t>logback</a:t>
+              <a:t>elasticsearch</a:t>
             </a:r>
             <a:r>
               <a:rPr lang="en-US" baseline="0" dirty="0" smtClean="0"/>
-              <a:t>-access encoders, we pre-date them, so we are investigating how to switch..</a:t>
-            </a:r>
+              <a:t> are running locally (with command line) and then show </a:t>
+            </a:r>
+            <a:r>
+              <a:rPr lang="en-US" baseline="0" dirty="0" err="1" smtClean="0"/>
+              <a:t>logstash</a:t>
+            </a:r>
+            <a:r>
+              <a:rPr lang="en-US" baseline="0" dirty="0" smtClean="0"/>
+              <a:t> </a:t>
+            </a:r>
+            <a:r>
+              <a:rPr lang="en-US" baseline="0" dirty="0" err="1" smtClean="0"/>
+              <a:t>config</a:t>
+            </a:r>
+            <a:r>
+              <a:rPr lang="en-US" baseline="0" dirty="0" smtClean="0"/>
+              <a:t> input and output before moving into </a:t>
+            </a:r>
+            <a:r>
+              <a:rPr lang="en-US" baseline="0" dirty="0" err="1" smtClean="0"/>
+              <a:t>kibana</a:t>
+            </a:r>
+            <a:r>
+              <a:rPr lang="en-US" baseline="0" dirty="0" smtClean="0"/>
+              <a:t>.</a:t>
+            </a:r>
+          </a:p>
+          <a:p>
+            <a:r>
+              <a:rPr lang="en-US" baseline="0" dirty="0" smtClean="0"/>
+              <a:t>Once in </a:t>
+            </a:r>
+            <a:r>
+              <a:rPr lang="en-US" baseline="0" dirty="0" err="1" smtClean="0"/>
+              <a:t>kibana</a:t>
+            </a:r>
+            <a:r>
+              <a:rPr lang="en-US" baseline="0" dirty="0" smtClean="0"/>
+              <a:t>, describe all the parts of the default dashboard.</a:t>
+            </a:r>
+          </a:p>
+          <a:p>
+            <a:r>
+              <a:rPr lang="en-US" baseline="0" dirty="0" smtClean="0"/>
+              <a:t>Much more slowly describe how I am using the dashboards.</a:t>
+            </a:r>
+          </a:p>
+          <a:p>
+            <a:pPr marL="0" marR="0" indent="0" algn="l" defTabSz="457200" rtl="0" eaLnBrk="1" fontAlgn="auto" latinLnBrk="0" hangingPunct="1">
+              <a:lnSpc>
+                <a:spcPct val="100000"/>
+              </a:lnSpc>
+              <a:spcBef>
+                <a:spcPts val="0"/>
+              </a:spcBef>
+              <a:spcAft>
+                <a:spcPts val="0"/>
+              </a:spcAft>
+              <a:buClrTx/>
+              <a:buSzTx/>
+              <a:buFontTx/>
+              <a:buNone/>
+              <a:tabLst/>
+              <a:defRPr/>
+            </a:pPr>
+            <a:r>
+              <a:rPr lang="en-US" baseline="0" dirty="0" smtClean="0"/>
+              <a:t>In </a:t>
+            </a:r>
+            <a:r>
+              <a:rPr lang="en-US" baseline="0" dirty="0" err="1" smtClean="0"/>
+              <a:t>kibana</a:t>
+            </a:r>
+            <a:r>
+              <a:rPr lang="en-US" baseline="0" dirty="0" smtClean="0"/>
+              <a:t> – dragging across the graph, show how clicking on mag-glass creates filters, filters + queries</a:t>
+            </a:r>
+          </a:p>
+          <a:p>
+            <a:endParaRPr lang="en-US" baseline="0" dirty="0" smtClean="0"/>
+          </a:p>
+          <a:p>
+            <a:r>
+              <a:rPr lang="en-US" baseline="0" dirty="0" err="1" smtClean="0"/>
+              <a:t>Kibana</a:t>
+            </a:r>
+            <a:r>
+              <a:rPr lang="en-US" baseline="0" dirty="0" smtClean="0"/>
+              <a:t> doesn’t know anything about your app or your logs</a:t>
+            </a:r>
+          </a:p>
+          <a:p>
+            <a:endParaRPr lang="en-US" baseline="0" dirty="0" smtClean="0"/>
+          </a:p>
+          <a:p>
+            <a:r>
+              <a:rPr lang="en-US" baseline="0" dirty="0" smtClean="0"/>
+              <a:t>Talk about all of the fields in the full event</a:t>
+            </a:r>
+          </a:p>
+          <a:p>
+            <a:endParaRPr lang="en-US" baseline="0" dirty="0" smtClean="0"/>
+          </a:p>
+          <a:p>
+            <a:r>
+              <a:rPr lang="en-US" baseline="0" dirty="0" smtClean="0"/>
+              <a:t>Request overview dashboard = access log centric</a:t>
+            </a:r>
+          </a:p>
+          <a:p>
+            <a:endParaRPr lang="en-US" baseline="0" dirty="0" smtClean="0"/>
+          </a:p>
+          <a:p>
+            <a:r>
+              <a:rPr lang="en-US" baseline="0" dirty="0" smtClean="0"/>
+              <a:t>Discuss </a:t>
+            </a:r>
+            <a:r>
+              <a:rPr lang="en-US" baseline="0" dirty="0" err="1" smtClean="0"/>
+              <a:t>logstash</a:t>
+            </a:r>
+            <a:r>
+              <a:rPr lang="en-US" baseline="0" dirty="0" smtClean="0"/>
+              <a:t> </a:t>
+            </a:r>
+            <a:r>
+              <a:rPr lang="en-US" baseline="0" dirty="0" err="1" smtClean="0"/>
+              <a:t>config</a:t>
+            </a:r>
+            <a:r>
+              <a:rPr lang="en-US" baseline="0" dirty="0" smtClean="0"/>
+              <a:t> and talk about running </a:t>
+            </a:r>
+            <a:r>
+              <a:rPr lang="en-US" baseline="0" dirty="0" err="1" smtClean="0"/>
+              <a:t>logstash</a:t>
+            </a:r>
+            <a:r>
+              <a:rPr lang="en-US" baseline="0" dirty="0" smtClean="0"/>
+              <a:t> and </a:t>
+            </a:r>
+            <a:r>
+              <a:rPr lang="en-US" baseline="0" dirty="0" err="1" smtClean="0"/>
+              <a:t>elasticsearch</a:t>
+            </a:r>
+            <a:r>
+              <a:rPr lang="en-US" baseline="0" dirty="0" smtClean="0"/>
+              <a:t> on laptop</a:t>
+            </a:r>
+          </a:p>
+          <a:p>
+            <a:endParaRPr lang="en-US" baseline="0" dirty="0" smtClean="0"/>
+          </a:p>
+          <a:p>
+            <a:r>
+              <a:rPr lang="en-US" baseline="0" dirty="0" smtClean="0"/>
+              <a:t>On the first dashboard describe each element of </a:t>
+            </a:r>
+            <a:r>
+              <a:rPr lang="en-US" baseline="0" dirty="0" err="1" smtClean="0"/>
+              <a:t>kibana</a:t>
+            </a:r>
+            <a:r>
+              <a:rPr lang="en-US" baseline="0" dirty="0" smtClean="0"/>
+              <a:t> – once I find the problem (either too long or a blow up) show the share link.</a:t>
+            </a:r>
+          </a:p>
+          <a:p>
+            <a:endParaRPr lang="en-US" baseline="0" dirty="0" smtClean="0"/>
+          </a:p>
+          <a:p>
+            <a:endParaRPr lang="en-US" baseline="0" dirty="0" smtClean="0"/>
+          </a:p>
+          <a:p>
+            <a:endParaRPr lang="en-US" baseline="0" dirty="0" smtClean="0"/>
+          </a:p>
+          <a:p>
+            <a:endParaRPr lang="en-US" dirty="0" smtClean="0"/>
+          </a:p>
+          <a:p>
+            <a:endParaRPr lang="en-US" baseline="0" dirty="0" smtClean="0"/>
+          </a:p>
+          <a:p>
             <a:endParaRPr lang="en-US" dirty="0"/>
           </a:p>
         </p:txBody>
@@ -3110,6 +3177,132 @@
           <a:lstStyle/>
           <a:p>
             <a:r>
+              <a:rPr lang="en-US" dirty="0" smtClean="0"/>
+              <a:t>Highly influenced by Google</a:t>
+            </a:r>
+            <a:r>
+              <a:rPr lang="en-US" baseline="0" dirty="0" smtClean="0"/>
+              <a:t> Dapper paper (open source implementation = </a:t>
+            </a:r>
+            <a:r>
+              <a:rPr lang="en-US" baseline="0" dirty="0" err="1" smtClean="0"/>
+              <a:t>Zipkin</a:t>
+            </a:r>
+            <a:r>
+              <a:rPr lang="en-US" baseline="0" dirty="0" smtClean="0"/>
+              <a:t>)</a:t>
+            </a:r>
+          </a:p>
+          <a:p>
+            <a:r>
+              <a:rPr lang="en-US" dirty="0" smtClean="0"/>
+              <a:t>Open source alternatives</a:t>
+            </a:r>
+            <a:r>
+              <a:rPr lang="en-US" baseline="0" dirty="0" smtClean="0"/>
+              <a:t> for the </a:t>
+            </a:r>
+            <a:r>
+              <a:rPr lang="en-US" baseline="0" dirty="0" err="1" smtClean="0"/>
+              <a:t>logback</a:t>
+            </a:r>
+            <a:r>
+              <a:rPr lang="en-US" baseline="0" dirty="0" smtClean="0"/>
+              <a:t> and </a:t>
+            </a:r>
+            <a:r>
+              <a:rPr lang="en-US" baseline="0" dirty="0" err="1" smtClean="0"/>
+              <a:t>logback</a:t>
+            </a:r>
+            <a:r>
+              <a:rPr lang="en-US" baseline="0" dirty="0" smtClean="0"/>
+              <a:t>-access encoders, we pre-date them, so we are investigating how to switch..</a:t>
+            </a:r>
+            <a:endParaRPr lang="en-US" dirty="0"/>
+          </a:p>
+        </p:txBody>
+      </p:sp>
+      <p:sp>
+        <p:nvSpPr>
+          <p:cNvPr id="4" name="Slide Number Placeholder 3"/>
+          <p:cNvSpPr>
+            <a:spLocks noGrp="1"/>
+          </p:cNvSpPr>
+          <p:nvPr>
+            <p:ph type="sldNum" sz="quarter" idx="10"/>
+          </p:nvPr>
+        </p:nvSpPr>
+        <p:spPr/>
+        <p:txBody>
+          <a:bodyPr/>
+          <a:lstStyle/>
+          <a:p>
+            <a:fld id="{9EE0E4B5-1664-9E4D-908E-362B3D86519C}" type="slidenum">
+              <a:rPr lang="en-US" smtClean="0"/>
+              <a:t>28</a:t>
+            </a:fld>
+            <a:endParaRPr lang="en-US"/>
+          </a:p>
+        </p:txBody>
+      </p:sp>
+    </p:spTree>
+    <p:extLst>
+      <p:ext uri="{BB962C8B-B14F-4D97-AF65-F5344CB8AC3E}">
+        <p14:creationId xmlns:p14="http://schemas.microsoft.com/office/powerpoint/2010/main" val="284077081"/>
+      </p:ext>
+    </p:extLst>
+  </p:cSld>
+  <p:clrMapOvr>
+    <a:masterClrMapping/>
+  </p:clrMapOvr>
+</p:notes>
+</file>
+
+<file path=ppt/notesSlides/notesSlide29.xml><?xml version="1.0" encoding="utf-8"?>
+<p:notes xmlns:a="http://schemas.openxmlformats.org/drawingml/2006/main" xmlns:r="http://schemas.openxmlformats.org/officeDocument/2006/relationships" xmlns:p="http://schemas.openxmlformats.org/presentationml/2006/main">
+  <p:cSld>
+    <p:spTree>
+      <p:nvGrpSpPr>
+        <p:cNvPr id="1" name=""/>
+        <p:cNvGrpSpPr/>
+        <p:nvPr/>
+      </p:nvGrpSpPr>
+      <p:grpSpPr>
+        <a:xfrm>
+          <a:off x="0" y="0"/>
+          <a:ext cx="0" cy="0"/>
+          <a:chOff x="0" y="0"/>
+          <a:chExt cx="0" cy="0"/>
+        </a:xfrm>
+      </p:grpSpPr>
+      <p:sp>
+        <p:nvSpPr>
+          <p:cNvPr id="2" name="Slide Image Placeholder 1"/>
+          <p:cNvSpPr>
+            <a:spLocks noGrp="1" noRot="1" noChangeAspect="1"/>
+          </p:cNvSpPr>
+          <p:nvPr>
+            <p:ph type="sldImg"/>
+          </p:nvPr>
+        </p:nvSpPr>
+        <p:spPr/>
+      </p:sp>
+      <p:sp>
+        <p:nvSpPr>
+          <p:cNvPr id="3" name="Notes Placeholder 2"/>
+          <p:cNvSpPr>
+            <a:spLocks noGrp="1"/>
+          </p:cNvSpPr>
+          <p:nvPr>
+            <p:ph type="body" idx="1"/>
+          </p:nvPr>
+        </p:nvSpPr>
+        <p:spPr/>
+        <p:txBody>
+          <a:bodyPr/>
+          <a:lstStyle/>
+          <a:p>
+            <a:r>
               <a:rPr lang="en-US" dirty="0" err="1" smtClean="0"/>
               <a:t>Im</a:t>
             </a:r>
@@ -3151,7 +3344,7 @@
           <a:p>
             <a:fld id="{9EE0E4B5-1664-9E4D-908E-362B3D86519C}" type="slidenum">
               <a:rPr lang="en-US" smtClean="0"/>
-              <a:t>29</a:t>
+              <a:t>30</a:t>
             </a:fld>
             <a:endParaRPr lang="en-US"/>
           </a:p>
@@ -3733,7 +3926,7 @@
             </a:pPr>
             <a:r>
               <a:rPr lang="en-US" baseline="0" dirty="0" smtClean="0"/>
-              <a:t>No access (not even read) to production hosts.</a:t>
+              <a:t>To add insult to injury - No access (not even read) to production hosts.</a:t>
             </a:r>
           </a:p>
           <a:p>
@@ -7453,9 +7646,80 @@
   <p:timing>
     <p:tnLst>
       <p:par>
-        <p:cTn xmlns:p14="http://schemas.microsoft.com/office/powerpoint/2010/main" id="1" dur="indefinite" restart="never" nodeType="tmRoot"/>
+        <p:cTn xmlns:p14="http://schemas.microsoft.com/office/powerpoint/2010/main" id="1" dur="indefinite" restart="never" nodeType="tmRoot">
+          <p:childTnLst>
+            <p:seq concurrent="1" nextAc="seek">
+              <p:cTn id="2" dur="indefinite" nodeType="mainSeq">
+                <p:childTnLst>
+                  <p:par>
+                    <p:cTn id="3" fill="hold">
+                      <p:stCondLst>
+                        <p:cond delay="indefinite"/>
+                      </p:stCondLst>
+                      <p:childTnLst>
+                        <p:par>
+                          <p:cTn id="4" fill="hold">
+                            <p:stCondLst>
+                              <p:cond delay="0"/>
+                            </p:stCondLst>
+                            <p:childTnLst>
+                              <p:par>
+                                <p:cTn id="5" presetID="1" presetClass="entr" presetSubtype="0" fill="hold" grpId="0" nodeType="clickEffect">
+                                  <p:stCondLst>
+                                    <p:cond delay="0"/>
+                                  </p:stCondLst>
+                                  <p:childTnLst>
+                                    <p:set>
+                                      <p:cBhvr>
+                                        <p:cTn id="6" dur="1" fill="hold">
+                                          <p:stCondLst>
+                                            <p:cond delay="0"/>
+                                          </p:stCondLst>
+                                        </p:cTn>
+                                        <p:tgtEl>
+                                          <p:spTgt spid="3"/>
+                                        </p:tgtEl>
+                                        <p:attrNameLst>
+                                          <p:attrName>style.visibility</p:attrName>
+                                        </p:attrNameLst>
+                                      </p:cBhvr>
+                                      <p:to>
+                                        <p:strVal val="visible"/>
+                                      </p:to>
+                                    </p:set>
+                                  </p:childTnLst>
+                                </p:cTn>
+                              </p:par>
+                            </p:childTnLst>
+                          </p:cTn>
+                        </p:par>
+                      </p:childTnLst>
+                    </p:cTn>
+                  </p:par>
+                </p:childTnLst>
+              </p:cTn>
+              <p:prevCondLst>
+                <p:cond evt="onPrev" delay="0">
+                  <p:tgtEl>
+                    <p:sldTgt/>
+                  </p:tgtEl>
+                </p:cond>
+              </p:prevCondLst>
+              <p:nextCondLst>
+                <p:cond evt="onNext" delay="0">
+                  <p:tgtEl>
+                    <p:sldTgt/>
+                  </p:tgtEl>
+                </p:cond>
+              </p:nextCondLst>
+            </p:seq>
+          </p:childTnLst>
+        </p:cTn>
       </p:par>
     </p:tnLst>
+    <p:bldLst>
+      <p:bldP spid="3" grpId="0"/>
+    </p:bldLst>
   </p:timing>
 </p:sld>
 </file>
@@ -12208,6 +12472,265 @@
           <a:lstStyle/>
           <a:p>
             <a:r>
+              <a:rPr lang="en-US" sz="4400" dirty="0" err="1" smtClean="0"/>
+              <a:t>Json</a:t>
+            </a:r>
+            <a:r>
+              <a:rPr lang="en-US" sz="4400" dirty="0" smtClean="0"/>
+              <a:t> Logs</a:t>
+            </a:r>
+            <a:endParaRPr lang="en-US" sz="4400" dirty="0"/>
+          </a:p>
+        </p:txBody>
+      </p:sp>
+      <p:pic>
+        <p:nvPicPr>
+          <p:cNvPr id="5" name="Picture 4" descr="slf4j-logo.jpg"/>
+          <p:cNvPicPr>
+            <a:picLocks noChangeAspect="1"/>
+          </p:cNvPicPr>
+          <p:nvPr/>
+        </p:nvPicPr>
+        <p:blipFill>
+          <a:blip r:embed="rId3">
+            <a:alphaModFix amt="15000"/>
+            <a:extLst>
+              <a:ext uri="{28A0092B-C50C-407E-A947-70E740481C1C}">
+                <a14:useLocalDpi xmlns:a14="http://schemas.microsoft.com/office/drawing/2010/main" val="0"/>
+              </a:ext>
+            </a:extLst>
+          </a:blip>
+          <a:stretch>
+            <a:fillRect/>
+          </a:stretch>
+        </p:blipFill>
+        <p:spPr>
+          <a:xfrm>
+            <a:off x="0" y="-4827"/>
+            <a:ext cx="3400298" cy="1449307"/>
+          </a:xfrm>
+          <a:prstGeom prst="rect">
+            <a:avLst/>
+          </a:prstGeom>
+        </p:spPr>
+      </p:pic>
+      <p:pic>
+        <p:nvPicPr>
+          <p:cNvPr id="7" name="Picture 6" descr="tutorial-access-logs.png"/>
+          <p:cNvPicPr>
+            <a:picLocks noChangeAspect="1"/>
+          </p:cNvPicPr>
+          <p:nvPr/>
+        </p:nvPicPr>
+        <p:blipFill>
+          <a:blip r:embed="rId4">
+            <a:extLst>
+              <a:ext uri="{28A0092B-C50C-407E-A947-70E740481C1C}">
+                <a14:useLocalDpi xmlns:a14="http://schemas.microsoft.com/office/drawing/2010/main" val="0"/>
+              </a:ext>
+            </a:extLst>
+          </a:blip>
+          <a:stretch>
+            <a:fillRect/>
+          </a:stretch>
+        </p:blipFill>
+        <p:spPr>
+          <a:xfrm>
+            <a:off x="698199" y="1904338"/>
+            <a:ext cx="7507328" cy="4017683"/>
+          </a:xfrm>
+          <a:prstGeom prst="rect">
+            <a:avLst/>
+          </a:prstGeom>
+        </p:spPr>
+      </p:pic>
+      <p:pic>
+        <p:nvPicPr>
+          <p:cNvPr id="8" name="Picture 7" descr="Screen Shot 2015-01-01 at 2.02.03 PM.png"/>
+          <p:cNvPicPr>
+            <a:picLocks noChangeAspect="1"/>
+          </p:cNvPicPr>
+          <p:nvPr/>
+        </p:nvPicPr>
+        <p:blipFill>
+          <a:blip r:embed="rId5">
+            <a:extLst>
+              <a:ext uri="{28A0092B-C50C-407E-A947-70E740481C1C}">
+                <a14:useLocalDpi xmlns:a14="http://schemas.microsoft.com/office/drawing/2010/main" val="0"/>
+              </a:ext>
+            </a:extLst>
+          </a:blip>
+          <a:stretch>
+            <a:fillRect/>
+          </a:stretch>
+        </p:blipFill>
+        <p:spPr>
+          <a:xfrm>
+            <a:off x="457200" y="2264421"/>
+            <a:ext cx="9144000" cy="3657600"/>
+          </a:xfrm>
+          <a:prstGeom prst="rect">
+            <a:avLst/>
+          </a:prstGeom>
+        </p:spPr>
+      </p:pic>
+    </p:spTree>
+    <p:extLst>
+      <p:ext uri="{BB962C8B-B14F-4D97-AF65-F5344CB8AC3E}">
+        <p14:creationId xmlns:p14="http://schemas.microsoft.com/office/powerpoint/2010/main" val="3455249129"/>
+      </p:ext>
+    </p:extLst>
+  </p:cSld>
+  <p:clrMapOvr>
+    <a:masterClrMapping/>
+  </p:clrMapOvr>
+  <p:timing>
+    <p:tnLst>
+      <p:par>
+        <p:cTn xmlns:p14="http://schemas.microsoft.com/office/powerpoint/2010/main" id="1" dur="indefinite" restart="never" nodeType="tmRoot">
+          <p:childTnLst>
+            <p:seq concurrent="1" nextAc="seek">
+              <p:cTn id="2" dur="indefinite" nodeType="mainSeq">
+                <p:childTnLst>
+                  <p:par>
+                    <p:cTn id="3" fill="hold">
+                      <p:stCondLst>
+                        <p:cond delay="indefinite"/>
+                      </p:stCondLst>
+                      <p:childTnLst>
+                        <p:par>
+                          <p:cTn id="4" fill="hold">
+                            <p:stCondLst>
+                              <p:cond delay="0"/>
+                            </p:stCondLst>
+                            <p:childTnLst>
+                              <p:par>
+                                <p:cTn id="5" presetID="1" presetClass="exit" presetSubtype="0" fill="hold" nodeType="clickEffect">
+                                  <p:stCondLst>
+                                    <p:cond delay="0"/>
+                                  </p:stCondLst>
+                                  <p:childTnLst>
+                                    <p:set>
+                                      <p:cBhvr>
+                                        <p:cTn id="6" dur="1" fill="hold">
+                                          <p:stCondLst>
+                                            <p:cond delay="0"/>
+                                          </p:stCondLst>
+                                        </p:cTn>
+                                        <p:tgtEl>
+                                          <p:spTgt spid="7"/>
+                                        </p:tgtEl>
+                                        <p:attrNameLst>
+                                          <p:attrName>style.visibility</p:attrName>
+                                        </p:attrNameLst>
+                                      </p:cBhvr>
+                                      <p:to>
+                                        <p:strVal val="hidden"/>
+                                      </p:to>
+                                    </p:set>
+                                  </p:childTnLst>
+                                </p:cTn>
+                              </p:par>
+                            </p:childTnLst>
+                          </p:cTn>
+                        </p:par>
+                        <p:par>
+                          <p:cTn id="7" fill="hold">
+                            <p:stCondLst>
+                              <p:cond delay="0"/>
+                            </p:stCondLst>
+                            <p:childTnLst>
+                              <p:par>
+                                <p:cTn id="8" presetID="1" presetClass="entr" presetSubtype="0" fill="hold" nodeType="afterEffect">
+                                  <p:stCondLst>
+                                    <p:cond delay="0"/>
+                                  </p:stCondLst>
+                                  <p:childTnLst>
+                                    <p:set>
+                                      <p:cBhvr>
+                                        <p:cTn id="9" dur="1" fill="hold">
+                                          <p:stCondLst>
+                                            <p:cond delay="0"/>
+                                          </p:stCondLst>
+                                        </p:cTn>
+                                        <p:tgtEl>
+                                          <p:spTgt spid="8"/>
+                                        </p:tgtEl>
+                                        <p:attrNameLst>
+                                          <p:attrName>style.visibility</p:attrName>
+                                        </p:attrNameLst>
+                                      </p:cBhvr>
+                                      <p:to>
+                                        <p:strVal val="visible"/>
+                                      </p:to>
+                                    </p:set>
+                                  </p:childTnLst>
+                                </p:cTn>
+                              </p:par>
+                            </p:childTnLst>
+                          </p:cTn>
+                        </p:par>
+                      </p:childTnLst>
+                    </p:cTn>
+                  </p:par>
+                </p:childTnLst>
+              </p:cTn>
+              <p:prevCondLst>
+                <p:cond evt="onPrev" delay="0">
+                  <p:tgtEl>
+                    <p:sldTgt/>
+                  </p:tgtEl>
+                </p:cond>
+              </p:prevCondLst>
+              <p:nextCondLst>
+                <p:cond evt="onNext" delay="0">
+                  <p:tgtEl>
+                    <p:sldTgt/>
+                  </p:tgtEl>
+                </p:cond>
+              </p:nextCondLst>
+            </p:seq>
+          </p:childTnLst>
+        </p:cTn>
+      </p:par>
+    </p:tnLst>
+  </p:timing>
+</p:sld>
+</file>
+
+<file path=ppt/slides/slide25.xml><?xml version="1.0" encoding="utf-8"?>
+<p:sld xmlns:a="http://schemas.openxmlformats.org/drawingml/2006/main" xmlns:r="http://schemas.openxmlformats.org/officeDocument/2006/relationships" xmlns:p="http://schemas.openxmlformats.org/presentationml/2006/main">
+  <p:cSld>
+    <p:spTree>
+      <p:nvGrpSpPr>
+        <p:cNvPr id="1" name=""/>
+        <p:cNvGrpSpPr/>
+        <p:nvPr/>
+      </p:nvGrpSpPr>
+      <p:grpSpPr>
+        <a:xfrm>
+          <a:off x="0" y="0"/>
+          <a:ext cx="0" cy="0"/>
+          <a:chOff x="0" y="0"/>
+          <a:chExt cx="0" cy="0"/>
+        </a:xfrm>
+      </p:grpSpPr>
+      <p:sp>
+        <p:nvSpPr>
+          <p:cNvPr id="2" name="Title 1"/>
+          <p:cNvSpPr>
+            <a:spLocks noGrp="1"/>
+          </p:cNvSpPr>
+          <p:nvPr>
+            <p:ph type="title"/>
+          </p:nvPr>
+        </p:nvSpPr>
+        <p:spPr/>
+        <p:txBody>
+          <a:bodyPr/>
+          <a:lstStyle/>
+          <a:p>
+            <a:r>
               <a:rPr lang="en-US" dirty="0" smtClean="0"/>
               <a:t>Demo</a:t>
             </a:r>
@@ -12265,7 +12788,7 @@
 </p:sld>
 </file>
 
-<file path=ppt/slides/slide25.xml><?xml version="1.0" encoding="utf-8"?>
+<file path=ppt/slides/slide26.xml><?xml version="1.0" encoding="utf-8"?>
 <p:sld xmlns:a="http://schemas.openxmlformats.org/drawingml/2006/main" xmlns:r="http://schemas.openxmlformats.org/officeDocument/2006/relationships" xmlns:p="http://schemas.openxmlformats.org/presentationml/2006/main">
   <p:cSld>
     <p:spTree>
@@ -12461,7 +12984,7 @@
 </p:sld>
 </file>
 
-<file path=ppt/slides/slide26.xml><?xml version="1.0" encoding="utf-8"?>
+<file path=ppt/slides/slide27.xml><?xml version="1.0" encoding="utf-8"?>
 <p:sld xmlns:a="http://schemas.openxmlformats.org/drawingml/2006/main" xmlns:r="http://schemas.openxmlformats.org/officeDocument/2006/relationships" xmlns:p="http://schemas.openxmlformats.org/presentationml/2006/main">
   <p:cSld>
     <p:spTree>
@@ -12582,7 +13105,7 @@
 </p:sld>
 </file>
 
-<file path=ppt/slides/slide27.xml><?xml version="1.0" encoding="utf-8"?>
+<file path=ppt/slides/slide28.xml><?xml version="1.0" encoding="utf-8"?>
 <p:sld xmlns:a="http://schemas.openxmlformats.org/drawingml/2006/main" xmlns:r="http://schemas.openxmlformats.org/officeDocument/2006/relationships" xmlns:p="http://schemas.openxmlformats.org/presentationml/2006/main">
   <p:cSld>
     <p:spTree>
@@ -12781,277 +13304,6 @@
     <p:extLst>
       <p:ext uri="{BB962C8B-B14F-4D97-AF65-F5344CB8AC3E}">
         <p14:creationId xmlns:p14="http://schemas.microsoft.com/office/powerpoint/2010/main" val="2070180964"/>
-      </p:ext>
-    </p:extLst>
-  </p:cSld>
-  <p:clrMapOvr>
-    <a:masterClrMapping/>
-  </p:clrMapOvr>
-  <p:timing>
-    <p:tnLst>
-      <p:par>
-        <p:cTn xmlns:p14="http://schemas.microsoft.com/office/powerpoint/2010/main" id="1" dur="indefinite" restart="never" nodeType="tmRoot"/>
-      </p:par>
-    </p:tnLst>
-  </p:timing>
-</p:sld>
-</file>
-
-<file path=ppt/slides/slide28.xml><?xml version="1.0" encoding="utf-8"?>
-<p:sld xmlns:a="http://schemas.openxmlformats.org/drawingml/2006/main" xmlns:r="http://schemas.openxmlformats.org/officeDocument/2006/relationships" xmlns:p="http://schemas.openxmlformats.org/presentationml/2006/main">
-  <p:cSld>
-    <p:spTree>
-      <p:nvGrpSpPr>
-        <p:cNvPr id="1" name=""/>
-        <p:cNvGrpSpPr/>
-        <p:nvPr/>
-      </p:nvGrpSpPr>
-      <p:grpSpPr>
-        <a:xfrm>
-          <a:off x="0" y="0"/>
-          <a:ext cx="0" cy="0"/>
-          <a:chOff x="0" y="0"/>
-          <a:chExt cx="0" cy="0"/>
-        </a:xfrm>
-      </p:grpSpPr>
-      <p:sp>
-        <p:nvSpPr>
-          <p:cNvPr id="2" name="Title 1"/>
-          <p:cNvSpPr>
-            <a:spLocks noGrp="1"/>
-          </p:cNvSpPr>
-          <p:nvPr>
-            <p:ph type="title"/>
-          </p:nvPr>
-        </p:nvSpPr>
-        <p:spPr/>
-        <p:txBody>
-          <a:bodyPr/>
-          <a:lstStyle/>
-          <a:p>
-            <a:r>
-              <a:rPr lang="en-US" dirty="0" smtClean="0"/>
-              <a:t>Resources</a:t>
-            </a:r>
-            <a:endParaRPr lang="en-US" dirty="0"/>
-          </a:p>
-        </p:txBody>
-      </p:sp>
-      <p:sp>
-        <p:nvSpPr>
-          <p:cNvPr id="3" name="Content Placeholder 2"/>
-          <p:cNvSpPr>
-            <a:spLocks noGrp="1"/>
-          </p:cNvSpPr>
-          <p:nvPr>
-            <p:ph idx="1"/>
-          </p:nvPr>
-        </p:nvSpPr>
-        <p:spPr/>
-        <p:txBody>
-          <a:bodyPr>
-            <a:normAutofit fontScale="92500" lnSpcReduction="10000"/>
-          </a:bodyPr>
-          <a:lstStyle/>
-          <a:p>
-            <a:endParaRPr lang="en-US" dirty="0" smtClean="0">
-              <a:hlinkClick r:id="rId2"/>
-            </a:endParaRPr>
-          </a:p>
-          <a:p>
-            <a:r>
-              <a:rPr lang="en-US" dirty="0">
-                <a:hlinkClick r:id="rId2"/>
-              </a:rPr>
-              <a:t>https://github.com/solidjb/elk-</a:t>
-            </a:r>
-            <a:r>
-              <a:rPr lang="en-US" dirty="0" smtClean="0">
-                <a:hlinkClick r:id="rId2"/>
-              </a:rPr>
-              <a:t>demo</a:t>
-            </a:r>
-          </a:p>
-          <a:p>
-            <a:r>
-              <a:rPr lang="en-US" dirty="0" smtClean="0">
-                <a:hlinkClick r:id="rId2"/>
-              </a:rPr>
-              <a:t>http</a:t>
-            </a:r>
-            <a:r>
-              <a:rPr lang="en-US" dirty="0">
-                <a:hlinkClick r:id="rId2"/>
-              </a:rPr>
-              <a:t>://logstash.net</a:t>
-            </a:r>
-            <a:r>
-              <a:rPr lang="en-US" dirty="0" smtClean="0">
-                <a:hlinkClick r:id="rId2"/>
-              </a:rPr>
-              <a:t>/</a:t>
-            </a:r>
-            <a:endParaRPr lang="en-US" dirty="0" smtClean="0"/>
-          </a:p>
-          <a:p>
-            <a:r>
-              <a:rPr lang="en-US" dirty="0">
-                <a:hlinkClick r:id="rId3"/>
-              </a:rPr>
-              <a:t>http://www.elasticsearch.org</a:t>
-            </a:r>
-            <a:r>
-              <a:rPr lang="en-US" dirty="0" smtClean="0">
-                <a:hlinkClick r:id="rId3"/>
-              </a:rPr>
-              <a:t>/</a:t>
-            </a:r>
-            <a:endParaRPr lang="en-US" dirty="0" smtClean="0"/>
-          </a:p>
-          <a:p>
-            <a:r>
-              <a:rPr lang="en-US" dirty="0">
-                <a:hlinkClick r:id="rId4"/>
-              </a:rPr>
-              <a:t>http://www.elasticsearch.org/overview/kibana</a:t>
-            </a:r>
-            <a:r>
-              <a:rPr lang="en-US" dirty="0" smtClean="0">
-                <a:hlinkClick r:id="rId4"/>
-              </a:rPr>
-              <a:t>/</a:t>
-            </a:r>
-            <a:endParaRPr lang="en-US" dirty="0" smtClean="0"/>
-          </a:p>
-          <a:p>
-            <a:r>
-              <a:rPr lang="en-US" dirty="0" smtClean="0">
-                <a:hlinkClick r:id="rId5"/>
-              </a:rPr>
-              <a:t>http</a:t>
-            </a:r>
-            <a:r>
-              <a:rPr lang="en-US" dirty="0">
-                <a:hlinkClick r:id="rId5"/>
-              </a:rPr>
-              <a:t>://projects.spring.io/spring-boot</a:t>
-            </a:r>
-            <a:r>
-              <a:rPr lang="en-US" dirty="0" smtClean="0">
-                <a:hlinkClick r:id="rId5"/>
-              </a:rPr>
-              <a:t>/</a:t>
-            </a:r>
-            <a:endParaRPr lang="en-US" dirty="0" smtClean="0"/>
-          </a:p>
-          <a:p>
-            <a:r>
-              <a:rPr lang="en-US" dirty="0">
-                <a:hlinkClick r:id="rId6"/>
-              </a:rPr>
-              <a:t>http://www.slf4j.org</a:t>
-            </a:r>
-            <a:r>
-              <a:rPr lang="en-US" dirty="0" smtClean="0">
-                <a:hlinkClick r:id="rId6"/>
-              </a:rPr>
-              <a:t>/</a:t>
-            </a:r>
-            <a:endParaRPr lang="en-US" dirty="0" smtClean="0"/>
-          </a:p>
-          <a:p>
-            <a:r>
-              <a:rPr lang="en-US" dirty="0">
-                <a:hlinkClick r:id="rId7"/>
-              </a:rPr>
-              <a:t>http://logback.qos.ch</a:t>
-            </a:r>
-            <a:r>
-              <a:rPr lang="en-US" dirty="0" smtClean="0">
-                <a:hlinkClick r:id="rId7"/>
-              </a:rPr>
-              <a:t>/</a:t>
-            </a:r>
-            <a:endParaRPr lang="en-US" dirty="0" smtClean="0"/>
-          </a:p>
-          <a:p>
-            <a:r>
-              <a:rPr lang="en-US" dirty="0" smtClean="0">
-                <a:hlinkClick r:id="rId8"/>
-              </a:rPr>
-              <a:t>http</a:t>
-            </a:r>
-            <a:r>
-              <a:rPr lang="en-US" dirty="0">
-                <a:hlinkClick r:id="rId8"/>
-              </a:rPr>
-              <a:t>://gatling.io</a:t>
-            </a:r>
-            <a:r>
-              <a:rPr lang="en-US" dirty="0" smtClean="0">
-                <a:hlinkClick r:id="rId8"/>
-              </a:rPr>
-              <a:t>/</a:t>
-            </a:r>
-            <a:endParaRPr lang="en-US" dirty="0" smtClean="0"/>
-          </a:p>
-          <a:p>
-            <a:r>
-              <a:rPr lang="en-US" dirty="0">
-                <a:hlinkClick r:id="rId9"/>
-              </a:rPr>
-              <a:t>http://research.google.com/pubs/pub36356.</a:t>
-            </a:r>
-            <a:r>
-              <a:rPr lang="en-US" dirty="0" smtClean="0">
-                <a:hlinkClick r:id="rId9"/>
-              </a:rPr>
-              <a:t>html</a:t>
-            </a:r>
-            <a:endParaRPr lang="en-US" dirty="0" smtClean="0"/>
-          </a:p>
-          <a:p>
-            <a:r>
-              <a:rPr lang="en-US" dirty="0">
-                <a:hlinkClick r:id="rId10"/>
-              </a:rPr>
-              <a:t>http://twitter.github.io/zipkin</a:t>
-            </a:r>
-            <a:r>
-              <a:rPr lang="en-US" dirty="0" smtClean="0">
-                <a:hlinkClick r:id="rId10"/>
-              </a:rPr>
-              <a:t>/</a:t>
-            </a:r>
-            <a:endParaRPr lang="en-US" dirty="0" smtClean="0"/>
-          </a:p>
-          <a:p>
-            <a:r>
-              <a:rPr lang="en-US" dirty="0">
-                <a:hlinkClick r:id="rId11"/>
-              </a:rPr>
-              <a:t>http://oclc.org/careers.en.html</a:t>
-            </a:r>
-            <a:endParaRPr lang="en-US" dirty="0"/>
-          </a:p>
-          <a:p>
-            <a:endParaRPr lang="en-US" dirty="0" smtClean="0"/>
-          </a:p>
-          <a:p>
-            <a:pPr marL="0" indent="0">
-              <a:buNone/>
-            </a:pPr>
-            <a:endParaRPr lang="en-US" dirty="0"/>
-          </a:p>
-          <a:p>
-            <a:endParaRPr lang="en-US" dirty="0"/>
-          </a:p>
-        </p:txBody>
-      </p:sp>
-    </p:spTree>
-    <p:extLst>
-      <p:ext uri="{BB962C8B-B14F-4D97-AF65-F5344CB8AC3E}">
-        <p14:creationId xmlns:p14="http://schemas.microsoft.com/office/powerpoint/2010/main" val="3193187975"/>
       </p:ext>
     </p:extLst>
   </p:cSld>
@@ -13102,7 +13354,7 @@
           <a:p>
             <a:r>
               <a:rPr lang="en-US" dirty="0" smtClean="0"/>
-              <a:t>Jonathan Baker</a:t>
+              <a:t>Resources</a:t>
             </a:r>
             <a:endParaRPr lang="en-US" dirty="0"/>
           </a:p>
@@ -13118,170 +13370,211 @@
             <p:ph idx="1"/>
           </p:nvPr>
         </p:nvSpPr>
-        <p:spPr>
-          <a:xfrm>
-            <a:off x="457200" y="4691187"/>
-            <a:ext cx="8229600" cy="1434976"/>
-          </a:xfrm>
-        </p:spPr>
+        <p:spPr/>
         <p:txBody>
           <a:bodyPr>
-            <a:normAutofit fontScale="92500"/>
+            <a:normAutofit fontScale="92500" lnSpcReduction="10000"/>
           </a:bodyPr>
           <a:lstStyle/>
+          <a:p>
+            <a:endParaRPr lang="en-US" dirty="0" smtClean="0">
+              <a:hlinkClick r:id="rId2"/>
+            </a:endParaRPr>
+          </a:p>
+          <a:p>
+            <a:r>
+              <a:rPr lang="en-US" dirty="0">
+                <a:hlinkClick r:id="rId2"/>
+              </a:rPr>
+              <a:t>https://github.com/solidjb/elk-</a:t>
+            </a:r>
+            <a:r>
+              <a:rPr lang="en-US" dirty="0" smtClean="0">
+                <a:hlinkClick r:id="rId2"/>
+              </a:rPr>
+              <a:t>demo</a:t>
+            </a:r>
+          </a:p>
+          <a:p>
+            <a:r>
+              <a:rPr lang="en-US" dirty="0" smtClean="0">
+                <a:hlinkClick r:id="rId2"/>
+              </a:rPr>
+              <a:t>http</a:t>
+            </a:r>
+            <a:r>
+              <a:rPr lang="en-US" dirty="0">
+                <a:hlinkClick r:id="rId2"/>
+              </a:rPr>
+              <a:t>://logstash.net</a:t>
+            </a:r>
+            <a:r>
+              <a:rPr lang="en-US" dirty="0" smtClean="0">
+                <a:hlinkClick r:id="rId2"/>
+              </a:rPr>
+              <a:t>/</a:t>
+            </a:r>
+            <a:endParaRPr lang="en-US" dirty="0" smtClean="0"/>
+          </a:p>
+          <a:p>
+            <a:r>
+              <a:rPr lang="en-US" dirty="0">
+                <a:hlinkClick r:id="rId3"/>
+              </a:rPr>
+              <a:t>http://www.elasticsearch.org</a:t>
+            </a:r>
+            <a:r>
+              <a:rPr lang="en-US" dirty="0" smtClean="0">
+                <a:hlinkClick r:id="rId3"/>
+              </a:rPr>
+              <a:t>/</a:t>
+            </a:r>
+            <a:endParaRPr lang="en-US" dirty="0" smtClean="0"/>
+          </a:p>
+          <a:p>
+            <a:r>
+              <a:rPr lang="en-US" dirty="0">
+                <a:hlinkClick r:id="rId4"/>
+              </a:rPr>
+              <a:t>http://www.elasticsearch.org/overview/kibana</a:t>
+            </a:r>
+            <a:r>
+              <a:rPr lang="en-US" dirty="0" smtClean="0">
+                <a:hlinkClick r:id="rId4"/>
+              </a:rPr>
+              <a:t>/</a:t>
+            </a:r>
+            <a:endParaRPr lang="en-US" dirty="0" smtClean="0"/>
+          </a:p>
+          <a:p>
+            <a:r>
+              <a:rPr lang="en-US" dirty="0" smtClean="0">
+                <a:hlinkClick r:id="rId5"/>
+              </a:rPr>
+              <a:t>http</a:t>
+            </a:r>
+            <a:r>
+              <a:rPr lang="en-US" dirty="0">
+                <a:hlinkClick r:id="rId5"/>
+              </a:rPr>
+              <a:t>://projects.spring.io/spring-boot</a:t>
+            </a:r>
+            <a:r>
+              <a:rPr lang="en-US" dirty="0" smtClean="0">
+                <a:hlinkClick r:id="rId5"/>
+              </a:rPr>
+              <a:t>/</a:t>
+            </a:r>
+            <a:endParaRPr lang="en-US" dirty="0" smtClean="0"/>
+          </a:p>
+          <a:p>
+            <a:r>
+              <a:rPr lang="en-US" dirty="0">
+                <a:hlinkClick r:id="rId6"/>
+              </a:rPr>
+              <a:t>http://www.slf4j.org</a:t>
+            </a:r>
+            <a:r>
+              <a:rPr lang="en-US" dirty="0" smtClean="0">
+                <a:hlinkClick r:id="rId6"/>
+              </a:rPr>
+              <a:t>/</a:t>
+            </a:r>
+            <a:endParaRPr lang="en-US" dirty="0" smtClean="0"/>
+          </a:p>
+          <a:p>
+            <a:r>
+              <a:rPr lang="en-US" dirty="0">
+                <a:hlinkClick r:id="rId7"/>
+              </a:rPr>
+              <a:t>http://logback.qos.ch</a:t>
+            </a:r>
+            <a:r>
+              <a:rPr lang="en-US" dirty="0" smtClean="0">
+                <a:hlinkClick r:id="rId7"/>
+              </a:rPr>
+              <a:t>/</a:t>
+            </a:r>
+            <a:endParaRPr lang="en-US" dirty="0" smtClean="0"/>
+          </a:p>
+          <a:p>
+            <a:r>
+              <a:rPr lang="en-US" dirty="0" smtClean="0">
+                <a:hlinkClick r:id="rId8"/>
+              </a:rPr>
+              <a:t>http</a:t>
+            </a:r>
+            <a:r>
+              <a:rPr lang="en-US" dirty="0">
+                <a:hlinkClick r:id="rId8"/>
+              </a:rPr>
+              <a:t>://gatling.io</a:t>
+            </a:r>
+            <a:r>
+              <a:rPr lang="en-US" dirty="0" smtClean="0">
+                <a:hlinkClick r:id="rId8"/>
+              </a:rPr>
+              <a:t>/</a:t>
+            </a:r>
+            <a:endParaRPr lang="en-US" dirty="0" smtClean="0"/>
+          </a:p>
+          <a:p>
+            <a:r>
+              <a:rPr lang="en-US" dirty="0">
+                <a:hlinkClick r:id="rId9"/>
+              </a:rPr>
+              <a:t>http://research.google.com/pubs/pub36356.</a:t>
+            </a:r>
+            <a:r>
+              <a:rPr lang="en-US" dirty="0" smtClean="0">
+                <a:hlinkClick r:id="rId9"/>
+              </a:rPr>
+              <a:t>html</a:t>
+            </a:r>
+            <a:endParaRPr lang="en-US" dirty="0" smtClean="0"/>
+          </a:p>
+          <a:p>
+            <a:r>
+              <a:rPr lang="en-US" dirty="0">
+                <a:hlinkClick r:id="rId10"/>
+              </a:rPr>
+              <a:t>http://twitter.github.io/zipkin</a:t>
+            </a:r>
+            <a:r>
+              <a:rPr lang="en-US" dirty="0" smtClean="0">
+                <a:hlinkClick r:id="rId10"/>
+              </a:rPr>
+              <a:t>/</a:t>
+            </a:r>
+            <a:endParaRPr lang="en-US" dirty="0" smtClean="0"/>
+          </a:p>
+          <a:p>
+            <a:r>
+              <a:rPr lang="en-US" dirty="0">
+                <a:hlinkClick r:id="rId11"/>
+              </a:rPr>
+              <a:t>http://oclc.org/careers.en.html</a:t>
+            </a:r>
+            <a:endParaRPr lang="en-US" dirty="0"/>
+          </a:p>
+          <a:p>
+            <a:endParaRPr lang="en-US" dirty="0" smtClean="0"/>
+          </a:p>
           <a:p>
             <a:pPr marL="0" indent="0">
               <a:buNone/>
             </a:pPr>
-            <a:r>
-              <a:rPr lang="en-US" dirty="0" smtClean="0">
-                <a:hlinkClick r:id="rId3"/>
-              </a:rPr>
-              <a:t>bakerj@oclc.org</a:t>
-            </a:r>
-            <a:endParaRPr lang="en-US" dirty="0" smtClean="0"/>
-          </a:p>
-          <a:p>
-            <a:pPr marL="0" indent="0">
-              <a:buNone/>
-            </a:pPr>
-            <a:r>
-              <a:rPr lang="en-US" dirty="0" smtClean="0">
-                <a:hlinkClick r:id="rId4"/>
-              </a:rPr>
-              <a:t>https</a:t>
-            </a:r>
-            <a:r>
-              <a:rPr lang="en-US" dirty="0">
-                <a:hlinkClick r:id="rId4"/>
-              </a:rPr>
-              <a:t>://github.com/</a:t>
-            </a:r>
-            <a:r>
-              <a:rPr lang="en-US" dirty="0" smtClean="0">
-                <a:hlinkClick r:id="rId4"/>
-              </a:rPr>
-              <a:t>solidjb</a:t>
-            </a:r>
-            <a:endParaRPr lang="en-US" dirty="0" smtClean="0"/>
-          </a:p>
-          <a:p>
-            <a:pPr marL="0" indent="0">
-              <a:buNone/>
-            </a:pPr>
-            <a:r>
-              <a:rPr lang="en-US" dirty="0">
-                <a:hlinkClick r:id="rId5"/>
-              </a:rPr>
-              <a:t>http://www.linkedin.com/pub/jonathan-baker/5/414/</a:t>
-            </a:r>
-            <a:r>
-              <a:rPr lang="en-US" dirty="0" smtClean="0">
-                <a:hlinkClick r:id="rId5"/>
-              </a:rPr>
-              <a:t>7b2</a:t>
-            </a:r>
-            <a:endParaRPr lang="en-US" dirty="0" smtClean="0"/>
-          </a:p>
-          <a:p>
             <a:endParaRPr lang="en-US" dirty="0"/>
           </a:p>
-        </p:txBody>
-      </p:sp>
-      <p:pic>
-        <p:nvPicPr>
-          <p:cNvPr id="4" name="Picture 3" descr="nationwide-logo*304.jpg"/>
-          <p:cNvPicPr>
-            <a:picLocks noChangeAspect="1"/>
-          </p:cNvPicPr>
-          <p:nvPr/>
-        </p:nvPicPr>
-        <p:blipFill>
-          <a:blip r:embed="rId6">
-            <a:extLst>
-              <a:ext uri="{28A0092B-C50C-407E-A947-70E740481C1C}">
-                <a14:useLocalDpi xmlns:a14="http://schemas.microsoft.com/office/drawing/2010/main" val="0"/>
-              </a:ext>
-            </a:extLst>
-          </a:blip>
-          <a:stretch>
-            <a:fillRect/>
-          </a:stretch>
-        </p:blipFill>
-        <p:spPr>
-          <a:xfrm>
-            <a:off x="6657295" y="2046793"/>
-            <a:ext cx="1551633" cy="1740483"/>
-          </a:xfrm>
-          <a:prstGeom prst="rect">
-            <a:avLst/>
-          </a:prstGeom>
-        </p:spPr>
-      </p:pic>
-      <p:pic>
-        <p:nvPicPr>
-          <p:cNvPr id="5" name="Picture 4" descr="td-amazon-smile-logo-01-large.jpg"/>
-          <p:cNvPicPr>
-            <a:picLocks noChangeAspect="1"/>
-          </p:cNvPicPr>
-          <p:nvPr/>
-        </p:nvPicPr>
-        <p:blipFill>
-          <a:blip r:embed="rId7">
-            <a:extLst>
-              <a:ext uri="{28A0092B-C50C-407E-A947-70E740481C1C}">
-                <a14:useLocalDpi xmlns:a14="http://schemas.microsoft.com/office/drawing/2010/main" val="0"/>
-              </a:ext>
-            </a:extLst>
-          </a:blip>
-          <a:stretch>
-            <a:fillRect/>
-          </a:stretch>
-        </p:blipFill>
-        <p:spPr>
-          <a:xfrm>
-            <a:off x="3488213" y="2046793"/>
-            <a:ext cx="2209267" cy="1795030"/>
-          </a:xfrm>
-          <a:prstGeom prst="rect">
-            <a:avLst/>
-          </a:prstGeom>
-        </p:spPr>
-      </p:pic>
-      <p:pic>
-        <p:nvPicPr>
-          <p:cNvPr id="6" name="Picture 5" descr="OCLC_Logo_V_Color_NoTag.png"/>
-          <p:cNvPicPr>
-            <a:picLocks noChangeAspect="1"/>
-          </p:cNvPicPr>
-          <p:nvPr/>
-        </p:nvPicPr>
-        <p:blipFill>
-          <a:blip r:embed="rId8">
-            <a:extLst>
-              <a:ext uri="{28A0092B-C50C-407E-A947-70E740481C1C}">
-                <a14:useLocalDpi xmlns:a14="http://schemas.microsoft.com/office/drawing/2010/main" val="0"/>
-              </a:ext>
-            </a:extLst>
-          </a:blip>
-          <a:stretch>
-            <a:fillRect/>
-          </a:stretch>
-        </p:blipFill>
-        <p:spPr>
-          <a:xfrm>
-            <a:off x="798841" y="2096029"/>
-            <a:ext cx="1924052" cy="1745794"/>
-          </a:xfrm>
-          <a:prstGeom prst="rect">
-            <a:avLst/>
-          </a:prstGeom>
-        </p:spPr>
-      </p:pic>
+          <a:p>
+            <a:endParaRPr lang="en-US" dirty="0"/>
+          </a:p>
+        </p:txBody>
+      </p:sp>
     </p:spTree>
     <p:extLst>
       <p:ext uri="{BB962C8B-B14F-4D97-AF65-F5344CB8AC3E}">
-        <p14:creationId xmlns:p14="http://schemas.microsoft.com/office/powerpoint/2010/main" val="1830400236"/>
+        <p14:creationId xmlns:p14="http://schemas.microsoft.com/office/powerpoint/2010/main" val="3193187975"/>
       </p:ext>
     </p:extLst>
   </p:cSld>
@@ -13563,6 +13856,236 @@
 </file>
 
 <file path=ppt/slides/slide30.xml><?xml version="1.0" encoding="utf-8"?>
+<p:sld xmlns:a="http://schemas.openxmlformats.org/drawingml/2006/main" xmlns:r="http://schemas.openxmlformats.org/officeDocument/2006/relationships" xmlns:p="http://schemas.openxmlformats.org/presentationml/2006/main">
+  <p:cSld>
+    <p:spTree>
+      <p:nvGrpSpPr>
+        <p:cNvPr id="1" name=""/>
+        <p:cNvGrpSpPr/>
+        <p:nvPr/>
+      </p:nvGrpSpPr>
+      <p:grpSpPr>
+        <a:xfrm>
+          <a:off x="0" y="0"/>
+          <a:ext cx="0" cy="0"/>
+          <a:chOff x="0" y="0"/>
+          <a:chExt cx="0" cy="0"/>
+        </a:xfrm>
+      </p:grpSpPr>
+      <p:sp>
+        <p:nvSpPr>
+          <p:cNvPr id="2" name="Title 1"/>
+          <p:cNvSpPr>
+            <a:spLocks noGrp="1"/>
+          </p:cNvSpPr>
+          <p:nvPr>
+            <p:ph type="title"/>
+          </p:nvPr>
+        </p:nvSpPr>
+        <p:spPr/>
+        <p:txBody>
+          <a:bodyPr/>
+          <a:lstStyle/>
+          <a:p>
+            <a:r>
+              <a:rPr lang="en-US" dirty="0" smtClean="0"/>
+              <a:t>Jonathan Baker</a:t>
+            </a:r>
+            <a:endParaRPr lang="en-US" dirty="0"/>
+          </a:p>
+        </p:txBody>
+      </p:sp>
+      <p:sp>
+        <p:nvSpPr>
+          <p:cNvPr id="3" name="Content Placeholder 2"/>
+          <p:cNvSpPr>
+            <a:spLocks noGrp="1"/>
+          </p:cNvSpPr>
+          <p:nvPr>
+            <p:ph idx="1"/>
+          </p:nvPr>
+        </p:nvSpPr>
+        <p:spPr>
+          <a:xfrm>
+            <a:off x="457200" y="4691187"/>
+            <a:ext cx="8229600" cy="1434976"/>
+          </a:xfrm>
+        </p:spPr>
+        <p:txBody>
+          <a:bodyPr>
+            <a:normAutofit fontScale="92500"/>
+          </a:bodyPr>
+          <a:lstStyle/>
+          <a:p>
+            <a:pPr marL="0" indent="0">
+              <a:buNone/>
+            </a:pPr>
+            <a:r>
+              <a:rPr lang="en-US" dirty="0" smtClean="0">
+                <a:hlinkClick r:id="rId3"/>
+              </a:rPr>
+              <a:t>bakerj@oclc.org</a:t>
+            </a:r>
+            <a:endParaRPr lang="en-US" dirty="0" smtClean="0"/>
+          </a:p>
+          <a:p>
+            <a:pPr marL="0" indent="0">
+              <a:buNone/>
+            </a:pPr>
+            <a:r>
+              <a:rPr lang="en-US" dirty="0" smtClean="0">
+                <a:hlinkClick r:id="rId4"/>
+              </a:rPr>
+              <a:t>https</a:t>
+            </a:r>
+            <a:r>
+              <a:rPr lang="en-US" dirty="0">
+                <a:hlinkClick r:id="rId4"/>
+              </a:rPr>
+              <a:t>://github.com/</a:t>
+            </a:r>
+            <a:r>
+              <a:rPr lang="en-US" dirty="0" smtClean="0">
+                <a:hlinkClick r:id="rId4"/>
+              </a:rPr>
+              <a:t>solidjb</a:t>
+            </a:r>
+            <a:endParaRPr lang="en-US" dirty="0" smtClean="0"/>
+          </a:p>
+          <a:p>
+            <a:pPr marL="0" indent="0">
+              <a:buNone/>
+            </a:pPr>
+            <a:r>
+              <a:rPr lang="en-US" dirty="0">
+                <a:hlinkClick r:id="rId5"/>
+              </a:rPr>
+              <a:t>http://www.linkedin.com/pub/jonathan-baker/5/414/</a:t>
+            </a:r>
+            <a:r>
+              <a:rPr lang="en-US" dirty="0" smtClean="0">
+                <a:hlinkClick r:id="rId5"/>
+              </a:rPr>
+              <a:t>7b2</a:t>
+            </a:r>
+            <a:endParaRPr lang="en-US" dirty="0" smtClean="0"/>
+          </a:p>
+          <a:p>
+            <a:endParaRPr lang="en-US" dirty="0"/>
+          </a:p>
+        </p:txBody>
+      </p:sp>
+      <p:pic>
+        <p:nvPicPr>
+          <p:cNvPr id="4" name="Picture 3" descr="nationwide-logo*304.jpg"/>
+          <p:cNvPicPr>
+            <a:picLocks noChangeAspect="1"/>
+          </p:cNvPicPr>
+          <p:nvPr/>
+        </p:nvPicPr>
+        <p:blipFill>
+          <a:blip r:embed="rId6">
+            <a:extLst>
+              <a:ext uri="{28A0092B-C50C-407E-A947-70E740481C1C}">
+                <a14:useLocalDpi xmlns:a14="http://schemas.microsoft.com/office/drawing/2010/main" val="0"/>
+              </a:ext>
+            </a:extLst>
+          </a:blip>
+          <a:stretch>
+            <a:fillRect/>
+          </a:stretch>
+        </p:blipFill>
+        <p:spPr>
+          <a:xfrm>
+            <a:off x="6657295" y="2046793"/>
+            <a:ext cx="1551633" cy="1740483"/>
+          </a:xfrm>
+          <a:prstGeom prst="rect">
+            <a:avLst/>
+          </a:prstGeom>
+        </p:spPr>
+      </p:pic>
+      <p:pic>
+        <p:nvPicPr>
+          <p:cNvPr id="5" name="Picture 4" descr="td-amazon-smile-logo-01-large.jpg"/>
+          <p:cNvPicPr>
+            <a:picLocks noChangeAspect="1"/>
+          </p:cNvPicPr>
+          <p:nvPr/>
+        </p:nvPicPr>
+        <p:blipFill>
+          <a:blip r:embed="rId7">
+            <a:extLst>
+              <a:ext uri="{28A0092B-C50C-407E-A947-70E740481C1C}">
+                <a14:useLocalDpi xmlns:a14="http://schemas.microsoft.com/office/drawing/2010/main" val="0"/>
+              </a:ext>
+            </a:extLst>
+          </a:blip>
+          <a:stretch>
+            <a:fillRect/>
+          </a:stretch>
+        </p:blipFill>
+        <p:spPr>
+          <a:xfrm>
+            <a:off x="3488213" y="2046793"/>
+            <a:ext cx="2209267" cy="1795030"/>
+          </a:xfrm>
+          <a:prstGeom prst="rect">
+            <a:avLst/>
+          </a:prstGeom>
+        </p:spPr>
+      </p:pic>
+      <p:pic>
+        <p:nvPicPr>
+          <p:cNvPr id="6" name="Picture 5" descr="OCLC_Logo_V_Color_NoTag.png"/>
+          <p:cNvPicPr>
+            <a:picLocks noChangeAspect="1"/>
+          </p:cNvPicPr>
+          <p:nvPr/>
+        </p:nvPicPr>
+        <p:blipFill>
+          <a:blip r:embed="rId8">
+            <a:extLst>
+              <a:ext uri="{28A0092B-C50C-407E-A947-70E740481C1C}">
+                <a14:useLocalDpi xmlns:a14="http://schemas.microsoft.com/office/drawing/2010/main" val="0"/>
+              </a:ext>
+            </a:extLst>
+          </a:blip>
+          <a:stretch>
+            <a:fillRect/>
+          </a:stretch>
+        </p:blipFill>
+        <p:spPr>
+          <a:xfrm>
+            <a:off x="798841" y="2096029"/>
+            <a:ext cx="1924052" cy="1745794"/>
+          </a:xfrm>
+          <a:prstGeom prst="rect">
+            <a:avLst/>
+          </a:prstGeom>
+        </p:spPr>
+      </p:pic>
+    </p:spTree>
+    <p:extLst>
+      <p:ext uri="{BB962C8B-B14F-4D97-AF65-F5344CB8AC3E}">
+        <p14:creationId xmlns:p14="http://schemas.microsoft.com/office/powerpoint/2010/main" val="1830400236"/>
+      </p:ext>
+    </p:extLst>
+  </p:cSld>
+  <p:clrMapOvr>
+    <a:masterClrMapping/>
+  </p:clrMapOvr>
+  <p:timing>
+    <p:tnLst>
+      <p:par>
+        <p:cTn xmlns:p14="http://schemas.microsoft.com/office/powerpoint/2010/main" id="1" dur="indefinite" restart="never" nodeType="tmRoot"/>
+      </p:par>
+    </p:tnLst>
+  </p:timing>
+</p:sld>
+</file>
+
+<file path=ppt/slides/slide31.xml><?xml version="1.0" encoding="utf-8"?>
 <p:sld xmlns:a="http://schemas.openxmlformats.org/drawingml/2006/main" xmlns:r="http://schemas.openxmlformats.org/officeDocument/2006/relationships" xmlns:p="http://schemas.openxmlformats.org/presentationml/2006/main">
   <p:cSld>
     <p:spTree>
@@ -15450,7 +15973,7 @@
       </p:sp>
       <p:pic>
         <p:nvPicPr>
-          <p:cNvPr id="4" name="Picture 3" descr="pointer.png"/>
+          <p:cNvPr id="6" name="Picture 5" descr="Files.png"/>
           <p:cNvPicPr>
             <a:picLocks noChangeAspect="1"/>
           </p:cNvPicPr>
@@ -15470,8 +15993,98 @@
         </p:blipFill>
         <p:spPr>
           <a:xfrm>
-            <a:off x="5139338" y="2410092"/>
-            <a:ext cx="1586962" cy="2144543"/>
+            <a:off x="275785" y="2410092"/>
+            <a:ext cx="1803400" cy="2336800"/>
+          </a:xfrm>
+          <a:prstGeom prst="rect">
+            <a:avLst/>
+          </a:prstGeom>
+        </p:spPr>
+      </p:pic>
+      <p:pic>
+        <p:nvPicPr>
+          <p:cNvPr id="20" name="Picture 19" descr="Files.png"/>
+          <p:cNvPicPr>
+            <a:picLocks noChangeAspect="1"/>
+          </p:cNvPicPr>
+          <p:nvPr/>
+        </p:nvPicPr>
+        <p:blipFill>
+          <a:blip r:embed="rId4">
+            <a:extLst>
+              <a:ext uri="{28A0092B-C50C-407E-A947-70E740481C1C}">
+                <a14:useLocalDpi xmlns:a14="http://schemas.microsoft.com/office/drawing/2010/main" val="0"/>
+              </a:ext>
+            </a:extLst>
+          </a:blip>
+          <a:stretch>
+            <a:fillRect/>
+          </a:stretch>
+        </p:blipFill>
+        <p:spPr>
+          <a:xfrm>
+            <a:off x="4922900" y="2410092"/>
+            <a:ext cx="1803400" cy="2336800"/>
+          </a:xfrm>
+          <a:prstGeom prst="rect">
+            <a:avLst/>
+          </a:prstGeom>
+        </p:spPr>
+      </p:pic>
+      <p:pic>
+        <p:nvPicPr>
+          <p:cNvPr id="21" name="Picture 20" descr="Files.png"/>
+          <p:cNvPicPr>
+            <a:picLocks noChangeAspect="1"/>
+          </p:cNvPicPr>
+          <p:nvPr/>
+        </p:nvPicPr>
+        <p:blipFill>
+          <a:blip r:embed="rId4">
+            <a:extLst>
+              <a:ext uri="{28A0092B-C50C-407E-A947-70E740481C1C}">
+                <a14:useLocalDpi xmlns:a14="http://schemas.microsoft.com/office/drawing/2010/main" val="0"/>
+              </a:ext>
+            </a:extLst>
+          </a:blip>
+          <a:stretch>
+            <a:fillRect/>
+          </a:stretch>
+        </p:blipFill>
+        <p:spPr>
+          <a:xfrm>
+            <a:off x="2615041" y="2410092"/>
+            <a:ext cx="1803400" cy="2336800"/>
+          </a:xfrm>
+          <a:prstGeom prst="rect">
+            <a:avLst/>
+          </a:prstGeom>
+        </p:spPr>
+      </p:pic>
+      <p:pic>
+        <p:nvPicPr>
+          <p:cNvPr id="22" name="Picture 21" descr="Files.png"/>
+          <p:cNvPicPr>
+            <a:picLocks noChangeAspect="1"/>
+          </p:cNvPicPr>
+          <p:nvPr/>
+        </p:nvPicPr>
+        <p:blipFill>
+          <a:blip r:embed="rId4">
+            <a:extLst>
+              <a:ext uri="{28A0092B-C50C-407E-A947-70E740481C1C}">
+                <a14:useLocalDpi xmlns:a14="http://schemas.microsoft.com/office/drawing/2010/main" val="0"/>
+              </a:ext>
+            </a:extLst>
+          </a:blip>
+          <a:stretch>
+            <a:fillRect/>
+          </a:stretch>
+        </p:blipFill>
+        <p:spPr>
+          <a:xfrm>
+            <a:off x="7214865" y="2410092"/>
+            <a:ext cx="1803400" cy="2336800"/>
           </a:xfrm>
           <a:prstGeom prst="rect">
             <a:avLst/>
@@ -15510,7 +16123,7 @@
       </p:pic>
       <p:pic>
         <p:nvPicPr>
-          <p:cNvPr id="6" name="Picture 5" descr="Files.png"/>
+          <p:cNvPr id="4" name="Picture 3" descr="pointer.png"/>
           <p:cNvPicPr>
             <a:picLocks noChangeAspect="1"/>
           </p:cNvPicPr>
@@ -15530,98 +16143,8 @@
         </p:blipFill>
         <p:spPr>
           <a:xfrm>
-            <a:off x="275785" y="2410092"/>
-            <a:ext cx="1803400" cy="2336800"/>
-          </a:xfrm>
-          <a:prstGeom prst="rect">
-            <a:avLst/>
-          </a:prstGeom>
-        </p:spPr>
-      </p:pic>
-      <p:pic>
-        <p:nvPicPr>
-          <p:cNvPr id="20" name="Picture 19" descr="Files.png"/>
-          <p:cNvPicPr>
-            <a:picLocks noChangeAspect="1"/>
-          </p:cNvPicPr>
-          <p:nvPr/>
-        </p:nvPicPr>
-        <p:blipFill>
-          <a:blip r:embed="rId6">
-            <a:extLst>
-              <a:ext uri="{28A0092B-C50C-407E-A947-70E740481C1C}">
-                <a14:useLocalDpi xmlns:a14="http://schemas.microsoft.com/office/drawing/2010/main" val="0"/>
-              </a:ext>
-            </a:extLst>
-          </a:blip>
-          <a:stretch>
-            <a:fillRect/>
-          </a:stretch>
-        </p:blipFill>
-        <p:spPr>
-          <a:xfrm>
-            <a:off x="4922900" y="2410092"/>
-            <a:ext cx="1803400" cy="2336800"/>
-          </a:xfrm>
-          <a:prstGeom prst="rect">
-            <a:avLst/>
-          </a:prstGeom>
-        </p:spPr>
-      </p:pic>
-      <p:pic>
-        <p:nvPicPr>
-          <p:cNvPr id="21" name="Picture 20" descr="Files.png"/>
-          <p:cNvPicPr>
-            <a:picLocks noChangeAspect="1"/>
-          </p:cNvPicPr>
-          <p:nvPr/>
-        </p:nvPicPr>
-        <p:blipFill>
-          <a:blip r:embed="rId6">
-            <a:extLst>
-              <a:ext uri="{28A0092B-C50C-407E-A947-70E740481C1C}">
-                <a14:useLocalDpi xmlns:a14="http://schemas.microsoft.com/office/drawing/2010/main" val="0"/>
-              </a:ext>
-            </a:extLst>
-          </a:blip>
-          <a:stretch>
-            <a:fillRect/>
-          </a:stretch>
-        </p:blipFill>
-        <p:spPr>
-          <a:xfrm>
-            <a:off x="2615041" y="2410092"/>
-            <a:ext cx="1803400" cy="2336800"/>
-          </a:xfrm>
-          <a:prstGeom prst="rect">
-            <a:avLst/>
-          </a:prstGeom>
-        </p:spPr>
-      </p:pic>
-      <p:pic>
-        <p:nvPicPr>
-          <p:cNvPr id="22" name="Picture 21" descr="Files.png"/>
-          <p:cNvPicPr>
-            <a:picLocks noChangeAspect="1"/>
-          </p:cNvPicPr>
-          <p:nvPr/>
-        </p:nvPicPr>
-        <p:blipFill>
-          <a:blip r:embed="rId6">
-            <a:extLst>
-              <a:ext uri="{28A0092B-C50C-407E-A947-70E740481C1C}">
-                <a14:useLocalDpi xmlns:a14="http://schemas.microsoft.com/office/drawing/2010/main" val="0"/>
-              </a:ext>
-            </a:extLst>
-          </a:blip>
-          <a:stretch>
-            <a:fillRect/>
-          </a:stretch>
-        </p:blipFill>
-        <p:spPr>
-          <a:xfrm>
-            <a:off x="7214865" y="2410092"/>
-            <a:ext cx="1803400" cy="2336800"/>
+            <a:off x="5139338" y="2410092"/>
+            <a:ext cx="1586962" cy="2144543"/>
           </a:xfrm>
           <a:prstGeom prst="rect">
             <a:avLst/>
@@ -15659,7 +16182,7 @@
                             </p:stCondLst>
                             <p:childTnLst>
                               <p:par>
-                                <p:cTn id="5" presetID="1" presetClass="exit" presetSubtype="0" fill="hold" nodeType="clickEffect">
+                                <p:cTn id="5" presetID="1" presetClass="entr" presetSubtype="0" fill="hold" nodeType="clickEffect">
                                   <p:stCondLst>
                                     <p:cond delay="0"/>
                                   </p:stCondLst>
@@ -15679,14 +16202,14 @@
                                         </p:attrNameLst>
                                       </p:cBhvr>
                                       <p:to>
-                                        <p:strVal val="hidden"/>
+                                        <p:strVal val="visible"/>
                                       </p:to>
                                     </p:set>
                                   </p:childTnLst>
                                 </p:cTn>
                               </p:par>
                               <p:par>
-                                <p:cTn id="7" presetID="1" presetClass="exit" presetSubtype="0" fill="hold" nodeType="withEffect">
+                                <p:cTn id="7" presetID="1" presetClass="entr" presetSubtype="0" fill="hold" nodeType="withEffect">
                                   <p:stCondLst>
                                     <p:cond delay="0"/>
                                   </p:stCondLst>
@@ -15706,6 +16229,51 @@
                                         </p:attrNameLst>
                                       </p:cBhvr>
                                       <p:to>
+                                        <p:strVal val="visible"/>
+                                      </p:to>
+                                    </p:set>
+                                  </p:childTnLst>
+                                </p:cTn>
+                              </p:par>
+                            </p:childTnLst>
+                          </p:cTn>
+                        </p:par>
+                      </p:childTnLst>
+                    </p:cTn>
+                  </p:par>
+                  <p:par>
+                    <p:cTn id="9" fill="hold">
+                      <p:stCondLst>
+                        <p:cond delay="indefinite"/>
+                      </p:stCondLst>
+                      <p:childTnLst>
+                        <p:par>
+                          <p:cTn id="10" fill="hold">
+                            <p:stCondLst>
+                              <p:cond delay="0"/>
+                            </p:stCondLst>
+                            <p:childTnLst>
+                              <p:par>
+                                <p:cTn id="11" presetID="1" presetClass="exit" presetSubtype="0" fill="hold" nodeType="clickEffect">
+                                  <p:stCondLst>
+                                    <p:cond delay="0"/>
+                                  </p:stCondLst>
+                                  <p:childTnLst>
+                                    <p:set>
+                                      <p:cBhvr>
+                                        <p:cTn id="12" dur="1" fill="hold">
+                                          <p:stCondLst>
+                                            <p:cond delay="0"/>
+                                          </p:stCondLst>
+                                        </p:cTn>
+                                        <p:tgtEl>
+                                          <p:spTgt spid="5"/>
+                                        </p:tgtEl>
+                                        <p:attrNameLst>
+                                          <p:attrName>style.visibility</p:attrName>
+                                        </p:attrNameLst>
+                                      </p:cBhvr>
+                                      <p:to>
                                         <p:strVal val="hidden"/>
                                       </p:to>
                                     </p:set>
@@ -15713,14 +16281,41 @@
                                 </p:cTn>
                               </p:par>
                               <p:par>
-                                <p:cTn id="9" presetID="1" presetClass="entr" presetSubtype="0" fill="hold" nodeType="withEffect">
+                                <p:cTn id="13" presetID="1" presetClass="exit" presetSubtype="0" fill="hold" nodeType="withEffect">
                                   <p:stCondLst>
                                     <p:cond delay="0"/>
                                   </p:stCondLst>
                                   <p:childTnLst>
                                     <p:set>
                                       <p:cBhvr>
-                                        <p:cTn id="10" dur="1" fill="hold">
+                                        <p:cTn id="14" dur="1" fill="hold">
+                                          <p:stCondLst>
+                                            <p:cond delay="0"/>
+                                          </p:stCondLst>
+                                        </p:cTn>
+                                        <p:tgtEl>
+                                          <p:spTgt spid="4"/>
+                                        </p:tgtEl>
+                                        <p:attrNameLst>
+                                          <p:attrName>style.visibility</p:attrName>
+                                        </p:attrNameLst>
+                                      </p:cBhvr>
+                                      <p:to>
+                                        <p:strVal val="hidden"/>
+                                      </p:to>
+                                    </p:set>
+                                  </p:childTnLst>
+                                </p:cTn>
+                              </p:par>
+                              <p:par>
+                                <p:cTn id="15" presetID="1" presetClass="entr" presetSubtype="0" fill="hold" nodeType="withEffect">
+                                  <p:stCondLst>
+                                    <p:cond delay="0"/>
+                                  </p:stCondLst>
+                                  <p:childTnLst>
+                                    <p:set>
+                                      <p:cBhvr>
+                                        <p:cTn id="16" dur="1" fill="hold">
                                           <p:stCondLst>
                                             <p:cond delay="0"/>
                                           </p:stCondLst>
@@ -15740,14 +16335,14 @@
                                 </p:cTn>
                               </p:par>
                               <p:par>
-                                <p:cTn id="11" presetID="1" presetClass="entr" presetSubtype="0" fill="hold" nodeType="withEffect">
+                                <p:cTn id="17" presetID="1" presetClass="entr" presetSubtype="0" fill="hold" nodeType="withEffect">
                                   <p:stCondLst>
                                     <p:cond delay="0"/>
                                   </p:stCondLst>
                                   <p:childTnLst>
                                     <p:set>
                                       <p:cBhvr>
-                                        <p:cTn id="12" dur="1" fill="hold">
+                                        <p:cTn id="18" dur="1" fill="hold">
                                           <p:stCondLst>
                                             <p:cond delay="0"/>
                                           </p:stCondLst>
@@ -15767,14 +16362,14 @@
                                 </p:cTn>
                               </p:par>
                               <p:par>
-                                <p:cTn id="13" presetID="1" presetClass="entr" presetSubtype="0" fill="hold" nodeType="withEffect">
+                                <p:cTn id="19" presetID="1" presetClass="entr" presetSubtype="0" fill="hold" nodeType="withEffect">
                                   <p:stCondLst>
                                     <p:cond delay="0"/>
                                   </p:stCondLst>
                                   <p:childTnLst>
                                     <p:set>
                                       <p:cBhvr>
-                                        <p:cTn id="14" dur="1" fill="hold">
+                                        <p:cTn id="20" dur="1" fill="hold">
                                           <p:stCondLst>
                                             <p:cond delay="0"/>
                                           </p:stCondLst>
@@ -15794,14 +16389,14 @@
                                 </p:cTn>
                               </p:par>
                               <p:par>
-                                <p:cTn id="15" presetID="1" presetClass="entr" presetSubtype="0" fill="hold" nodeType="withEffect">
+                                <p:cTn id="21" presetID="1" presetClass="entr" presetSubtype="0" fill="hold" nodeType="withEffect">
                                   <p:stCondLst>
                                     <p:cond delay="0"/>
                                   </p:stCondLst>
                                   <p:childTnLst>
                                     <p:set>
                                       <p:cBhvr>
-                                        <p:cTn id="16" dur="1" fill="hold">
+                                        <p:cTn id="22" dur="1" fill="hold">
                                           <p:stCondLst>
                                             <p:cond delay="0"/>
                                           </p:stCondLst>

--- a/oclc-elk.pptx
+++ b/oclc-elk.pptx
@@ -13202,7 +13202,23 @@
                   <a:srgbClr val="000000"/>
                 </a:solidFill>
               </a:rPr>
-              <a:t>Event propagation = ~300 lines of code</a:t>
+              <a:t>Event </a:t>
+            </a:r>
+            <a:r>
+              <a:rPr lang="en-US" dirty="0" smtClean="0">
+                <a:solidFill>
+                  <a:srgbClr val="000000"/>
+                </a:solidFill>
+              </a:rPr>
+              <a:t>Id propagation </a:t>
+            </a:r>
+            <a:r>
+              <a:rPr lang="en-US" dirty="0" smtClean="0">
+                <a:solidFill>
+                  <a:srgbClr val="000000"/>
+                </a:solidFill>
+              </a:rPr>
+              <a:t>= ~300 lines of code</a:t>
             </a:r>
           </a:p>
           <a:p>
@@ -13222,7 +13238,23 @@
                   <a:srgbClr val="000000"/>
                 </a:solidFill>
               </a:rPr>
-              <a:t>Client propagation = ~40 lines of code</a:t>
+              <a:t>Client </a:t>
+            </a:r>
+            <a:r>
+              <a:rPr lang="en-US" dirty="0" smtClean="0">
+                <a:solidFill>
+                  <a:srgbClr val="000000"/>
+                </a:solidFill>
+              </a:rPr>
+              <a:t>Id propagation </a:t>
+            </a:r>
+            <a:r>
+              <a:rPr lang="en-US" dirty="0" smtClean="0">
+                <a:solidFill>
+                  <a:srgbClr val="000000"/>
+                </a:solidFill>
+              </a:rPr>
+              <a:t>= ~40 lines of code</a:t>
             </a:r>
           </a:p>
           <a:p>

--- a/oclc-elk.pptx
+++ b/oclc-elk.pptx
@@ -222,7 +222,7 @@
           <a:p>
             <a:fld id="{26AD1A27-936B-714C-A770-4CD7AA64F397}" type="datetimeFigureOut">
               <a:rPr lang="en-US" smtClean="0"/>
-              <a:t>1/1/15</a:t>
+              <a:t>1/7/15</a:t>
             </a:fld>
             <a:endParaRPr lang="en-US"/>
           </a:p>
@@ -565,7 +565,6 @@
               <a:rPr lang="en-US" baseline="0" dirty="0" smtClean="0"/>
               <a:t>I’d like to tell you about where I work, and the issues we had, and then what we did to fix them.</a:t>
             </a:r>
-            <a:endParaRPr lang="en-US" baseline="0" dirty="0" smtClean="0"/>
           </a:p>
         </p:txBody>
       </p:sp>
@@ -1265,11 +1264,7 @@
             </a:r>
             <a:r>
               <a:rPr lang="en-US" sz="1200" dirty="0" smtClean="0"/>
-              <a:t> </a:t>
-            </a:r>
-            <a:r>
-              <a:rPr lang="en-US" sz="1200" dirty="0" smtClean="0"/>
-              <a:t>is a project similar to Apache Flume if you are </a:t>
+              <a:t> is a project similar to Apache Flume if you are </a:t>
             </a:r>
             <a:r>
               <a:rPr lang="en-US" sz="1200" dirty="0" err="1" smtClean="0"/>
@@ -1478,13 +1473,8 @@
             </a:pPr>
             <a:r>
               <a:rPr lang="en-US" sz="1200" baseline="0" dirty="0" smtClean="0"/>
-              <a:t>Or unstructured data can be treated the same as structured</a:t>
-            </a:r>
-            <a:r>
-              <a:rPr lang="en-US" sz="1200" baseline="0" dirty="0" smtClean="0"/>
-              <a:t>.</a:t>
-            </a:r>
-            <a:endParaRPr lang="en-US" sz="1200" baseline="0" dirty="0" smtClean="0"/>
+              <a:t>Or unstructured data can be treated the same as structured.</a:t>
+            </a:r>
           </a:p>
           <a:p>
             <a:pPr marL="0" marR="0" indent="0" algn="l" defTabSz="457200" rtl="0" eaLnBrk="1" fontAlgn="auto" latinLnBrk="0" hangingPunct="1">
@@ -1635,11 +1625,7 @@
             </a:r>
             <a:r>
               <a:rPr lang="en-US" sz="1200" baseline="0" dirty="0" smtClean="0"/>
-              <a:t> – entire java ecosystem available to you</a:t>
-            </a:r>
-            <a:r>
-              <a:rPr lang="en-US" sz="1200" baseline="0" dirty="0" smtClean="0"/>
-              <a:t>.  Most of ruby ecosystem is available to you.</a:t>
+              <a:t> – entire java ecosystem available to you.  Most of ruby ecosystem is available to you.</a:t>
             </a:r>
             <a:endParaRPr lang="en-US" sz="1200" dirty="0" smtClean="0"/>
           </a:p>
@@ -1734,11 +1720,7 @@
             </a:r>
             <a:r>
               <a:rPr lang="en-US" sz="1200" dirty="0" smtClean="0"/>
-              <a:t> allows you to visualize logs and time-stamped </a:t>
-            </a:r>
-            <a:r>
-              <a:rPr lang="en-US" sz="1200" dirty="0" smtClean="0"/>
-              <a:t>data</a:t>
+              <a:t> allows you to visualize logs and time-stamped data</a:t>
             </a:r>
           </a:p>
           <a:p>
@@ -3518,7 +3500,35 @@
             </a:r>
             <a:r>
               <a:rPr lang="en-US" baseline="0" dirty="0" smtClean="0"/>
-              <a:t>  These are not the problems I am here to discuss.  I want to talk about the problems you experience when trying to figure out an issue with an application.</a:t>
+              <a:t>  </a:t>
+            </a:r>
+            <a:endParaRPr lang="en-US" baseline="0" dirty="0" smtClean="0"/>
+          </a:p>
+          <a:p>
+            <a:endParaRPr lang="en-US" baseline="0" dirty="0" smtClean="0"/>
+          </a:p>
+          <a:p>
+            <a:r>
+              <a:rPr lang="en-US" baseline="0" dirty="0" smtClean="0"/>
+              <a:t>These </a:t>
+            </a:r>
+            <a:r>
+              <a:rPr lang="en-US" baseline="0" dirty="0" smtClean="0"/>
+              <a:t>are not the problems I am here to discuss.  </a:t>
+            </a:r>
+            <a:endParaRPr lang="en-US" baseline="0" dirty="0" smtClean="0"/>
+          </a:p>
+          <a:p>
+            <a:endParaRPr lang="en-US" baseline="0" dirty="0" smtClean="0"/>
+          </a:p>
+          <a:p>
+            <a:r>
+              <a:rPr lang="en-US" baseline="0" dirty="0" smtClean="0"/>
+              <a:t>I </a:t>
+            </a:r>
+            <a:r>
+              <a:rPr lang="en-US" baseline="0" dirty="0" smtClean="0"/>
+              <a:t>want to talk about the problems you experience when trying to figure out an issue with an application.</a:t>
             </a:r>
             <a:endParaRPr lang="en-US" dirty="0"/>
           </a:p>
@@ -4298,7 +4308,7 @@
           <a:p>
             <a:fld id="{216C5678-EE20-4FA5-88E2-6E0BD67A2E26}" type="datetime1">
               <a:rPr lang="en-US" smtClean="0"/>
-              <a:t>1/1/15</a:t>
+              <a:t>1/7/15</a:t>
             </a:fld>
             <a:endParaRPr lang="en-US" dirty="0"/>
           </a:p>
@@ -4468,7 +4478,7 @@
           <a:p>
             <a:fld id="{EA051B39-B140-43FE-96DB-472A2B59CE7C}" type="datetime1">
               <a:rPr lang="en-US" smtClean="0"/>
-              <a:t>1/1/15</a:t>
+              <a:t>1/7/15</a:t>
             </a:fld>
             <a:endParaRPr lang="en-US"/>
           </a:p>
@@ -4648,7 +4658,7 @@
           <a:p>
             <a:fld id="{DA600BB2-27C5-458B-ABCE-839C88CF47CE}" type="datetime1">
               <a:rPr lang="en-US" smtClean="0"/>
-              <a:t>1/1/15</a:t>
+              <a:t>1/7/15</a:t>
             </a:fld>
             <a:endParaRPr lang="en-US"/>
           </a:p>
@@ -4836,7 +4846,7 @@
           <a:p>
             <a:fld id="{B11D738E-8962-435F-8C43-147B8DD7E819}" type="datetime1">
               <a:rPr lang="en-US" smtClean="0"/>
-              <a:t>1/1/15</a:t>
+              <a:t>1/7/15</a:t>
             </a:fld>
             <a:endParaRPr lang="en-US"/>
           </a:p>
@@ -5103,7 +5113,7 @@
           <a:p>
             <a:fld id="{09CAEA93-55E7-4DA9-90C2-089A26EEFEC4}" type="datetime1">
               <a:rPr lang="en-US" smtClean="0"/>
-              <a:t>1/1/15</a:t>
+              <a:t>1/7/15</a:t>
             </a:fld>
             <a:endParaRPr lang="en-US"/>
           </a:p>
@@ -5456,7 +5466,7 @@
           <a:p>
             <a:fld id="{E34CF3C7-6809-4F39-BD67-A75817BDDE0A}" type="datetime1">
               <a:rPr lang="en-US" smtClean="0"/>
-              <a:t>1/1/15</a:t>
+              <a:t>1/7/15</a:t>
             </a:fld>
             <a:endParaRPr lang="en-US"/>
           </a:p>
@@ -5769,7 +5779,7 @@
           <a:p>
             <a:fld id="{F7EAEB24-CE78-465C-A726-91D0868FA48F}" type="datetime1">
               <a:rPr lang="en-US" smtClean="0"/>
-              <a:t>1/1/15</a:t>
+              <a:t>1/7/15</a:t>
             </a:fld>
             <a:endParaRPr lang="en-US"/>
           </a:p>
@@ -6001,7 +6011,7 @@
           <a:p>
             <a:fld id="{40BAADF0-1749-4E8B-9691-B44A5F8C0895}" type="datetime1">
               <a:rPr lang="en-US" smtClean="0"/>
-              <a:t>1/1/15</a:t>
+              <a:t>1/7/15</a:t>
             </a:fld>
             <a:endParaRPr lang="en-US"/>
           </a:p>
@@ -6096,7 +6106,7 @@
           <a:p>
             <a:fld id="{A8AF628A-A867-4937-BBE5-207DB6F9C51A}" type="datetime1">
               <a:rPr lang="en-US" smtClean="0"/>
-              <a:t>1/1/15</a:t>
+              <a:t>1/7/15</a:t>
             </a:fld>
             <a:endParaRPr lang="en-US"/>
           </a:p>
@@ -6389,7 +6399,7 @@
           <a:p>
             <a:fld id="{118BBB94-68E6-4675-A946-F1C5994EDBD7}" type="datetime1">
               <a:rPr lang="en-US" smtClean="0"/>
-              <a:t>1/1/15</a:t>
+              <a:t>1/7/15</a:t>
             </a:fld>
             <a:endParaRPr lang="en-US"/>
           </a:p>
@@ -6663,7 +6673,7 @@
           <a:p>
             <a:fld id="{DC3B8377-21E3-4835-B75D-4E2847E2750F}" type="datetime1">
               <a:rPr lang="en-US" smtClean="0"/>
-              <a:t>1/1/15</a:t>
+              <a:t>1/7/15</a:t>
             </a:fld>
             <a:endParaRPr lang="en-US"/>
           </a:p>
@@ -6878,7 +6888,7 @@
           <a:p>
             <a:fld id="{B0C4986D-6BE9-4264-908F-02DB36FD8D6C}" type="datetime1">
               <a:rPr lang="en-US" smtClean="0"/>
-              <a:t>1/1/15</a:t>
+              <a:t>1/7/15</a:t>
             </a:fld>
             <a:endParaRPr lang="en-US" dirty="0"/>
           </a:p>
@@ -13202,23 +13212,7 @@
                   <a:srgbClr val="000000"/>
                 </a:solidFill>
               </a:rPr>
-              <a:t>Event </a:t>
-            </a:r>
-            <a:r>
-              <a:rPr lang="en-US" dirty="0" smtClean="0">
-                <a:solidFill>
-                  <a:srgbClr val="000000"/>
-                </a:solidFill>
-              </a:rPr>
-              <a:t>Id propagation </a:t>
-            </a:r>
-            <a:r>
-              <a:rPr lang="en-US" dirty="0" smtClean="0">
-                <a:solidFill>
-                  <a:srgbClr val="000000"/>
-                </a:solidFill>
-              </a:rPr>
-              <a:t>= ~300 lines of code</a:t>
+              <a:t>Event Id propagation = ~300 lines of code</a:t>
             </a:r>
           </a:p>
           <a:p>
@@ -13238,23 +13232,7 @@
                   <a:srgbClr val="000000"/>
                 </a:solidFill>
               </a:rPr>
-              <a:t>Client </a:t>
-            </a:r>
-            <a:r>
-              <a:rPr lang="en-US" dirty="0" smtClean="0">
-                <a:solidFill>
-                  <a:srgbClr val="000000"/>
-                </a:solidFill>
-              </a:rPr>
-              <a:t>Id propagation </a:t>
-            </a:r>
-            <a:r>
-              <a:rPr lang="en-US" dirty="0" smtClean="0">
-                <a:solidFill>
-                  <a:srgbClr val="000000"/>
-                </a:solidFill>
-              </a:rPr>
-              <a:t>= ~40 lines of code</a:t>
+              <a:t>Client Id propagation = ~40 lines of code</a:t>
             </a:r>
           </a:p>
           <a:p>
@@ -15627,11 +15605,7 @@
           <a:p>
             <a:r>
               <a:rPr lang="en-US" dirty="0" smtClean="0"/>
-              <a:t>Productio</a:t>
-            </a:r>
-            <a:r>
-              <a:rPr lang="en-US" dirty="0" smtClean="0"/>
-              <a:t>n Access</a:t>
+              <a:t>Production Access</a:t>
             </a:r>
             <a:endParaRPr lang="en-US" dirty="0"/>
           </a:p>

--- a/oclc-elk.pptx
+++ b/oclc-elk.pptx
@@ -2875,7 +2875,20 @@
           <a:p>
             <a:r>
               <a:rPr lang="en-US" baseline="0" dirty="0" smtClean="0"/>
-              <a:t>When starting demo describe </a:t>
+              <a:t>Explain that there are random wait times and random failures injected into each service.</a:t>
+            </a:r>
+          </a:p>
+          <a:p>
+            <a:endParaRPr lang="en-US" baseline="0" dirty="0" smtClean="0"/>
+          </a:p>
+          <a:p>
+            <a:r>
+              <a:rPr lang="en-US" baseline="0" dirty="0" smtClean="0"/>
+              <a:t>When </a:t>
+            </a:r>
+            <a:r>
+              <a:rPr lang="en-US" baseline="0" dirty="0" smtClean="0"/>
+              <a:t>starting demo describe </a:t>
             </a:r>
             <a:r>
               <a:rPr lang="en-US" baseline="0" dirty="0" err="1" smtClean="0"/>
@@ -13212,7 +13225,31 @@
                   <a:srgbClr val="000000"/>
                 </a:solidFill>
               </a:rPr>
-              <a:t>Event Id propagation = ~300 lines of code</a:t>
+              <a:t>Event Id propagation </a:t>
+            </a:r>
+            <a:r>
+              <a:rPr lang="en-US" smtClean="0">
+                <a:solidFill>
+                  <a:srgbClr val="000000"/>
+                </a:solidFill>
+              </a:rPr>
+              <a:t>= </a:t>
+            </a:r>
+            <a:r>
+              <a:rPr lang="en-US" smtClean="0">
+                <a:solidFill>
+                  <a:srgbClr val="000000"/>
+                </a:solidFill>
+              </a:rPr>
+              <a:t>~400 </a:t>
+            </a:r>
+            <a:r>
+              <a:rPr lang="en-US" dirty="0" smtClean="0">
+                <a:solidFill>
+                  <a:srgbClr val="000000"/>
+                </a:solidFill>
+              </a:rPr>
+              <a:t>lines of code</a:t>
             </a:r>
           </a:p>
           <a:p>
